--- a/Bot na platformě Discord.pptx
+++ b/Bot na platformě Discord.pptx
@@ -5,7 +5,7 @@
     <p:sldMasterId id="2147483648" r:id="rId1"/>
   </p:sldMasterIdLst>
   <p:notesMasterIdLst>
-    <p:notesMasterId r:id="rId23"/>
+    <p:notesMasterId r:id="rId24"/>
   </p:notesMasterIdLst>
   <p:sldIdLst>
     <p:sldId id="256" r:id="rId2"/>
@@ -29,6 +29,7 @@
     <p:sldId id="272" r:id="rId20"/>
     <p:sldId id="273" r:id="rId21"/>
     <p:sldId id="268" r:id="rId22"/>
+    <p:sldId id="280" r:id="rId23"/>
   </p:sldIdLst>
   <p:sldSz cx="12192000" cy="6858000"/>
   <p:notesSz cx="6858000" cy="9144000"/>
@@ -523,6 +524,90 @@
           <a:bodyPr/>
           <a:lstStyle/>
           <a:p>
+            <a:endParaRPr lang="cs-CZ"/>
+          </a:p>
+        </p:txBody>
+      </p:sp>
+      <p:sp>
+        <p:nvSpPr>
+          <p:cNvPr id="4" name="Zástupný symbol pro číslo snímku 3"/>
+          <p:cNvSpPr>
+            <a:spLocks noGrp="1"/>
+          </p:cNvSpPr>
+          <p:nvPr>
+            <p:ph type="sldNum" sz="quarter" idx="5"/>
+          </p:nvPr>
+        </p:nvSpPr>
+        <p:spPr/>
+        <p:txBody>
+          <a:bodyPr/>
+          <a:lstStyle/>
+          <a:p>
+            <a:fld id="{189E2786-D6D2-4EB2-A307-5B51A29B4C28}" type="slidenum">
+              <a:rPr lang="cs-CZ" smtClean="0"/>
+              <a:t>2</a:t>
+            </a:fld>
+            <a:endParaRPr lang="cs-CZ"/>
+          </a:p>
+        </p:txBody>
+      </p:sp>
+    </p:spTree>
+    <p:extLst>
+      <p:ext uri="{BB962C8B-B14F-4D97-AF65-F5344CB8AC3E}">
+        <p14:creationId xmlns:p14="http://schemas.microsoft.com/office/powerpoint/2010/main" val="2541593484"/>
+      </p:ext>
+    </p:extLst>
+  </p:cSld>
+  <p:clrMapOvr>
+    <a:masterClrMapping/>
+  </p:clrMapOvr>
+</p:notes>
+</file>
+
+<file path=ppt/notesSlides/notesSlide2.xml><?xml version="1.0" encoding="utf-8"?>
+<p:notes xmlns:a="http://schemas.openxmlformats.org/drawingml/2006/main" xmlns:r="http://schemas.openxmlformats.org/officeDocument/2006/relationships" xmlns:p="http://schemas.openxmlformats.org/presentationml/2006/main">
+  <p:cSld>
+    <p:spTree>
+      <p:nvGrpSpPr>
+        <p:cNvPr id="1" name=""/>
+        <p:cNvGrpSpPr/>
+        <p:nvPr/>
+      </p:nvGrpSpPr>
+      <p:grpSpPr>
+        <a:xfrm>
+          <a:off x="0" y="0"/>
+          <a:ext cx="0" cy="0"/>
+          <a:chOff x="0" y="0"/>
+          <a:chExt cx="0" cy="0"/>
+        </a:xfrm>
+      </p:grpSpPr>
+      <p:sp>
+        <p:nvSpPr>
+          <p:cNvPr id="2" name="Zástupný symbol pro obrázek snímku 1"/>
+          <p:cNvSpPr>
+            <a:spLocks noGrp="1" noRot="1" noChangeAspect="1"/>
+          </p:cNvSpPr>
+          <p:nvPr>
+            <p:ph type="sldImg"/>
+          </p:nvPr>
+        </p:nvSpPr>
+        <p:spPr/>
+      </p:sp>
+      <p:sp>
+        <p:nvSpPr>
+          <p:cNvPr id="3" name="Zástupný symbol pro poznámky 2"/>
+          <p:cNvSpPr>
+            <a:spLocks noGrp="1"/>
+          </p:cNvSpPr>
+          <p:nvPr>
+            <p:ph type="body" idx="1"/>
+          </p:nvPr>
+        </p:nvSpPr>
+        <p:spPr/>
+        <p:txBody>
+          <a:bodyPr/>
+          <a:lstStyle/>
+          <a:p>
             <a:endParaRPr lang="cs-CZ" dirty="0"/>
           </a:p>
         </p:txBody>
@@ -780,6 +865,18 @@
   <p:clrMapOvr>
     <a:masterClrMapping/>
   </p:clrMapOvr>
+  <mc:AlternateContent xmlns:mc="http://schemas.openxmlformats.org/markup-compatibility/2006">
+    <mc:Choice xmlns:p159="http://schemas.microsoft.com/office/powerpoint/2015/09/main" Requires="p159">
+      <p:transition spd="slow">
+        <p159:morph option="byObject"/>
+      </p:transition>
+    </mc:Choice>
+    <mc:Fallback>
+      <p:transition spd="slow">
+        <p:fade/>
+      </p:transition>
+    </mc:Fallback>
+  </mc:AlternateContent>
 </p:sldLayout>
 </file>
 
@@ -978,6 +1075,18 @@
   <p:clrMapOvr>
     <a:masterClrMapping/>
   </p:clrMapOvr>
+  <mc:AlternateContent xmlns:mc="http://schemas.openxmlformats.org/markup-compatibility/2006">
+    <mc:Choice xmlns:p159="http://schemas.microsoft.com/office/powerpoint/2015/09/main" Requires="p159">
+      <p:transition spd="slow">
+        <p159:morph option="byObject"/>
+      </p:transition>
+    </mc:Choice>
+    <mc:Fallback>
+      <p:transition spd="slow">
+        <p:fade/>
+      </p:transition>
+    </mc:Fallback>
+  </mc:AlternateContent>
 </p:sldLayout>
 </file>
 
@@ -1186,6 +1295,18 @@
   <p:clrMapOvr>
     <a:masterClrMapping/>
   </p:clrMapOvr>
+  <mc:AlternateContent xmlns:mc="http://schemas.openxmlformats.org/markup-compatibility/2006">
+    <mc:Choice xmlns:p159="http://schemas.microsoft.com/office/powerpoint/2015/09/main" Requires="p159">
+      <p:transition spd="slow">
+        <p159:morph option="byObject"/>
+      </p:transition>
+    </mc:Choice>
+    <mc:Fallback>
+      <p:transition spd="slow">
+        <p:fade/>
+      </p:transition>
+    </mc:Fallback>
+  </mc:AlternateContent>
 </p:sldLayout>
 </file>
 
@@ -1384,6 +1505,18 @@
   <p:clrMapOvr>
     <a:masterClrMapping/>
   </p:clrMapOvr>
+  <mc:AlternateContent xmlns:mc="http://schemas.openxmlformats.org/markup-compatibility/2006">
+    <mc:Choice xmlns:p159="http://schemas.microsoft.com/office/powerpoint/2015/09/main" Requires="p159">
+      <p:transition spd="slow">
+        <p159:morph option="byObject"/>
+      </p:transition>
+    </mc:Choice>
+    <mc:Fallback>
+      <p:transition spd="slow">
+        <p:fade/>
+      </p:transition>
+    </mc:Fallback>
+  </mc:AlternateContent>
 </p:sldLayout>
 </file>
 
@@ -1659,6 +1792,18 @@
   <p:clrMapOvr>
     <a:masterClrMapping/>
   </p:clrMapOvr>
+  <mc:AlternateContent xmlns:mc="http://schemas.openxmlformats.org/markup-compatibility/2006">
+    <mc:Choice xmlns:p159="http://schemas.microsoft.com/office/powerpoint/2015/09/main" Requires="p159">
+      <p:transition spd="slow">
+        <p159:morph option="byObject"/>
+      </p:transition>
+    </mc:Choice>
+    <mc:Fallback>
+      <p:transition spd="slow">
+        <p:fade/>
+      </p:transition>
+    </mc:Fallback>
+  </mc:AlternateContent>
 </p:sldLayout>
 </file>
 
@@ -1924,6 +2069,18 @@
   <p:clrMapOvr>
     <a:masterClrMapping/>
   </p:clrMapOvr>
+  <mc:AlternateContent xmlns:mc="http://schemas.openxmlformats.org/markup-compatibility/2006">
+    <mc:Choice xmlns:p159="http://schemas.microsoft.com/office/powerpoint/2015/09/main" Requires="p159">
+      <p:transition spd="slow">
+        <p159:morph option="byObject"/>
+      </p:transition>
+    </mc:Choice>
+    <mc:Fallback>
+      <p:transition spd="slow">
+        <p:fade/>
+      </p:transition>
+    </mc:Fallback>
+  </mc:AlternateContent>
 </p:sldLayout>
 </file>
 
@@ -2336,6 +2493,18 @@
   <p:clrMapOvr>
     <a:masterClrMapping/>
   </p:clrMapOvr>
+  <mc:AlternateContent xmlns:mc="http://schemas.openxmlformats.org/markup-compatibility/2006">
+    <mc:Choice xmlns:p159="http://schemas.microsoft.com/office/powerpoint/2015/09/main" Requires="p159">
+      <p:transition spd="slow">
+        <p159:morph option="byObject"/>
+      </p:transition>
+    </mc:Choice>
+    <mc:Fallback>
+      <p:transition spd="slow">
+        <p:fade/>
+      </p:transition>
+    </mc:Fallback>
+  </mc:AlternateContent>
 </p:sldLayout>
 </file>
 
@@ -2477,6 +2646,18 @@
   <p:clrMapOvr>
     <a:masterClrMapping/>
   </p:clrMapOvr>
+  <mc:AlternateContent xmlns:mc="http://schemas.openxmlformats.org/markup-compatibility/2006">
+    <mc:Choice xmlns:p159="http://schemas.microsoft.com/office/powerpoint/2015/09/main" Requires="p159">
+      <p:transition spd="slow">
+        <p159:morph option="byObject"/>
+      </p:transition>
+    </mc:Choice>
+    <mc:Fallback>
+      <p:transition spd="slow">
+        <p:fade/>
+      </p:transition>
+    </mc:Fallback>
+  </mc:AlternateContent>
 </p:sldLayout>
 </file>
 
@@ -2590,6 +2771,18 @@
   <p:clrMapOvr>
     <a:masterClrMapping/>
   </p:clrMapOvr>
+  <mc:AlternateContent xmlns:mc="http://schemas.openxmlformats.org/markup-compatibility/2006">
+    <mc:Choice xmlns:p159="http://schemas.microsoft.com/office/powerpoint/2015/09/main" Requires="p159">
+      <p:transition spd="slow">
+        <p159:morph option="byObject"/>
+      </p:transition>
+    </mc:Choice>
+    <mc:Fallback>
+      <p:transition spd="slow">
+        <p:fade/>
+      </p:transition>
+    </mc:Fallback>
+  </mc:AlternateContent>
 </p:sldLayout>
 </file>
 
@@ -2901,6 +3094,18 @@
   <p:clrMapOvr>
     <a:masterClrMapping/>
   </p:clrMapOvr>
+  <mc:AlternateContent xmlns:mc="http://schemas.openxmlformats.org/markup-compatibility/2006">
+    <mc:Choice xmlns:p159="http://schemas.microsoft.com/office/powerpoint/2015/09/main" Requires="p159">
+      <p:transition spd="slow">
+        <p159:morph option="byObject"/>
+      </p:transition>
+    </mc:Choice>
+    <mc:Fallback>
+      <p:transition spd="slow">
+        <p:fade/>
+      </p:transition>
+    </mc:Fallback>
+  </mc:AlternateContent>
 </p:sldLayout>
 </file>
 
@@ -3189,6 +3394,18 @@
   <p:clrMapOvr>
     <a:masterClrMapping/>
   </p:clrMapOvr>
+  <mc:AlternateContent xmlns:mc="http://schemas.openxmlformats.org/markup-compatibility/2006">
+    <mc:Choice xmlns:p159="http://schemas.microsoft.com/office/powerpoint/2015/09/main" Requires="p159">
+      <p:transition spd="slow">
+        <p159:morph option="byObject"/>
+      </p:transition>
+    </mc:Choice>
+    <mc:Fallback>
+      <p:transition spd="slow">
+        <p:fade/>
+      </p:transition>
+    </mc:Fallback>
+  </mc:AlternateContent>
 </p:sldLayout>
 </file>
 
@@ -3477,6 +3694,18 @@
     <p:sldLayoutId id="2147483658" r:id="rId10"/>
     <p:sldLayoutId id="2147483659" r:id="rId11"/>
   </p:sldLayoutIdLst>
+  <mc:AlternateContent xmlns:mc="http://schemas.openxmlformats.org/markup-compatibility/2006">
+    <mc:Choice xmlns:p159="http://schemas.microsoft.com/office/powerpoint/2015/09/main" Requires="p159">
+      <p:transition spd="slow">
+        <p159:morph option="byObject"/>
+      </p:transition>
+    </mc:Choice>
+    <mc:Fallback>
+      <p:transition spd="slow">
+        <p:fade/>
+      </p:transition>
+    </mc:Fallback>
+  </mc:AlternateContent>
   <p:txStyles>
     <p:titleStyle>
       <a:lvl1pPr algn="l" defTabSz="914400" rtl="0" eaLnBrk="1" latinLnBrk="0" hangingPunct="1">
@@ -4260,20 +4489,32 @@
         </p:spPr>
         <p:txBody>
           <a:bodyPr anchor="b">
-            <a:normAutofit/>
+            <a:normAutofit fontScale="90000"/>
           </a:bodyPr>
           <a:lstStyle/>
           <a:p>
             <a:pPr algn="l"/>
             <a:r>
-              <a:rPr lang="cs-CZ" sz="5400" b="1" dirty="0"/>
+              <a:rPr lang="cs-CZ" b="1" dirty="0">
+                <a:solidFill>
+                  <a:srgbClr val="00B0F0"/>
+                </a:solidFill>
+              </a:rPr>
               <a:t>Bot na platformě </a:t>
             </a:r>
             <a:r>
-              <a:rPr lang="cs-CZ" sz="5400" b="1" dirty="0" err="1"/>
+              <a:rPr lang="cs-CZ" b="1" dirty="0" err="1">
+                <a:solidFill>
+                  <a:srgbClr val="00B0F0"/>
+                </a:solidFill>
+              </a:rPr>
               <a:t>Discord</a:t>
             </a:r>
-            <a:endParaRPr lang="cs-CZ" sz="5400" b="1" dirty="0"/>
+            <a:endParaRPr lang="cs-CZ" b="1" dirty="0">
+              <a:solidFill>
+                <a:srgbClr val="00B0F0"/>
+              </a:solidFill>
+            </a:endParaRPr>
           </a:p>
         </p:txBody>
       </p:sp>
@@ -4306,7 +4547,11 @@
           <a:lstStyle/>
           <a:p>
             <a:r>
-              <a:rPr lang="cs-CZ" dirty="0"/>
+              <a:rPr lang="cs-CZ" sz="3200" dirty="0">
+                <a:solidFill>
+                  <a:srgbClr val="00B0F0"/>
+                </a:solidFill>
+              </a:rPr>
               <a:t>Lukáš Netřeba</a:t>
             </a:r>
           </a:p>
@@ -4326,8 +4571,8 @@
         </p:nvSpPr>
         <p:spPr>
           <a:xfrm>
-            <a:off x="8631290" y="6372871"/>
-            <a:ext cx="3560710" cy="400110"/>
+            <a:off x="7448550" y="6334780"/>
+            <a:ext cx="4743450" cy="523220"/>
           </a:xfrm>
           <a:prstGeom prst="rect">
             <a:avLst/>
@@ -4341,14 +4586,26 @@
           <a:lstStyle/>
           <a:p>
             <a:r>
-              <a:rPr lang="cs-CZ" sz="2000" dirty="0"/>
+              <a:rPr lang="cs-CZ" sz="2800" dirty="0">
+                <a:solidFill>
+                  <a:srgbClr val="00B0F0"/>
+                </a:solidFill>
+              </a:rPr>
               <a:t>Vedoucí: Mgr. Roman </a:t>
             </a:r>
             <a:r>
-              <a:rPr lang="cs-CZ" sz="2000" dirty="0" err="1"/>
+              <a:rPr lang="cs-CZ" sz="2800" dirty="0" err="1">
+                <a:solidFill>
+                  <a:srgbClr val="00B0F0"/>
+                </a:solidFill>
+              </a:rPr>
               <a:t>Vyjídáček</a:t>
             </a:r>
-            <a:endParaRPr lang="cs-CZ" sz="2000" dirty="0"/>
+            <a:endParaRPr lang="cs-CZ" sz="2800" dirty="0">
+              <a:solidFill>
+                <a:srgbClr val="00B0F0"/>
+              </a:solidFill>
+            </a:endParaRPr>
           </a:p>
         </p:txBody>
       </p:sp>
@@ -4362,6 +4619,18 @@
   <p:clrMapOvr>
     <a:overrideClrMapping bg1="dk1" tx1="lt1" bg2="dk2" tx2="lt2" accent1="accent1" accent2="accent2" accent3="accent3" accent4="accent4" accent5="accent5" accent6="accent6" hlink="hlink" folHlink="folHlink"/>
   </p:clrMapOvr>
+  <mc:AlternateContent xmlns:mc="http://schemas.openxmlformats.org/markup-compatibility/2006">
+    <mc:Choice xmlns:p159="http://schemas.microsoft.com/office/powerpoint/2015/09/main" Requires="p159">
+      <p:transition spd="slow">
+        <p159:morph option="byObject"/>
+      </p:transition>
+    </mc:Choice>
+    <mc:Fallback>
+      <p:transition spd="slow">
+        <p:fade/>
+      </p:transition>
+    </mc:Fallback>
+  </mc:AlternateContent>
 </p:sld>
 </file>
 
@@ -4702,7 +4971,7 @@
             <a:r>
               <a:rPr lang="cs-CZ" b="1" dirty="0">
                 <a:solidFill>
-                  <a:srgbClr val="FFFFFF"/>
+                  <a:srgbClr val="00B0F0"/>
                 </a:solidFill>
               </a:rPr>
               <a:t>Funkcionalita bota - hudba</a:t>
@@ -4739,9 +5008,9 @@
           <a:lstStyle/>
           <a:p>
             <a:r>
-              <a:rPr lang="cs-CZ" sz="2400" dirty="0">
-                <a:solidFill>
-                  <a:srgbClr val="FFFFFF"/>
+              <a:rPr lang="cs-CZ" dirty="0">
+                <a:solidFill>
+                  <a:srgbClr val="00B0F0"/>
                 </a:solidFill>
               </a:rPr>
               <a:t>Přehrání hudby dané odkazem</a:t>
@@ -4749,9 +5018,9 @@
           </a:p>
           <a:p>
             <a:r>
-              <a:rPr lang="cs-CZ" sz="2400" dirty="0">
-                <a:solidFill>
-                  <a:srgbClr val="FFFFFF"/>
+              <a:rPr lang="cs-CZ" dirty="0">
+                <a:solidFill>
+                  <a:srgbClr val="00B0F0"/>
                 </a:solidFill>
               </a:rPr>
               <a:t>Fronta hudby</a:t>
@@ -4759,9 +5028,9 @@
           </a:p>
           <a:p>
             <a:r>
-              <a:rPr lang="cs-CZ" sz="2400" dirty="0">
-                <a:solidFill>
-                  <a:srgbClr val="FFFFFF"/>
+              <a:rPr lang="cs-CZ" dirty="0">
+                <a:solidFill>
+                  <a:srgbClr val="00B0F0"/>
                 </a:solidFill>
               </a:rPr>
               <a:t>Správa fronty (mazání, přeskakování, přidávání)</a:t>
@@ -4769,39 +5038,39 @@
           </a:p>
           <a:p>
             <a:r>
-              <a:rPr lang="cs-CZ" sz="2400" dirty="0" err="1">
-                <a:solidFill>
-                  <a:srgbClr val="FFFFFF"/>
+              <a:rPr lang="cs-CZ" dirty="0" err="1">
+                <a:solidFill>
+                  <a:srgbClr val="00B0F0"/>
                 </a:solidFill>
               </a:rPr>
               <a:t>youtube_dl</a:t>
             </a:r>
             <a:r>
-              <a:rPr lang="cs-CZ" sz="2400" dirty="0">
-                <a:solidFill>
-                  <a:srgbClr val="FFFFFF"/>
+              <a:rPr lang="cs-CZ" dirty="0">
+                <a:solidFill>
+                  <a:srgbClr val="00B0F0"/>
                 </a:solidFill>
               </a:rPr>
               <a:t> API, </a:t>
             </a:r>
             <a:r>
-              <a:rPr lang="cs-CZ" sz="2400" dirty="0" err="1">
-                <a:solidFill>
-                  <a:srgbClr val="FFFFFF"/>
+              <a:rPr lang="cs-CZ" dirty="0" err="1">
+                <a:solidFill>
+                  <a:srgbClr val="00B0F0"/>
                 </a:solidFill>
               </a:rPr>
               <a:t>ffmpeg</a:t>
             </a:r>
-            <a:endParaRPr lang="cs-CZ" sz="2400" dirty="0">
+            <a:endParaRPr lang="cs-CZ" dirty="0">
               <a:solidFill>
-                <a:srgbClr val="FFFFFF"/>
+                <a:srgbClr val="00B0F0"/>
               </a:solidFill>
             </a:endParaRPr>
           </a:p>
           <a:p>
-            <a:endParaRPr lang="cs-CZ" sz="2400" dirty="0">
+            <a:endParaRPr lang="cs-CZ" dirty="0">
               <a:solidFill>
-                <a:srgbClr val="FFFFFF"/>
+                <a:srgbClr val="00B0F0"/>
               </a:solidFill>
             </a:endParaRPr>
           </a:p>
@@ -4817,98 +5086,18 @@
   <p:clrMapOvr>
     <a:overrideClrMapping bg1="dk1" tx1="lt1" bg2="dk2" tx2="lt2" accent1="accent1" accent2="accent2" accent3="accent3" accent4="accent4" accent5="accent5" accent6="accent6" hlink="hlink" folHlink="folHlink"/>
   </p:clrMapOvr>
-  <p:timing>
-    <p:tnLst>
-      <p:par>
-        <p:cTn id="1" dur="indefinite" restart="never" nodeType="tmRoot">
-          <p:childTnLst>
-            <p:seq concurrent="1" nextAc="seek">
-              <p:cTn id="2" dur="indefinite" nodeType="mainSeq">
-                <p:childTnLst>
-                  <p:par>
-                    <p:cTn id="3" fill="hold">
-                      <p:stCondLst>
-                        <p:cond delay="indefinite"/>
-                        <p:cond evt="onBegin" delay="0">
-                          <p:tn val="2"/>
-                        </p:cond>
-                      </p:stCondLst>
-                      <p:childTnLst>
-                        <p:par>
-                          <p:cTn id="4" fill="hold">
-                            <p:stCondLst>
-                              <p:cond delay="0"/>
-                            </p:stCondLst>
-                            <p:childTnLst>
-                              <p:par>
-                                <p:cTn id="5" presetID="10" presetClass="entr" presetSubtype="0" fill="hold" grpId="0" nodeType="withEffect">
-                                  <p:stCondLst>
-                                    <p:cond delay="500"/>
-                                  </p:stCondLst>
-                                  <p:iterate type="lt">
-                                    <p:tmPct val="10000"/>
-                                  </p:iterate>
-                                  <p:childTnLst>
-                                    <p:set>
-                                      <p:cBhvr>
-                                        <p:cTn id="6" dur="1" fill="hold">
-                                          <p:stCondLst>
-                                            <p:cond delay="0"/>
-                                          </p:stCondLst>
-                                        </p:cTn>
-                                        <p:tgtEl>
-                                          <p:spTgt spid="2"/>
-                                        </p:tgtEl>
-                                        <p:attrNameLst>
-                                          <p:attrName>style.visibility</p:attrName>
-                                        </p:attrNameLst>
-                                      </p:cBhvr>
-                                      <p:to>
-                                        <p:strVal val="visible"/>
-                                      </p:to>
-                                    </p:set>
-                                    <p:animEffect transition="in" filter="fade">
-                                      <p:cBhvr>
-                                        <p:cTn id="7" dur="400"/>
-                                        <p:tgtEl>
-                                          <p:spTgt spid="2"/>
-                                        </p:tgtEl>
-                                      </p:cBhvr>
-                                    </p:animEffect>
-                                  </p:childTnLst>
-                                </p:cTn>
-                              </p:par>
-                            </p:childTnLst>
-                          </p:cTn>
-                        </p:par>
-                      </p:childTnLst>
-                    </p:cTn>
-                  </p:par>
-                </p:childTnLst>
-              </p:cTn>
-              <p:prevCondLst>
-                <p:cond evt="onPrev" delay="0">
-                  <p:tgtEl>
-                    <p:sldTgt/>
-                  </p:tgtEl>
-                </p:cond>
-              </p:prevCondLst>
-              <p:nextCondLst>
-                <p:cond evt="onNext" delay="0">
-                  <p:tgtEl>
-                    <p:sldTgt/>
-                  </p:tgtEl>
-                </p:cond>
-              </p:nextCondLst>
-            </p:seq>
-          </p:childTnLst>
-        </p:cTn>
-      </p:par>
-    </p:tnLst>
-    <p:bldLst>
-      <p:bldP spid="2" grpId="0"/>
-    </p:bldLst>
-  </p:timing>
+  <mc:AlternateContent xmlns:mc="http://schemas.openxmlformats.org/markup-compatibility/2006">
+    <mc:Choice xmlns:p159="http://schemas.microsoft.com/office/powerpoint/2015/09/main" Requires="p159">
+      <p:transition spd="slow">
+        <p159:morph option="byObject"/>
+      </p:transition>
+    </mc:Choice>
+    <mc:Fallback>
+      <p:transition spd="slow">
+        <p:fade/>
+      </p:transition>
+    </mc:Fallback>
+  </mc:AlternateContent>
 </p:sld>
 </file>
 
@@ -5241,59 +5430,47 @@
           </a:xfrm>
         </p:spPr>
         <p:txBody>
-          <a:bodyPr>
+          <a:bodyPr vert="horz" lIns="91440" tIns="45720" rIns="91440" bIns="45720" rtlCol="0" anchor="b">
             <a:normAutofit/>
           </a:bodyPr>
           <a:lstStyle/>
           <a:p>
             <a:pPr algn="ctr"/>
             <a:r>
-              <a:rPr lang="en-US" b="1" kern="1200" dirty="0" err="1">
-                <a:solidFill>
-                  <a:schemeClr val="tx1"/>
-                </a:solidFill>
-                <a:latin typeface="+mj-lt"/>
-                <a:ea typeface="+mj-ea"/>
-                <a:cs typeface="+mj-cs"/>
+              <a:rPr lang="en-US" sz="5400" b="1" dirty="0" err="1">
+                <a:solidFill>
+                  <a:srgbClr val="00B0F0"/>
+                </a:solidFill>
               </a:rPr>
               <a:t>Použitý</a:t>
             </a:r>
             <a:r>
-              <a:rPr lang="en-US" b="1" kern="1200" dirty="0">
-                <a:solidFill>
-                  <a:schemeClr val="tx1"/>
-                </a:solidFill>
-                <a:latin typeface="+mj-lt"/>
-                <a:ea typeface="+mj-ea"/>
-                <a:cs typeface="+mj-cs"/>
+              <a:rPr lang="en-US" sz="5400" b="1" dirty="0">
+                <a:solidFill>
+                  <a:srgbClr val="00B0F0"/>
+                </a:solidFill>
               </a:rPr>
               <a:t> </a:t>
             </a:r>
             <a:r>
-              <a:rPr lang="en-US" b="1" kern="1200" dirty="0" err="1">
-                <a:solidFill>
-                  <a:schemeClr val="tx1"/>
-                </a:solidFill>
-                <a:latin typeface="+mj-lt"/>
-                <a:ea typeface="+mj-ea"/>
-                <a:cs typeface="+mj-cs"/>
+              <a:rPr lang="en-US" sz="5400" b="1" dirty="0" err="1">
+                <a:solidFill>
+                  <a:srgbClr val="00B0F0"/>
+                </a:solidFill>
               </a:rPr>
               <a:t>jazyk</a:t>
             </a:r>
             <a:r>
-              <a:rPr lang="en-US" b="1" kern="1200" dirty="0">
-                <a:solidFill>
-                  <a:schemeClr val="tx1"/>
-                </a:solidFill>
-                <a:latin typeface="+mj-lt"/>
-                <a:ea typeface="+mj-ea"/>
-                <a:cs typeface="+mj-cs"/>
+              <a:rPr lang="en-US" sz="5400" b="1" dirty="0">
+                <a:solidFill>
+                  <a:srgbClr val="00B0F0"/>
+                </a:solidFill>
               </a:rPr>
               <a:t>?</a:t>
             </a:r>
-            <a:endParaRPr lang="cs-CZ" b="1" dirty="0">
+            <a:endParaRPr lang="cs-CZ" sz="5400" b="1" dirty="0">
               <a:solidFill>
-                <a:srgbClr val="FFFFFF"/>
+                <a:srgbClr val="00B0F0"/>
               </a:solidFill>
             </a:endParaRPr>
           </a:p>
@@ -5309,6 +5486,18 @@
   <p:clrMapOvr>
     <a:overrideClrMapping bg1="dk1" tx1="lt1" bg2="dk2" tx2="lt2" accent1="accent1" accent2="accent2" accent3="accent3" accent4="accent4" accent5="accent5" accent6="accent6" hlink="hlink" folHlink="folHlink"/>
   </p:clrMapOvr>
+  <mc:AlternateContent xmlns:mc="http://schemas.openxmlformats.org/markup-compatibility/2006">
+    <mc:Choice xmlns:p159="http://schemas.microsoft.com/office/powerpoint/2015/09/main" Requires="p159">
+      <p:transition spd="slow">
+        <p159:morph option="byObject"/>
+      </p:transition>
+    </mc:Choice>
+    <mc:Fallback>
+      <p:transition spd="slow">
+        <p:fade/>
+      </p:transition>
+    </mc:Fallback>
+  </mc:AlternateContent>
 </p:sld>
 </file>
 
@@ -5649,7 +5838,7 @@
             <a:r>
               <a:rPr lang="cs-CZ" b="1" dirty="0">
                 <a:solidFill>
-                  <a:srgbClr val="FFFFFF"/>
+                  <a:srgbClr val="00B0F0"/>
                 </a:solidFill>
               </a:rPr>
               <a:t>Python</a:t>
@@ -5686,9 +5875,9 @@
           <a:lstStyle/>
           <a:p>
             <a:r>
-              <a:rPr lang="cs-CZ" sz="2400" dirty="0">
-                <a:solidFill>
-                  <a:srgbClr val="FFFFFF"/>
+              <a:rPr lang="cs-CZ" dirty="0">
+                <a:solidFill>
+                  <a:srgbClr val="00B0F0"/>
                 </a:solidFill>
               </a:rPr>
               <a:t>Knihovny pouze ve dvou jazycích (Java, Python)</a:t>
@@ -5696,9 +5885,9 @@
           </a:p>
           <a:p>
             <a:r>
-              <a:rPr lang="cs-CZ" sz="2400" dirty="0">
-                <a:solidFill>
-                  <a:srgbClr val="FFFFFF"/>
+              <a:rPr lang="cs-CZ" dirty="0">
+                <a:solidFill>
+                  <a:srgbClr val="00B0F0"/>
                 </a:solidFill>
               </a:rPr>
               <a:t>discord.py aktualizován rychleji</a:t>
@@ -5706,9 +5895,9 @@
           </a:p>
           <a:p>
             <a:r>
-              <a:rPr lang="cs-CZ" sz="2400" dirty="0">
-                <a:solidFill>
-                  <a:srgbClr val="FFFFFF"/>
+              <a:rPr lang="cs-CZ" dirty="0">
+                <a:solidFill>
+                  <a:srgbClr val="00B0F0"/>
                 </a:solidFill>
               </a:rPr>
               <a:t>Čitelnost a jednoduchost, rozšiřitelnost</a:t>
@@ -5716,9 +5905,9 @@
           </a:p>
           <a:p>
             <a:r>
-              <a:rPr lang="cs-CZ" sz="2400" dirty="0">
-                <a:solidFill>
-                  <a:srgbClr val="FFFFFF"/>
+              <a:rPr lang="cs-CZ" dirty="0">
+                <a:solidFill>
+                  <a:srgbClr val="00B0F0"/>
                 </a:solidFill>
               </a:rPr>
               <a:t>Více používán pro podobné účely</a:t>
@@ -5726,9 +5915,9 @@
           </a:p>
           <a:p>
             <a:r>
-              <a:rPr lang="cs-CZ" sz="2400" dirty="0">
-                <a:solidFill>
-                  <a:srgbClr val="FFFFFF"/>
+              <a:rPr lang="cs-CZ" dirty="0">
+                <a:solidFill>
+                  <a:srgbClr val="00B0F0"/>
                 </a:solidFill>
               </a:rPr>
               <a:t>Interpretovaný jazyk zde není nevýhodou</a:t>
@@ -5736,9 +5925,9 @@
           </a:p>
           <a:p>
             <a:r>
-              <a:rPr lang="cs-CZ" sz="2400" dirty="0">
-                <a:solidFill>
-                  <a:srgbClr val="FFFFFF"/>
+              <a:rPr lang="cs-CZ" dirty="0">
+                <a:solidFill>
+                  <a:srgbClr val="00B0F0"/>
                 </a:solidFill>
               </a:rPr>
               <a:t>Nebude potřeba vše důkladně staticky typovat</a:t>
@@ -5756,98 +5945,18 @@
   <p:clrMapOvr>
     <a:overrideClrMapping bg1="dk1" tx1="lt1" bg2="dk2" tx2="lt2" accent1="accent1" accent2="accent2" accent3="accent3" accent4="accent4" accent5="accent5" accent6="accent6" hlink="hlink" folHlink="folHlink"/>
   </p:clrMapOvr>
-  <p:timing>
-    <p:tnLst>
-      <p:par>
-        <p:cTn id="1" dur="indefinite" restart="never" nodeType="tmRoot">
-          <p:childTnLst>
-            <p:seq concurrent="1" nextAc="seek">
-              <p:cTn id="2" dur="indefinite" nodeType="mainSeq">
-                <p:childTnLst>
-                  <p:par>
-                    <p:cTn id="3" fill="hold">
-                      <p:stCondLst>
-                        <p:cond delay="indefinite"/>
-                        <p:cond evt="onBegin" delay="0">
-                          <p:tn val="2"/>
-                        </p:cond>
-                      </p:stCondLst>
-                      <p:childTnLst>
-                        <p:par>
-                          <p:cTn id="4" fill="hold">
-                            <p:stCondLst>
-                              <p:cond delay="0"/>
-                            </p:stCondLst>
-                            <p:childTnLst>
-                              <p:par>
-                                <p:cTn id="5" presetID="10" presetClass="entr" presetSubtype="0" fill="hold" grpId="0" nodeType="withEffect">
-                                  <p:stCondLst>
-                                    <p:cond delay="500"/>
-                                  </p:stCondLst>
-                                  <p:iterate type="lt">
-                                    <p:tmPct val="10000"/>
-                                  </p:iterate>
-                                  <p:childTnLst>
-                                    <p:set>
-                                      <p:cBhvr>
-                                        <p:cTn id="6" dur="1" fill="hold">
-                                          <p:stCondLst>
-                                            <p:cond delay="0"/>
-                                          </p:stCondLst>
-                                        </p:cTn>
-                                        <p:tgtEl>
-                                          <p:spTgt spid="2"/>
-                                        </p:tgtEl>
-                                        <p:attrNameLst>
-                                          <p:attrName>style.visibility</p:attrName>
-                                        </p:attrNameLst>
-                                      </p:cBhvr>
-                                      <p:to>
-                                        <p:strVal val="visible"/>
-                                      </p:to>
-                                    </p:set>
-                                    <p:animEffect transition="in" filter="fade">
-                                      <p:cBhvr>
-                                        <p:cTn id="7" dur="400"/>
-                                        <p:tgtEl>
-                                          <p:spTgt spid="2"/>
-                                        </p:tgtEl>
-                                      </p:cBhvr>
-                                    </p:animEffect>
-                                  </p:childTnLst>
-                                </p:cTn>
-                              </p:par>
-                            </p:childTnLst>
-                          </p:cTn>
-                        </p:par>
-                      </p:childTnLst>
-                    </p:cTn>
-                  </p:par>
-                </p:childTnLst>
-              </p:cTn>
-              <p:prevCondLst>
-                <p:cond evt="onPrev" delay="0">
-                  <p:tgtEl>
-                    <p:sldTgt/>
-                  </p:tgtEl>
-                </p:cond>
-              </p:prevCondLst>
-              <p:nextCondLst>
-                <p:cond evt="onNext" delay="0">
-                  <p:tgtEl>
-                    <p:sldTgt/>
-                  </p:tgtEl>
-                </p:cond>
-              </p:nextCondLst>
-            </p:seq>
-          </p:childTnLst>
-        </p:cTn>
-      </p:par>
-    </p:tnLst>
-    <p:bldLst>
-      <p:bldP spid="2" grpId="0"/>
-    </p:bldLst>
-  </p:timing>
+  <mc:AlternateContent xmlns:mc="http://schemas.openxmlformats.org/markup-compatibility/2006">
+    <mc:Choice xmlns:p159="http://schemas.microsoft.com/office/powerpoint/2015/09/main" Requires="p159">
+      <p:transition spd="slow">
+        <p159:morph option="byObject"/>
+      </p:transition>
+    </mc:Choice>
+    <mc:Fallback>
+      <p:transition spd="slow">
+        <p:fade/>
+      </p:transition>
+    </mc:Fallback>
+  </mc:AlternateContent>
 </p:sld>
 </file>
 
@@ -6188,14 +6297,14 @@
             <a:r>
               <a:rPr lang="cs-CZ" b="1" dirty="0" err="1">
                 <a:solidFill>
-                  <a:srgbClr val="FFFFFF"/>
+                  <a:srgbClr val="00B0F0"/>
                 </a:solidFill>
               </a:rPr>
               <a:t>Asyncio</a:t>
             </a:r>
             <a:endParaRPr lang="cs-CZ" b="1" dirty="0">
               <a:solidFill>
-                <a:srgbClr val="FFFFFF"/>
+                <a:srgbClr val="00B0F0"/>
               </a:solidFill>
             </a:endParaRPr>
           </a:p>
@@ -6225,14 +6334,14 @@
         </p:spPr>
         <p:txBody>
           <a:bodyPr>
-            <a:normAutofit/>
+            <a:noAutofit/>
           </a:bodyPr>
           <a:lstStyle/>
           <a:p>
             <a:r>
-              <a:rPr lang="cs-CZ" sz="2400" dirty="0">
-                <a:solidFill>
-                  <a:srgbClr val="FFFFFF"/>
+              <a:rPr lang="cs-CZ" dirty="0">
+                <a:solidFill>
+                  <a:srgbClr val="00B0F0"/>
                 </a:solidFill>
               </a:rPr>
               <a:t>„Relativně nový“ způsob paralelního programování</a:t>
@@ -6240,9 +6349,9 @@
           </a:p>
           <a:p>
             <a:r>
-              <a:rPr lang="cs-CZ" sz="2400" dirty="0">
-                <a:solidFill>
-                  <a:srgbClr val="FFFFFF"/>
+              <a:rPr lang="cs-CZ" dirty="0">
+                <a:solidFill>
+                  <a:srgbClr val="00B0F0"/>
                 </a:solidFill>
               </a:rPr>
               <a:t>Jednoduchost používání, komplexní „pod pokličkou“</a:t>
@@ -6250,95 +6359,95 @@
           </a:p>
           <a:p>
             <a:r>
-              <a:rPr lang="cs-CZ" sz="2400" dirty="0">
-                <a:solidFill>
-                  <a:srgbClr val="FFFFFF"/>
+              <a:rPr lang="cs-CZ" dirty="0">
+                <a:solidFill>
+                  <a:srgbClr val="00B0F0"/>
                 </a:solidFill>
               </a:rPr>
               <a:t>Klíčová slova: </a:t>
             </a:r>
             <a:r>
-              <a:rPr lang="cs-CZ" sz="2400" dirty="0" err="1">
-                <a:solidFill>
-                  <a:srgbClr val="FFFFFF"/>
+              <a:rPr lang="cs-CZ" dirty="0" err="1">
+                <a:solidFill>
+                  <a:srgbClr val="00B0F0"/>
                 </a:solidFill>
               </a:rPr>
               <a:t>async</a:t>
             </a:r>
             <a:r>
-              <a:rPr lang="cs-CZ" sz="2400" dirty="0">
-                <a:solidFill>
-                  <a:srgbClr val="FFFFFF"/>
+              <a:rPr lang="cs-CZ" dirty="0">
+                <a:solidFill>
+                  <a:srgbClr val="00B0F0"/>
                 </a:solidFill>
               </a:rPr>
               <a:t> &amp; </a:t>
             </a:r>
             <a:r>
-              <a:rPr lang="cs-CZ" sz="2400" dirty="0" err="1">
-                <a:solidFill>
-                  <a:srgbClr val="FFFFFF"/>
+              <a:rPr lang="cs-CZ" dirty="0" err="1">
+                <a:solidFill>
+                  <a:srgbClr val="00B0F0"/>
                 </a:solidFill>
               </a:rPr>
               <a:t>await</a:t>
             </a:r>
-            <a:endParaRPr lang="cs-CZ" sz="2400" dirty="0">
+            <a:endParaRPr lang="cs-CZ" dirty="0">
               <a:solidFill>
-                <a:srgbClr val="FFFFFF"/>
+                <a:srgbClr val="00B0F0"/>
               </a:solidFill>
             </a:endParaRPr>
           </a:p>
           <a:p>
             <a:r>
-              <a:rPr lang="cs-CZ" sz="2400" dirty="0" err="1">
-                <a:solidFill>
-                  <a:srgbClr val="FFFFFF"/>
+              <a:rPr lang="cs-CZ" dirty="0" err="1">
+                <a:solidFill>
+                  <a:srgbClr val="00B0F0"/>
                 </a:solidFill>
               </a:rPr>
               <a:t>High</a:t>
             </a:r>
             <a:r>
-              <a:rPr lang="cs-CZ" sz="2400" dirty="0">
-                <a:solidFill>
-                  <a:srgbClr val="FFFFFF"/>
+              <a:rPr lang="cs-CZ" dirty="0">
+                <a:solidFill>
+                  <a:srgbClr val="00B0F0"/>
                 </a:solidFill>
               </a:rPr>
               <a:t>-level &amp; </a:t>
             </a:r>
             <a:r>
-              <a:rPr lang="cs-CZ" sz="2400" dirty="0" err="1">
-                <a:solidFill>
-                  <a:srgbClr val="FFFFFF"/>
+              <a:rPr lang="cs-CZ" dirty="0" err="1">
+                <a:solidFill>
+                  <a:srgbClr val="00B0F0"/>
                 </a:solidFill>
               </a:rPr>
               <a:t>Low</a:t>
             </a:r>
             <a:r>
-              <a:rPr lang="cs-CZ" sz="2400" dirty="0">
-                <a:solidFill>
-                  <a:srgbClr val="FFFFFF"/>
+              <a:rPr lang="cs-CZ" dirty="0">
+                <a:solidFill>
+                  <a:srgbClr val="00B0F0"/>
                 </a:solidFill>
               </a:rPr>
               <a:t>-level </a:t>
             </a:r>
             <a:r>
-              <a:rPr lang="cs-CZ" sz="2400" dirty="0" err="1">
-                <a:solidFill>
-                  <a:srgbClr val="FFFFFF"/>
+              <a:rPr lang="cs-CZ" dirty="0" err="1">
+                <a:solidFill>
+                  <a:srgbClr val="00B0F0"/>
                 </a:solidFill>
               </a:rPr>
               <a:t>APIs</a:t>
             </a:r>
-            <a:endParaRPr lang="cs-CZ" sz="2400" dirty="0">
+            <a:endParaRPr lang="cs-CZ" dirty="0">
               <a:solidFill>
-                <a:srgbClr val="FFFFFF"/>
+                <a:srgbClr val="00B0F0"/>
               </a:solidFill>
             </a:endParaRPr>
           </a:p>
           <a:p>
             <a:r>
-              <a:rPr lang="cs-CZ" sz="2400" dirty="0">
-                <a:solidFill>
-                  <a:srgbClr val="FFFFFF"/>
+              <a:rPr lang="cs-CZ" dirty="0">
+                <a:solidFill>
+                  <a:srgbClr val="00B0F0"/>
                 </a:solidFill>
               </a:rPr>
               <a:t>Použití při i/o network programech</a:t>
@@ -6346,32 +6455,32 @@
           </a:p>
           <a:p>
             <a:r>
-              <a:rPr lang="cs-CZ" sz="2400" dirty="0">
-                <a:solidFill>
-                  <a:srgbClr val="FFFFFF"/>
+              <a:rPr lang="cs-CZ" dirty="0">
+                <a:solidFill>
+                  <a:srgbClr val="00B0F0"/>
                 </a:solidFill>
               </a:rPr>
               <a:t>https://docs.python.org/3/library/asyncio.html</a:t>
             </a:r>
           </a:p>
           <a:p>
-            <a:endParaRPr lang="cs-CZ" sz="2400" dirty="0">
+            <a:endParaRPr lang="cs-CZ" dirty="0">
               <a:solidFill>
-                <a:srgbClr val="FFFFFF"/>
+                <a:srgbClr val="00B0F0"/>
               </a:solidFill>
             </a:endParaRPr>
           </a:p>
           <a:p>
-            <a:endParaRPr lang="cs-CZ" sz="2400" dirty="0">
+            <a:endParaRPr lang="cs-CZ" dirty="0">
               <a:solidFill>
-                <a:srgbClr val="FFFFFF"/>
+                <a:srgbClr val="00B0F0"/>
               </a:solidFill>
             </a:endParaRPr>
           </a:p>
           <a:p>
-            <a:endParaRPr lang="cs-CZ" sz="2400" dirty="0">
+            <a:endParaRPr lang="cs-CZ" dirty="0">
               <a:solidFill>
-                <a:srgbClr val="FFFFFF"/>
+                <a:srgbClr val="00B0F0"/>
               </a:solidFill>
             </a:endParaRPr>
           </a:p>
@@ -6391,8 +6500,8 @@
         </p:nvSpPr>
         <p:spPr>
           <a:xfrm>
-            <a:off x="833002" y="5282939"/>
-            <a:ext cx="6479210" cy="830997"/>
+            <a:off x="833002" y="5318562"/>
+            <a:ext cx="7258526" cy="923330"/>
           </a:xfrm>
           <a:prstGeom prst="rect">
             <a:avLst/>
@@ -6406,139 +6515,271 @@
           <a:lstStyle/>
           <a:p>
             <a:r>
-              <a:rPr lang="cs-CZ" sz="1600" i="1" dirty="0"/>
+              <a:rPr lang="cs-CZ" i="1" dirty="0">
+                <a:solidFill>
+                  <a:srgbClr val="00B0F0"/>
+                </a:solidFill>
+              </a:rPr>
               <a:t>„</a:t>
             </a:r>
             <a:r>
-              <a:rPr lang="cs-CZ" sz="1600" i="1" dirty="0" err="1"/>
+              <a:rPr lang="cs-CZ" i="1" dirty="0" err="1">
+                <a:solidFill>
+                  <a:srgbClr val="00B0F0"/>
+                </a:solidFill>
+              </a:rPr>
               <a:t>asyncio</a:t>
             </a:r>
             <a:r>
-              <a:rPr lang="cs-CZ" sz="1600" i="1" dirty="0"/>
+              <a:rPr lang="cs-CZ" i="1" dirty="0">
+                <a:solidFill>
+                  <a:srgbClr val="00B0F0"/>
+                </a:solidFill>
+              </a:rPr>
               <a:t> </a:t>
             </a:r>
             <a:r>
-              <a:rPr lang="cs-CZ" sz="1600" i="1" dirty="0" err="1"/>
+              <a:rPr lang="cs-CZ" i="1" dirty="0" err="1">
+                <a:solidFill>
+                  <a:srgbClr val="00B0F0"/>
+                </a:solidFill>
+              </a:rPr>
               <a:t>is</a:t>
             </a:r>
             <a:r>
-              <a:rPr lang="cs-CZ" sz="1600" i="1" dirty="0"/>
+              <a:rPr lang="cs-CZ" i="1" dirty="0">
+                <a:solidFill>
+                  <a:srgbClr val="00B0F0"/>
+                </a:solidFill>
+              </a:rPr>
               <a:t> </a:t>
             </a:r>
             <a:r>
-              <a:rPr lang="cs-CZ" sz="1600" i="1" dirty="0" err="1"/>
+              <a:rPr lang="cs-CZ" i="1" dirty="0" err="1">
+                <a:solidFill>
+                  <a:srgbClr val="00B0F0"/>
+                </a:solidFill>
+              </a:rPr>
               <a:t>used</a:t>
             </a:r>
             <a:r>
-              <a:rPr lang="cs-CZ" sz="1600" i="1" dirty="0"/>
+              <a:rPr lang="cs-CZ" i="1" dirty="0">
+                <a:solidFill>
+                  <a:srgbClr val="00B0F0"/>
+                </a:solidFill>
+              </a:rPr>
               <a:t> </a:t>
             </a:r>
             <a:r>
-              <a:rPr lang="cs-CZ" sz="1600" i="1" dirty="0" err="1"/>
+              <a:rPr lang="cs-CZ" i="1" dirty="0" err="1">
+                <a:solidFill>
+                  <a:srgbClr val="00B0F0"/>
+                </a:solidFill>
+              </a:rPr>
               <a:t>for</a:t>
             </a:r>
             <a:r>
-              <a:rPr lang="cs-CZ" sz="1600" i="1" dirty="0"/>
+              <a:rPr lang="cs-CZ" i="1" dirty="0">
+                <a:solidFill>
+                  <a:srgbClr val="00B0F0"/>
+                </a:solidFill>
+              </a:rPr>
               <a:t> </a:t>
             </a:r>
             <a:r>
-              <a:rPr lang="cs-CZ" sz="1600" i="1" dirty="0" err="1"/>
+              <a:rPr lang="cs-CZ" i="1" dirty="0" err="1">
+                <a:solidFill>
+                  <a:srgbClr val="00B0F0"/>
+                </a:solidFill>
+              </a:rPr>
               <a:t>multiple</a:t>
             </a:r>
             <a:r>
-              <a:rPr lang="cs-CZ" sz="1600" i="1" dirty="0"/>
+              <a:rPr lang="cs-CZ" i="1" dirty="0">
+                <a:solidFill>
+                  <a:srgbClr val="00B0F0"/>
+                </a:solidFill>
+              </a:rPr>
               <a:t> Python </a:t>
             </a:r>
             <a:r>
-              <a:rPr lang="cs-CZ" sz="1600" i="1" dirty="0" err="1"/>
+              <a:rPr lang="cs-CZ" i="1" dirty="0" err="1">
+                <a:solidFill>
+                  <a:srgbClr val="00B0F0"/>
+                </a:solidFill>
+              </a:rPr>
               <a:t>asynchronous</a:t>
             </a:r>
             <a:r>
-              <a:rPr lang="cs-CZ" sz="1600" i="1" dirty="0"/>
+              <a:rPr lang="cs-CZ" i="1" dirty="0">
+                <a:solidFill>
+                  <a:srgbClr val="00B0F0"/>
+                </a:solidFill>
+              </a:rPr>
               <a:t> </a:t>
             </a:r>
             <a:r>
-              <a:rPr lang="cs-CZ" sz="1600" i="1" dirty="0" err="1"/>
+              <a:rPr lang="cs-CZ" i="1" dirty="0" err="1">
+                <a:solidFill>
+                  <a:srgbClr val="00B0F0"/>
+                </a:solidFill>
+              </a:rPr>
               <a:t>frameworks</a:t>
             </a:r>
             <a:r>
-              <a:rPr lang="cs-CZ" sz="1600" i="1" dirty="0"/>
+              <a:rPr lang="cs-CZ" i="1" dirty="0">
+                <a:solidFill>
+                  <a:srgbClr val="00B0F0"/>
+                </a:solidFill>
+              </a:rPr>
               <a:t> </a:t>
             </a:r>
             <a:r>
-              <a:rPr lang="cs-CZ" sz="1600" i="1" dirty="0" err="1"/>
+              <a:rPr lang="cs-CZ" i="1" dirty="0" err="1">
+                <a:solidFill>
+                  <a:srgbClr val="00B0F0"/>
+                </a:solidFill>
+              </a:rPr>
               <a:t>that</a:t>
             </a:r>
             <a:r>
-              <a:rPr lang="cs-CZ" sz="1600" i="1" dirty="0"/>
+              <a:rPr lang="cs-CZ" i="1" dirty="0">
+                <a:solidFill>
+                  <a:srgbClr val="00B0F0"/>
+                </a:solidFill>
+              </a:rPr>
               <a:t> </a:t>
             </a:r>
             <a:r>
-              <a:rPr lang="cs-CZ" sz="1600" i="1" dirty="0" err="1"/>
+              <a:rPr lang="cs-CZ" i="1" dirty="0" err="1">
+                <a:solidFill>
+                  <a:srgbClr val="00B0F0"/>
+                </a:solidFill>
+              </a:rPr>
               <a:t>provide</a:t>
             </a:r>
             <a:r>
-              <a:rPr lang="cs-CZ" sz="1600" i="1" dirty="0"/>
+              <a:rPr lang="cs-CZ" i="1" dirty="0">
+                <a:solidFill>
+                  <a:srgbClr val="00B0F0"/>
+                </a:solidFill>
+              </a:rPr>
               <a:t> </a:t>
             </a:r>
           </a:p>
           <a:p>
             <a:r>
-              <a:rPr lang="cs-CZ" sz="1600" i="1" dirty="0" err="1"/>
+              <a:rPr lang="cs-CZ" i="1" dirty="0" err="1">
+                <a:solidFill>
+                  <a:srgbClr val="00B0F0"/>
+                </a:solidFill>
+              </a:rPr>
               <a:t>high-performace</a:t>
             </a:r>
             <a:r>
-              <a:rPr lang="cs-CZ" sz="1600" i="1" dirty="0"/>
+              <a:rPr lang="cs-CZ" i="1" dirty="0">
+                <a:solidFill>
+                  <a:srgbClr val="00B0F0"/>
+                </a:solidFill>
+              </a:rPr>
               <a:t> network and web-</a:t>
             </a:r>
             <a:r>
-              <a:rPr lang="cs-CZ" sz="1600" i="1" dirty="0" err="1"/>
+              <a:rPr lang="cs-CZ" i="1" dirty="0" err="1">
+                <a:solidFill>
+                  <a:srgbClr val="00B0F0"/>
+                </a:solidFill>
+              </a:rPr>
               <a:t>servers</a:t>
             </a:r>
             <a:r>
-              <a:rPr lang="cs-CZ" sz="1600" i="1" dirty="0"/>
+              <a:rPr lang="cs-CZ" i="1" dirty="0">
+                <a:solidFill>
+                  <a:srgbClr val="00B0F0"/>
+                </a:solidFill>
+              </a:rPr>
               <a:t>, database </a:t>
             </a:r>
             <a:r>
-              <a:rPr lang="cs-CZ" sz="1600" i="1" dirty="0" err="1"/>
+              <a:rPr lang="cs-CZ" i="1" dirty="0" err="1">
+                <a:solidFill>
+                  <a:srgbClr val="00B0F0"/>
+                </a:solidFill>
+              </a:rPr>
               <a:t>connection</a:t>
             </a:r>
             <a:r>
-              <a:rPr lang="cs-CZ" sz="1600" i="1" dirty="0"/>
+              <a:rPr lang="cs-CZ" i="1" dirty="0">
+                <a:solidFill>
+                  <a:srgbClr val="00B0F0"/>
+                </a:solidFill>
+              </a:rPr>
               <a:t> </a:t>
             </a:r>
             <a:r>
-              <a:rPr lang="cs-CZ" sz="1600" i="1" dirty="0" err="1"/>
+              <a:rPr lang="cs-CZ" i="1" dirty="0" err="1">
+                <a:solidFill>
+                  <a:srgbClr val="00B0F0"/>
+                </a:solidFill>
+              </a:rPr>
               <a:t>libraries</a:t>
             </a:r>
             <a:r>
-              <a:rPr lang="cs-CZ" sz="1600" i="1" dirty="0"/>
+              <a:rPr lang="cs-CZ" i="1" dirty="0">
+                <a:solidFill>
+                  <a:srgbClr val="00B0F0"/>
+                </a:solidFill>
+              </a:rPr>
               <a:t>, </a:t>
             </a:r>
           </a:p>
           <a:p>
             <a:r>
-              <a:rPr lang="cs-CZ" sz="1600" i="1" dirty="0" err="1"/>
+              <a:rPr lang="cs-CZ" i="1" dirty="0" err="1">
+                <a:solidFill>
+                  <a:srgbClr val="00B0F0"/>
+                </a:solidFill>
+              </a:rPr>
               <a:t>distributed</a:t>
             </a:r>
             <a:r>
-              <a:rPr lang="cs-CZ" sz="1600" i="1" dirty="0"/>
+              <a:rPr lang="cs-CZ" i="1" dirty="0">
+                <a:solidFill>
+                  <a:srgbClr val="00B0F0"/>
+                </a:solidFill>
+              </a:rPr>
               <a:t> </a:t>
             </a:r>
             <a:r>
-              <a:rPr lang="cs-CZ" sz="1600" i="1" dirty="0" err="1"/>
+              <a:rPr lang="cs-CZ" i="1" dirty="0" err="1">
+                <a:solidFill>
+                  <a:srgbClr val="00B0F0"/>
+                </a:solidFill>
+              </a:rPr>
               <a:t>tasks</a:t>
             </a:r>
             <a:r>
-              <a:rPr lang="cs-CZ" sz="1600" i="1" dirty="0"/>
+              <a:rPr lang="cs-CZ" i="1" dirty="0">
+                <a:solidFill>
+                  <a:srgbClr val="00B0F0"/>
+                </a:solidFill>
+              </a:rPr>
               <a:t>, </a:t>
             </a:r>
             <a:r>
-              <a:rPr lang="cs-CZ" sz="1600" i="1" dirty="0" err="1"/>
+              <a:rPr lang="cs-CZ" i="1" dirty="0" err="1">
+                <a:solidFill>
+                  <a:srgbClr val="00B0F0"/>
+                </a:solidFill>
+              </a:rPr>
               <a:t>etc</a:t>
             </a:r>
             <a:r>
-              <a:rPr lang="cs-CZ" sz="1600" i="1" dirty="0"/>
+              <a:rPr lang="cs-CZ" i="1" dirty="0">
+                <a:solidFill>
+                  <a:srgbClr val="00B0F0"/>
+                </a:solidFill>
+              </a:rPr>
               <a:t>.“</a:t>
             </a:r>
           </a:p>
@@ -6554,98 +6795,18 @@
   <p:clrMapOvr>
     <a:overrideClrMapping bg1="dk1" tx1="lt1" bg2="dk2" tx2="lt2" accent1="accent1" accent2="accent2" accent3="accent3" accent4="accent4" accent5="accent5" accent6="accent6" hlink="hlink" folHlink="folHlink"/>
   </p:clrMapOvr>
-  <p:timing>
-    <p:tnLst>
-      <p:par>
-        <p:cTn id="1" dur="indefinite" restart="never" nodeType="tmRoot">
-          <p:childTnLst>
-            <p:seq concurrent="1" nextAc="seek">
-              <p:cTn id="2" dur="indefinite" nodeType="mainSeq">
-                <p:childTnLst>
-                  <p:par>
-                    <p:cTn id="3" fill="hold">
-                      <p:stCondLst>
-                        <p:cond delay="indefinite"/>
-                        <p:cond evt="onBegin" delay="0">
-                          <p:tn val="2"/>
-                        </p:cond>
-                      </p:stCondLst>
-                      <p:childTnLst>
-                        <p:par>
-                          <p:cTn id="4" fill="hold">
-                            <p:stCondLst>
-                              <p:cond delay="0"/>
-                            </p:stCondLst>
-                            <p:childTnLst>
-                              <p:par>
-                                <p:cTn id="5" presetID="10" presetClass="entr" presetSubtype="0" fill="hold" grpId="0" nodeType="withEffect">
-                                  <p:stCondLst>
-                                    <p:cond delay="500"/>
-                                  </p:stCondLst>
-                                  <p:iterate type="lt">
-                                    <p:tmPct val="10000"/>
-                                  </p:iterate>
-                                  <p:childTnLst>
-                                    <p:set>
-                                      <p:cBhvr>
-                                        <p:cTn id="6" dur="1" fill="hold">
-                                          <p:stCondLst>
-                                            <p:cond delay="0"/>
-                                          </p:stCondLst>
-                                        </p:cTn>
-                                        <p:tgtEl>
-                                          <p:spTgt spid="2"/>
-                                        </p:tgtEl>
-                                        <p:attrNameLst>
-                                          <p:attrName>style.visibility</p:attrName>
-                                        </p:attrNameLst>
-                                      </p:cBhvr>
-                                      <p:to>
-                                        <p:strVal val="visible"/>
-                                      </p:to>
-                                    </p:set>
-                                    <p:animEffect transition="in" filter="fade">
-                                      <p:cBhvr>
-                                        <p:cTn id="7" dur="400"/>
-                                        <p:tgtEl>
-                                          <p:spTgt spid="2"/>
-                                        </p:tgtEl>
-                                      </p:cBhvr>
-                                    </p:animEffect>
-                                  </p:childTnLst>
-                                </p:cTn>
-                              </p:par>
-                            </p:childTnLst>
-                          </p:cTn>
-                        </p:par>
-                      </p:childTnLst>
-                    </p:cTn>
-                  </p:par>
-                </p:childTnLst>
-              </p:cTn>
-              <p:prevCondLst>
-                <p:cond evt="onPrev" delay="0">
-                  <p:tgtEl>
-                    <p:sldTgt/>
-                  </p:tgtEl>
-                </p:cond>
-              </p:prevCondLst>
-              <p:nextCondLst>
-                <p:cond evt="onNext" delay="0">
-                  <p:tgtEl>
-                    <p:sldTgt/>
-                  </p:tgtEl>
-                </p:cond>
-              </p:nextCondLst>
-            </p:seq>
-          </p:childTnLst>
-        </p:cTn>
-      </p:par>
-    </p:tnLst>
-    <p:bldLst>
-      <p:bldP spid="2" grpId="0"/>
-    </p:bldLst>
-  </p:timing>
+  <mc:AlternateContent xmlns:mc="http://schemas.openxmlformats.org/markup-compatibility/2006">
+    <mc:Choice xmlns:p159="http://schemas.microsoft.com/office/powerpoint/2015/09/main" Requires="p159">
+      <p:transition spd="slow">
+        <p159:morph option="byObject"/>
+      </p:transition>
+    </mc:Choice>
+    <mc:Fallback>
+      <p:transition spd="slow">
+        <p:fade/>
+      </p:transition>
+    </mc:Fallback>
+  </mc:AlternateContent>
 </p:sld>
 </file>
 
@@ -6978,48 +7139,39 @@
           </a:xfrm>
         </p:spPr>
         <p:txBody>
-          <a:bodyPr>
+          <a:bodyPr vert="horz" lIns="91440" tIns="45720" rIns="91440" bIns="45720" rtlCol="0" anchor="b">
             <a:normAutofit/>
           </a:bodyPr>
           <a:lstStyle/>
           <a:p>
             <a:pPr algn="ctr"/>
             <a:r>
-              <a:rPr lang="cs-CZ" b="1" kern="1200" dirty="0" err="1">
-                <a:solidFill>
-                  <a:schemeClr val="tx1"/>
-                </a:solidFill>
-                <a:latin typeface="+mj-lt"/>
-                <a:ea typeface="+mj-ea"/>
-                <a:cs typeface="+mj-cs"/>
+              <a:rPr lang="cs-CZ" sz="5400" b="1" dirty="0" err="1">
+                <a:solidFill>
+                  <a:srgbClr val="00B0F0"/>
+                </a:solidFill>
               </a:rPr>
               <a:t>Asyncio</a:t>
             </a:r>
             <a:r>
-              <a:rPr lang="cs-CZ" b="1" kern="1200" dirty="0">
-                <a:solidFill>
-                  <a:schemeClr val="tx1"/>
-                </a:solidFill>
-                <a:latin typeface="+mj-lt"/>
-                <a:ea typeface="+mj-ea"/>
-                <a:cs typeface="+mj-cs"/>
+              <a:rPr lang="cs-CZ" sz="5400" b="1" dirty="0">
+                <a:solidFill>
+                  <a:srgbClr val="00B0F0"/>
+                </a:solidFill>
               </a:rPr>
               <a:t> </a:t>
             </a:r>
             <a:r>
-              <a:rPr lang="cs-CZ" b="1" kern="1200" dirty="0" err="1">
-                <a:solidFill>
-                  <a:schemeClr val="tx1"/>
-                </a:solidFill>
-                <a:latin typeface="+mj-lt"/>
-                <a:ea typeface="+mj-ea"/>
-                <a:cs typeface="+mj-cs"/>
+              <a:rPr lang="cs-CZ" sz="5400" b="1" dirty="0" err="1">
+                <a:solidFill>
+                  <a:srgbClr val="00B0F0"/>
+                </a:solidFill>
               </a:rPr>
               <a:t>example</a:t>
             </a:r>
-            <a:endParaRPr lang="cs-CZ" b="1" dirty="0">
+            <a:endParaRPr lang="cs-CZ" sz="5400" b="1" dirty="0">
               <a:solidFill>
-                <a:srgbClr val="FFFFFF"/>
+                <a:srgbClr val="00B0F0"/>
               </a:solidFill>
             </a:endParaRPr>
           </a:p>
@@ -7035,6 +7187,18 @@
   <p:clrMapOvr>
     <a:overrideClrMapping bg1="dk1" tx1="lt1" bg2="dk2" tx2="lt2" accent1="accent1" accent2="accent2" accent3="accent3" accent4="accent4" accent5="accent5" accent6="accent6" hlink="hlink" folHlink="folHlink"/>
   </p:clrMapOvr>
+  <mc:AlternateContent xmlns:mc="http://schemas.openxmlformats.org/markup-compatibility/2006">
+    <mc:Choice xmlns:p159="http://schemas.microsoft.com/office/powerpoint/2015/09/main" Requires="p159">
+      <p:transition spd="slow">
+        <p159:morph option="byObject"/>
+      </p:transition>
+    </mc:Choice>
+    <mc:Fallback>
+      <p:transition spd="slow">
+        <p:fade/>
+      </p:transition>
+    </mc:Fallback>
+  </mc:AlternateContent>
 </p:sld>
 </file>
 
@@ -7375,7 +7539,7 @@
             <a:r>
               <a:rPr lang="cs-CZ" b="1" dirty="0" err="1">
                 <a:solidFill>
-                  <a:srgbClr val="FFFFFF"/>
+                  <a:srgbClr val="00B0F0"/>
                 </a:solidFill>
               </a:rPr>
               <a:t>Asyncio</a:t>
@@ -7383,7 +7547,7 @@
             <a:r>
               <a:rPr lang="cs-CZ" b="1" dirty="0">
                 <a:solidFill>
-                  <a:srgbClr val="FFFFFF"/>
+                  <a:srgbClr val="00B0F0"/>
                 </a:solidFill>
               </a:rPr>
               <a:t> – </a:t>
@@ -7391,7 +7555,7 @@
             <a:r>
               <a:rPr lang="cs-CZ" b="1" dirty="0" err="1">
                 <a:solidFill>
-                  <a:srgbClr val="FFFFFF"/>
+                  <a:srgbClr val="00B0F0"/>
                 </a:solidFill>
               </a:rPr>
               <a:t>Bad</a:t>
@@ -7399,7 +7563,7 @@
             <a:r>
               <a:rPr lang="cs-CZ" b="1" dirty="0">
                 <a:solidFill>
-                  <a:srgbClr val="FFFFFF"/>
+                  <a:srgbClr val="00B0F0"/>
                 </a:solidFill>
               </a:rPr>
               <a:t> </a:t>
@@ -7407,14 +7571,14 @@
             <a:r>
               <a:rPr lang="cs-CZ" b="1" dirty="0" err="1">
                 <a:solidFill>
-                  <a:srgbClr val="FFFFFF"/>
+                  <a:srgbClr val="00B0F0"/>
                 </a:solidFill>
               </a:rPr>
               <a:t>example</a:t>
             </a:r>
             <a:endParaRPr lang="cs-CZ" b="1" dirty="0">
               <a:solidFill>
-                <a:srgbClr val="FFFFFF"/>
+                <a:srgbClr val="00B0F0"/>
               </a:solidFill>
             </a:endParaRPr>
           </a:p>
@@ -7466,98 +7630,18 @@
   <p:clrMapOvr>
     <a:overrideClrMapping bg1="dk1" tx1="lt1" bg2="dk2" tx2="lt2" accent1="accent1" accent2="accent2" accent3="accent3" accent4="accent4" accent5="accent5" accent6="accent6" hlink="hlink" folHlink="folHlink"/>
   </p:clrMapOvr>
-  <p:timing>
-    <p:tnLst>
-      <p:par>
-        <p:cTn id="1" dur="indefinite" restart="never" nodeType="tmRoot">
-          <p:childTnLst>
-            <p:seq concurrent="1" nextAc="seek">
-              <p:cTn id="2" dur="indefinite" nodeType="mainSeq">
-                <p:childTnLst>
-                  <p:par>
-                    <p:cTn id="3" fill="hold">
-                      <p:stCondLst>
-                        <p:cond delay="indefinite"/>
-                        <p:cond evt="onBegin" delay="0">
-                          <p:tn val="2"/>
-                        </p:cond>
-                      </p:stCondLst>
-                      <p:childTnLst>
-                        <p:par>
-                          <p:cTn id="4" fill="hold">
-                            <p:stCondLst>
-                              <p:cond delay="0"/>
-                            </p:stCondLst>
-                            <p:childTnLst>
-                              <p:par>
-                                <p:cTn id="5" presetID="10" presetClass="entr" presetSubtype="0" fill="hold" grpId="0" nodeType="withEffect">
-                                  <p:stCondLst>
-                                    <p:cond delay="500"/>
-                                  </p:stCondLst>
-                                  <p:iterate type="lt">
-                                    <p:tmPct val="10000"/>
-                                  </p:iterate>
-                                  <p:childTnLst>
-                                    <p:set>
-                                      <p:cBhvr>
-                                        <p:cTn id="6" dur="1" fill="hold">
-                                          <p:stCondLst>
-                                            <p:cond delay="0"/>
-                                          </p:stCondLst>
-                                        </p:cTn>
-                                        <p:tgtEl>
-                                          <p:spTgt spid="2"/>
-                                        </p:tgtEl>
-                                        <p:attrNameLst>
-                                          <p:attrName>style.visibility</p:attrName>
-                                        </p:attrNameLst>
-                                      </p:cBhvr>
-                                      <p:to>
-                                        <p:strVal val="visible"/>
-                                      </p:to>
-                                    </p:set>
-                                    <p:animEffect transition="in" filter="fade">
-                                      <p:cBhvr>
-                                        <p:cTn id="7" dur="400"/>
-                                        <p:tgtEl>
-                                          <p:spTgt spid="2"/>
-                                        </p:tgtEl>
-                                      </p:cBhvr>
-                                    </p:animEffect>
-                                  </p:childTnLst>
-                                </p:cTn>
-                              </p:par>
-                            </p:childTnLst>
-                          </p:cTn>
-                        </p:par>
-                      </p:childTnLst>
-                    </p:cTn>
-                  </p:par>
-                </p:childTnLst>
-              </p:cTn>
-              <p:prevCondLst>
-                <p:cond evt="onPrev" delay="0">
-                  <p:tgtEl>
-                    <p:sldTgt/>
-                  </p:tgtEl>
-                </p:cond>
-              </p:prevCondLst>
-              <p:nextCondLst>
-                <p:cond evt="onNext" delay="0">
-                  <p:tgtEl>
-                    <p:sldTgt/>
-                  </p:tgtEl>
-                </p:cond>
-              </p:nextCondLst>
-            </p:seq>
-          </p:childTnLst>
-        </p:cTn>
-      </p:par>
-    </p:tnLst>
-    <p:bldLst>
-      <p:bldP spid="2" grpId="0"/>
-    </p:bldLst>
-  </p:timing>
+  <mc:AlternateContent xmlns:mc="http://schemas.openxmlformats.org/markup-compatibility/2006">
+    <mc:Choice xmlns:p159="http://schemas.microsoft.com/office/powerpoint/2015/09/main" Requires="p159">
+      <p:transition spd="slow">
+        <p159:morph option="byObject"/>
+      </p:transition>
+    </mc:Choice>
+    <mc:Fallback>
+      <p:transition spd="slow">
+        <p:fade/>
+      </p:transition>
+    </mc:Fallback>
+  </mc:AlternateContent>
 </p:sld>
 </file>
 
@@ -7898,7 +7982,7 @@
             <a:r>
               <a:rPr lang="cs-CZ" b="1" dirty="0" err="1">
                 <a:solidFill>
-                  <a:srgbClr val="FFFFFF"/>
+                  <a:srgbClr val="00B0F0"/>
                 </a:solidFill>
               </a:rPr>
               <a:t>Asyncio</a:t>
@@ -7906,7 +7990,7 @@
             <a:r>
               <a:rPr lang="cs-CZ" b="1" dirty="0">
                 <a:solidFill>
-                  <a:srgbClr val="FFFFFF"/>
+                  <a:srgbClr val="00B0F0"/>
                 </a:solidFill>
               </a:rPr>
               <a:t> – </a:t>
@@ -7914,7 +7998,7 @@
             <a:r>
               <a:rPr lang="cs-CZ" b="1" dirty="0" err="1">
                 <a:solidFill>
-                  <a:srgbClr val="FFFFFF"/>
+                  <a:srgbClr val="00B0F0"/>
                 </a:solidFill>
               </a:rPr>
               <a:t>Good</a:t>
@@ -7922,7 +8006,7 @@
             <a:r>
               <a:rPr lang="cs-CZ" b="1" dirty="0">
                 <a:solidFill>
-                  <a:srgbClr val="FFFFFF"/>
+                  <a:srgbClr val="00B0F0"/>
                 </a:solidFill>
               </a:rPr>
               <a:t> </a:t>
@@ -7930,14 +8014,14 @@
             <a:r>
               <a:rPr lang="cs-CZ" b="1" dirty="0" err="1">
                 <a:solidFill>
-                  <a:srgbClr val="FFFFFF"/>
+                  <a:srgbClr val="00B0F0"/>
                 </a:solidFill>
               </a:rPr>
               <a:t>example</a:t>
             </a:r>
             <a:endParaRPr lang="cs-CZ" b="1" dirty="0">
               <a:solidFill>
-                <a:srgbClr val="FFFFFF"/>
+                <a:srgbClr val="00B0F0"/>
               </a:solidFill>
             </a:endParaRPr>
           </a:p>
@@ -7989,98 +8073,18 @@
   <p:clrMapOvr>
     <a:overrideClrMapping bg1="dk1" tx1="lt1" bg2="dk2" tx2="lt2" accent1="accent1" accent2="accent2" accent3="accent3" accent4="accent4" accent5="accent5" accent6="accent6" hlink="hlink" folHlink="folHlink"/>
   </p:clrMapOvr>
-  <p:timing>
-    <p:tnLst>
-      <p:par>
-        <p:cTn id="1" dur="indefinite" restart="never" nodeType="tmRoot">
-          <p:childTnLst>
-            <p:seq concurrent="1" nextAc="seek">
-              <p:cTn id="2" dur="indefinite" nodeType="mainSeq">
-                <p:childTnLst>
-                  <p:par>
-                    <p:cTn id="3" fill="hold">
-                      <p:stCondLst>
-                        <p:cond delay="indefinite"/>
-                        <p:cond evt="onBegin" delay="0">
-                          <p:tn val="2"/>
-                        </p:cond>
-                      </p:stCondLst>
-                      <p:childTnLst>
-                        <p:par>
-                          <p:cTn id="4" fill="hold">
-                            <p:stCondLst>
-                              <p:cond delay="0"/>
-                            </p:stCondLst>
-                            <p:childTnLst>
-                              <p:par>
-                                <p:cTn id="5" presetID="10" presetClass="entr" presetSubtype="0" fill="hold" grpId="0" nodeType="withEffect">
-                                  <p:stCondLst>
-                                    <p:cond delay="500"/>
-                                  </p:stCondLst>
-                                  <p:iterate type="lt">
-                                    <p:tmPct val="10000"/>
-                                  </p:iterate>
-                                  <p:childTnLst>
-                                    <p:set>
-                                      <p:cBhvr>
-                                        <p:cTn id="6" dur="1" fill="hold">
-                                          <p:stCondLst>
-                                            <p:cond delay="0"/>
-                                          </p:stCondLst>
-                                        </p:cTn>
-                                        <p:tgtEl>
-                                          <p:spTgt spid="2"/>
-                                        </p:tgtEl>
-                                        <p:attrNameLst>
-                                          <p:attrName>style.visibility</p:attrName>
-                                        </p:attrNameLst>
-                                      </p:cBhvr>
-                                      <p:to>
-                                        <p:strVal val="visible"/>
-                                      </p:to>
-                                    </p:set>
-                                    <p:animEffect transition="in" filter="fade">
-                                      <p:cBhvr>
-                                        <p:cTn id="7" dur="400"/>
-                                        <p:tgtEl>
-                                          <p:spTgt spid="2"/>
-                                        </p:tgtEl>
-                                      </p:cBhvr>
-                                    </p:animEffect>
-                                  </p:childTnLst>
-                                </p:cTn>
-                              </p:par>
-                            </p:childTnLst>
-                          </p:cTn>
-                        </p:par>
-                      </p:childTnLst>
-                    </p:cTn>
-                  </p:par>
-                </p:childTnLst>
-              </p:cTn>
-              <p:prevCondLst>
-                <p:cond evt="onPrev" delay="0">
-                  <p:tgtEl>
-                    <p:sldTgt/>
-                  </p:tgtEl>
-                </p:cond>
-              </p:prevCondLst>
-              <p:nextCondLst>
-                <p:cond evt="onNext" delay="0">
-                  <p:tgtEl>
-                    <p:sldTgt/>
-                  </p:tgtEl>
-                </p:cond>
-              </p:nextCondLst>
-            </p:seq>
-          </p:childTnLst>
-        </p:cTn>
-      </p:par>
-    </p:tnLst>
-    <p:bldLst>
-      <p:bldP spid="2" grpId="0"/>
-    </p:bldLst>
-  </p:timing>
+  <mc:AlternateContent xmlns:mc="http://schemas.openxmlformats.org/markup-compatibility/2006">
+    <mc:Choice xmlns:p159="http://schemas.microsoft.com/office/powerpoint/2015/09/main" Requires="p159">
+      <p:transition spd="slow">
+        <p159:morph option="byObject"/>
+      </p:transition>
+    </mc:Choice>
+    <mc:Fallback>
+      <p:transition spd="slow">
+        <p:fade/>
+      </p:transition>
+    </mc:Fallback>
+  </mc:AlternateContent>
 </p:sld>
 </file>
 
@@ -8413,28 +8417,20 @@
           </a:xfrm>
         </p:spPr>
         <p:txBody>
-          <a:bodyPr>
+          <a:bodyPr vert="horz" lIns="91440" tIns="45720" rIns="91440" bIns="45720" rtlCol="0" anchor="b">
             <a:normAutofit/>
           </a:bodyPr>
           <a:lstStyle/>
           <a:p>
             <a:pPr algn="ctr"/>
             <a:r>
-              <a:rPr lang="cs-CZ" b="1" kern="1200" dirty="0">
-                <a:solidFill>
-                  <a:schemeClr val="tx1"/>
-                </a:solidFill>
-                <a:latin typeface="+mj-lt"/>
-                <a:ea typeface="+mj-ea"/>
-                <a:cs typeface="+mj-cs"/>
+              <a:rPr lang="cs-CZ" sz="5400" b="1" dirty="0">
+                <a:solidFill>
+                  <a:srgbClr val="00B0F0"/>
+                </a:solidFill>
               </a:rPr>
               <a:t>Demonstrace</a:t>
             </a:r>
-            <a:endParaRPr lang="cs-CZ" b="1" dirty="0">
-              <a:solidFill>
-                <a:srgbClr val="FFFFFF"/>
-              </a:solidFill>
-            </a:endParaRPr>
           </a:p>
         </p:txBody>
       </p:sp>
@@ -8448,6 +8444,18 @@
   <p:clrMapOvr>
     <a:overrideClrMapping bg1="dk1" tx1="lt1" bg2="dk2" tx2="lt2" accent1="accent1" accent2="accent2" accent3="accent3" accent4="accent4" accent5="accent5" accent6="accent6" hlink="hlink" folHlink="folHlink"/>
   </p:clrMapOvr>
+  <mc:AlternateContent xmlns:mc="http://schemas.openxmlformats.org/markup-compatibility/2006">
+    <mc:Choice xmlns:p159="http://schemas.microsoft.com/office/powerpoint/2015/09/main" Requires="p159">
+      <p:transition spd="slow">
+        <p159:morph option="byObject"/>
+      </p:transition>
+    </mc:Choice>
+    <mc:Fallback>
+      <p:transition spd="slow">
+        <p:fade/>
+      </p:transition>
+    </mc:Fallback>
+  </mc:AlternateContent>
 </p:sld>
 </file>
 
@@ -8788,7 +8796,7 @@
             <a:r>
               <a:rPr lang="cs-CZ" b="1" dirty="0">
                 <a:solidFill>
-                  <a:srgbClr val="FFFFFF"/>
+                  <a:srgbClr val="00B0F0"/>
                 </a:solidFill>
               </a:rPr>
               <a:t>Demonstrace – administrativní nástroje</a:t>
@@ -8878,98 +8886,18 @@
   <p:clrMapOvr>
     <a:overrideClrMapping bg1="dk1" tx1="lt1" bg2="dk2" tx2="lt2" accent1="accent1" accent2="accent2" accent3="accent3" accent4="accent4" accent5="accent5" accent6="accent6" hlink="hlink" folHlink="folHlink"/>
   </p:clrMapOvr>
-  <p:timing>
-    <p:tnLst>
-      <p:par>
-        <p:cTn id="1" dur="indefinite" restart="never" nodeType="tmRoot">
-          <p:childTnLst>
-            <p:seq concurrent="1" nextAc="seek">
-              <p:cTn id="2" dur="indefinite" nodeType="mainSeq">
-                <p:childTnLst>
-                  <p:par>
-                    <p:cTn id="3" fill="hold">
-                      <p:stCondLst>
-                        <p:cond delay="indefinite"/>
-                        <p:cond evt="onBegin" delay="0">
-                          <p:tn val="2"/>
-                        </p:cond>
-                      </p:stCondLst>
-                      <p:childTnLst>
-                        <p:par>
-                          <p:cTn id="4" fill="hold">
-                            <p:stCondLst>
-                              <p:cond delay="0"/>
-                            </p:stCondLst>
-                            <p:childTnLst>
-                              <p:par>
-                                <p:cTn id="5" presetID="10" presetClass="entr" presetSubtype="0" fill="hold" grpId="0" nodeType="withEffect">
-                                  <p:stCondLst>
-                                    <p:cond delay="500"/>
-                                  </p:stCondLst>
-                                  <p:iterate type="lt">
-                                    <p:tmPct val="10000"/>
-                                  </p:iterate>
-                                  <p:childTnLst>
-                                    <p:set>
-                                      <p:cBhvr>
-                                        <p:cTn id="6" dur="1" fill="hold">
-                                          <p:stCondLst>
-                                            <p:cond delay="0"/>
-                                          </p:stCondLst>
-                                        </p:cTn>
-                                        <p:tgtEl>
-                                          <p:spTgt spid="2"/>
-                                        </p:tgtEl>
-                                        <p:attrNameLst>
-                                          <p:attrName>style.visibility</p:attrName>
-                                        </p:attrNameLst>
-                                      </p:cBhvr>
-                                      <p:to>
-                                        <p:strVal val="visible"/>
-                                      </p:to>
-                                    </p:set>
-                                    <p:animEffect transition="in" filter="fade">
-                                      <p:cBhvr>
-                                        <p:cTn id="7" dur="400"/>
-                                        <p:tgtEl>
-                                          <p:spTgt spid="2"/>
-                                        </p:tgtEl>
-                                      </p:cBhvr>
-                                    </p:animEffect>
-                                  </p:childTnLst>
-                                </p:cTn>
-                              </p:par>
-                            </p:childTnLst>
-                          </p:cTn>
-                        </p:par>
-                      </p:childTnLst>
-                    </p:cTn>
-                  </p:par>
-                </p:childTnLst>
-              </p:cTn>
-              <p:prevCondLst>
-                <p:cond evt="onPrev" delay="0">
-                  <p:tgtEl>
-                    <p:sldTgt/>
-                  </p:tgtEl>
-                </p:cond>
-              </p:prevCondLst>
-              <p:nextCondLst>
-                <p:cond evt="onNext" delay="0">
-                  <p:tgtEl>
-                    <p:sldTgt/>
-                  </p:tgtEl>
-                </p:cond>
-              </p:nextCondLst>
-            </p:seq>
-          </p:childTnLst>
-        </p:cTn>
-      </p:par>
-    </p:tnLst>
-    <p:bldLst>
-      <p:bldP spid="2" grpId="0"/>
-    </p:bldLst>
-  </p:timing>
+  <mc:AlternateContent xmlns:mc="http://schemas.openxmlformats.org/markup-compatibility/2006">
+    <mc:Choice xmlns:p159="http://schemas.microsoft.com/office/powerpoint/2015/09/main" Requires="p159">
+      <p:transition spd="slow">
+        <p159:morph option="byObject"/>
+      </p:transition>
+    </mc:Choice>
+    <mc:Fallback>
+      <p:transition spd="slow">
+        <p:fade/>
+      </p:transition>
+    </mc:Fallback>
+  </mc:AlternateContent>
 </p:sld>
 </file>
 
@@ -9310,7 +9238,7 @@
             <a:r>
               <a:rPr lang="cs-CZ" b="1" dirty="0">
                 <a:solidFill>
-                  <a:srgbClr val="FFFFFF"/>
+                  <a:srgbClr val="00B0F0"/>
                 </a:solidFill>
               </a:rPr>
               <a:t>Demonstrace - události</a:t>
@@ -9347,46 +9275,46 @@
           <a:lstStyle/>
           <a:p>
             <a:r>
-              <a:rPr lang="cs-CZ" sz="2400" dirty="0" err="1">
-                <a:solidFill>
-                  <a:srgbClr val="FFFFFF"/>
+              <a:rPr lang="cs-CZ" dirty="0" err="1">
+                <a:solidFill>
+                  <a:srgbClr val="00B0F0"/>
                 </a:solidFill>
               </a:rPr>
               <a:t>Work</a:t>
             </a:r>
             <a:r>
-              <a:rPr lang="cs-CZ" sz="2400" dirty="0">
-                <a:solidFill>
-                  <a:srgbClr val="FFFFFF"/>
+              <a:rPr lang="cs-CZ" dirty="0">
+                <a:solidFill>
+                  <a:srgbClr val="00B0F0"/>
                 </a:solidFill>
               </a:rPr>
               <a:t> in </a:t>
             </a:r>
             <a:r>
-              <a:rPr lang="cs-CZ" sz="2400" dirty="0" err="1">
-                <a:solidFill>
-                  <a:srgbClr val="FFFFFF"/>
+              <a:rPr lang="cs-CZ" dirty="0" err="1">
+                <a:solidFill>
+                  <a:srgbClr val="00B0F0"/>
                 </a:solidFill>
               </a:rPr>
               <a:t>Progress</a:t>
             </a:r>
+            <a:endParaRPr lang="cs-CZ" dirty="0">
+              <a:solidFill>
+                <a:srgbClr val="00B0F0"/>
+              </a:solidFill>
+            </a:endParaRPr>
+          </a:p>
+          <a:p>
             <a:endParaRPr lang="cs-CZ" sz="2400" dirty="0">
               <a:solidFill>
-                <a:srgbClr val="FFFFFF"/>
+                <a:srgbClr val="00B0F0"/>
               </a:solidFill>
             </a:endParaRPr>
           </a:p>
           <a:p>
             <a:endParaRPr lang="cs-CZ" sz="2400" dirty="0">
               <a:solidFill>
-                <a:srgbClr val="FFFFFF"/>
-              </a:solidFill>
-            </a:endParaRPr>
-          </a:p>
-          <a:p>
-            <a:endParaRPr lang="cs-CZ" sz="2400" dirty="0">
-              <a:solidFill>
-                <a:srgbClr val="FFFFFF"/>
+                <a:srgbClr val="00B0F0"/>
               </a:solidFill>
             </a:endParaRPr>
           </a:p>
@@ -9402,98 +9330,18 @@
   <p:clrMapOvr>
     <a:overrideClrMapping bg1="dk1" tx1="lt1" bg2="dk2" tx2="lt2" accent1="accent1" accent2="accent2" accent3="accent3" accent4="accent4" accent5="accent5" accent6="accent6" hlink="hlink" folHlink="folHlink"/>
   </p:clrMapOvr>
-  <p:timing>
-    <p:tnLst>
-      <p:par>
-        <p:cTn id="1" dur="indefinite" restart="never" nodeType="tmRoot">
-          <p:childTnLst>
-            <p:seq concurrent="1" nextAc="seek">
-              <p:cTn id="2" dur="indefinite" nodeType="mainSeq">
-                <p:childTnLst>
-                  <p:par>
-                    <p:cTn id="3" fill="hold">
-                      <p:stCondLst>
-                        <p:cond delay="indefinite"/>
-                        <p:cond evt="onBegin" delay="0">
-                          <p:tn val="2"/>
-                        </p:cond>
-                      </p:stCondLst>
-                      <p:childTnLst>
-                        <p:par>
-                          <p:cTn id="4" fill="hold">
-                            <p:stCondLst>
-                              <p:cond delay="0"/>
-                            </p:stCondLst>
-                            <p:childTnLst>
-                              <p:par>
-                                <p:cTn id="5" presetID="10" presetClass="entr" presetSubtype="0" fill="hold" grpId="0" nodeType="withEffect">
-                                  <p:stCondLst>
-                                    <p:cond delay="500"/>
-                                  </p:stCondLst>
-                                  <p:iterate type="lt">
-                                    <p:tmPct val="10000"/>
-                                  </p:iterate>
-                                  <p:childTnLst>
-                                    <p:set>
-                                      <p:cBhvr>
-                                        <p:cTn id="6" dur="1" fill="hold">
-                                          <p:stCondLst>
-                                            <p:cond delay="0"/>
-                                          </p:stCondLst>
-                                        </p:cTn>
-                                        <p:tgtEl>
-                                          <p:spTgt spid="2"/>
-                                        </p:tgtEl>
-                                        <p:attrNameLst>
-                                          <p:attrName>style.visibility</p:attrName>
-                                        </p:attrNameLst>
-                                      </p:cBhvr>
-                                      <p:to>
-                                        <p:strVal val="visible"/>
-                                      </p:to>
-                                    </p:set>
-                                    <p:animEffect transition="in" filter="fade">
-                                      <p:cBhvr>
-                                        <p:cTn id="7" dur="400"/>
-                                        <p:tgtEl>
-                                          <p:spTgt spid="2"/>
-                                        </p:tgtEl>
-                                      </p:cBhvr>
-                                    </p:animEffect>
-                                  </p:childTnLst>
-                                </p:cTn>
-                              </p:par>
-                            </p:childTnLst>
-                          </p:cTn>
-                        </p:par>
-                      </p:childTnLst>
-                    </p:cTn>
-                  </p:par>
-                </p:childTnLst>
-              </p:cTn>
-              <p:prevCondLst>
-                <p:cond evt="onPrev" delay="0">
-                  <p:tgtEl>
-                    <p:sldTgt/>
-                  </p:tgtEl>
-                </p:cond>
-              </p:prevCondLst>
-              <p:nextCondLst>
-                <p:cond evt="onNext" delay="0">
-                  <p:tgtEl>
-                    <p:sldTgt/>
-                  </p:tgtEl>
-                </p:cond>
-              </p:nextCondLst>
-            </p:seq>
-          </p:childTnLst>
-        </p:cTn>
-      </p:par>
-    </p:tnLst>
-    <p:bldLst>
-      <p:bldP spid="2" grpId="0"/>
-    </p:bldLst>
-  </p:timing>
+  <mc:AlternateContent xmlns:mc="http://schemas.openxmlformats.org/markup-compatibility/2006">
+    <mc:Choice xmlns:p159="http://schemas.microsoft.com/office/powerpoint/2015/09/main" Requires="p159">
+      <p:transition spd="slow">
+        <p159:morph option="byObject"/>
+      </p:transition>
+    </mc:Choice>
+    <mc:Fallback>
+      <p:transition spd="slow">
+        <p:fade/>
+      </p:transition>
+    </mc:Fallback>
+  </mc:AlternateContent>
 </p:sld>
 </file>
 
@@ -9826,32 +9674,32 @@
           </a:xfrm>
         </p:spPr>
         <p:txBody>
-          <a:bodyPr>
+          <a:bodyPr vert="horz" lIns="91440" tIns="45720" rIns="91440" bIns="45720" rtlCol="0" anchor="b">
             <a:normAutofit/>
           </a:bodyPr>
           <a:lstStyle/>
           <a:p>
             <a:pPr algn="ctr"/>
             <a:r>
-              <a:rPr lang="cs-CZ" b="1" dirty="0">
-                <a:solidFill>
-                  <a:srgbClr val="FFFFFF"/>
+              <a:rPr lang="cs-CZ" sz="5400" b="1" dirty="0">
+                <a:solidFill>
+                  <a:srgbClr val="00B0F0"/>
                 </a:solidFill>
               </a:rPr>
               <a:t>Co je to </a:t>
             </a:r>
             <a:r>
-              <a:rPr lang="cs-CZ" b="1" dirty="0" err="1">
-                <a:solidFill>
-                  <a:srgbClr val="FFFFFF"/>
+              <a:rPr lang="cs-CZ" sz="5400" b="1" dirty="0" err="1">
+                <a:solidFill>
+                  <a:srgbClr val="00B0F0"/>
                 </a:solidFill>
               </a:rPr>
               <a:t>Discord</a:t>
             </a:r>
             <a:r>
-              <a:rPr lang="cs-CZ" b="1" dirty="0">
-                <a:solidFill>
-                  <a:srgbClr val="FFFFFF"/>
+              <a:rPr lang="cs-CZ" sz="5400" b="1" dirty="0">
+                <a:solidFill>
+                  <a:srgbClr val="00B0F0"/>
                 </a:solidFill>
               </a:rPr>
               <a:t>?</a:t>
@@ -9869,6 +9717,18 @@
   <p:clrMapOvr>
     <a:overrideClrMapping bg1="dk1" tx1="lt1" bg2="dk2" tx2="lt2" accent1="accent1" accent2="accent2" accent3="accent3" accent4="accent4" accent5="accent5" accent6="accent6" hlink="hlink" folHlink="folHlink"/>
   </p:clrMapOvr>
+  <mc:AlternateContent xmlns:mc="http://schemas.openxmlformats.org/markup-compatibility/2006">
+    <mc:Choice xmlns:p159="http://schemas.microsoft.com/office/powerpoint/2015/09/main" Requires="p159">
+      <p:transition spd="slow">
+        <p159:morph option="byObject"/>
+      </p:transition>
+    </mc:Choice>
+    <mc:Fallback>
+      <p:transition spd="slow">
+        <p:fade/>
+      </p:transition>
+    </mc:Fallback>
+  </mc:AlternateContent>
 </p:sld>
 </file>
 
@@ -10209,7 +10069,7 @@
             <a:r>
               <a:rPr lang="cs-CZ" b="1" dirty="0">
                 <a:solidFill>
-                  <a:srgbClr val="FFFFFF"/>
+                  <a:srgbClr val="00B0F0"/>
                 </a:solidFill>
               </a:rPr>
               <a:t>Demonstrace - hudba</a:t>
@@ -10246,46 +10106,46 @@
           <a:lstStyle/>
           <a:p>
             <a:r>
-              <a:rPr lang="cs-CZ" sz="2400" dirty="0" err="1">
-                <a:solidFill>
-                  <a:srgbClr val="FFFFFF"/>
+              <a:rPr lang="cs-CZ" dirty="0" err="1">
+                <a:solidFill>
+                  <a:srgbClr val="00B0F0"/>
                 </a:solidFill>
               </a:rPr>
               <a:t>Work</a:t>
             </a:r>
             <a:r>
-              <a:rPr lang="cs-CZ" sz="2400" dirty="0">
-                <a:solidFill>
-                  <a:srgbClr val="FFFFFF"/>
+              <a:rPr lang="cs-CZ" dirty="0">
+                <a:solidFill>
+                  <a:srgbClr val="00B0F0"/>
                 </a:solidFill>
               </a:rPr>
               <a:t> in </a:t>
             </a:r>
             <a:r>
-              <a:rPr lang="cs-CZ" sz="2400" dirty="0" err="1">
-                <a:solidFill>
-                  <a:srgbClr val="FFFFFF"/>
+              <a:rPr lang="cs-CZ" dirty="0" err="1">
+                <a:solidFill>
+                  <a:srgbClr val="00B0F0"/>
                 </a:solidFill>
               </a:rPr>
               <a:t>Progress</a:t>
             </a:r>
+            <a:endParaRPr lang="cs-CZ" dirty="0">
+              <a:solidFill>
+                <a:srgbClr val="00B0F0"/>
+              </a:solidFill>
+            </a:endParaRPr>
+          </a:p>
+          <a:p>
             <a:endParaRPr lang="cs-CZ" sz="2400" dirty="0">
               <a:solidFill>
-                <a:srgbClr val="FFFFFF"/>
+                <a:srgbClr val="00B0F0"/>
               </a:solidFill>
             </a:endParaRPr>
           </a:p>
           <a:p>
             <a:endParaRPr lang="cs-CZ" sz="2400" dirty="0">
               <a:solidFill>
-                <a:srgbClr val="FFFFFF"/>
-              </a:solidFill>
-            </a:endParaRPr>
-          </a:p>
-          <a:p>
-            <a:endParaRPr lang="cs-CZ" sz="2400" dirty="0">
-              <a:solidFill>
-                <a:srgbClr val="FFFFFF"/>
+                <a:srgbClr val="00B0F0"/>
               </a:solidFill>
             </a:endParaRPr>
           </a:p>
@@ -10301,98 +10161,18 @@
   <p:clrMapOvr>
     <a:overrideClrMapping bg1="dk1" tx1="lt1" bg2="dk2" tx2="lt2" accent1="accent1" accent2="accent2" accent3="accent3" accent4="accent4" accent5="accent5" accent6="accent6" hlink="hlink" folHlink="folHlink"/>
   </p:clrMapOvr>
-  <p:timing>
-    <p:tnLst>
-      <p:par>
-        <p:cTn id="1" dur="indefinite" restart="never" nodeType="tmRoot">
-          <p:childTnLst>
-            <p:seq concurrent="1" nextAc="seek">
-              <p:cTn id="2" dur="indefinite" nodeType="mainSeq">
-                <p:childTnLst>
-                  <p:par>
-                    <p:cTn id="3" fill="hold">
-                      <p:stCondLst>
-                        <p:cond delay="indefinite"/>
-                        <p:cond evt="onBegin" delay="0">
-                          <p:tn val="2"/>
-                        </p:cond>
-                      </p:stCondLst>
-                      <p:childTnLst>
-                        <p:par>
-                          <p:cTn id="4" fill="hold">
-                            <p:stCondLst>
-                              <p:cond delay="0"/>
-                            </p:stCondLst>
-                            <p:childTnLst>
-                              <p:par>
-                                <p:cTn id="5" presetID="10" presetClass="entr" presetSubtype="0" fill="hold" grpId="0" nodeType="withEffect">
-                                  <p:stCondLst>
-                                    <p:cond delay="500"/>
-                                  </p:stCondLst>
-                                  <p:iterate type="lt">
-                                    <p:tmPct val="10000"/>
-                                  </p:iterate>
-                                  <p:childTnLst>
-                                    <p:set>
-                                      <p:cBhvr>
-                                        <p:cTn id="6" dur="1" fill="hold">
-                                          <p:stCondLst>
-                                            <p:cond delay="0"/>
-                                          </p:stCondLst>
-                                        </p:cTn>
-                                        <p:tgtEl>
-                                          <p:spTgt spid="2"/>
-                                        </p:tgtEl>
-                                        <p:attrNameLst>
-                                          <p:attrName>style.visibility</p:attrName>
-                                        </p:attrNameLst>
-                                      </p:cBhvr>
-                                      <p:to>
-                                        <p:strVal val="visible"/>
-                                      </p:to>
-                                    </p:set>
-                                    <p:animEffect transition="in" filter="fade">
-                                      <p:cBhvr>
-                                        <p:cTn id="7" dur="400"/>
-                                        <p:tgtEl>
-                                          <p:spTgt spid="2"/>
-                                        </p:tgtEl>
-                                      </p:cBhvr>
-                                    </p:animEffect>
-                                  </p:childTnLst>
-                                </p:cTn>
-                              </p:par>
-                            </p:childTnLst>
-                          </p:cTn>
-                        </p:par>
-                      </p:childTnLst>
-                    </p:cTn>
-                  </p:par>
-                </p:childTnLst>
-              </p:cTn>
-              <p:prevCondLst>
-                <p:cond evt="onPrev" delay="0">
-                  <p:tgtEl>
-                    <p:sldTgt/>
-                  </p:tgtEl>
-                </p:cond>
-              </p:prevCondLst>
-              <p:nextCondLst>
-                <p:cond evt="onNext" delay="0">
-                  <p:tgtEl>
-                    <p:sldTgt/>
-                  </p:tgtEl>
-                </p:cond>
-              </p:nextCondLst>
-            </p:seq>
-          </p:childTnLst>
-        </p:cTn>
-      </p:par>
-    </p:tnLst>
-    <p:bldLst>
-      <p:bldP spid="2" grpId="0"/>
-    </p:bldLst>
-  </p:timing>
+  <mc:AlternateContent xmlns:mc="http://schemas.openxmlformats.org/markup-compatibility/2006">
+    <mc:Choice xmlns:p159="http://schemas.microsoft.com/office/powerpoint/2015/09/main" Requires="p159">
+      <p:transition spd="slow">
+        <p159:morph option="byObject"/>
+      </p:transition>
+    </mc:Choice>
+    <mc:Fallback>
+      <p:transition spd="slow">
+        <p:fade/>
+      </p:transition>
+    </mc:Fallback>
+  </mc:AlternateContent>
 </p:sld>
 </file>
 
@@ -10733,7 +10513,7 @@
             <a:r>
               <a:rPr lang="cs-CZ" b="1" dirty="0">
                 <a:solidFill>
-                  <a:srgbClr val="FFFFFF"/>
+                  <a:srgbClr val="00B0F0"/>
                 </a:solidFill>
               </a:rPr>
               <a:t>Případné rozšíření do budoucna</a:t>
@@ -10765,22 +10545,22 @@
         </p:spPr>
         <p:txBody>
           <a:bodyPr>
-            <a:normAutofit/>
+            <a:noAutofit/>
           </a:bodyPr>
           <a:lstStyle/>
           <a:p>
             <a:r>
-              <a:rPr lang="cs-CZ" sz="2400" dirty="0" err="1">
-                <a:solidFill>
-                  <a:srgbClr val="FFFFFF"/>
+              <a:rPr lang="cs-CZ" dirty="0" err="1">
+                <a:solidFill>
+                  <a:srgbClr val="00B0F0"/>
                 </a:solidFill>
               </a:rPr>
               <a:t>Neduhou</a:t>
             </a:r>
             <a:r>
-              <a:rPr lang="cs-CZ" sz="2400" dirty="0">
-                <a:solidFill>
-                  <a:srgbClr val="FFFFFF"/>
+              <a:rPr lang="cs-CZ" dirty="0">
+                <a:solidFill>
+                  <a:srgbClr val="00B0F0"/>
                 </a:solidFill>
               </a:rPr>
               <a:t> příkazů je, že se musí vypisovat</a:t>
@@ -10788,97 +10568,97 @@
           </a:p>
           <a:p>
             <a:r>
-              <a:rPr lang="cs-CZ" sz="2400" dirty="0">
-                <a:solidFill>
-                  <a:srgbClr val="FFFFFF"/>
+              <a:rPr lang="cs-CZ" dirty="0">
+                <a:solidFill>
+                  <a:srgbClr val="00B0F0"/>
                 </a:solidFill>
               </a:rPr>
               <a:t>Implementace </a:t>
             </a:r>
             <a:r>
-              <a:rPr lang="cs-CZ" sz="2400" dirty="0" err="1">
-                <a:solidFill>
-                  <a:srgbClr val="FFFFFF"/>
+              <a:rPr lang="cs-CZ" dirty="0" err="1">
+                <a:solidFill>
+                  <a:srgbClr val="00B0F0"/>
                 </a:solidFill>
               </a:rPr>
               <a:t>voice</a:t>
             </a:r>
             <a:r>
-              <a:rPr lang="cs-CZ" sz="2400" dirty="0">
-                <a:solidFill>
-                  <a:srgbClr val="FFFFFF"/>
+              <a:rPr lang="cs-CZ" dirty="0">
+                <a:solidFill>
+                  <a:srgbClr val="00B0F0"/>
                 </a:solidFill>
               </a:rPr>
               <a:t> </a:t>
             </a:r>
             <a:r>
-              <a:rPr lang="cs-CZ" sz="2400" dirty="0" err="1">
-                <a:solidFill>
-                  <a:srgbClr val="FFFFFF"/>
+              <a:rPr lang="cs-CZ" dirty="0" err="1">
+                <a:solidFill>
+                  <a:srgbClr val="00B0F0"/>
                 </a:solidFill>
               </a:rPr>
               <a:t>recognition</a:t>
             </a:r>
             <a:r>
-              <a:rPr lang="cs-CZ" sz="2400" dirty="0">
-                <a:solidFill>
-                  <a:srgbClr val="FFFFFF"/>
+              <a:rPr lang="cs-CZ" dirty="0">
+                <a:solidFill>
+                  <a:srgbClr val="00B0F0"/>
                 </a:solidFill>
               </a:rPr>
               <a:t> pro hlasové zadávání příkazů</a:t>
             </a:r>
           </a:p>
           <a:p>
-            <a:endParaRPr lang="cs-CZ" sz="2400" dirty="0">
+            <a:endParaRPr lang="cs-CZ" dirty="0">
               <a:solidFill>
-                <a:srgbClr val="FFFFFF"/>
+                <a:srgbClr val="00B0F0"/>
               </a:solidFill>
             </a:endParaRPr>
           </a:p>
           <a:p>
             <a:r>
-              <a:rPr lang="cs-CZ" sz="2400" dirty="0" err="1">
-                <a:solidFill>
-                  <a:srgbClr val="FFFFFF"/>
+              <a:rPr lang="cs-CZ" dirty="0" err="1">
+                <a:solidFill>
+                  <a:srgbClr val="00B0F0"/>
                 </a:solidFill>
               </a:rPr>
               <a:t>Neduhou</a:t>
             </a:r>
             <a:r>
-              <a:rPr lang="cs-CZ" sz="2400" dirty="0">
-                <a:solidFill>
-                  <a:srgbClr val="FFFFFF"/>
+              <a:rPr lang="cs-CZ" dirty="0">
+                <a:solidFill>
+                  <a:srgbClr val="00B0F0"/>
                 </a:solidFill>
               </a:rPr>
               <a:t> </a:t>
             </a:r>
             <a:r>
-              <a:rPr lang="cs-CZ" sz="2400" dirty="0" err="1">
-                <a:solidFill>
-                  <a:srgbClr val="FFFFFF"/>
+              <a:rPr lang="cs-CZ" dirty="0" err="1">
+                <a:solidFill>
+                  <a:srgbClr val="00B0F0"/>
                 </a:solidFill>
               </a:rPr>
               <a:t>youtube_dl</a:t>
             </a:r>
             <a:r>
-              <a:rPr lang="cs-CZ" sz="2400" dirty="0">
-                <a:solidFill>
-                  <a:srgbClr val="FFFFFF"/>
+              <a:rPr lang="cs-CZ" dirty="0">
+                <a:solidFill>
+                  <a:srgbClr val="00B0F0"/>
                 </a:solidFill>
               </a:rPr>
               <a:t> je absence reklam (Googlu se to nelíbí), od</a:t>
             </a:r>
             <a:br>
-              <a:rPr lang="cs-CZ" sz="2400" dirty="0">
-                <a:solidFill>
-                  <a:srgbClr val="FFFFFF"/>
+              <a:rPr lang="cs-CZ" dirty="0">
+                <a:solidFill>
+                  <a:srgbClr val="00B0F0"/>
                 </a:solidFill>
               </a:rPr>
             </a:br>
             <a:r>
-              <a:rPr lang="cs-CZ" sz="2400" dirty="0">
-                <a:solidFill>
-                  <a:srgbClr val="FFFFFF"/>
+              <a:rPr lang="cs-CZ" dirty="0">
+                <a:solidFill>
+                  <a:srgbClr val="00B0F0"/>
                 </a:solidFill>
               </a:rPr>
               <a:t>tohoto léta ukončil dva velké (20M serverů) boty</a:t>
@@ -10886,25 +10666,25 @@
           </a:p>
           <a:p>
             <a:r>
-              <a:rPr lang="cs-CZ" sz="2400" dirty="0">
-                <a:solidFill>
-                  <a:srgbClr val="FFFFFF"/>
+              <a:rPr lang="cs-CZ" dirty="0">
+                <a:solidFill>
+                  <a:srgbClr val="00B0F0"/>
                 </a:solidFill>
               </a:rPr>
               <a:t>Implementace vlastního „skutečného přehrání videa </a:t>
             </a:r>
             <a:r>
-              <a:rPr lang="cs-CZ" sz="2400" dirty="0" err="1">
-                <a:solidFill>
-                  <a:srgbClr val="FFFFFF"/>
+              <a:rPr lang="cs-CZ" dirty="0" err="1">
+                <a:solidFill>
+                  <a:srgbClr val="00B0F0"/>
                 </a:solidFill>
               </a:rPr>
               <a:t>botem</a:t>
             </a:r>
             <a:r>
-              <a:rPr lang="cs-CZ" sz="2400" dirty="0">
-                <a:solidFill>
-                  <a:srgbClr val="FFFFFF"/>
+              <a:rPr lang="cs-CZ" dirty="0">
+                <a:solidFill>
+                  <a:srgbClr val="00B0F0"/>
                 </a:solidFill>
               </a:rPr>
               <a:t>“ a vynechání reklam</a:t>
@@ -10922,102 +10702,22 @@
   <p:clrMapOvr>
     <a:overrideClrMapping bg1="dk1" tx1="lt1" bg2="dk2" tx2="lt2" accent1="accent1" accent2="accent2" accent3="accent3" accent4="accent4" accent5="accent5" accent6="accent6" hlink="hlink" folHlink="folHlink"/>
   </p:clrMapOvr>
-  <p:timing>
-    <p:tnLst>
-      <p:par>
-        <p:cTn id="1" dur="indefinite" restart="never" nodeType="tmRoot">
-          <p:childTnLst>
-            <p:seq concurrent="1" nextAc="seek">
-              <p:cTn id="2" dur="indefinite" nodeType="mainSeq">
-                <p:childTnLst>
-                  <p:par>
-                    <p:cTn id="3" fill="hold">
-                      <p:stCondLst>
-                        <p:cond delay="indefinite"/>
-                        <p:cond evt="onBegin" delay="0">
-                          <p:tn val="2"/>
-                        </p:cond>
-                      </p:stCondLst>
-                      <p:childTnLst>
-                        <p:par>
-                          <p:cTn id="4" fill="hold">
-                            <p:stCondLst>
-                              <p:cond delay="0"/>
-                            </p:stCondLst>
-                            <p:childTnLst>
-                              <p:par>
-                                <p:cTn id="5" presetID="10" presetClass="entr" presetSubtype="0" fill="hold" grpId="0" nodeType="withEffect">
-                                  <p:stCondLst>
-                                    <p:cond delay="500"/>
-                                  </p:stCondLst>
-                                  <p:iterate type="lt">
-                                    <p:tmPct val="10000"/>
-                                  </p:iterate>
-                                  <p:childTnLst>
-                                    <p:set>
-                                      <p:cBhvr>
-                                        <p:cTn id="6" dur="1" fill="hold">
-                                          <p:stCondLst>
-                                            <p:cond delay="0"/>
-                                          </p:stCondLst>
-                                        </p:cTn>
-                                        <p:tgtEl>
-                                          <p:spTgt spid="2"/>
-                                        </p:tgtEl>
-                                        <p:attrNameLst>
-                                          <p:attrName>style.visibility</p:attrName>
-                                        </p:attrNameLst>
-                                      </p:cBhvr>
-                                      <p:to>
-                                        <p:strVal val="visible"/>
-                                      </p:to>
-                                    </p:set>
-                                    <p:animEffect transition="in" filter="fade">
-                                      <p:cBhvr>
-                                        <p:cTn id="7" dur="400"/>
-                                        <p:tgtEl>
-                                          <p:spTgt spid="2"/>
-                                        </p:tgtEl>
-                                      </p:cBhvr>
-                                    </p:animEffect>
-                                  </p:childTnLst>
-                                </p:cTn>
-                              </p:par>
-                            </p:childTnLst>
-                          </p:cTn>
-                        </p:par>
-                      </p:childTnLst>
-                    </p:cTn>
-                  </p:par>
-                </p:childTnLst>
-              </p:cTn>
-              <p:prevCondLst>
-                <p:cond evt="onPrev" delay="0">
-                  <p:tgtEl>
-                    <p:sldTgt/>
-                  </p:tgtEl>
-                </p:cond>
-              </p:prevCondLst>
-              <p:nextCondLst>
-                <p:cond evt="onNext" delay="0">
-                  <p:tgtEl>
-                    <p:sldTgt/>
-                  </p:tgtEl>
-                </p:cond>
-              </p:nextCondLst>
-            </p:seq>
-          </p:childTnLst>
-        </p:cTn>
-      </p:par>
-    </p:tnLst>
-    <p:bldLst>
-      <p:bldP spid="2" grpId="0"/>
-    </p:bldLst>
-  </p:timing>
+  <mc:AlternateContent xmlns:mc="http://schemas.openxmlformats.org/markup-compatibility/2006">
+    <mc:Choice xmlns:p159="http://schemas.microsoft.com/office/powerpoint/2015/09/main" Requires="p159">
+      <p:transition spd="slow">
+        <p159:morph option="byObject"/>
+      </p:transition>
+    </mc:Choice>
+    <mc:Fallback>
+      <p:transition spd="slow">
+        <p:fade/>
+      </p:transition>
+    </mc:Fallback>
+  </mc:AlternateContent>
 </p:sld>
 </file>
 
-<file path=ppt/slides/slide3.xml><?xml version="1.0" encoding="utf-8"?>
+<file path=ppt/slides/slide22.xml><?xml version="1.0" encoding="utf-8"?>
 <p:sld xmlns:a="http://schemas.openxmlformats.org/drawingml/2006/main" xmlns:r="http://schemas.openxmlformats.org/officeDocument/2006/relationships" xmlns:p="http://schemas.openxmlformats.org/presentationml/2006/main">
   <p:cSld>
     <p:bg>
@@ -11044,7 +10744,7 @@
       </p:grpSpPr>
       <p:sp>
         <p:nvSpPr>
-          <p:cNvPr id="14" name="Rectangle 7">
+          <p:cNvPr id="8" name="Rectangle 7">
             <a:extLst>
               <a:ext uri="{FF2B5EF4-FFF2-40B4-BE49-F238E27FC236}">
                 <a16:creationId xmlns:a16="http://schemas.microsoft.com/office/drawing/2014/main" id="{EA67B5B4-3A24-436E-B663-1B2EBFF8A0CD}"/>
@@ -11107,7 +10807,7 @@
       </p:sp>
       <p:sp>
         <p:nvSpPr>
-          <p:cNvPr id="15" name="Freeform 13">
+          <p:cNvPr id="10" name="Freeform 13">
             <a:extLst>
               <a:ext uri="{FF2B5EF4-FFF2-40B4-BE49-F238E27FC236}">
                 <a16:creationId xmlns:a16="http://schemas.microsoft.com/office/drawing/2014/main" id="{987FDF89-C993-41F4-A1B8-DBAFF16008A9}"/>
@@ -11215,7 +10915,7 @@
       </p:sp>
       <p:sp>
         <p:nvSpPr>
-          <p:cNvPr id="16" name="Freeform 11">
+          <p:cNvPr id="12" name="Freeform 11">
             <a:extLst>
               <a:ext uri="{FF2B5EF4-FFF2-40B4-BE49-F238E27FC236}">
                 <a16:creationId xmlns:a16="http://schemas.microsoft.com/office/drawing/2014/main" id="{64E585EA-75FD-4025-8270-F66A58A15CDA}"/>
@@ -11328,7 +11028,7 @@
           <p:cNvPr id="2" name="Nadpis 1">
             <a:extLst>
               <a:ext uri="{FF2B5EF4-FFF2-40B4-BE49-F238E27FC236}">
-                <a16:creationId xmlns:a16="http://schemas.microsoft.com/office/drawing/2014/main" id="{79FECB4A-DF7D-4F3D-8313-3023B9EC494C}"/>
+                <a16:creationId xmlns:a16="http://schemas.microsoft.com/office/drawing/2014/main" id="{1C8678BA-21A6-4450-A611-7A8268F04105}"/>
               </a:ext>
             </a:extLst>
           </p:cNvPr>
@@ -11341,193 +11041,24 @@
         </p:nvSpPr>
         <p:spPr>
           <a:xfrm>
-            <a:off x="833002" y="365125"/>
-            <a:ext cx="10520702" cy="1325563"/>
+            <a:off x="2777711" y="2764556"/>
+            <a:ext cx="6636577" cy="1325563"/>
           </a:xfrm>
         </p:spPr>
         <p:txBody>
-          <a:bodyPr>
+          <a:bodyPr vert="horz" lIns="91440" tIns="45720" rIns="91440" bIns="45720" rtlCol="0" anchor="b">
             <a:normAutofit/>
           </a:bodyPr>
           <a:lstStyle/>
           <a:p>
-            <a:r>
-              <a:rPr lang="cs-CZ" b="1" dirty="0" err="1">
-                <a:solidFill>
-                  <a:srgbClr val="FFFFFF"/>
-                </a:solidFill>
-              </a:rPr>
-              <a:t>Discord</a:t>
-            </a:r>
-            <a:r>
-              <a:rPr lang="cs-CZ" b="1" dirty="0">
-                <a:solidFill>
-                  <a:srgbClr val="FFFFFF"/>
-                </a:solidFill>
-              </a:rPr>
-              <a:t>:</a:t>
-            </a:r>
-          </a:p>
-        </p:txBody>
-      </p:sp>
-      <p:sp>
-        <p:nvSpPr>
-          <p:cNvPr id="3" name="Zástupný obsah 2">
-            <a:extLst>
-              <a:ext uri="{FF2B5EF4-FFF2-40B4-BE49-F238E27FC236}">
-                <a16:creationId xmlns:a16="http://schemas.microsoft.com/office/drawing/2014/main" id="{A305B93A-CC31-496F-9165-4384CD755FFC}"/>
-              </a:ext>
-            </a:extLst>
-          </p:cNvPr>
-          <p:cNvSpPr>
-            <a:spLocks noGrp="1"/>
-          </p:cNvSpPr>
-          <p:nvPr>
-            <p:ph idx="1"/>
-          </p:nvPr>
-        </p:nvSpPr>
-        <p:spPr>
-          <a:xfrm>
-            <a:off x="838201" y="2022601"/>
-            <a:ext cx="10515598" cy="4154361"/>
-          </a:xfrm>
-        </p:spPr>
-        <p:txBody>
-          <a:bodyPr>
-            <a:normAutofit/>
-          </a:bodyPr>
-          <a:lstStyle/>
-          <a:p>
-            <a:r>
-              <a:rPr lang="cs-CZ" sz="2400" dirty="0">
-                <a:solidFill>
-                  <a:srgbClr val="FFFFFF"/>
-                </a:solidFill>
-              </a:rPr>
-              <a:t>Komunikační platformou</a:t>
-            </a:r>
-          </a:p>
-          <a:p>
-            <a:r>
-              <a:rPr lang="cs-CZ" sz="2400" dirty="0" err="1">
-                <a:solidFill>
-                  <a:srgbClr val="FFFFFF"/>
-                </a:solidFill>
-              </a:rPr>
-              <a:t>Multiplatformí</a:t>
-            </a:r>
-            <a:r>
-              <a:rPr lang="cs-CZ" sz="2400" dirty="0">
-                <a:solidFill>
-                  <a:srgbClr val="FFFFFF"/>
-                </a:solidFill>
-              </a:rPr>
-              <a:t> (Desktop </a:t>
-            </a:r>
-            <a:r>
-              <a:rPr lang="cs-CZ" sz="2400" dirty="0" err="1">
-                <a:solidFill>
-                  <a:srgbClr val="FFFFFF"/>
-                </a:solidFill>
-              </a:rPr>
-              <a:t>App</a:t>
-            </a:r>
-            <a:r>
-              <a:rPr lang="cs-CZ" sz="2400" dirty="0">
-                <a:solidFill>
-                  <a:srgbClr val="FFFFFF"/>
-                </a:solidFill>
-              </a:rPr>
-              <a:t>, Mobile </a:t>
-            </a:r>
-            <a:r>
-              <a:rPr lang="cs-CZ" sz="2400" dirty="0" err="1">
-                <a:solidFill>
-                  <a:srgbClr val="FFFFFF"/>
-                </a:solidFill>
-              </a:rPr>
-              <a:t>App</a:t>
-            </a:r>
-            <a:r>
-              <a:rPr lang="cs-CZ" sz="2400" dirty="0">
-                <a:solidFill>
-                  <a:srgbClr val="FFFFFF"/>
-                </a:solidFill>
-              </a:rPr>
-              <a:t>, Web, …)</a:t>
-            </a:r>
-          </a:p>
-          <a:p>
-            <a:r>
-              <a:rPr lang="cs-CZ" sz="2400" dirty="0">
-                <a:solidFill>
-                  <a:srgbClr val="FFFFFF"/>
-                </a:solidFill>
-              </a:rPr>
-              <a:t>Podobné jako </a:t>
-            </a:r>
-            <a:r>
-              <a:rPr lang="cs-CZ" sz="2400" dirty="0" err="1">
-                <a:solidFill>
-                  <a:srgbClr val="FFFFFF"/>
-                </a:solidFill>
-              </a:rPr>
-              <a:t>Slack</a:t>
-            </a:r>
-            <a:r>
-              <a:rPr lang="cs-CZ" sz="2400" dirty="0">
-                <a:solidFill>
-                  <a:srgbClr val="FFFFFF"/>
-                </a:solidFill>
-              </a:rPr>
-              <a:t>, MS </a:t>
-            </a:r>
-            <a:r>
-              <a:rPr lang="cs-CZ" sz="2400" dirty="0" err="1">
-                <a:solidFill>
-                  <a:srgbClr val="FFFFFF"/>
-                </a:solidFill>
-              </a:rPr>
-              <a:t>Teams</a:t>
-            </a:r>
-            <a:endParaRPr lang="cs-CZ" sz="2400" dirty="0">
-              <a:solidFill>
-                <a:srgbClr val="FFFFFF"/>
-              </a:solidFill>
-            </a:endParaRPr>
-          </a:p>
-          <a:p>
-            <a:r>
-              <a:rPr lang="cs-CZ" sz="2400" dirty="0" err="1">
-                <a:solidFill>
-                  <a:srgbClr val="FFFFFF"/>
-                </a:solidFill>
-              </a:rPr>
-              <a:t>Discord</a:t>
-            </a:r>
-            <a:r>
-              <a:rPr lang="cs-CZ" sz="2400" dirty="0">
-                <a:solidFill>
-                  <a:srgbClr val="FFFFFF"/>
-                </a:solidFill>
-              </a:rPr>
-              <a:t> API (Github.com/</a:t>
-            </a:r>
-            <a:r>
-              <a:rPr lang="cs-CZ" sz="2400" dirty="0" err="1">
-                <a:solidFill>
-                  <a:srgbClr val="FFFFFF"/>
-                </a:solidFill>
-              </a:rPr>
-              <a:t>Rapptz</a:t>
-            </a:r>
-            <a:r>
-              <a:rPr lang="cs-CZ" sz="2400" dirty="0">
-                <a:solidFill>
-                  <a:srgbClr val="FFFFFF"/>
-                </a:solidFill>
-              </a:rPr>
-              <a:t>)</a:t>
+            <a:pPr algn="ctr"/>
+            <a:r>
+              <a:rPr lang="cs-CZ" sz="5400" b="1" dirty="0">
+                <a:solidFill>
+                  <a:srgbClr val="00B0F0"/>
+                </a:solidFill>
+              </a:rPr>
+              <a:t>Děkuji za pozornost!</a:t>
             </a:r>
           </a:p>
         </p:txBody>
@@ -11535,17 +11066,29 @@
     </p:spTree>
     <p:extLst>
       <p:ext uri="{BB962C8B-B14F-4D97-AF65-F5344CB8AC3E}">
-        <p14:creationId xmlns:p14="http://schemas.microsoft.com/office/powerpoint/2010/main" val="2548014827"/>
+        <p14:creationId xmlns:p14="http://schemas.microsoft.com/office/powerpoint/2010/main" val="3160648074"/>
       </p:ext>
     </p:extLst>
   </p:cSld>
   <p:clrMapOvr>
     <a:overrideClrMapping bg1="dk1" tx1="lt1" bg2="dk2" tx2="lt2" accent1="accent1" accent2="accent2" accent3="accent3" accent4="accent4" accent5="accent5" accent6="accent6" hlink="hlink" folHlink="folHlink"/>
   </p:clrMapOvr>
+  <mc:AlternateContent xmlns:mc="http://schemas.openxmlformats.org/markup-compatibility/2006">
+    <mc:Choice xmlns:p159="http://schemas.microsoft.com/office/powerpoint/2015/09/main" Requires="p159">
+      <p:transition spd="slow">
+        <p159:morph option="byObject"/>
+      </p:transition>
+    </mc:Choice>
+    <mc:Fallback>
+      <p:transition spd="slow">
+        <p:fade/>
+      </p:transition>
+    </mc:Fallback>
+  </mc:AlternateContent>
 </p:sld>
 </file>
 
-<file path=ppt/slides/slide4.xml><?xml version="1.0" encoding="utf-8"?>
+<file path=ppt/slides/slide3.xml><?xml version="1.0" encoding="utf-8"?>
 <p:sld xmlns:a="http://schemas.openxmlformats.org/drawingml/2006/main" xmlns:r="http://schemas.openxmlformats.org/officeDocument/2006/relationships" xmlns:p="http://schemas.openxmlformats.org/presentationml/2006/main">
   <p:cSld>
     <p:bg>
@@ -11572,7 +11115,7 @@
       </p:grpSpPr>
       <p:sp>
         <p:nvSpPr>
-          <p:cNvPr id="8" name="Rectangle 7">
+          <p:cNvPr id="14" name="Rectangle 7">
             <a:extLst>
               <a:ext uri="{FF2B5EF4-FFF2-40B4-BE49-F238E27FC236}">
                 <a16:creationId xmlns:a16="http://schemas.microsoft.com/office/drawing/2014/main" id="{EA67B5B4-3A24-436E-B663-1B2EBFF8A0CD}"/>
@@ -11635,7 +11178,7 @@
       </p:sp>
       <p:sp>
         <p:nvSpPr>
-          <p:cNvPr id="10" name="Freeform 13">
+          <p:cNvPr id="15" name="Freeform 13">
             <a:extLst>
               <a:ext uri="{FF2B5EF4-FFF2-40B4-BE49-F238E27FC236}">
                 <a16:creationId xmlns:a16="http://schemas.microsoft.com/office/drawing/2014/main" id="{987FDF89-C993-41F4-A1B8-DBAFF16008A9}"/>
@@ -11743,7 +11286,7 @@
       </p:sp>
       <p:sp>
         <p:nvSpPr>
-          <p:cNvPr id="12" name="Freeform 11">
+          <p:cNvPr id="16" name="Freeform 11">
             <a:extLst>
               <a:ext uri="{FF2B5EF4-FFF2-40B4-BE49-F238E27FC236}">
                 <a16:creationId xmlns:a16="http://schemas.microsoft.com/office/drawing/2014/main" id="{64E585EA-75FD-4025-8270-F66A58A15CDA}"/>
@@ -11851,56 +11394,241 @@
           </a:p>
         </p:txBody>
       </p:sp>
-      <p:pic>
-        <p:nvPicPr>
-          <p:cNvPr id="14" name="Obrázek 13" descr="Obsah obrázku text, snímek obrazovky, obrazovka, počítač&#10;&#10;Popis byl vytvořen automaticky">
-            <a:extLst>
-              <a:ext uri="{FF2B5EF4-FFF2-40B4-BE49-F238E27FC236}">
-                <a16:creationId xmlns:a16="http://schemas.microsoft.com/office/drawing/2014/main" id="{8949C5E3-0D7C-4D67-98A0-DA809F89E1D3}"/>
-              </a:ext>
-            </a:extLst>
-          </p:cNvPr>
-          <p:cNvPicPr>
-            <a:picLocks noChangeAspect="1"/>
-          </p:cNvPicPr>
-          <p:nvPr/>
-        </p:nvPicPr>
-        <p:blipFill>
-          <a:blip r:embed="rId3">
-            <a:extLst>
-              <a:ext uri="{28A0092B-C50C-407E-A947-70E740481C1C}">
-                <a14:useLocalDpi xmlns:a14="http://schemas.microsoft.com/office/drawing/2010/main" val="0"/>
-              </a:ext>
-            </a:extLst>
-          </a:blip>
-          <a:stretch>
-            <a:fillRect/>
-          </a:stretch>
-        </p:blipFill>
+      <p:sp>
+        <p:nvSpPr>
+          <p:cNvPr id="2" name="Nadpis 1">
+            <a:extLst>
+              <a:ext uri="{FF2B5EF4-FFF2-40B4-BE49-F238E27FC236}">
+                <a16:creationId xmlns:a16="http://schemas.microsoft.com/office/drawing/2014/main" id="{79FECB4A-DF7D-4F3D-8313-3023B9EC494C}"/>
+              </a:ext>
+            </a:extLst>
+          </p:cNvPr>
+          <p:cNvSpPr>
+            <a:spLocks noGrp="1"/>
+          </p:cNvSpPr>
+          <p:nvPr>
+            <p:ph type="title"/>
+          </p:nvPr>
+        </p:nvSpPr>
         <p:spPr>
           <a:xfrm>
-            <a:off x="655253" y="98124"/>
-            <a:ext cx="10881493" cy="6658427"/>
+            <a:off x="833002" y="365125"/>
+            <a:ext cx="10520702" cy="1325563"/>
           </a:xfrm>
-          <a:prstGeom prst="rect">
-            <a:avLst/>
-          </a:prstGeom>
         </p:spPr>
-      </p:pic>
+        <p:txBody>
+          <a:bodyPr>
+            <a:normAutofit/>
+          </a:bodyPr>
+          <a:lstStyle/>
+          <a:p>
+            <a:r>
+              <a:rPr lang="cs-CZ" b="1" dirty="0" err="1">
+                <a:solidFill>
+                  <a:srgbClr val="00B0F0"/>
+                </a:solidFill>
+              </a:rPr>
+              <a:t>Discord</a:t>
+            </a:r>
+            <a:r>
+              <a:rPr lang="cs-CZ" b="1" dirty="0">
+                <a:solidFill>
+                  <a:srgbClr val="00B0F0"/>
+                </a:solidFill>
+              </a:rPr>
+              <a:t>:</a:t>
+            </a:r>
+          </a:p>
+        </p:txBody>
+      </p:sp>
+      <p:sp>
+        <p:nvSpPr>
+          <p:cNvPr id="3" name="Zástupný obsah 2">
+            <a:extLst>
+              <a:ext uri="{FF2B5EF4-FFF2-40B4-BE49-F238E27FC236}">
+                <a16:creationId xmlns:a16="http://schemas.microsoft.com/office/drawing/2014/main" id="{A305B93A-CC31-496F-9165-4384CD755FFC}"/>
+              </a:ext>
+            </a:extLst>
+          </p:cNvPr>
+          <p:cNvSpPr>
+            <a:spLocks noGrp="1"/>
+          </p:cNvSpPr>
+          <p:nvPr>
+            <p:ph idx="1"/>
+          </p:nvPr>
+        </p:nvSpPr>
+        <p:spPr>
+          <a:xfrm>
+            <a:off x="838201" y="2022601"/>
+            <a:ext cx="10515598" cy="4154361"/>
+          </a:xfrm>
+        </p:spPr>
+        <p:txBody>
+          <a:bodyPr>
+            <a:normAutofit/>
+          </a:bodyPr>
+          <a:lstStyle/>
+          <a:p>
+            <a:r>
+              <a:rPr lang="cs-CZ" dirty="0">
+                <a:solidFill>
+                  <a:srgbClr val="00B0F0"/>
+                </a:solidFill>
+              </a:rPr>
+              <a:t>Komunikační platformou</a:t>
+            </a:r>
+          </a:p>
+          <a:p>
+            <a:r>
+              <a:rPr lang="cs-CZ" dirty="0" err="1">
+                <a:solidFill>
+                  <a:srgbClr val="00B0F0"/>
+                </a:solidFill>
+              </a:rPr>
+              <a:t>Multiplatformí</a:t>
+            </a:r>
+            <a:r>
+              <a:rPr lang="cs-CZ" dirty="0">
+                <a:solidFill>
+                  <a:srgbClr val="00B0F0"/>
+                </a:solidFill>
+              </a:rPr>
+              <a:t> (Desktop </a:t>
+            </a:r>
+            <a:r>
+              <a:rPr lang="cs-CZ" dirty="0" err="1">
+                <a:solidFill>
+                  <a:srgbClr val="00B0F0"/>
+                </a:solidFill>
+              </a:rPr>
+              <a:t>App</a:t>
+            </a:r>
+            <a:r>
+              <a:rPr lang="cs-CZ" dirty="0">
+                <a:solidFill>
+                  <a:srgbClr val="00B0F0"/>
+                </a:solidFill>
+              </a:rPr>
+              <a:t>, Mobile </a:t>
+            </a:r>
+            <a:r>
+              <a:rPr lang="cs-CZ" dirty="0" err="1">
+                <a:solidFill>
+                  <a:srgbClr val="00B0F0"/>
+                </a:solidFill>
+              </a:rPr>
+              <a:t>App</a:t>
+            </a:r>
+            <a:r>
+              <a:rPr lang="cs-CZ" dirty="0">
+                <a:solidFill>
+                  <a:srgbClr val="00B0F0"/>
+                </a:solidFill>
+              </a:rPr>
+              <a:t>, Web, …)</a:t>
+            </a:r>
+          </a:p>
+          <a:p>
+            <a:r>
+              <a:rPr lang="cs-CZ" dirty="0">
+                <a:solidFill>
+                  <a:srgbClr val="00B0F0"/>
+                </a:solidFill>
+              </a:rPr>
+              <a:t>Podobné jako </a:t>
+            </a:r>
+            <a:r>
+              <a:rPr lang="cs-CZ" dirty="0" err="1">
+                <a:solidFill>
+                  <a:srgbClr val="00B0F0"/>
+                </a:solidFill>
+              </a:rPr>
+              <a:t>Slack</a:t>
+            </a:r>
+            <a:r>
+              <a:rPr lang="cs-CZ" dirty="0">
+                <a:solidFill>
+                  <a:srgbClr val="00B0F0"/>
+                </a:solidFill>
+              </a:rPr>
+              <a:t>, MS </a:t>
+            </a:r>
+            <a:r>
+              <a:rPr lang="cs-CZ" dirty="0" err="1">
+                <a:solidFill>
+                  <a:srgbClr val="00B0F0"/>
+                </a:solidFill>
+              </a:rPr>
+              <a:t>Teams</a:t>
+            </a:r>
+            <a:endParaRPr lang="cs-CZ" dirty="0">
+              <a:solidFill>
+                <a:srgbClr val="00B0F0"/>
+              </a:solidFill>
+            </a:endParaRPr>
+          </a:p>
+          <a:p>
+            <a:r>
+              <a:rPr lang="cs-CZ" dirty="0" err="1">
+                <a:solidFill>
+                  <a:srgbClr val="00B0F0"/>
+                </a:solidFill>
+              </a:rPr>
+              <a:t>Discord</a:t>
+            </a:r>
+            <a:r>
+              <a:rPr lang="cs-CZ" dirty="0">
+                <a:solidFill>
+                  <a:srgbClr val="00B0F0"/>
+                </a:solidFill>
+              </a:rPr>
+              <a:t> API (Github.com/</a:t>
+            </a:r>
+            <a:r>
+              <a:rPr lang="cs-CZ" dirty="0" err="1">
+                <a:solidFill>
+                  <a:srgbClr val="00B0F0"/>
+                </a:solidFill>
+              </a:rPr>
+              <a:t>Rapptz</a:t>
+            </a:r>
+            <a:r>
+              <a:rPr lang="cs-CZ" dirty="0">
+                <a:solidFill>
+                  <a:srgbClr val="00B0F0"/>
+                </a:solidFill>
+              </a:rPr>
+              <a:t>)</a:t>
+            </a:r>
+          </a:p>
+        </p:txBody>
+      </p:sp>
     </p:spTree>
     <p:extLst>
       <p:ext uri="{BB962C8B-B14F-4D97-AF65-F5344CB8AC3E}">
-        <p14:creationId xmlns:p14="http://schemas.microsoft.com/office/powerpoint/2010/main" val="11175783"/>
+        <p14:creationId xmlns:p14="http://schemas.microsoft.com/office/powerpoint/2010/main" val="2548014827"/>
       </p:ext>
     </p:extLst>
   </p:cSld>
   <p:clrMapOvr>
     <a:overrideClrMapping bg1="dk1" tx1="lt1" bg2="dk2" tx2="lt2" accent1="accent1" accent2="accent2" accent3="accent3" accent4="accent4" accent5="accent5" accent6="accent6" hlink="hlink" folHlink="folHlink"/>
   </p:clrMapOvr>
+  <mc:AlternateContent xmlns:mc="http://schemas.openxmlformats.org/markup-compatibility/2006">
+    <mc:Choice xmlns:p159="http://schemas.microsoft.com/office/powerpoint/2015/09/main" Requires="p159">
+      <p:transition spd="slow">
+        <p159:morph option="byObject"/>
+      </p:transition>
+    </mc:Choice>
+    <mc:Fallback>
+      <p:transition spd="slow">
+        <p:fade/>
+      </p:transition>
+    </mc:Fallback>
+  </mc:AlternateContent>
 </p:sld>
 </file>
 
-<file path=ppt/slides/slide5.xml><?xml version="1.0" encoding="utf-8"?>
+<file path=ppt/slides/slide4.xml><?xml version="1.0" encoding="utf-8"?>
 <p:sld xmlns:a="http://schemas.openxmlformats.org/drawingml/2006/main" xmlns:r="http://schemas.openxmlformats.org/officeDocument/2006/relationships" xmlns:p="http://schemas.openxmlformats.org/presentationml/2006/main">
   <p:cSld>
     <p:bg>
@@ -12206,210 +11934,68 @@
           </a:p>
         </p:txBody>
       </p:sp>
-      <p:sp>
-        <p:nvSpPr>
-          <p:cNvPr id="2" name="Nadpis 1">
-            <a:extLst>
-              <a:ext uri="{FF2B5EF4-FFF2-40B4-BE49-F238E27FC236}">
-                <a16:creationId xmlns:a16="http://schemas.microsoft.com/office/drawing/2014/main" id="{0DF4A8BE-4790-42AE-AA93-BFB4175E8EFE}"/>
-              </a:ext>
-            </a:extLst>
-          </p:cNvPr>
-          <p:cNvSpPr>
-            <a:spLocks noGrp="1"/>
-          </p:cNvSpPr>
-          <p:nvPr>
-            <p:ph type="title"/>
-          </p:nvPr>
-        </p:nvSpPr>
+      <p:pic>
+        <p:nvPicPr>
+          <p:cNvPr id="14" name="Obrázek 13" descr="Obsah obrázku text, snímek obrazovky, obrazovka, počítač&#10;&#10;Popis byl vytvořen automaticky">
+            <a:extLst>
+              <a:ext uri="{FF2B5EF4-FFF2-40B4-BE49-F238E27FC236}">
+                <a16:creationId xmlns:a16="http://schemas.microsoft.com/office/drawing/2014/main" id="{8949C5E3-0D7C-4D67-98A0-DA809F89E1D3}"/>
+              </a:ext>
+            </a:extLst>
+          </p:cNvPr>
+          <p:cNvPicPr>
+            <a:picLocks noChangeAspect="1"/>
+          </p:cNvPicPr>
+          <p:nvPr/>
+        </p:nvPicPr>
+        <p:blipFill>
+          <a:blip r:embed="rId3">
+            <a:extLst>
+              <a:ext uri="{28A0092B-C50C-407E-A947-70E740481C1C}">
+                <a14:useLocalDpi xmlns:a14="http://schemas.microsoft.com/office/drawing/2010/main" val="0"/>
+              </a:ext>
+            </a:extLst>
+          </a:blip>
+          <a:stretch>
+            <a:fillRect/>
+          </a:stretch>
+        </p:blipFill>
         <p:spPr>
           <a:xfrm>
-            <a:off x="833002" y="365125"/>
-            <a:ext cx="10520702" cy="1325563"/>
+            <a:off x="655253" y="98124"/>
+            <a:ext cx="10881493" cy="6658427"/>
           </a:xfrm>
+          <a:prstGeom prst="rect">
+            <a:avLst/>
+          </a:prstGeom>
         </p:spPr>
-        <p:txBody>
-          <a:bodyPr>
-            <a:normAutofit/>
-          </a:bodyPr>
-          <a:lstStyle/>
-          <a:p>
-            <a:r>
-              <a:rPr lang="cs-CZ" b="1" dirty="0">
-                <a:solidFill>
-                  <a:srgbClr val="FFFFFF"/>
-                </a:solidFill>
-              </a:rPr>
-              <a:t>Funkcionalita bota</a:t>
-            </a:r>
-          </a:p>
-        </p:txBody>
-      </p:sp>
-      <p:sp>
-        <p:nvSpPr>
-          <p:cNvPr id="3" name="Zástupný obsah 2">
-            <a:extLst>
-              <a:ext uri="{FF2B5EF4-FFF2-40B4-BE49-F238E27FC236}">
-                <a16:creationId xmlns:a16="http://schemas.microsoft.com/office/drawing/2014/main" id="{93594B4E-98F5-4C3E-8033-89A51223D7D4}"/>
-              </a:ext>
-            </a:extLst>
-          </p:cNvPr>
-          <p:cNvSpPr>
-            <a:spLocks noGrp="1"/>
-          </p:cNvSpPr>
-          <p:nvPr>
-            <p:ph idx="1"/>
-          </p:nvPr>
-        </p:nvSpPr>
-        <p:spPr>
-          <a:xfrm>
-            <a:off x="838201" y="2022601"/>
-            <a:ext cx="10515598" cy="4154361"/>
-          </a:xfrm>
-        </p:spPr>
-        <p:txBody>
-          <a:bodyPr>
-            <a:normAutofit/>
-          </a:bodyPr>
-          <a:lstStyle/>
-          <a:p>
-            <a:r>
-              <a:rPr lang="cs-CZ" sz="2400" dirty="0">
-                <a:solidFill>
-                  <a:srgbClr val="FFFFFF"/>
-                </a:solidFill>
-              </a:rPr>
-              <a:t>Nástroje pro administrativu (serveru)</a:t>
-            </a:r>
-          </a:p>
-          <a:p>
-            <a:r>
-              <a:rPr lang="cs-CZ" sz="2400" dirty="0">
-                <a:solidFill>
-                  <a:srgbClr val="FFFFFF"/>
-                </a:solidFill>
-              </a:rPr>
-              <a:t>Kalendářní události a jejich správa</a:t>
-            </a:r>
-          </a:p>
-          <a:p>
-            <a:r>
-              <a:rPr lang="cs-CZ" sz="2400" dirty="0">
-                <a:solidFill>
-                  <a:srgbClr val="FFFFFF"/>
-                </a:solidFill>
-              </a:rPr>
-              <a:t>Streamování hudby</a:t>
-            </a:r>
-          </a:p>
-        </p:txBody>
-      </p:sp>
+      </p:pic>
     </p:spTree>
     <p:extLst>
       <p:ext uri="{BB962C8B-B14F-4D97-AF65-F5344CB8AC3E}">
-        <p14:creationId xmlns:p14="http://schemas.microsoft.com/office/powerpoint/2010/main" val="1007350934"/>
+        <p14:creationId xmlns:p14="http://schemas.microsoft.com/office/powerpoint/2010/main" val="11175783"/>
       </p:ext>
     </p:extLst>
   </p:cSld>
   <p:clrMapOvr>
     <a:overrideClrMapping bg1="dk1" tx1="lt1" bg2="dk2" tx2="lt2" accent1="accent1" accent2="accent2" accent3="accent3" accent4="accent4" accent5="accent5" accent6="accent6" hlink="hlink" folHlink="folHlink"/>
   </p:clrMapOvr>
-  <p:timing>
-    <p:tnLst>
-      <p:par>
-        <p:cTn id="1" dur="indefinite" restart="never" nodeType="tmRoot">
-          <p:childTnLst>
-            <p:seq concurrent="1" nextAc="seek">
-              <p:cTn id="2" dur="indefinite" nodeType="mainSeq">
-                <p:childTnLst>
-                  <p:par>
-                    <p:cTn id="3" fill="hold">
-                      <p:stCondLst>
-                        <p:cond delay="indefinite"/>
-                        <p:cond evt="onBegin" delay="0">
-                          <p:tn val="2"/>
-                        </p:cond>
-                      </p:stCondLst>
-                      <p:childTnLst>
-                        <p:par>
-                          <p:cTn id="4" fill="hold">
-                            <p:stCondLst>
-                              <p:cond delay="0"/>
-                            </p:stCondLst>
-                            <p:childTnLst>
-                              <p:par>
-                                <p:cTn id="5" presetID="10" presetClass="entr" presetSubtype="0" fill="hold" grpId="0" nodeType="withEffect">
-                                  <p:stCondLst>
-                                    <p:cond delay="500"/>
-                                  </p:stCondLst>
-                                  <p:iterate type="lt">
-                                    <p:tmPct val="10000"/>
-                                  </p:iterate>
-                                  <p:childTnLst>
-                                    <p:set>
-                                      <p:cBhvr>
-                                        <p:cTn id="6" dur="1" fill="hold">
-                                          <p:stCondLst>
-                                            <p:cond delay="0"/>
-                                          </p:stCondLst>
-                                        </p:cTn>
-                                        <p:tgtEl>
-                                          <p:spTgt spid="2"/>
-                                        </p:tgtEl>
-                                        <p:attrNameLst>
-                                          <p:attrName>style.visibility</p:attrName>
-                                        </p:attrNameLst>
-                                      </p:cBhvr>
-                                      <p:to>
-                                        <p:strVal val="visible"/>
-                                      </p:to>
-                                    </p:set>
-                                    <p:animEffect transition="in" filter="fade">
-                                      <p:cBhvr>
-                                        <p:cTn id="7" dur="400"/>
-                                        <p:tgtEl>
-                                          <p:spTgt spid="2"/>
-                                        </p:tgtEl>
-                                      </p:cBhvr>
-                                    </p:animEffect>
-                                  </p:childTnLst>
-                                </p:cTn>
-                              </p:par>
-                            </p:childTnLst>
-                          </p:cTn>
-                        </p:par>
-                      </p:childTnLst>
-                    </p:cTn>
-                  </p:par>
-                </p:childTnLst>
-              </p:cTn>
-              <p:prevCondLst>
-                <p:cond evt="onPrev" delay="0">
-                  <p:tgtEl>
-                    <p:sldTgt/>
-                  </p:tgtEl>
-                </p:cond>
-              </p:prevCondLst>
-              <p:nextCondLst>
-                <p:cond evt="onNext" delay="0">
-                  <p:tgtEl>
-                    <p:sldTgt/>
-                  </p:tgtEl>
-                </p:cond>
-              </p:nextCondLst>
-            </p:seq>
-          </p:childTnLst>
-        </p:cTn>
-      </p:par>
-    </p:tnLst>
-    <p:bldLst>
-      <p:bldP spid="2" grpId="0"/>
-    </p:bldLst>
-  </p:timing>
+  <mc:AlternateContent xmlns:mc="http://schemas.openxmlformats.org/markup-compatibility/2006">
+    <mc:Choice xmlns:p159="http://schemas.microsoft.com/office/powerpoint/2015/09/main" Requires="p159">
+      <p:transition spd="slow">
+        <p159:morph option="byObject"/>
+      </p:transition>
+    </mc:Choice>
+    <mc:Fallback>
+      <p:transition spd="slow">
+        <p:fade/>
+      </p:transition>
+    </mc:Fallback>
+  </mc:AlternateContent>
 </p:sld>
 </file>
 
-<file path=ppt/slides/slide6.xml><?xml version="1.0" encoding="utf-8"?>
+<file path=ppt/slides/slide5.xml><?xml version="1.0" encoding="utf-8"?>
 <p:sld xmlns:a="http://schemas.openxmlformats.org/drawingml/2006/main" xmlns:r="http://schemas.openxmlformats.org/officeDocument/2006/relationships" xmlns:p="http://schemas.openxmlformats.org/presentationml/2006/main">
   <p:cSld>
     <p:bg>
@@ -12746,10 +12332,10 @@
             <a:r>
               <a:rPr lang="cs-CZ" b="1" dirty="0">
                 <a:solidFill>
-                  <a:srgbClr val="FFFFFF"/>
-                </a:solidFill>
-              </a:rPr>
-              <a:t>Funkcionalita bota - nástroje</a:t>
+                  <a:srgbClr val="00B0F0"/>
+                </a:solidFill>
+              </a:rPr>
+              <a:t>Funkcionalita bota</a:t>
             </a:r>
           </a:p>
         </p:txBody>
@@ -12783,185 +12369,62 @@
           <a:lstStyle/>
           <a:p>
             <a:r>
-              <a:rPr lang="cs-CZ" sz="2400" dirty="0">
-                <a:solidFill>
-                  <a:srgbClr val="FFFFFF"/>
-                </a:solidFill>
-              </a:rPr>
-              <a:t>Hromadné zasílání zpráv</a:t>
-            </a:r>
-          </a:p>
-          <a:p>
-            <a:r>
-              <a:rPr lang="cs-CZ" sz="2400" dirty="0">
-                <a:solidFill>
-                  <a:srgbClr val="FFFFFF"/>
-                </a:solidFill>
-              </a:rPr>
-              <a:t>Hromadné </a:t>
-            </a:r>
-            <a:r>
-              <a:rPr lang="cs-CZ" sz="2400" dirty="0" err="1">
-                <a:solidFill>
-                  <a:srgbClr val="FFFFFF"/>
-                </a:solidFill>
-              </a:rPr>
-              <a:t>banování</a:t>
-            </a:r>
-            <a:r>
-              <a:rPr lang="cs-CZ" sz="2400" dirty="0">
-                <a:solidFill>
-                  <a:srgbClr val="FFFFFF"/>
-                </a:solidFill>
-              </a:rPr>
-              <a:t>/vyhazování uživatelů</a:t>
-            </a:r>
-          </a:p>
-          <a:p>
-            <a:r>
-              <a:rPr lang="cs-CZ" sz="2400" dirty="0">
-                <a:solidFill>
-                  <a:srgbClr val="FFFFFF"/>
-                </a:solidFill>
-              </a:rPr>
-              <a:t>Správa pravidel</a:t>
-            </a:r>
-          </a:p>
-          <a:p>
-            <a:r>
-              <a:rPr lang="cs-CZ" sz="2400" dirty="0">
-                <a:solidFill>
-                  <a:srgbClr val="FFFFFF"/>
-                </a:solidFill>
-              </a:rPr>
-              <a:t>Moderace chatu</a:t>
-            </a:r>
-          </a:p>
-          <a:p>
-            <a:r>
-              <a:rPr lang="cs-CZ" sz="2400" dirty="0">
-                <a:solidFill>
-                  <a:srgbClr val="FFFFFF"/>
-                </a:solidFill>
-              </a:rPr>
-              <a:t>Jiné (př. ping pro získání latence)</a:t>
-            </a:r>
-          </a:p>
-          <a:p>
-            <a:endParaRPr lang="cs-CZ" sz="2400" dirty="0">
-              <a:solidFill>
-                <a:srgbClr val="FFFFFF"/>
-              </a:solidFill>
-            </a:endParaRPr>
+              <a:rPr lang="cs-CZ" dirty="0">
+                <a:solidFill>
+                  <a:srgbClr val="00B0F0"/>
+                </a:solidFill>
+              </a:rPr>
+              <a:t>Nástroje pro administrativu (serveru)</a:t>
+            </a:r>
+          </a:p>
+          <a:p>
+            <a:r>
+              <a:rPr lang="cs-CZ" dirty="0">
+                <a:solidFill>
+                  <a:srgbClr val="00B0F0"/>
+                </a:solidFill>
+              </a:rPr>
+              <a:t>Kalendářní události a jejich správa</a:t>
+            </a:r>
+          </a:p>
+          <a:p>
+            <a:r>
+              <a:rPr lang="cs-CZ" dirty="0">
+                <a:solidFill>
+                  <a:srgbClr val="00B0F0"/>
+                </a:solidFill>
+              </a:rPr>
+              <a:t>Streamování hudby</a:t>
+            </a:r>
           </a:p>
         </p:txBody>
       </p:sp>
     </p:spTree>
     <p:extLst>
       <p:ext uri="{BB962C8B-B14F-4D97-AF65-F5344CB8AC3E}">
-        <p14:creationId xmlns:p14="http://schemas.microsoft.com/office/powerpoint/2010/main" val="2029011523"/>
+        <p14:creationId xmlns:p14="http://schemas.microsoft.com/office/powerpoint/2010/main" val="1007350934"/>
       </p:ext>
     </p:extLst>
   </p:cSld>
   <p:clrMapOvr>
     <a:overrideClrMapping bg1="dk1" tx1="lt1" bg2="dk2" tx2="lt2" accent1="accent1" accent2="accent2" accent3="accent3" accent4="accent4" accent5="accent5" accent6="accent6" hlink="hlink" folHlink="folHlink"/>
   </p:clrMapOvr>
-  <p:timing>
-    <p:tnLst>
-      <p:par>
-        <p:cTn id="1" dur="indefinite" restart="never" nodeType="tmRoot">
-          <p:childTnLst>
-            <p:seq concurrent="1" nextAc="seek">
-              <p:cTn id="2" dur="indefinite" nodeType="mainSeq">
-                <p:childTnLst>
-                  <p:par>
-                    <p:cTn id="3" fill="hold">
-                      <p:stCondLst>
-                        <p:cond delay="indefinite"/>
-                        <p:cond evt="onBegin" delay="0">
-                          <p:tn val="2"/>
-                        </p:cond>
-                      </p:stCondLst>
-                      <p:childTnLst>
-                        <p:par>
-                          <p:cTn id="4" fill="hold">
-                            <p:stCondLst>
-                              <p:cond delay="0"/>
-                            </p:stCondLst>
-                            <p:childTnLst>
-                              <p:par>
-                                <p:cTn id="5" presetID="10" presetClass="entr" presetSubtype="0" fill="hold" grpId="0" nodeType="withEffect">
-                                  <p:stCondLst>
-                                    <p:cond delay="500"/>
-                                  </p:stCondLst>
-                                  <p:iterate type="lt">
-                                    <p:tmPct val="10000"/>
-                                  </p:iterate>
-                                  <p:childTnLst>
-                                    <p:set>
-                                      <p:cBhvr>
-                                        <p:cTn id="6" dur="1" fill="hold">
-                                          <p:stCondLst>
-                                            <p:cond delay="0"/>
-                                          </p:stCondLst>
-                                        </p:cTn>
-                                        <p:tgtEl>
-                                          <p:spTgt spid="2"/>
-                                        </p:tgtEl>
-                                        <p:attrNameLst>
-                                          <p:attrName>style.visibility</p:attrName>
-                                        </p:attrNameLst>
-                                      </p:cBhvr>
-                                      <p:to>
-                                        <p:strVal val="visible"/>
-                                      </p:to>
-                                    </p:set>
-                                    <p:animEffect transition="in" filter="fade">
-                                      <p:cBhvr>
-                                        <p:cTn id="7" dur="400"/>
-                                        <p:tgtEl>
-                                          <p:spTgt spid="2"/>
-                                        </p:tgtEl>
-                                      </p:cBhvr>
-                                    </p:animEffect>
-                                  </p:childTnLst>
-                                </p:cTn>
-                              </p:par>
-                            </p:childTnLst>
-                          </p:cTn>
-                        </p:par>
-                      </p:childTnLst>
-                    </p:cTn>
-                  </p:par>
-                </p:childTnLst>
-              </p:cTn>
-              <p:prevCondLst>
-                <p:cond evt="onPrev" delay="0">
-                  <p:tgtEl>
-                    <p:sldTgt/>
-                  </p:tgtEl>
-                </p:cond>
-              </p:prevCondLst>
-              <p:nextCondLst>
-                <p:cond evt="onNext" delay="0">
-                  <p:tgtEl>
-                    <p:sldTgt/>
-                  </p:tgtEl>
-                </p:cond>
-              </p:nextCondLst>
-            </p:seq>
-          </p:childTnLst>
-        </p:cTn>
-      </p:par>
-    </p:tnLst>
-    <p:bldLst>
-      <p:bldP spid="2" grpId="0"/>
-    </p:bldLst>
-  </p:timing>
+  <mc:AlternateContent xmlns:mc="http://schemas.openxmlformats.org/markup-compatibility/2006">
+    <mc:Choice xmlns:p159="http://schemas.microsoft.com/office/powerpoint/2015/09/main" Requires="p159">
+      <p:transition spd="slow">
+        <p159:morph option="byObject"/>
+      </p:transition>
+    </mc:Choice>
+    <mc:Fallback>
+      <p:transition spd="slow">
+        <p:fade/>
+      </p:transition>
+    </mc:Fallback>
+  </mc:AlternateContent>
 </p:sld>
 </file>
 
-<file path=ppt/slides/slide7.xml><?xml version="1.0" encoding="utf-8"?>
+<file path=ppt/slides/slide6.xml><?xml version="1.0" encoding="utf-8"?>
 <p:sld xmlns:a="http://schemas.openxmlformats.org/drawingml/2006/main" xmlns:r="http://schemas.openxmlformats.org/officeDocument/2006/relationships" xmlns:p="http://schemas.openxmlformats.org/presentationml/2006/main">
   <p:cSld>
     <p:bg>
@@ -13298,10 +12761,10 @@
             <a:r>
               <a:rPr lang="cs-CZ" b="1" dirty="0">
                 <a:solidFill>
-                  <a:srgbClr val="FFFFFF"/>
-                </a:solidFill>
-              </a:rPr>
-              <a:t>Funkcionalita bota - události</a:t>
+                  <a:srgbClr val="00B0F0"/>
+                </a:solidFill>
+              </a:rPr>
+              <a:t>Funkcionalita bota - nástroje</a:t>
             </a:r>
           </a:p>
         </p:txBody>
@@ -13335,93 +12798,74 @@
           <a:lstStyle/>
           <a:p>
             <a:r>
-              <a:rPr lang="cs-CZ" sz="2400" dirty="0">
-                <a:solidFill>
-                  <a:srgbClr val="FFFFFF"/>
-                </a:solidFill>
-              </a:rPr>
-              <a:t>Naplánování události (titulek, popisek, datum a čas)</a:t>
-            </a:r>
-          </a:p>
-          <a:p>
-            <a:r>
-              <a:rPr lang="cs-CZ" sz="2400" dirty="0">
-                <a:solidFill>
-                  <a:srgbClr val="FFFFFF"/>
-                </a:solidFill>
-              </a:rPr>
-              <a:t>Mazání události</a:t>
-            </a:r>
-          </a:p>
-          <a:p>
-            <a:r>
-              <a:rPr lang="cs-CZ" sz="2400" dirty="0">
-                <a:solidFill>
-                  <a:srgbClr val="FFFFFF"/>
-                </a:solidFill>
-              </a:rPr>
-              <a:t>Oznámení o blížící se události</a:t>
-            </a:r>
-          </a:p>
-          <a:p>
-            <a:r>
-              <a:rPr lang="cs-CZ" sz="2400" dirty="0">
-                <a:solidFill>
-                  <a:srgbClr val="FFFFFF"/>
-                </a:solidFill>
-              </a:rPr>
-              <a:t>Seznam jmen přijatých událost (číslo při velkém serveru)</a:t>
-            </a:r>
-          </a:p>
-          <a:p>
-            <a:r>
-              <a:rPr lang="cs-CZ" sz="2400" dirty="0">
-                <a:solidFill>
-                  <a:srgbClr val="FFFFFF"/>
-                </a:solidFill>
-              </a:rPr>
-              <a:t>Modifikace události</a:t>
-            </a:r>
-          </a:p>
-          <a:p>
-            <a:r>
-              <a:rPr lang="cs-CZ" sz="2400" dirty="0">
-                <a:solidFill>
-                  <a:srgbClr val="FFFFFF"/>
-                </a:solidFill>
-              </a:rPr>
-              <a:t>Zapisování a odepisování se na událost</a:t>
-            </a:r>
-          </a:p>
-          <a:p>
-            <a:r>
-              <a:rPr lang="cs-CZ" sz="2400" dirty="0">
-                <a:solidFill>
-                  <a:srgbClr val="FFFFFF"/>
-                </a:solidFill>
-              </a:rPr>
-              <a:t>Importování události do vlastního kalendáře Apple (Google),</a:t>
-            </a:r>
-            <a:br>
-              <a:rPr lang="cs-CZ" sz="2400" dirty="0">
-                <a:solidFill>
-                  <a:srgbClr val="FFFFFF"/>
-                </a:solidFill>
-              </a:rPr>
-            </a:br>
-            <a:r>
-              <a:rPr lang="cs-CZ" sz="2400" dirty="0">
-                <a:solidFill>
-                  <a:srgbClr val="FFFFFF"/>
-                </a:solidFill>
-              </a:rPr>
-              <a:t>skrze Apple API (Google API)</a:t>
-            </a:r>
-          </a:p>
-          <a:p>
-            <a:endParaRPr lang="cs-CZ" sz="2400" dirty="0">
+              <a:rPr lang="cs-CZ" dirty="0">
+                <a:solidFill>
+                  <a:srgbClr val="00B0F0"/>
+                </a:solidFill>
+              </a:rPr>
+              <a:t>Hromadné zasílání zpráv</a:t>
+            </a:r>
+          </a:p>
+          <a:p>
+            <a:r>
+              <a:rPr lang="cs-CZ" dirty="0">
+                <a:solidFill>
+                  <a:srgbClr val="00B0F0"/>
+                </a:solidFill>
+              </a:rPr>
+              <a:t>Hromadné </a:t>
+            </a:r>
+            <a:r>
+              <a:rPr lang="cs-CZ" dirty="0" err="1">
+                <a:solidFill>
+                  <a:srgbClr val="00B0F0"/>
+                </a:solidFill>
+              </a:rPr>
+              <a:t>banování</a:t>
+            </a:r>
+            <a:r>
+              <a:rPr lang="cs-CZ" dirty="0">
+                <a:solidFill>
+                  <a:srgbClr val="00B0F0"/>
+                </a:solidFill>
+              </a:rPr>
+              <a:t>/vyhazování uživatelů</a:t>
+            </a:r>
+          </a:p>
+          <a:p>
+            <a:r>
+              <a:rPr lang="cs-CZ" dirty="0">
+                <a:solidFill>
+                  <a:srgbClr val="00B0F0"/>
+                </a:solidFill>
+              </a:rPr>
+              <a:t>Správa pravidel</a:t>
+            </a:r>
+          </a:p>
+          <a:p>
+            <a:r>
+              <a:rPr lang="cs-CZ" dirty="0">
+                <a:solidFill>
+                  <a:srgbClr val="00B0F0"/>
+                </a:solidFill>
+              </a:rPr>
+              <a:t>Moderace chatu</a:t>
+            </a:r>
+          </a:p>
+          <a:p>
+            <a:r>
+              <a:rPr lang="cs-CZ" dirty="0">
+                <a:solidFill>
+                  <a:srgbClr val="00B0F0"/>
+                </a:solidFill>
+              </a:rPr>
+              <a:t>Jiné (př. ping pro získání latence)</a:t>
+            </a:r>
+          </a:p>
+          <a:p>
+            <a:endParaRPr lang="cs-CZ" dirty="0">
               <a:solidFill>
-                <a:srgbClr val="FFFFFF"/>
+                <a:srgbClr val="00B0F0"/>
               </a:solidFill>
             </a:endParaRPr>
           </a:p>
@@ -13430,109 +12874,29 @@
     </p:spTree>
     <p:extLst>
       <p:ext uri="{BB962C8B-B14F-4D97-AF65-F5344CB8AC3E}">
-        <p14:creationId xmlns:p14="http://schemas.microsoft.com/office/powerpoint/2010/main" val="961517048"/>
+        <p14:creationId xmlns:p14="http://schemas.microsoft.com/office/powerpoint/2010/main" val="2029011523"/>
       </p:ext>
     </p:extLst>
   </p:cSld>
   <p:clrMapOvr>
     <a:overrideClrMapping bg1="dk1" tx1="lt1" bg2="dk2" tx2="lt2" accent1="accent1" accent2="accent2" accent3="accent3" accent4="accent4" accent5="accent5" accent6="accent6" hlink="hlink" folHlink="folHlink"/>
   </p:clrMapOvr>
-  <p:timing>
-    <p:tnLst>
-      <p:par>
-        <p:cTn id="1" dur="indefinite" restart="never" nodeType="tmRoot">
-          <p:childTnLst>
-            <p:seq concurrent="1" nextAc="seek">
-              <p:cTn id="2" dur="indefinite" nodeType="mainSeq">
-                <p:childTnLst>
-                  <p:par>
-                    <p:cTn id="3" fill="hold">
-                      <p:stCondLst>
-                        <p:cond delay="indefinite"/>
-                        <p:cond evt="onBegin" delay="0">
-                          <p:tn val="2"/>
-                        </p:cond>
-                      </p:stCondLst>
-                      <p:childTnLst>
-                        <p:par>
-                          <p:cTn id="4" fill="hold">
-                            <p:stCondLst>
-                              <p:cond delay="0"/>
-                            </p:stCondLst>
-                            <p:childTnLst>
-                              <p:par>
-                                <p:cTn id="5" presetID="10" presetClass="entr" presetSubtype="0" fill="hold" grpId="0" nodeType="withEffect">
-                                  <p:stCondLst>
-                                    <p:cond delay="500"/>
-                                  </p:stCondLst>
-                                  <p:iterate type="lt">
-                                    <p:tmPct val="10000"/>
-                                  </p:iterate>
-                                  <p:childTnLst>
-                                    <p:set>
-                                      <p:cBhvr>
-                                        <p:cTn id="6" dur="1" fill="hold">
-                                          <p:stCondLst>
-                                            <p:cond delay="0"/>
-                                          </p:stCondLst>
-                                        </p:cTn>
-                                        <p:tgtEl>
-                                          <p:spTgt spid="2"/>
-                                        </p:tgtEl>
-                                        <p:attrNameLst>
-                                          <p:attrName>style.visibility</p:attrName>
-                                        </p:attrNameLst>
-                                      </p:cBhvr>
-                                      <p:to>
-                                        <p:strVal val="visible"/>
-                                      </p:to>
-                                    </p:set>
-                                    <p:animEffect transition="in" filter="fade">
-                                      <p:cBhvr>
-                                        <p:cTn id="7" dur="400"/>
-                                        <p:tgtEl>
-                                          <p:spTgt spid="2"/>
-                                        </p:tgtEl>
-                                      </p:cBhvr>
-                                    </p:animEffect>
-                                  </p:childTnLst>
-                                </p:cTn>
-                              </p:par>
-                            </p:childTnLst>
-                          </p:cTn>
-                        </p:par>
-                      </p:childTnLst>
-                    </p:cTn>
-                  </p:par>
-                </p:childTnLst>
-              </p:cTn>
-              <p:prevCondLst>
-                <p:cond evt="onPrev" delay="0">
-                  <p:tgtEl>
-                    <p:sldTgt/>
-                  </p:tgtEl>
-                </p:cond>
-              </p:prevCondLst>
-              <p:nextCondLst>
-                <p:cond evt="onNext" delay="0">
-                  <p:tgtEl>
-                    <p:sldTgt/>
-                  </p:tgtEl>
-                </p:cond>
-              </p:nextCondLst>
-            </p:seq>
-          </p:childTnLst>
-        </p:cTn>
-      </p:par>
-    </p:tnLst>
-    <p:bldLst>
-      <p:bldP spid="2" grpId="0"/>
-    </p:bldLst>
-  </p:timing>
+  <mc:AlternateContent xmlns:mc="http://schemas.openxmlformats.org/markup-compatibility/2006">
+    <mc:Choice xmlns:p159="http://schemas.microsoft.com/office/powerpoint/2015/09/main" Requires="p159">
+      <p:transition spd="slow">
+        <p159:morph option="byObject"/>
+      </p:transition>
+    </mc:Choice>
+    <mc:Fallback>
+      <p:transition spd="slow">
+        <p:fade/>
+      </p:transition>
+    </mc:Fallback>
+  </mc:AlternateContent>
 </p:sld>
 </file>
 
-<file path=ppt/slides/slide8.xml><?xml version="1.0" encoding="utf-8"?>
+<file path=ppt/slides/slide7.xml><?xml version="1.0" encoding="utf-8"?>
 <p:sld xmlns:a="http://schemas.openxmlformats.org/drawingml/2006/main" xmlns:r="http://schemas.openxmlformats.org/officeDocument/2006/relationships" xmlns:p="http://schemas.openxmlformats.org/presentationml/2006/main">
   <p:cSld>
     <p:bg>
@@ -13843,7 +13207,7 @@
           <p:cNvPr id="2" name="Nadpis 1">
             <a:extLst>
               <a:ext uri="{FF2B5EF4-FFF2-40B4-BE49-F238E27FC236}">
-                <a16:creationId xmlns:a16="http://schemas.microsoft.com/office/drawing/2014/main" id="{1C8678BA-21A6-4450-A611-7A8268F04105}"/>
+                <a16:creationId xmlns:a16="http://schemas.microsoft.com/office/drawing/2014/main" id="{0DF4A8BE-4790-42AE-AA93-BFB4175E8EFE}"/>
               </a:ext>
             </a:extLst>
           </p:cNvPr>
@@ -13856,8 +13220,8 @@
         </p:nvSpPr>
         <p:spPr>
           <a:xfrm>
-            <a:off x="2777711" y="2764556"/>
-            <a:ext cx="6636577" cy="1325563"/>
+            <a:off x="833002" y="365125"/>
+            <a:ext cx="10520702" cy="1325563"/>
           </a:xfrm>
         </p:spPr>
         <p:txBody>
@@ -13866,21 +13230,133 @@
           </a:bodyPr>
           <a:lstStyle/>
           <a:p>
-            <a:pPr algn="ctr"/>
-            <a:r>
-              <a:rPr lang="cs-CZ" b="1" kern="1200" dirty="0">
-                <a:solidFill>
-                  <a:schemeClr val="tx1"/>
-                </a:solidFill>
-                <a:latin typeface="+mj-lt"/>
-                <a:ea typeface="+mj-ea"/>
-                <a:cs typeface="+mj-cs"/>
-              </a:rPr>
-              <a:t>Vzhled události</a:t>
-            </a:r>
-            <a:endParaRPr lang="cs-CZ" b="1" dirty="0">
+            <a:r>
+              <a:rPr lang="cs-CZ" b="1" dirty="0">
+                <a:solidFill>
+                  <a:srgbClr val="00B0F0"/>
+                </a:solidFill>
+              </a:rPr>
+              <a:t>Funkcionalita bota - události</a:t>
+            </a:r>
+          </a:p>
+        </p:txBody>
+      </p:sp>
+      <p:sp>
+        <p:nvSpPr>
+          <p:cNvPr id="3" name="Zástupný obsah 2">
+            <a:extLst>
+              <a:ext uri="{FF2B5EF4-FFF2-40B4-BE49-F238E27FC236}">
+                <a16:creationId xmlns:a16="http://schemas.microsoft.com/office/drawing/2014/main" id="{93594B4E-98F5-4C3E-8033-89A51223D7D4}"/>
+              </a:ext>
+            </a:extLst>
+          </p:cNvPr>
+          <p:cNvSpPr>
+            <a:spLocks noGrp="1"/>
+          </p:cNvSpPr>
+          <p:nvPr>
+            <p:ph idx="1"/>
+          </p:nvPr>
+        </p:nvSpPr>
+        <p:spPr>
+          <a:xfrm>
+            <a:off x="838201" y="2022601"/>
+            <a:ext cx="10515598" cy="4154361"/>
+          </a:xfrm>
+        </p:spPr>
+        <p:txBody>
+          <a:bodyPr>
+            <a:normAutofit/>
+          </a:bodyPr>
+          <a:lstStyle/>
+          <a:p>
+            <a:r>
+              <a:rPr lang="cs-CZ" dirty="0">
+                <a:solidFill>
+                  <a:srgbClr val="00B0F0"/>
+                </a:solidFill>
+              </a:rPr>
+              <a:t>Naplánování události (titulek, popisek, datum a čas)</a:t>
+            </a:r>
+          </a:p>
+          <a:p>
+            <a:r>
+              <a:rPr lang="cs-CZ" dirty="0">
+                <a:solidFill>
+                  <a:srgbClr val="00B0F0"/>
+                </a:solidFill>
+              </a:rPr>
+              <a:t>Mazání události</a:t>
+            </a:r>
+          </a:p>
+          <a:p>
+            <a:r>
+              <a:rPr lang="cs-CZ" dirty="0">
+                <a:solidFill>
+                  <a:srgbClr val="00B0F0"/>
+                </a:solidFill>
+              </a:rPr>
+              <a:t>Oznámení o blížící se události</a:t>
+            </a:r>
+          </a:p>
+          <a:p>
+            <a:r>
+              <a:rPr lang="cs-CZ" dirty="0">
+                <a:solidFill>
+                  <a:srgbClr val="00B0F0"/>
+                </a:solidFill>
+              </a:rPr>
+              <a:t>Seznam jmen přijatých událost (číslo při velkém serveru)</a:t>
+            </a:r>
+          </a:p>
+          <a:p>
+            <a:r>
+              <a:rPr lang="cs-CZ" dirty="0">
+                <a:solidFill>
+                  <a:srgbClr val="00B0F0"/>
+                </a:solidFill>
+              </a:rPr>
+              <a:t>Modifikace události</a:t>
+            </a:r>
+          </a:p>
+          <a:p>
+            <a:r>
+              <a:rPr lang="cs-CZ" dirty="0">
+                <a:solidFill>
+                  <a:srgbClr val="00B0F0"/>
+                </a:solidFill>
+              </a:rPr>
+              <a:t>Zapisování a odepisování se na událost</a:t>
+            </a:r>
+          </a:p>
+          <a:p>
+            <a:r>
+              <a:rPr lang="cs-CZ" dirty="0">
+                <a:solidFill>
+                  <a:srgbClr val="00B0F0"/>
+                </a:solidFill>
+              </a:rPr>
+              <a:t>Importování události do vlastního kalendáře Apple (Google),</a:t>
+            </a:r>
+            <a:br>
+              <a:rPr lang="cs-CZ" dirty="0">
+                <a:solidFill>
+                  <a:srgbClr val="00B0F0"/>
+                </a:solidFill>
+              </a:rPr>
+            </a:br>
+            <a:r>
+              <a:rPr lang="cs-CZ" dirty="0">
+                <a:solidFill>
+                  <a:srgbClr val="00B0F0"/>
+                </a:solidFill>
+              </a:rPr>
+              <a:t>skrze Apple API (Google API)</a:t>
+            </a:r>
+          </a:p>
+          <a:p>
+            <a:endParaRPr lang="cs-CZ" dirty="0">
               <a:solidFill>
-                <a:srgbClr val="FFFFFF"/>
+                <a:srgbClr val="00B0F0"/>
               </a:solidFill>
             </a:endParaRPr>
           </a:p>
@@ -13889,17 +13365,29 @@
     </p:spTree>
     <p:extLst>
       <p:ext uri="{BB962C8B-B14F-4D97-AF65-F5344CB8AC3E}">
-        <p14:creationId xmlns:p14="http://schemas.microsoft.com/office/powerpoint/2010/main" val="1121967380"/>
+        <p14:creationId xmlns:p14="http://schemas.microsoft.com/office/powerpoint/2010/main" val="961517048"/>
       </p:ext>
     </p:extLst>
   </p:cSld>
   <p:clrMapOvr>
     <a:overrideClrMapping bg1="dk1" tx1="lt1" bg2="dk2" tx2="lt2" accent1="accent1" accent2="accent2" accent3="accent3" accent4="accent4" accent5="accent5" accent6="accent6" hlink="hlink" folHlink="folHlink"/>
   </p:clrMapOvr>
+  <mc:AlternateContent xmlns:mc="http://schemas.openxmlformats.org/markup-compatibility/2006">
+    <mc:Choice xmlns:p159="http://schemas.microsoft.com/office/powerpoint/2015/09/main" Requires="p159">
+      <p:transition spd="slow">
+        <p159:morph option="byObject"/>
+      </p:transition>
+    </mc:Choice>
+    <mc:Fallback>
+      <p:transition spd="slow">
+        <p:fade/>
+      </p:transition>
+    </mc:Fallback>
+  </mc:AlternateContent>
 </p:sld>
 </file>
 
-<file path=ppt/slides/slide9.xml><?xml version="1.0" encoding="utf-8"?>
+<file path=ppt/slides/slide8.xml><?xml version="1.0" encoding="utf-8"?>
 <p:sld xmlns:a="http://schemas.openxmlformats.org/drawingml/2006/main" xmlns:r="http://schemas.openxmlformats.org/officeDocument/2006/relationships" xmlns:p="http://schemas.openxmlformats.org/presentationml/2006/main">
   <p:cSld>
     <p:bg>
@@ -14210,6 +13698,377 @@
           <p:cNvPr id="2" name="Nadpis 1">
             <a:extLst>
               <a:ext uri="{FF2B5EF4-FFF2-40B4-BE49-F238E27FC236}">
+                <a16:creationId xmlns:a16="http://schemas.microsoft.com/office/drawing/2014/main" id="{1C8678BA-21A6-4450-A611-7A8268F04105}"/>
+              </a:ext>
+            </a:extLst>
+          </p:cNvPr>
+          <p:cNvSpPr>
+            <a:spLocks noGrp="1"/>
+          </p:cNvSpPr>
+          <p:nvPr>
+            <p:ph type="title"/>
+          </p:nvPr>
+        </p:nvSpPr>
+        <p:spPr>
+          <a:xfrm>
+            <a:off x="2777711" y="2764556"/>
+            <a:ext cx="6636577" cy="1325563"/>
+          </a:xfrm>
+        </p:spPr>
+        <p:txBody>
+          <a:bodyPr vert="horz" lIns="91440" tIns="45720" rIns="91440" bIns="45720" rtlCol="0" anchor="b">
+            <a:normAutofit/>
+          </a:bodyPr>
+          <a:lstStyle/>
+          <a:p>
+            <a:pPr algn="ctr"/>
+            <a:r>
+              <a:rPr lang="cs-CZ" sz="5400" b="1" dirty="0">
+                <a:solidFill>
+                  <a:srgbClr val="00B0F0"/>
+                </a:solidFill>
+              </a:rPr>
+              <a:t>Vzhled události</a:t>
+            </a:r>
+          </a:p>
+        </p:txBody>
+      </p:sp>
+    </p:spTree>
+    <p:extLst>
+      <p:ext uri="{BB962C8B-B14F-4D97-AF65-F5344CB8AC3E}">
+        <p14:creationId xmlns:p14="http://schemas.microsoft.com/office/powerpoint/2010/main" val="1121967380"/>
+      </p:ext>
+    </p:extLst>
+  </p:cSld>
+  <p:clrMapOvr>
+    <a:overrideClrMapping bg1="dk1" tx1="lt1" bg2="dk2" tx2="lt2" accent1="accent1" accent2="accent2" accent3="accent3" accent4="accent4" accent5="accent5" accent6="accent6" hlink="hlink" folHlink="folHlink"/>
+  </p:clrMapOvr>
+  <mc:AlternateContent xmlns:mc="http://schemas.openxmlformats.org/markup-compatibility/2006">
+    <mc:Choice xmlns:p159="http://schemas.microsoft.com/office/powerpoint/2015/09/main" Requires="p159">
+      <p:transition spd="slow">
+        <p159:morph option="byObject"/>
+      </p:transition>
+    </mc:Choice>
+    <mc:Fallback>
+      <p:transition spd="slow">
+        <p:fade/>
+      </p:transition>
+    </mc:Fallback>
+  </mc:AlternateContent>
+</p:sld>
+</file>
+
+<file path=ppt/slides/slide9.xml><?xml version="1.0" encoding="utf-8"?>
+<p:sld xmlns:a="http://schemas.openxmlformats.org/drawingml/2006/main" xmlns:r="http://schemas.openxmlformats.org/officeDocument/2006/relationships" xmlns:p="http://schemas.openxmlformats.org/presentationml/2006/main">
+  <p:cSld>
+    <p:bg>
+      <p:bgPr>
+        <a:solidFill>
+          <a:srgbClr val="404040"/>
+        </a:solidFill>
+        <a:effectLst/>
+      </p:bgPr>
+    </p:bg>
+    <p:spTree>
+      <p:nvGrpSpPr>
+        <p:cNvPr id="1" name=""/>
+        <p:cNvGrpSpPr/>
+        <p:nvPr/>
+      </p:nvGrpSpPr>
+      <p:grpSpPr>
+        <a:xfrm>
+          <a:off x="0" y="0"/>
+          <a:ext cx="0" cy="0"/>
+          <a:chOff x="0" y="0"/>
+          <a:chExt cx="0" cy="0"/>
+        </a:xfrm>
+      </p:grpSpPr>
+      <p:sp>
+        <p:nvSpPr>
+          <p:cNvPr id="8" name="Rectangle 7">
+            <a:extLst>
+              <a:ext uri="{FF2B5EF4-FFF2-40B4-BE49-F238E27FC236}">
+                <a16:creationId xmlns:a16="http://schemas.microsoft.com/office/drawing/2014/main" id="{EA67B5B4-3A24-436E-B663-1B2EBFF8A0CD}"/>
+              </a:ext>
+              <a:ext uri="{C183D7F6-B498-43B3-948B-1728B52AA6E4}">
+                <adec:decorative xmlns:adec="http://schemas.microsoft.com/office/drawing/2017/decorative" val="1"/>
+              </a:ext>
+            </a:extLst>
+          </p:cNvPr>
+          <p:cNvSpPr>
+            <a:spLocks noGrp="1" noRot="1" noChangeAspect="1" noMove="1" noResize="1" noEditPoints="1" noAdjustHandles="1" noChangeArrowheads="1" noChangeShapeType="1" noTextEdit="1"/>
+          </p:cNvSpPr>
+          <p:nvPr>
+            <p:extLst>
+              <p:ext uri="{386F3935-93C4-4BCD-93E2-E3B085C9AB24}">
+                <p16:designElem xmlns:p16="http://schemas.microsoft.com/office/powerpoint/2015/main" val="1"/>
+              </p:ext>
+            </p:extLst>
+          </p:nvPr>
+        </p:nvSpPr>
+        <p:spPr>
+          <a:xfrm>
+            <a:off x="0" y="-3324"/>
+            <a:ext cx="12192000" cy="6861324"/>
+          </a:xfrm>
+          <a:prstGeom prst="rect">
+            <a:avLst/>
+          </a:prstGeom>
+          <a:solidFill>
+            <a:srgbClr val="404040"/>
+          </a:solidFill>
+          <a:ln>
+            <a:noFill/>
+          </a:ln>
+        </p:spPr>
+        <p:style>
+          <a:lnRef idx="2">
+            <a:schemeClr val="accent1">
+              <a:shade val="50000"/>
+            </a:schemeClr>
+          </a:lnRef>
+          <a:fillRef idx="1">
+            <a:schemeClr val="accent1"/>
+          </a:fillRef>
+          <a:effectRef idx="0">
+            <a:schemeClr val="accent1"/>
+          </a:effectRef>
+          <a:fontRef idx="minor">
+            <a:schemeClr val="lt1"/>
+          </a:fontRef>
+        </p:style>
+        <p:txBody>
+          <a:bodyPr rtlCol="0" anchor="ctr"/>
+          <a:lstStyle/>
+          <a:p>
+            <a:pPr algn="ctr"/>
+            <a:endParaRPr lang="en-US"/>
+          </a:p>
+        </p:txBody>
+      </p:sp>
+      <p:sp>
+        <p:nvSpPr>
+          <p:cNvPr id="10" name="Freeform 13">
+            <a:extLst>
+              <a:ext uri="{FF2B5EF4-FFF2-40B4-BE49-F238E27FC236}">
+                <a16:creationId xmlns:a16="http://schemas.microsoft.com/office/drawing/2014/main" id="{987FDF89-C993-41F4-A1B8-DBAFF16008A9}"/>
+              </a:ext>
+              <a:ext uri="{C183D7F6-B498-43B3-948B-1728B52AA6E4}">
+                <adec:decorative xmlns:adec="http://schemas.microsoft.com/office/drawing/2017/decorative" val="1"/>
+              </a:ext>
+            </a:extLst>
+          </p:cNvPr>
+          <p:cNvSpPr>
+            <a:spLocks noGrp="1" noRot="1" noChangeAspect="1" noMove="1" noResize="1" noEditPoints="1" noAdjustHandles="1" noChangeArrowheads="1" noChangeShapeType="1" noTextEdit="1"/>
+          </p:cNvSpPr>
+          <p:nvPr>
+            <p:extLst>
+              <p:ext uri="{386F3935-93C4-4BCD-93E2-E3B085C9AB24}">
+                <p16:designElem xmlns:p16="http://schemas.microsoft.com/office/powerpoint/2015/main" val="1"/>
+              </p:ext>
+            </p:extLst>
+          </p:nvPr>
+        </p:nvSpPr>
+        <p:spPr>
+          <a:xfrm>
+            <a:off x="0" y="0"/>
+            <a:ext cx="11786754" cy="6858000"/>
+          </a:xfrm>
+          <a:custGeom>
+            <a:avLst/>
+            <a:gdLst>
+              <a:gd name="connsiteX0" fmla="*/ 0 w 11786754"/>
+              <a:gd name="connsiteY0" fmla="*/ 0 h 6858000"/>
+              <a:gd name="connsiteX1" fmla="*/ 8610600 w 11786754"/>
+              <a:gd name="connsiteY1" fmla="*/ 0 h 6858000"/>
+              <a:gd name="connsiteX2" fmla="*/ 11786754 w 11786754"/>
+              <a:gd name="connsiteY2" fmla="*/ 6858000 h 6858000"/>
+              <a:gd name="connsiteX3" fmla="*/ 0 w 11786754"/>
+              <a:gd name="connsiteY3" fmla="*/ 6858000 h 6858000"/>
+            </a:gdLst>
+            <a:ahLst/>
+            <a:cxnLst>
+              <a:cxn ang="0">
+                <a:pos x="connsiteX0" y="connsiteY0"/>
+              </a:cxn>
+              <a:cxn ang="0">
+                <a:pos x="connsiteX1" y="connsiteY1"/>
+              </a:cxn>
+              <a:cxn ang="0">
+                <a:pos x="connsiteX2" y="connsiteY2"/>
+              </a:cxn>
+              <a:cxn ang="0">
+                <a:pos x="connsiteX3" y="connsiteY3"/>
+              </a:cxn>
+            </a:cxnLst>
+            <a:rect l="l" t="t" r="r" b="b"/>
+            <a:pathLst>
+              <a:path w="11786754" h="6858000">
+                <a:moveTo>
+                  <a:pt x="0" y="0"/>
+                </a:moveTo>
+                <a:lnTo>
+                  <a:pt x="8610600" y="0"/>
+                </a:lnTo>
+                <a:lnTo>
+                  <a:pt x="11786754" y="6858000"/>
+                </a:lnTo>
+                <a:lnTo>
+                  <a:pt x="0" y="6858000"/>
+                </a:lnTo>
+                <a:close/>
+              </a:path>
+            </a:pathLst>
+          </a:custGeom>
+          <a:solidFill>
+            <a:srgbClr val="000000">
+              <a:alpha val="29804"/>
+            </a:srgbClr>
+          </a:solidFill>
+          <a:ln>
+            <a:noFill/>
+          </a:ln>
+        </p:spPr>
+        <p:style>
+          <a:lnRef idx="2">
+            <a:schemeClr val="accent1">
+              <a:shade val="50000"/>
+            </a:schemeClr>
+          </a:lnRef>
+          <a:fillRef idx="1">
+            <a:schemeClr val="accent1"/>
+          </a:fillRef>
+          <a:effectRef idx="0">
+            <a:schemeClr val="accent1"/>
+          </a:effectRef>
+          <a:fontRef idx="minor">
+            <a:schemeClr val="lt1"/>
+          </a:fontRef>
+        </p:style>
+        <p:txBody>
+          <a:bodyPr rtlCol="0" anchor="ctr"/>
+          <a:lstStyle/>
+          <a:p>
+            <a:pPr algn="ctr"/>
+            <a:endParaRPr lang="en-US"/>
+          </a:p>
+        </p:txBody>
+      </p:sp>
+      <p:sp>
+        <p:nvSpPr>
+          <p:cNvPr id="12" name="Freeform 11">
+            <a:extLst>
+              <a:ext uri="{FF2B5EF4-FFF2-40B4-BE49-F238E27FC236}">
+                <a16:creationId xmlns:a16="http://schemas.microsoft.com/office/drawing/2014/main" id="{64E585EA-75FD-4025-8270-F66A58A15CDA}"/>
+              </a:ext>
+              <a:ext uri="{C183D7F6-B498-43B3-948B-1728B52AA6E4}">
+                <adec:decorative xmlns:adec="http://schemas.microsoft.com/office/drawing/2017/decorative" val="1"/>
+              </a:ext>
+            </a:extLst>
+          </p:cNvPr>
+          <p:cNvSpPr>
+            <a:spLocks noGrp="1" noRot="1" noChangeAspect="1" noMove="1" noResize="1" noEditPoints="1" noAdjustHandles="1" noChangeArrowheads="1" noChangeShapeType="1" noTextEdit="1"/>
+          </p:cNvSpPr>
+          <p:nvPr>
+            <p:extLst>
+              <p:ext uri="{386F3935-93C4-4BCD-93E2-E3B085C9AB24}">
+                <p16:designElem xmlns:p16="http://schemas.microsoft.com/office/powerpoint/2015/main" val="1"/>
+              </p:ext>
+            </p:extLst>
+          </p:nvPr>
+        </p:nvSpPr>
+        <p:spPr>
+          <a:xfrm>
+            <a:off x="0" y="0"/>
+            <a:ext cx="3581400" cy="6858000"/>
+          </a:xfrm>
+          <a:custGeom>
+            <a:avLst/>
+            <a:gdLst>
+              <a:gd name="connsiteX0" fmla="*/ 0 w 3581400"/>
+              <a:gd name="connsiteY0" fmla="*/ 0 h 6858000"/>
+              <a:gd name="connsiteX1" fmla="*/ 405246 w 3581400"/>
+              <a:gd name="connsiteY1" fmla="*/ 0 h 6858000"/>
+              <a:gd name="connsiteX2" fmla="*/ 3581400 w 3581400"/>
+              <a:gd name="connsiteY2" fmla="*/ 6858000 h 6858000"/>
+              <a:gd name="connsiteX3" fmla="*/ 0 w 3581400"/>
+              <a:gd name="connsiteY3" fmla="*/ 6858000 h 6858000"/>
+            </a:gdLst>
+            <a:ahLst/>
+            <a:cxnLst>
+              <a:cxn ang="0">
+                <a:pos x="connsiteX0" y="connsiteY0"/>
+              </a:cxn>
+              <a:cxn ang="0">
+                <a:pos x="connsiteX1" y="connsiteY1"/>
+              </a:cxn>
+              <a:cxn ang="0">
+                <a:pos x="connsiteX2" y="connsiteY2"/>
+              </a:cxn>
+              <a:cxn ang="0">
+                <a:pos x="connsiteX3" y="connsiteY3"/>
+              </a:cxn>
+            </a:cxnLst>
+            <a:rect l="l" t="t" r="r" b="b"/>
+            <a:pathLst>
+              <a:path w="3581400" h="6858000">
+                <a:moveTo>
+                  <a:pt x="0" y="0"/>
+                </a:moveTo>
+                <a:lnTo>
+                  <a:pt x="405246" y="0"/>
+                </a:lnTo>
+                <a:lnTo>
+                  <a:pt x="3581400" y="6858000"/>
+                </a:lnTo>
+                <a:lnTo>
+                  <a:pt x="0" y="6858000"/>
+                </a:lnTo>
+                <a:close/>
+              </a:path>
+            </a:pathLst>
+          </a:custGeom>
+          <a:solidFill>
+            <a:srgbClr val="000000">
+              <a:alpha val="29804"/>
+            </a:srgbClr>
+          </a:solidFill>
+          <a:ln>
+            <a:noFill/>
+          </a:ln>
+        </p:spPr>
+        <p:style>
+          <a:lnRef idx="2">
+            <a:schemeClr val="accent1">
+              <a:shade val="50000"/>
+            </a:schemeClr>
+          </a:lnRef>
+          <a:fillRef idx="1">
+            <a:schemeClr val="accent1"/>
+          </a:fillRef>
+          <a:effectRef idx="0">
+            <a:schemeClr val="accent1"/>
+          </a:effectRef>
+          <a:fontRef idx="minor">
+            <a:schemeClr val="lt1"/>
+          </a:fontRef>
+        </p:style>
+        <p:txBody>
+          <a:bodyPr wrap="square" rtlCol="0" anchor="ctr">
+            <a:noAutofit/>
+          </a:bodyPr>
+          <a:lstStyle/>
+          <a:p>
+            <a:pPr algn="ctr"/>
+            <a:endParaRPr lang="en-US"/>
+          </a:p>
+        </p:txBody>
+      </p:sp>
+      <p:sp>
+        <p:nvSpPr>
+          <p:cNvPr id="2" name="Nadpis 1">
+            <a:extLst>
+              <a:ext uri="{FF2B5EF4-FFF2-40B4-BE49-F238E27FC236}">
                 <a16:creationId xmlns:a16="http://schemas.microsoft.com/office/drawing/2014/main" id="{0DF4A8BE-4790-42AE-AA93-BFB4175E8EFE}"/>
               </a:ext>
             </a:extLst>
@@ -14236,7 +14095,7 @@
             <a:r>
               <a:rPr lang="cs-CZ" b="1" dirty="0">
                 <a:solidFill>
-                  <a:srgbClr val="FFFFFF"/>
+                  <a:srgbClr val="00B0F0"/>
                 </a:solidFill>
               </a:rPr>
               <a:t>Vzhled události - </a:t>
@@ -14244,7 +14103,7 @@
             <a:r>
               <a:rPr lang="cs-CZ" b="1" dirty="0" err="1">
                 <a:solidFill>
-                  <a:srgbClr val="FFFFFF"/>
+                  <a:srgbClr val="00B0F0"/>
                 </a:solidFill>
               </a:rPr>
               <a:t>embed</a:t>
@@ -14252,7 +14111,7 @@
             <a:r>
               <a:rPr lang="cs-CZ" b="1" dirty="0">
                 <a:solidFill>
-                  <a:srgbClr val="FFFFFF"/>
+                  <a:srgbClr val="00B0F0"/>
                 </a:solidFill>
               </a:rPr>
               <a:t> </a:t>
@@ -14260,14 +14119,14 @@
             <a:r>
               <a:rPr lang="cs-CZ" b="1" dirty="0" err="1">
                 <a:solidFill>
-                  <a:srgbClr val="FFFFFF"/>
+                  <a:srgbClr val="00B0F0"/>
                 </a:solidFill>
               </a:rPr>
               <a:t>message</a:t>
             </a:r>
             <a:endParaRPr lang="cs-CZ" b="1" dirty="0">
               <a:solidFill>
-                <a:srgbClr val="FFFFFF"/>
+                <a:srgbClr val="00B0F0"/>
               </a:solidFill>
             </a:endParaRPr>
           </a:p>
@@ -14332,98 +14191,18 @@
   <p:clrMapOvr>
     <a:overrideClrMapping bg1="dk1" tx1="lt1" bg2="dk2" tx2="lt2" accent1="accent1" accent2="accent2" accent3="accent3" accent4="accent4" accent5="accent5" accent6="accent6" hlink="hlink" folHlink="folHlink"/>
   </p:clrMapOvr>
-  <p:timing>
-    <p:tnLst>
-      <p:par>
-        <p:cTn id="1" dur="indefinite" restart="never" nodeType="tmRoot">
-          <p:childTnLst>
-            <p:seq concurrent="1" nextAc="seek">
-              <p:cTn id="2" dur="indefinite" nodeType="mainSeq">
-                <p:childTnLst>
-                  <p:par>
-                    <p:cTn id="3" fill="hold">
-                      <p:stCondLst>
-                        <p:cond delay="indefinite"/>
-                        <p:cond evt="onBegin" delay="0">
-                          <p:tn val="2"/>
-                        </p:cond>
-                      </p:stCondLst>
-                      <p:childTnLst>
-                        <p:par>
-                          <p:cTn id="4" fill="hold">
-                            <p:stCondLst>
-                              <p:cond delay="0"/>
-                            </p:stCondLst>
-                            <p:childTnLst>
-                              <p:par>
-                                <p:cTn id="5" presetID="10" presetClass="entr" presetSubtype="0" fill="hold" grpId="0" nodeType="withEffect">
-                                  <p:stCondLst>
-                                    <p:cond delay="500"/>
-                                  </p:stCondLst>
-                                  <p:iterate type="lt">
-                                    <p:tmPct val="10000"/>
-                                  </p:iterate>
-                                  <p:childTnLst>
-                                    <p:set>
-                                      <p:cBhvr>
-                                        <p:cTn id="6" dur="1" fill="hold">
-                                          <p:stCondLst>
-                                            <p:cond delay="0"/>
-                                          </p:stCondLst>
-                                        </p:cTn>
-                                        <p:tgtEl>
-                                          <p:spTgt spid="2"/>
-                                        </p:tgtEl>
-                                        <p:attrNameLst>
-                                          <p:attrName>style.visibility</p:attrName>
-                                        </p:attrNameLst>
-                                      </p:cBhvr>
-                                      <p:to>
-                                        <p:strVal val="visible"/>
-                                      </p:to>
-                                    </p:set>
-                                    <p:animEffect transition="in" filter="fade">
-                                      <p:cBhvr>
-                                        <p:cTn id="7" dur="400"/>
-                                        <p:tgtEl>
-                                          <p:spTgt spid="2"/>
-                                        </p:tgtEl>
-                                      </p:cBhvr>
-                                    </p:animEffect>
-                                  </p:childTnLst>
-                                </p:cTn>
-                              </p:par>
-                            </p:childTnLst>
-                          </p:cTn>
-                        </p:par>
-                      </p:childTnLst>
-                    </p:cTn>
-                  </p:par>
-                </p:childTnLst>
-              </p:cTn>
-              <p:prevCondLst>
-                <p:cond evt="onPrev" delay="0">
-                  <p:tgtEl>
-                    <p:sldTgt/>
-                  </p:tgtEl>
-                </p:cond>
-              </p:prevCondLst>
-              <p:nextCondLst>
-                <p:cond evt="onNext" delay="0">
-                  <p:tgtEl>
-                    <p:sldTgt/>
-                  </p:tgtEl>
-                </p:cond>
-              </p:nextCondLst>
-            </p:seq>
-          </p:childTnLst>
-        </p:cTn>
-      </p:par>
-    </p:tnLst>
-    <p:bldLst>
-      <p:bldP spid="2" grpId="0"/>
-    </p:bldLst>
-  </p:timing>
+  <mc:AlternateContent xmlns:mc="http://schemas.openxmlformats.org/markup-compatibility/2006">
+    <mc:Choice xmlns:p159="http://schemas.microsoft.com/office/powerpoint/2015/09/main" Requires="p159">
+      <p:transition spd="slow">
+        <p159:morph option="byObject"/>
+      </p:transition>
+    </mc:Choice>
+    <mc:Fallback>
+      <p:transition spd="slow">
+        <p:fade/>
+      </p:transition>
+    </mc:Fallback>
+  </mc:AlternateContent>
 </p:sld>
 </file>
 

--- a/Bot na platformě Discord.pptx
+++ b/Bot na platformě Discord.pptx
@@ -4571,7 +4571,7 @@
         </p:nvSpPr>
         <p:spPr>
           <a:xfrm>
-            <a:off x="7448550" y="6334780"/>
+            <a:off x="7289800" y="6188206"/>
             <a:ext cx="4743450" cy="523220"/>
           </a:xfrm>
           <a:prstGeom prst="rect">
@@ -10540,7 +10540,7 @@
         <p:spPr>
           <a:xfrm>
             <a:off x="838201" y="2022602"/>
-            <a:ext cx="10515598" cy="2887846"/>
+            <a:ext cx="10515598" cy="3324098"/>
           </a:xfrm>
         </p:spPr>
         <p:txBody>
@@ -10550,20 +10550,12 @@
           <a:lstStyle/>
           <a:p>
             <a:r>
-              <a:rPr lang="cs-CZ" dirty="0" err="1">
-                <a:solidFill>
-                  <a:srgbClr val="00B0F0"/>
-                </a:solidFill>
-              </a:rPr>
-              <a:t>Neduhou</a:t>
-            </a:r>
-            <a:r>
               <a:rPr lang="cs-CZ" dirty="0">
                 <a:solidFill>
                   <a:srgbClr val="00B0F0"/>
                 </a:solidFill>
               </a:rPr>
-              <a:t> příkazů je, že se musí vypisovat</a:t>
+              <a:t>Neduhem příkazů je, že se musí vypisovat</a:t>
             </a:r>
           </a:p>
           <a:p>
@@ -10617,20 +10609,12 @@
           </a:p>
           <a:p>
             <a:r>
-              <a:rPr lang="cs-CZ" dirty="0" err="1">
-                <a:solidFill>
-                  <a:srgbClr val="00B0F0"/>
-                </a:solidFill>
-              </a:rPr>
-              <a:t>Neduhou</a:t>
-            </a:r>
-            <a:r>
-              <a:rPr lang="cs-CZ" dirty="0">
-                <a:solidFill>
-                  <a:srgbClr val="00B0F0"/>
-                </a:solidFill>
-              </a:rPr>
-              <a:t> </a:t>
+              <a:rPr lang="cs-CZ">
+                <a:solidFill>
+                  <a:srgbClr val="00B0F0"/>
+                </a:solidFill>
+              </a:rPr>
+              <a:t>Neduhem </a:t>
             </a:r>
             <a:r>
               <a:rPr lang="cs-CZ" dirty="0" err="1">

--- a/Bot na platformě Discord.pptx
+++ b/Bot na platformě Discord.pptx
@@ -5,7 +5,7 @@
     <p:sldMasterId id="2147483648" r:id="rId1"/>
   </p:sldMasterIdLst>
   <p:notesMasterIdLst>
-    <p:notesMasterId r:id="rId24"/>
+    <p:notesMasterId r:id="rId22"/>
   </p:notesMasterIdLst>
   <p:sldIdLst>
     <p:sldId id="256" r:id="rId2"/>
@@ -18,18 +18,16 @@
     <p:sldId id="262" r:id="rId9"/>
     <p:sldId id="276" r:id="rId10"/>
     <p:sldId id="279" r:id="rId11"/>
-    <p:sldId id="278" r:id="rId12"/>
-    <p:sldId id="263" r:id="rId13"/>
-    <p:sldId id="264" r:id="rId14"/>
-    <p:sldId id="266" r:id="rId15"/>
-    <p:sldId id="265" r:id="rId16"/>
-    <p:sldId id="267" r:id="rId17"/>
-    <p:sldId id="269" r:id="rId18"/>
-    <p:sldId id="270" r:id="rId19"/>
-    <p:sldId id="272" r:id="rId20"/>
-    <p:sldId id="273" r:id="rId21"/>
-    <p:sldId id="268" r:id="rId22"/>
-    <p:sldId id="280" r:id="rId23"/>
+    <p:sldId id="269" r:id="rId12"/>
+    <p:sldId id="273" r:id="rId13"/>
+    <p:sldId id="278" r:id="rId14"/>
+    <p:sldId id="263" r:id="rId15"/>
+    <p:sldId id="281" r:id="rId16"/>
+    <p:sldId id="282" r:id="rId17"/>
+    <p:sldId id="264" r:id="rId18"/>
+    <p:sldId id="283" r:id="rId19"/>
+    <p:sldId id="268" r:id="rId20"/>
+    <p:sldId id="280" r:id="rId21"/>
   </p:sldIdLst>
   <p:sldSz cx="12192000" cy="6858000"/>
   <p:notesSz cx="6858000" cy="9144000"/>
@@ -128,6 +126,14 @@
       </a:defRPr>
     </a:lvl9pPr>
   </p:defaultTextStyle>
+  <p:extLst>
+    <p:ext uri="{EFAFB233-063F-42B5-8137-9DF3F51BA10A}">
+      <p15:sldGuideLst xmlns:p15="http://schemas.microsoft.com/office/powerpoint/2012/main"/>
+    </p:ext>
+    <p:ext uri="{2D200454-40CA-4A62-9FC3-DE9A4176ACB9}">
+      <p15:notesGuideLst xmlns:p15="http://schemas.microsoft.com/office/powerpoint/2012/main"/>
+    </p:ext>
+  </p:extLst>
 </p:presentation>
 </file>
 
@@ -213,7 +219,7 @@
           <a:p>
             <a:fld id="{D2FFA4A9-D466-4B74-A922-177682387D54}" type="datetimeFigureOut">
               <a:rPr lang="cs-CZ" smtClean="0"/>
-              <a:t>10.11.2021</a:t>
+              <a:t>12.08.2023</a:t>
             </a:fld>
             <a:endParaRPr lang="cs-CZ"/>
           </a:p>
@@ -648,6 +654,90 @@
 </p:notes>
 </file>
 
+<file path=ppt/notesSlides/notesSlide3.xml><?xml version="1.0" encoding="utf-8"?>
+<p:notes xmlns:a="http://schemas.openxmlformats.org/drawingml/2006/main" xmlns:r="http://schemas.openxmlformats.org/officeDocument/2006/relationships" xmlns:p="http://schemas.openxmlformats.org/presentationml/2006/main">
+  <p:cSld>
+    <p:spTree>
+      <p:nvGrpSpPr>
+        <p:cNvPr id="1" name=""/>
+        <p:cNvGrpSpPr/>
+        <p:nvPr/>
+      </p:nvGrpSpPr>
+      <p:grpSpPr>
+        <a:xfrm>
+          <a:off x="0" y="0"/>
+          <a:ext cx="0" cy="0"/>
+          <a:chOff x="0" y="0"/>
+          <a:chExt cx="0" cy="0"/>
+        </a:xfrm>
+      </p:grpSpPr>
+      <p:sp>
+        <p:nvSpPr>
+          <p:cNvPr id="2" name="Zástupný symbol pro obrázek snímku 1"/>
+          <p:cNvSpPr>
+            <a:spLocks noGrp="1" noRot="1" noChangeAspect="1"/>
+          </p:cNvSpPr>
+          <p:nvPr>
+            <p:ph type="sldImg"/>
+          </p:nvPr>
+        </p:nvSpPr>
+        <p:spPr/>
+      </p:sp>
+      <p:sp>
+        <p:nvSpPr>
+          <p:cNvPr id="3" name="Zástupný symbol pro poznámky 2"/>
+          <p:cNvSpPr>
+            <a:spLocks noGrp="1"/>
+          </p:cNvSpPr>
+          <p:nvPr>
+            <p:ph type="body" idx="1"/>
+          </p:nvPr>
+        </p:nvSpPr>
+        <p:spPr/>
+        <p:txBody>
+          <a:bodyPr/>
+          <a:lstStyle/>
+          <a:p>
+            <a:endParaRPr lang="cs-CZ" dirty="0"/>
+          </a:p>
+        </p:txBody>
+      </p:sp>
+      <p:sp>
+        <p:nvSpPr>
+          <p:cNvPr id="4" name="Zástupný symbol pro číslo snímku 3"/>
+          <p:cNvSpPr>
+            <a:spLocks noGrp="1"/>
+          </p:cNvSpPr>
+          <p:nvPr>
+            <p:ph type="sldNum" sz="quarter" idx="5"/>
+          </p:nvPr>
+        </p:nvSpPr>
+        <p:spPr/>
+        <p:txBody>
+          <a:bodyPr/>
+          <a:lstStyle/>
+          <a:p>
+            <a:fld id="{189E2786-D6D2-4EB2-A307-5B51A29B4C28}" type="slidenum">
+              <a:rPr lang="cs-CZ" smtClean="0"/>
+              <a:t>9</a:t>
+            </a:fld>
+            <a:endParaRPr lang="cs-CZ"/>
+          </a:p>
+        </p:txBody>
+      </p:sp>
+    </p:spTree>
+    <p:extLst>
+      <p:ext uri="{BB962C8B-B14F-4D97-AF65-F5344CB8AC3E}">
+        <p14:creationId xmlns:p14="http://schemas.microsoft.com/office/powerpoint/2010/main" val="3331879680"/>
+      </p:ext>
+    </p:extLst>
+  </p:cSld>
+  <p:clrMapOvr>
+    <a:masterClrMapping/>
+  </p:clrMapOvr>
+</p:notes>
+</file>
+
 <file path=ppt/slideLayouts/slideLayout1.xml><?xml version="1.0" encoding="utf-8"?>
 <p:sldLayout xmlns:a="http://schemas.openxmlformats.org/drawingml/2006/main" xmlns:r="http://schemas.openxmlformats.org/officeDocument/2006/relationships" xmlns:p="http://schemas.openxmlformats.org/presentationml/2006/main" type="title" preserve="1">
   <p:cSld name="Úvodní snímek">
@@ -795,7 +885,7 @@
           <a:p>
             <a:fld id="{6B909872-CA1E-47C3-96CB-8F242949AD75}" type="datetimeFigureOut">
               <a:rPr lang="cs-CZ" smtClean="0"/>
-              <a:t>10.11.2021</a:t>
+              <a:t>12.08.2023</a:t>
             </a:fld>
             <a:endParaRPr lang="cs-CZ"/>
           </a:p>
@@ -865,13 +955,13 @@
   <p:clrMapOvr>
     <a:masterClrMapping/>
   </p:clrMapOvr>
-  <mc:AlternateContent xmlns:mc="http://schemas.openxmlformats.org/markup-compatibility/2006">
-    <mc:Choice xmlns:p159="http://schemas.microsoft.com/office/powerpoint/2015/09/main" Requires="p159">
+  <mc:AlternateContent xmlns:mc="http://schemas.openxmlformats.org/markup-compatibility/2006" xmlns:p159="http://schemas.microsoft.com/office/powerpoint/2015/09/main">
+    <mc:Choice Requires="p159">
       <p:transition spd="slow">
         <p159:morph option="byObject"/>
       </p:transition>
     </mc:Choice>
-    <mc:Fallback>
+    <mc:Fallback xmlns="">
       <p:transition spd="slow">
         <p:fade/>
       </p:transition>
@@ -1005,7 +1095,7 @@
           <a:p>
             <a:fld id="{6B909872-CA1E-47C3-96CB-8F242949AD75}" type="datetimeFigureOut">
               <a:rPr lang="cs-CZ" smtClean="0"/>
-              <a:t>10.11.2021</a:t>
+              <a:t>12.08.2023</a:t>
             </a:fld>
             <a:endParaRPr lang="cs-CZ"/>
           </a:p>
@@ -1075,13 +1165,13 @@
   <p:clrMapOvr>
     <a:masterClrMapping/>
   </p:clrMapOvr>
-  <mc:AlternateContent xmlns:mc="http://schemas.openxmlformats.org/markup-compatibility/2006">
-    <mc:Choice xmlns:p159="http://schemas.microsoft.com/office/powerpoint/2015/09/main" Requires="p159">
+  <mc:AlternateContent xmlns:mc="http://schemas.openxmlformats.org/markup-compatibility/2006" xmlns:p159="http://schemas.microsoft.com/office/powerpoint/2015/09/main">
+    <mc:Choice Requires="p159">
       <p:transition spd="slow">
         <p159:morph option="byObject"/>
       </p:transition>
     </mc:Choice>
-    <mc:Fallback>
+    <mc:Fallback xmlns="">
       <p:transition spd="slow">
         <p:fade/>
       </p:transition>
@@ -1225,7 +1315,7 @@
           <a:p>
             <a:fld id="{6B909872-CA1E-47C3-96CB-8F242949AD75}" type="datetimeFigureOut">
               <a:rPr lang="cs-CZ" smtClean="0"/>
-              <a:t>10.11.2021</a:t>
+              <a:t>12.08.2023</a:t>
             </a:fld>
             <a:endParaRPr lang="cs-CZ"/>
           </a:p>
@@ -1295,13 +1385,13 @@
   <p:clrMapOvr>
     <a:masterClrMapping/>
   </p:clrMapOvr>
-  <mc:AlternateContent xmlns:mc="http://schemas.openxmlformats.org/markup-compatibility/2006">
-    <mc:Choice xmlns:p159="http://schemas.microsoft.com/office/powerpoint/2015/09/main" Requires="p159">
+  <mc:AlternateContent xmlns:mc="http://schemas.openxmlformats.org/markup-compatibility/2006" xmlns:p159="http://schemas.microsoft.com/office/powerpoint/2015/09/main">
+    <mc:Choice Requires="p159">
       <p:transition spd="slow">
         <p159:morph option="byObject"/>
       </p:transition>
     </mc:Choice>
-    <mc:Fallback>
+    <mc:Fallback xmlns="">
       <p:transition spd="slow">
         <p:fade/>
       </p:transition>
@@ -1435,7 +1525,7 @@
           <a:p>
             <a:fld id="{6B909872-CA1E-47C3-96CB-8F242949AD75}" type="datetimeFigureOut">
               <a:rPr lang="cs-CZ" smtClean="0"/>
-              <a:t>10.11.2021</a:t>
+              <a:t>12.08.2023</a:t>
             </a:fld>
             <a:endParaRPr lang="cs-CZ"/>
           </a:p>
@@ -1505,13 +1595,13 @@
   <p:clrMapOvr>
     <a:masterClrMapping/>
   </p:clrMapOvr>
-  <mc:AlternateContent xmlns:mc="http://schemas.openxmlformats.org/markup-compatibility/2006">
-    <mc:Choice xmlns:p159="http://schemas.microsoft.com/office/powerpoint/2015/09/main" Requires="p159">
+  <mc:AlternateContent xmlns:mc="http://schemas.openxmlformats.org/markup-compatibility/2006" xmlns:p159="http://schemas.microsoft.com/office/powerpoint/2015/09/main">
+    <mc:Choice Requires="p159">
       <p:transition spd="slow">
         <p159:morph option="byObject"/>
       </p:transition>
     </mc:Choice>
-    <mc:Fallback>
+    <mc:Fallback xmlns="">
       <p:transition spd="slow">
         <p:fade/>
       </p:transition>
@@ -1722,7 +1812,7 @@
           <a:p>
             <a:fld id="{6B909872-CA1E-47C3-96CB-8F242949AD75}" type="datetimeFigureOut">
               <a:rPr lang="cs-CZ" smtClean="0"/>
-              <a:t>10.11.2021</a:t>
+              <a:t>12.08.2023</a:t>
             </a:fld>
             <a:endParaRPr lang="cs-CZ"/>
           </a:p>
@@ -1792,13 +1882,13 @@
   <p:clrMapOvr>
     <a:masterClrMapping/>
   </p:clrMapOvr>
-  <mc:AlternateContent xmlns:mc="http://schemas.openxmlformats.org/markup-compatibility/2006">
-    <mc:Choice xmlns:p159="http://schemas.microsoft.com/office/powerpoint/2015/09/main" Requires="p159">
+  <mc:AlternateContent xmlns:mc="http://schemas.openxmlformats.org/markup-compatibility/2006" xmlns:p159="http://schemas.microsoft.com/office/powerpoint/2015/09/main">
+    <mc:Choice Requires="p159">
       <p:transition spd="slow">
         <p159:morph option="byObject"/>
       </p:transition>
     </mc:Choice>
-    <mc:Fallback>
+    <mc:Fallback xmlns="">
       <p:transition spd="slow">
         <p:fade/>
       </p:transition>
@@ -1999,7 +2089,7 @@
           <a:p>
             <a:fld id="{6B909872-CA1E-47C3-96CB-8F242949AD75}" type="datetimeFigureOut">
               <a:rPr lang="cs-CZ" smtClean="0"/>
-              <a:t>10.11.2021</a:t>
+              <a:t>12.08.2023</a:t>
             </a:fld>
             <a:endParaRPr lang="cs-CZ"/>
           </a:p>
@@ -2069,13 +2159,13 @@
   <p:clrMapOvr>
     <a:masterClrMapping/>
   </p:clrMapOvr>
-  <mc:AlternateContent xmlns:mc="http://schemas.openxmlformats.org/markup-compatibility/2006">
-    <mc:Choice xmlns:p159="http://schemas.microsoft.com/office/powerpoint/2015/09/main" Requires="p159">
+  <mc:AlternateContent xmlns:mc="http://schemas.openxmlformats.org/markup-compatibility/2006" xmlns:p159="http://schemas.microsoft.com/office/powerpoint/2015/09/main">
+    <mc:Choice Requires="p159">
       <p:transition spd="slow">
         <p159:morph option="byObject"/>
       </p:transition>
     </mc:Choice>
-    <mc:Fallback>
+    <mc:Fallback xmlns="">
       <p:transition spd="slow">
         <p:fade/>
       </p:transition>
@@ -2423,7 +2513,7 @@
           <a:p>
             <a:fld id="{6B909872-CA1E-47C3-96CB-8F242949AD75}" type="datetimeFigureOut">
               <a:rPr lang="cs-CZ" smtClean="0"/>
-              <a:t>10.11.2021</a:t>
+              <a:t>12.08.2023</a:t>
             </a:fld>
             <a:endParaRPr lang="cs-CZ"/>
           </a:p>
@@ -2493,13 +2583,13 @@
   <p:clrMapOvr>
     <a:masterClrMapping/>
   </p:clrMapOvr>
-  <mc:AlternateContent xmlns:mc="http://schemas.openxmlformats.org/markup-compatibility/2006">
-    <mc:Choice xmlns:p159="http://schemas.microsoft.com/office/powerpoint/2015/09/main" Requires="p159">
+  <mc:AlternateContent xmlns:mc="http://schemas.openxmlformats.org/markup-compatibility/2006" xmlns:p159="http://schemas.microsoft.com/office/powerpoint/2015/09/main">
+    <mc:Choice Requires="p159">
       <p:transition spd="slow">
         <p159:morph option="byObject"/>
       </p:transition>
     </mc:Choice>
-    <mc:Fallback>
+    <mc:Fallback xmlns="">
       <p:transition spd="slow">
         <p:fade/>
       </p:transition>
@@ -2576,7 +2666,7 @@
           <a:p>
             <a:fld id="{6B909872-CA1E-47C3-96CB-8F242949AD75}" type="datetimeFigureOut">
               <a:rPr lang="cs-CZ" smtClean="0"/>
-              <a:t>10.11.2021</a:t>
+              <a:t>12.08.2023</a:t>
             </a:fld>
             <a:endParaRPr lang="cs-CZ"/>
           </a:p>
@@ -2646,13 +2736,13 @@
   <p:clrMapOvr>
     <a:masterClrMapping/>
   </p:clrMapOvr>
-  <mc:AlternateContent xmlns:mc="http://schemas.openxmlformats.org/markup-compatibility/2006">
-    <mc:Choice xmlns:p159="http://schemas.microsoft.com/office/powerpoint/2015/09/main" Requires="p159">
+  <mc:AlternateContent xmlns:mc="http://schemas.openxmlformats.org/markup-compatibility/2006" xmlns:p159="http://schemas.microsoft.com/office/powerpoint/2015/09/main">
+    <mc:Choice Requires="p159">
       <p:transition spd="slow">
         <p159:morph option="byObject"/>
       </p:transition>
     </mc:Choice>
-    <mc:Fallback>
+    <mc:Fallback xmlns="">
       <p:transition spd="slow">
         <p:fade/>
       </p:transition>
@@ -2701,7 +2791,7 @@
           <a:p>
             <a:fld id="{6B909872-CA1E-47C3-96CB-8F242949AD75}" type="datetimeFigureOut">
               <a:rPr lang="cs-CZ" smtClean="0"/>
-              <a:t>10.11.2021</a:t>
+              <a:t>12.08.2023</a:t>
             </a:fld>
             <a:endParaRPr lang="cs-CZ"/>
           </a:p>
@@ -2771,13 +2861,13 @@
   <p:clrMapOvr>
     <a:masterClrMapping/>
   </p:clrMapOvr>
-  <mc:AlternateContent xmlns:mc="http://schemas.openxmlformats.org/markup-compatibility/2006">
-    <mc:Choice xmlns:p159="http://schemas.microsoft.com/office/powerpoint/2015/09/main" Requires="p159">
+  <mc:AlternateContent xmlns:mc="http://schemas.openxmlformats.org/markup-compatibility/2006" xmlns:p159="http://schemas.microsoft.com/office/powerpoint/2015/09/main">
+    <mc:Choice Requires="p159">
       <p:transition spd="slow">
         <p159:morph option="byObject"/>
       </p:transition>
     </mc:Choice>
-    <mc:Fallback>
+    <mc:Fallback xmlns="">
       <p:transition spd="slow">
         <p:fade/>
       </p:transition>
@@ -3024,7 +3114,7 @@
           <a:p>
             <a:fld id="{6B909872-CA1E-47C3-96CB-8F242949AD75}" type="datetimeFigureOut">
               <a:rPr lang="cs-CZ" smtClean="0"/>
-              <a:t>10.11.2021</a:t>
+              <a:t>12.08.2023</a:t>
             </a:fld>
             <a:endParaRPr lang="cs-CZ"/>
           </a:p>
@@ -3094,13 +3184,13 @@
   <p:clrMapOvr>
     <a:masterClrMapping/>
   </p:clrMapOvr>
-  <mc:AlternateContent xmlns:mc="http://schemas.openxmlformats.org/markup-compatibility/2006">
-    <mc:Choice xmlns:p159="http://schemas.microsoft.com/office/powerpoint/2015/09/main" Requires="p159">
+  <mc:AlternateContent xmlns:mc="http://schemas.openxmlformats.org/markup-compatibility/2006" xmlns:p159="http://schemas.microsoft.com/office/powerpoint/2015/09/main">
+    <mc:Choice Requires="p159">
       <p:transition spd="slow">
         <p159:morph option="byObject"/>
       </p:transition>
     </mc:Choice>
-    <mc:Fallback>
+    <mc:Fallback xmlns="">
       <p:transition spd="slow">
         <p:fade/>
       </p:transition>
@@ -3324,7 +3414,7 @@
           <a:p>
             <a:fld id="{6B909872-CA1E-47C3-96CB-8F242949AD75}" type="datetimeFigureOut">
               <a:rPr lang="cs-CZ" smtClean="0"/>
-              <a:t>10.11.2021</a:t>
+              <a:t>12.08.2023</a:t>
             </a:fld>
             <a:endParaRPr lang="cs-CZ"/>
           </a:p>
@@ -3394,13 +3484,13 @@
   <p:clrMapOvr>
     <a:masterClrMapping/>
   </p:clrMapOvr>
-  <mc:AlternateContent xmlns:mc="http://schemas.openxmlformats.org/markup-compatibility/2006">
-    <mc:Choice xmlns:p159="http://schemas.microsoft.com/office/powerpoint/2015/09/main" Requires="p159">
+  <mc:AlternateContent xmlns:mc="http://schemas.openxmlformats.org/markup-compatibility/2006" xmlns:p159="http://schemas.microsoft.com/office/powerpoint/2015/09/main">
+    <mc:Choice Requires="p159">
       <p:transition spd="slow">
         <p159:morph option="byObject"/>
       </p:transition>
     </mc:Choice>
-    <mc:Fallback>
+    <mc:Fallback xmlns="">
       <p:transition spd="slow">
         <p:fade/>
       </p:transition>
@@ -3577,7 +3667,7 @@
           <a:p>
             <a:fld id="{6B909872-CA1E-47C3-96CB-8F242949AD75}" type="datetimeFigureOut">
               <a:rPr lang="cs-CZ" smtClean="0"/>
-              <a:t>10.11.2021</a:t>
+              <a:t>12.08.2023</a:t>
             </a:fld>
             <a:endParaRPr lang="cs-CZ"/>
           </a:p>
@@ -3694,13 +3784,13 @@
     <p:sldLayoutId id="2147483658" r:id="rId10"/>
     <p:sldLayoutId id="2147483659" r:id="rId11"/>
   </p:sldLayoutIdLst>
-  <mc:AlternateContent xmlns:mc="http://schemas.openxmlformats.org/markup-compatibility/2006">
-    <mc:Choice xmlns:p159="http://schemas.microsoft.com/office/powerpoint/2015/09/main" Requires="p159">
+  <mc:AlternateContent xmlns:mc="http://schemas.openxmlformats.org/markup-compatibility/2006" xmlns:p159="http://schemas.microsoft.com/office/powerpoint/2015/09/main">
+    <mc:Choice Requires="p159">
       <p:transition spd="slow">
         <p159:morph option="byObject"/>
       </p:transition>
     </mc:Choice>
-    <mc:Fallback>
+    <mc:Fallback xmlns="">
       <p:transition spd="slow">
         <p:fade/>
       </p:transition>
@@ -4619,13 +4709,13 @@
   <p:clrMapOvr>
     <a:overrideClrMapping bg1="dk1" tx1="lt1" bg2="dk2" tx2="lt2" accent1="accent1" accent2="accent2" accent3="accent3" accent4="accent4" accent5="accent5" accent6="accent6" hlink="hlink" folHlink="folHlink"/>
   </p:clrMapOvr>
-  <mc:AlternateContent xmlns:mc="http://schemas.openxmlformats.org/markup-compatibility/2006">
-    <mc:Choice xmlns:p159="http://schemas.microsoft.com/office/powerpoint/2015/09/main" Requires="p159">
+  <mc:AlternateContent xmlns:mc="http://schemas.openxmlformats.org/markup-compatibility/2006" xmlns:p159="http://schemas.microsoft.com/office/powerpoint/2015/09/main">
+    <mc:Choice Requires="p159">
       <p:transition spd="slow">
         <p159:morph option="byObject"/>
       </p:transition>
     </mc:Choice>
-    <mc:Fallback>
+    <mc:Fallback xmlns="">
       <p:transition spd="slow">
         <p:fade/>
       </p:transition>
@@ -4974,7 +5064,7 @@
                   <a:srgbClr val="00B0F0"/>
                 </a:solidFill>
               </a:rPr>
-              <a:t>Funkcionalita bota - hudba</a:t>
+              <a:t>Funkcionalita bota – streamování audia</a:t>
             </a:r>
           </a:p>
         </p:txBody>
@@ -5013,30 +5103,8 @@
                   <a:srgbClr val="00B0F0"/>
                 </a:solidFill>
               </a:rPr>
-              <a:t>Přehrání hudby dané odkazem</a:t>
-            </a:r>
-          </a:p>
-          <a:p>
-            <a:r>
-              <a:rPr lang="cs-CZ" dirty="0">
-                <a:solidFill>
-                  <a:srgbClr val="00B0F0"/>
-                </a:solidFill>
-              </a:rPr>
-              <a:t>Fronta hudby</a:t>
-            </a:r>
-          </a:p>
-          <a:p>
-            <a:r>
-              <a:rPr lang="cs-CZ" dirty="0">
-                <a:solidFill>
-                  <a:srgbClr val="00B0F0"/>
-                </a:solidFill>
-              </a:rPr>
-              <a:t>Správa fronty (mazání, přeskakování, přidávání)</a:t>
-            </a:r>
-          </a:p>
-          <a:p>
+              <a:t>Získání audia z odkazu (YouTube API – </a:t>
+            </a:r>
             <a:r>
               <a:rPr lang="cs-CZ" dirty="0" err="1">
                 <a:solidFill>
@@ -5051,7 +5119,17 @@
                   <a:srgbClr val="00B0F0"/>
                 </a:solidFill>
               </a:rPr>
-              <a:t> API, </a:t>
+              <a:t> knihovna)</a:t>
+            </a:r>
+          </a:p>
+          <a:p>
+            <a:r>
+              <a:rPr lang="cs-CZ" dirty="0">
+                <a:solidFill>
+                  <a:srgbClr val="00B0F0"/>
+                </a:solidFill>
+              </a:rPr>
+              <a:t>Zpracování audia (</a:t>
             </a:r>
             <a:r>
               <a:rPr lang="cs-CZ" dirty="0" err="1">
@@ -5060,6 +5138,58 @@
                 </a:solidFill>
               </a:rPr>
               <a:t>ffmpeg</a:t>
+            </a:r>
+            <a:r>
+              <a:rPr lang="cs-CZ" dirty="0">
+                <a:solidFill>
+                  <a:srgbClr val="00B0F0"/>
+                </a:solidFill>
+              </a:rPr>
+              <a:t> knihovna)</a:t>
+            </a:r>
+          </a:p>
+          <a:p>
+            <a:r>
+              <a:rPr lang="cs-CZ" dirty="0">
+                <a:solidFill>
+                  <a:srgbClr val="00B0F0"/>
+                </a:solidFill>
+              </a:rPr>
+              <a:t>Bot posílá audio do hlasového hovoru stejně jako uživatelé</a:t>
+            </a:r>
+          </a:p>
+          <a:p>
+            <a:r>
+              <a:rPr lang="cs-CZ" dirty="0">
+                <a:solidFill>
+                  <a:srgbClr val="00B0F0"/>
+                </a:solidFill>
+              </a:rPr>
+              <a:t>Příkazy: play, </a:t>
+            </a:r>
+            <a:r>
+              <a:rPr lang="cs-CZ" dirty="0" err="1">
+                <a:solidFill>
+                  <a:srgbClr val="00B0F0"/>
+                </a:solidFill>
+              </a:rPr>
+              <a:t>queue</a:t>
+            </a:r>
+            <a:r>
+              <a:rPr lang="cs-CZ" dirty="0">
+                <a:solidFill>
+                  <a:srgbClr val="00B0F0"/>
+                </a:solidFill>
+              </a:rPr>
+              <a:t>, skip, </a:t>
+            </a:r>
+            <a:r>
+              <a:rPr lang="cs-CZ" dirty="0" err="1">
+                <a:solidFill>
+                  <a:srgbClr val="00B0F0"/>
+                </a:solidFill>
+              </a:rPr>
+              <a:t>volume</a:t>
             </a:r>
             <a:endParaRPr lang="cs-CZ" dirty="0">
               <a:solidFill>
@@ -5086,13 +5216,13 @@
   <p:clrMapOvr>
     <a:overrideClrMapping bg1="dk1" tx1="lt1" bg2="dk2" tx2="lt2" accent1="accent1" accent2="accent2" accent3="accent3" accent4="accent4" accent5="accent5" accent6="accent6" hlink="hlink" folHlink="folHlink"/>
   </p:clrMapOvr>
-  <mc:AlternateContent xmlns:mc="http://schemas.openxmlformats.org/markup-compatibility/2006">
-    <mc:Choice xmlns:p159="http://schemas.microsoft.com/office/powerpoint/2015/09/main" Requires="p159">
+  <mc:AlternateContent xmlns:mc="http://schemas.openxmlformats.org/markup-compatibility/2006" xmlns:p159="http://schemas.microsoft.com/office/powerpoint/2015/09/main">
+    <mc:Choice Requires="p159">
       <p:transition spd="slow">
         <p159:morph option="byObject"/>
       </p:transition>
     </mc:Choice>
-    <mc:Fallback>
+    <mc:Fallback xmlns="">
       <p:transition spd="slow">
         <p:fade/>
       </p:transition>
@@ -5437,62 +5567,33 @@
           <a:p>
             <a:pPr algn="ctr"/>
             <a:r>
-              <a:rPr lang="en-US" sz="5400" b="1" dirty="0" err="1">
+              <a:rPr lang="cs-CZ" sz="5400" b="1" dirty="0">
                 <a:solidFill>
                   <a:srgbClr val="00B0F0"/>
                 </a:solidFill>
               </a:rPr>
-              <a:t>Použitý</a:t>
-            </a:r>
-            <a:r>
-              <a:rPr lang="en-US" sz="5400" b="1" dirty="0">
-                <a:solidFill>
-                  <a:srgbClr val="00B0F0"/>
-                </a:solidFill>
-              </a:rPr>
-              <a:t> </a:t>
-            </a:r>
-            <a:r>
-              <a:rPr lang="en-US" sz="5400" b="1" dirty="0" err="1">
-                <a:solidFill>
-                  <a:srgbClr val="00B0F0"/>
-                </a:solidFill>
-              </a:rPr>
-              <a:t>jazyk</a:t>
-            </a:r>
-            <a:r>
-              <a:rPr lang="en-US" sz="5400" b="1" dirty="0">
-                <a:solidFill>
-                  <a:srgbClr val="00B0F0"/>
-                </a:solidFill>
-              </a:rPr>
-              <a:t>?</a:t>
-            </a:r>
-            <a:endParaRPr lang="cs-CZ" sz="5400" b="1" dirty="0">
-              <a:solidFill>
-                <a:srgbClr val="00B0F0"/>
-              </a:solidFill>
-            </a:endParaRPr>
+              <a:t>Demonstrace</a:t>
+            </a:r>
           </a:p>
         </p:txBody>
       </p:sp>
     </p:spTree>
     <p:extLst>
       <p:ext uri="{BB962C8B-B14F-4D97-AF65-F5344CB8AC3E}">
-        <p14:creationId xmlns:p14="http://schemas.microsoft.com/office/powerpoint/2010/main" val="867088885"/>
+        <p14:creationId xmlns:p14="http://schemas.microsoft.com/office/powerpoint/2010/main" val="3301863042"/>
       </p:ext>
     </p:extLst>
   </p:cSld>
   <p:clrMapOvr>
     <a:overrideClrMapping bg1="dk1" tx1="lt1" bg2="dk2" tx2="lt2" accent1="accent1" accent2="accent2" accent3="accent3" accent4="accent4" accent5="accent5" accent6="accent6" hlink="hlink" folHlink="folHlink"/>
   </p:clrMapOvr>
-  <mc:AlternateContent xmlns:mc="http://schemas.openxmlformats.org/markup-compatibility/2006">
-    <mc:Choice xmlns:p159="http://schemas.microsoft.com/office/powerpoint/2015/09/main" Requires="p159">
+  <mc:AlternateContent xmlns:mc="http://schemas.openxmlformats.org/markup-compatibility/2006" xmlns:p159="http://schemas.microsoft.com/office/powerpoint/2015/09/main">
+    <mc:Choice Requires="p159">
       <p:transition spd="slow">
         <p159:morph option="byObject"/>
       </p:transition>
     </mc:Choice>
-    <mc:Fallback>
+    <mc:Fallback xmlns="">
       <p:transition spd="slow">
         <p:fade/>
       </p:transition>
@@ -5841,7 +5942,7 @@
                   <a:srgbClr val="00B0F0"/>
                 </a:solidFill>
               </a:rPr>
-              <a:t>Python</a:t>
+              <a:t>Demonstrace - audio</a:t>
             </a:r>
           </a:p>
         </p:txBody>
@@ -5864,8 +5965,8 @@
         </p:nvSpPr>
         <p:spPr>
           <a:xfrm>
-            <a:off x="838201" y="2022601"/>
-            <a:ext cx="10515598" cy="4154361"/>
+            <a:off x="838201" y="2022602"/>
+            <a:ext cx="10515598" cy="2887846"/>
           </a:xfrm>
         </p:spPr>
         <p:txBody>
@@ -5874,89 +5975,216 @@
           </a:bodyPr>
           <a:lstStyle/>
           <a:p>
-            <a:r>
-              <a:rPr lang="cs-CZ" dirty="0">
-                <a:solidFill>
-                  <a:srgbClr val="00B0F0"/>
-                </a:solidFill>
-              </a:rPr>
-              <a:t>Knihovny pouze ve dvou jazycích (Java, Python)</a:t>
-            </a:r>
-          </a:p>
-          <a:p>
-            <a:r>
-              <a:rPr lang="cs-CZ" dirty="0">
-                <a:solidFill>
-                  <a:srgbClr val="00B0F0"/>
-                </a:solidFill>
-              </a:rPr>
-              <a:t>discord.py aktualizován rychleji</a:t>
-            </a:r>
-          </a:p>
-          <a:p>
-            <a:r>
-              <a:rPr lang="cs-CZ" dirty="0">
-                <a:solidFill>
-                  <a:srgbClr val="00B0F0"/>
-                </a:solidFill>
-              </a:rPr>
-              <a:t>Čitelnost a jednoduchost, rozšiřitelnost</a:t>
-            </a:r>
-          </a:p>
-          <a:p>
-            <a:r>
-              <a:rPr lang="cs-CZ" dirty="0">
-                <a:solidFill>
-                  <a:srgbClr val="00B0F0"/>
-                </a:solidFill>
-              </a:rPr>
-              <a:t>Více používán pro podobné účely</a:t>
-            </a:r>
-          </a:p>
-          <a:p>
-            <a:r>
-              <a:rPr lang="cs-CZ" dirty="0">
-                <a:solidFill>
-                  <a:srgbClr val="00B0F0"/>
-                </a:solidFill>
-              </a:rPr>
-              <a:t>Interpretovaný jazyk zde není nevýhodou</a:t>
-            </a:r>
-          </a:p>
-          <a:p>
-            <a:r>
-              <a:rPr lang="cs-CZ" dirty="0">
-                <a:solidFill>
-                  <a:srgbClr val="00B0F0"/>
-                </a:solidFill>
-              </a:rPr>
-              <a:t>Nebude potřeba vše důkladně staticky typovat</a:t>
-            </a:r>
-          </a:p>
-        </p:txBody>
-      </p:sp>
+            <a:endParaRPr lang="cs-CZ" sz="2400" dirty="0">
+              <a:solidFill>
+                <a:srgbClr val="00B0F0"/>
+              </a:solidFill>
+            </a:endParaRPr>
+          </a:p>
+          <a:p>
+            <a:endParaRPr lang="cs-CZ" sz="2400" dirty="0">
+              <a:solidFill>
+                <a:srgbClr val="00B0F0"/>
+              </a:solidFill>
+            </a:endParaRPr>
+          </a:p>
+        </p:txBody>
+      </p:sp>
+      <p:pic>
+        <p:nvPicPr>
+          <p:cNvPr id="4" name="2023-08-12_14-41-09">
+            <a:hlinkClick r:id="" action="ppaction://media"/>
+            <a:extLst>
+              <a:ext uri="{FF2B5EF4-FFF2-40B4-BE49-F238E27FC236}">
+                <a16:creationId xmlns:a16="http://schemas.microsoft.com/office/drawing/2014/main" id="{83408E52-0953-4F4B-748E-7DA0AA447429}"/>
+              </a:ext>
+            </a:extLst>
+          </p:cNvPr>
+          <p:cNvPicPr>
+            <a:picLocks noChangeAspect="1"/>
+          </p:cNvPicPr>
+          <p:nvPr>
+            <a:videoFile r:link="rId2"/>
+            <p:extLst>
+              <p:ext uri="{DAA4B4D4-6D71-4841-9C94-3DE7FCFB9230}">
+                <p14:media xmlns:p14="http://schemas.microsoft.com/office/powerpoint/2010/main" r:embed="rId1"/>
+              </p:ext>
+            </p:extLst>
+          </p:nvPr>
+        </p:nvPicPr>
+        <p:blipFill>
+          <a:blip r:embed="rId4"/>
+          <a:stretch>
+            <a:fillRect/>
+          </a:stretch>
+        </p:blipFill>
+        <p:spPr>
+          <a:xfrm>
+            <a:off x="1894115" y="1435394"/>
+            <a:ext cx="8031056" cy="5019412"/>
+          </a:xfrm>
+          <a:prstGeom prst="rect">
+            <a:avLst/>
+          </a:prstGeom>
+        </p:spPr>
+      </p:pic>
     </p:spTree>
     <p:extLst>
       <p:ext uri="{BB962C8B-B14F-4D97-AF65-F5344CB8AC3E}">
-        <p14:creationId xmlns:p14="http://schemas.microsoft.com/office/powerpoint/2010/main" val="1603494435"/>
+        <p14:creationId xmlns:p14="http://schemas.microsoft.com/office/powerpoint/2010/main" val="2440033972"/>
       </p:ext>
     </p:extLst>
   </p:cSld>
   <p:clrMapOvr>
     <a:overrideClrMapping bg1="dk1" tx1="lt1" bg2="dk2" tx2="lt2" accent1="accent1" accent2="accent2" accent3="accent3" accent4="accent4" accent5="accent5" accent6="accent6" hlink="hlink" folHlink="folHlink"/>
   </p:clrMapOvr>
-  <mc:AlternateContent xmlns:mc="http://schemas.openxmlformats.org/markup-compatibility/2006">
-    <mc:Choice xmlns:p159="http://schemas.microsoft.com/office/powerpoint/2015/09/main" Requires="p159">
+  <mc:AlternateContent xmlns:mc="http://schemas.openxmlformats.org/markup-compatibility/2006" xmlns:p159="http://schemas.microsoft.com/office/powerpoint/2015/09/main">
+    <mc:Choice Requires="p159">
       <p:transition spd="slow">
         <p159:morph option="byObject"/>
       </p:transition>
     </mc:Choice>
-    <mc:Fallback>
+    <mc:Fallback xmlns="">
       <p:transition spd="slow">
         <p:fade/>
       </p:transition>
     </mc:Fallback>
   </mc:AlternateContent>
+  <p:timing>
+    <p:tnLst>
+      <p:par>
+        <p:cTn id="1" dur="indefinite" restart="never" nodeType="tmRoot">
+          <p:childTnLst>
+            <p:seq concurrent="1" nextAc="seek">
+              <p:cTn id="2" dur="indefinite" nodeType="mainSeq">
+                <p:childTnLst>
+                  <p:par>
+                    <p:cTn id="3" fill="hold">
+                      <p:stCondLst>
+                        <p:cond delay="indefinite"/>
+                      </p:stCondLst>
+                      <p:childTnLst>
+                        <p:par>
+                          <p:cTn id="4" fill="hold">
+                            <p:stCondLst>
+                              <p:cond delay="0"/>
+                            </p:stCondLst>
+                            <p:childTnLst>
+                              <p:par>
+                                <p:cTn id="5" presetID="1" presetClass="mediacall" presetSubtype="0" fill="hold" nodeType="clickEffect">
+                                  <p:stCondLst>
+                                    <p:cond delay="0"/>
+                                  </p:stCondLst>
+                                  <p:childTnLst>
+                                    <p:cmd type="call" cmd="playFrom(0.0)">
+                                      <p:cBhvr>
+                                        <p:cTn id="6" dur="31133" fill="hold"/>
+                                        <p:tgtEl>
+                                          <p:spTgt spid="4"/>
+                                        </p:tgtEl>
+                                      </p:cBhvr>
+                                    </p:cmd>
+                                  </p:childTnLst>
+                                </p:cTn>
+                              </p:par>
+                            </p:childTnLst>
+                          </p:cTn>
+                        </p:par>
+                      </p:childTnLst>
+                    </p:cTn>
+                  </p:par>
+                </p:childTnLst>
+              </p:cTn>
+              <p:prevCondLst>
+                <p:cond evt="onPrev" delay="0">
+                  <p:tgtEl>
+                    <p:sldTgt/>
+                  </p:tgtEl>
+                </p:cond>
+              </p:prevCondLst>
+              <p:nextCondLst>
+                <p:cond evt="onNext" delay="0">
+                  <p:tgtEl>
+                    <p:sldTgt/>
+                  </p:tgtEl>
+                </p:cond>
+              </p:nextCondLst>
+            </p:seq>
+            <p:video>
+              <p:cMediaNode vol="80000">
+                <p:cTn id="7" fill="hold" display="0">
+                  <p:stCondLst>
+                    <p:cond delay="indefinite"/>
+                  </p:stCondLst>
+                </p:cTn>
+                <p:tgtEl>
+                  <p:spTgt spid="4"/>
+                </p:tgtEl>
+              </p:cMediaNode>
+            </p:video>
+            <p:seq concurrent="1" nextAc="seek">
+              <p:cTn id="8" restart="whenNotActive" fill="hold" evtFilter="cancelBubble" nodeType="interactiveSeq">
+                <p:stCondLst>
+                  <p:cond evt="onClick" delay="0">
+                    <p:tgtEl>
+                      <p:spTgt spid="4"/>
+                    </p:tgtEl>
+                  </p:cond>
+                </p:stCondLst>
+                <p:endSync evt="end" delay="0">
+                  <p:rtn val="all"/>
+                </p:endSync>
+                <p:childTnLst>
+                  <p:par>
+                    <p:cTn id="9" fill="hold">
+                      <p:stCondLst>
+                        <p:cond delay="0"/>
+                      </p:stCondLst>
+                      <p:childTnLst>
+                        <p:par>
+                          <p:cTn id="10" fill="hold">
+                            <p:stCondLst>
+                              <p:cond delay="0"/>
+                            </p:stCondLst>
+                            <p:childTnLst>
+                              <p:par>
+                                <p:cTn id="11" presetID="2" presetClass="mediacall" presetSubtype="0" fill="hold" nodeType="clickEffect">
+                                  <p:stCondLst>
+                                    <p:cond delay="0"/>
+                                  </p:stCondLst>
+                                  <p:childTnLst>
+                                    <p:cmd type="call" cmd="togglePause">
+                                      <p:cBhvr>
+                                        <p:cTn id="12" dur="1" fill="hold"/>
+                                        <p:tgtEl>
+                                          <p:spTgt spid="4"/>
+                                        </p:tgtEl>
+                                      </p:cBhvr>
+                                    </p:cmd>
+                                  </p:childTnLst>
+                                </p:cTn>
+                              </p:par>
+                            </p:childTnLst>
+                          </p:cTn>
+                        </p:par>
+                      </p:childTnLst>
+                    </p:cTn>
+                  </p:par>
+                </p:childTnLst>
+              </p:cTn>
+              <p:nextCondLst>
+                <p:cond evt="onClick" delay="0">
+                  <p:tgtEl>
+                    <p:spTgt spid="4"/>
+                  </p:tgtEl>
+                </p:cond>
+              </p:nextCondLst>
+            </p:seq>
+          </p:childTnLst>
+        </p:cTn>
+      </p:par>
+    </p:tnLst>
+  </p:timing>
 </p:sld>
 </file>
 
@@ -6271,7 +6499,7 @@
           <p:cNvPr id="2" name="Nadpis 1">
             <a:extLst>
               <a:ext uri="{FF2B5EF4-FFF2-40B4-BE49-F238E27FC236}">
-                <a16:creationId xmlns:a16="http://schemas.microsoft.com/office/drawing/2014/main" id="{0DF4A8BE-4790-42AE-AA93-BFB4175E8EFE}"/>
+                <a16:creationId xmlns:a16="http://schemas.microsoft.com/office/drawing/2014/main" id="{1C8678BA-21A6-4450-A611-7A8268F04105}"/>
               </a:ext>
             </a:extLst>
           </p:cNvPr>
@@ -6284,503 +6512,24 @@
         </p:nvSpPr>
         <p:spPr>
           <a:xfrm>
-            <a:off x="833002" y="365125"/>
-            <a:ext cx="10520702" cy="1325563"/>
+            <a:off x="2777711" y="2764556"/>
+            <a:ext cx="6636577" cy="1325563"/>
           </a:xfrm>
         </p:spPr>
         <p:txBody>
-          <a:bodyPr>
+          <a:bodyPr vert="horz" lIns="91440" tIns="45720" rIns="91440" bIns="45720" rtlCol="0" anchor="b">
             <a:normAutofit/>
           </a:bodyPr>
           <a:lstStyle/>
           <a:p>
-            <a:r>
-              <a:rPr lang="cs-CZ" b="1" dirty="0" err="1">
+            <a:pPr algn="ctr"/>
+            <a:r>
+              <a:rPr lang="cs-CZ" sz="5400" b="1" dirty="0">
                 <a:solidFill>
                   <a:srgbClr val="00B0F0"/>
                 </a:solidFill>
               </a:rPr>
-              <a:t>Asyncio</a:t>
-            </a:r>
-            <a:endParaRPr lang="cs-CZ" b="1" dirty="0">
-              <a:solidFill>
-                <a:srgbClr val="00B0F0"/>
-              </a:solidFill>
-            </a:endParaRPr>
-          </a:p>
-        </p:txBody>
-      </p:sp>
-      <p:sp>
-        <p:nvSpPr>
-          <p:cNvPr id="3" name="Zástupný obsah 2">
-            <a:extLst>
-              <a:ext uri="{FF2B5EF4-FFF2-40B4-BE49-F238E27FC236}">
-                <a16:creationId xmlns:a16="http://schemas.microsoft.com/office/drawing/2014/main" id="{93594B4E-98F5-4C3E-8033-89A51223D7D4}"/>
-              </a:ext>
-            </a:extLst>
-          </p:cNvPr>
-          <p:cNvSpPr>
-            <a:spLocks noGrp="1"/>
-          </p:cNvSpPr>
-          <p:nvPr>
-            <p:ph idx="1"/>
-          </p:nvPr>
-        </p:nvSpPr>
-        <p:spPr>
-          <a:xfrm>
-            <a:off x="838201" y="2022602"/>
-            <a:ext cx="10515598" cy="2887846"/>
-          </a:xfrm>
-        </p:spPr>
-        <p:txBody>
-          <a:bodyPr>
-            <a:noAutofit/>
-          </a:bodyPr>
-          <a:lstStyle/>
-          <a:p>
-            <a:r>
-              <a:rPr lang="cs-CZ" dirty="0">
-                <a:solidFill>
-                  <a:srgbClr val="00B0F0"/>
-                </a:solidFill>
-              </a:rPr>
-              <a:t>„Relativně nový“ způsob paralelního programování</a:t>
-            </a:r>
-          </a:p>
-          <a:p>
-            <a:r>
-              <a:rPr lang="cs-CZ" dirty="0">
-                <a:solidFill>
-                  <a:srgbClr val="00B0F0"/>
-                </a:solidFill>
-              </a:rPr>
-              <a:t>Jednoduchost používání, komplexní „pod pokličkou“</a:t>
-            </a:r>
-          </a:p>
-          <a:p>
-            <a:r>
-              <a:rPr lang="cs-CZ" dirty="0">
-                <a:solidFill>
-                  <a:srgbClr val="00B0F0"/>
-                </a:solidFill>
-              </a:rPr>
-              <a:t>Klíčová slova: </a:t>
-            </a:r>
-            <a:r>
-              <a:rPr lang="cs-CZ" dirty="0" err="1">
-                <a:solidFill>
-                  <a:srgbClr val="00B0F0"/>
-                </a:solidFill>
-              </a:rPr>
-              <a:t>async</a:t>
-            </a:r>
-            <a:r>
-              <a:rPr lang="cs-CZ" dirty="0">
-                <a:solidFill>
-                  <a:srgbClr val="00B0F0"/>
-                </a:solidFill>
-              </a:rPr>
-              <a:t> &amp; </a:t>
-            </a:r>
-            <a:r>
-              <a:rPr lang="cs-CZ" dirty="0" err="1">
-                <a:solidFill>
-                  <a:srgbClr val="00B0F0"/>
-                </a:solidFill>
-              </a:rPr>
-              <a:t>await</a:t>
-            </a:r>
-            <a:endParaRPr lang="cs-CZ" dirty="0">
-              <a:solidFill>
-                <a:srgbClr val="00B0F0"/>
-              </a:solidFill>
-            </a:endParaRPr>
-          </a:p>
-          <a:p>
-            <a:r>
-              <a:rPr lang="cs-CZ" dirty="0" err="1">
-                <a:solidFill>
-                  <a:srgbClr val="00B0F0"/>
-                </a:solidFill>
-              </a:rPr>
-              <a:t>High</a:t>
-            </a:r>
-            <a:r>
-              <a:rPr lang="cs-CZ" dirty="0">
-                <a:solidFill>
-                  <a:srgbClr val="00B0F0"/>
-                </a:solidFill>
-              </a:rPr>
-              <a:t>-level &amp; </a:t>
-            </a:r>
-            <a:r>
-              <a:rPr lang="cs-CZ" dirty="0" err="1">
-                <a:solidFill>
-                  <a:srgbClr val="00B0F0"/>
-                </a:solidFill>
-              </a:rPr>
-              <a:t>Low</a:t>
-            </a:r>
-            <a:r>
-              <a:rPr lang="cs-CZ" dirty="0">
-                <a:solidFill>
-                  <a:srgbClr val="00B0F0"/>
-                </a:solidFill>
-              </a:rPr>
-              <a:t>-level </a:t>
-            </a:r>
-            <a:r>
-              <a:rPr lang="cs-CZ" dirty="0" err="1">
-                <a:solidFill>
-                  <a:srgbClr val="00B0F0"/>
-                </a:solidFill>
-              </a:rPr>
-              <a:t>APIs</a:t>
-            </a:r>
-            <a:endParaRPr lang="cs-CZ" dirty="0">
-              <a:solidFill>
-                <a:srgbClr val="00B0F0"/>
-              </a:solidFill>
-            </a:endParaRPr>
-          </a:p>
-          <a:p>
-            <a:r>
-              <a:rPr lang="cs-CZ" dirty="0">
-                <a:solidFill>
-                  <a:srgbClr val="00B0F0"/>
-                </a:solidFill>
-              </a:rPr>
-              <a:t>Použití při i/o network programech</a:t>
-            </a:r>
-          </a:p>
-          <a:p>
-            <a:r>
-              <a:rPr lang="cs-CZ" dirty="0">
-                <a:solidFill>
-                  <a:srgbClr val="00B0F0"/>
-                </a:solidFill>
-              </a:rPr>
-              <a:t>https://docs.python.org/3/library/asyncio.html</a:t>
-            </a:r>
-          </a:p>
-          <a:p>
-            <a:endParaRPr lang="cs-CZ" dirty="0">
-              <a:solidFill>
-                <a:srgbClr val="00B0F0"/>
-              </a:solidFill>
-            </a:endParaRPr>
-          </a:p>
-          <a:p>
-            <a:endParaRPr lang="cs-CZ" dirty="0">
-              <a:solidFill>
-                <a:srgbClr val="00B0F0"/>
-              </a:solidFill>
-            </a:endParaRPr>
-          </a:p>
-          <a:p>
-            <a:endParaRPr lang="cs-CZ" dirty="0">
-              <a:solidFill>
-                <a:srgbClr val="00B0F0"/>
-              </a:solidFill>
-            </a:endParaRPr>
-          </a:p>
-        </p:txBody>
-      </p:sp>
-      <p:sp>
-        <p:nvSpPr>
-          <p:cNvPr id="5" name="TextovéPole 4">
-            <a:extLst>
-              <a:ext uri="{FF2B5EF4-FFF2-40B4-BE49-F238E27FC236}">
-                <a16:creationId xmlns:a16="http://schemas.microsoft.com/office/drawing/2014/main" id="{1F8C6855-3601-476A-A024-9B3F7F37447D}"/>
-              </a:ext>
-            </a:extLst>
-          </p:cNvPr>
-          <p:cNvSpPr txBox="1"/>
-          <p:nvPr/>
-        </p:nvSpPr>
-        <p:spPr>
-          <a:xfrm>
-            <a:off x="833002" y="5318562"/>
-            <a:ext cx="7258526" cy="923330"/>
-          </a:xfrm>
-          <a:prstGeom prst="rect">
-            <a:avLst/>
-          </a:prstGeom>
-          <a:noFill/>
-        </p:spPr>
-        <p:txBody>
-          <a:bodyPr wrap="none" rtlCol="0">
-            <a:spAutoFit/>
-          </a:bodyPr>
-          <a:lstStyle/>
-          <a:p>
-            <a:r>
-              <a:rPr lang="cs-CZ" i="1" dirty="0">
-                <a:solidFill>
-                  <a:srgbClr val="00B0F0"/>
-                </a:solidFill>
-              </a:rPr>
-              <a:t>„</a:t>
-            </a:r>
-            <a:r>
-              <a:rPr lang="cs-CZ" i="1" dirty="0" err="1">
-                <a:solidFill>
-                  <a:srgbClr val="00B0F0"/>
-                </a:solidFill>
-              </a:rPr>
-              <a:t>asyncio</a:t>
-            </a:r>
-            <a:r>
-              <a:rPr lang="cs-CZ" i="1" dirty="0">
-                <a:solidFill>
-                  <a:srgbClr val="00B0F0"/>
-                </a:solidFill>
-              </a:rPr>
-              <a:t> </a:t>
-            </a:r>
-            <a:r>
-              <a:rPr lang="cs-CZ" i="1" dirty="0" err="1">
-                <a:solidFill>
-                  <a:srgbClr val="00B0F0"/>
-                </a:solidFill>
-              </a:rPr>
-              <a:t>is</a:t>
-            </a:r>
-            <a:r>
-              <a:rPr lang="cs-CZ" i="1" dirty="0">
-                <a:solidFill>
-                  <a:srgbClr val="00B0F0"/>
-                </a:solidFill>
-              </a:rPr>
-              <a:t> </a:t>
-            </a:r>
-            <a:r>
-              <a:rPr lang="cs-CZ" i="1" dirty="0" err="1">
-                <a:solidFill>
-                  <a:srgbClr val="00B0F0"/>
-                </a:solidFill>
-              </a:rPr>
-              <a:t>used</a:t>
-            </a:r>
-            <a:r>
-              <a:rPr lang="cs-CZ" i="1" dirty="0">
-                <a:solidFill>
-                  <a:srgbClr val="00B0F0"/>
-                </a:solidFill>
-              </a:rPr>
-              <a:t> </a:t>
-            </a:r>
-            <a:r>
-              <a:rPr lang="cs-CZ" i="1" dirty="0" err="1">
-                <a:solidFill>
-                  <a:srgbClr val="00B0F0"/>
-                </a:solidFill>
-              </a:rPr>
-              <a:t>for</a:t>
-            </a:r>
-            <a:r>
-              <a:rPr lang="cs-CZ" i="1" dirty="0">
-                <a:solidFill>
-                  <a:srgbClr val="00B0F0"/>
-                </a:solidFill>
-              </a:rPr>
-              <a:t> </a:t>
-            </a:r>
-            <a:r>
-              <a:rPr lang="cs-CZ" i="1" dirty="0" err="1">
-                <a:solidFill>
-                  <a:srgbClr val="00B0F0"/>
-                </a:solidFill>
-              </a:rPr>
-              <a:t>multiple</a:t>
-            </a:r>
-            <a:r>
-              <a:rPr lang="cs-CZ" i="1" dirty="0">
-                <a:solidFill>
-                  <a:srgbClr val="00B0F0"/>
-                </a:solidFill>
-              </a:rPr>
-              <a:t> Python </a:t>
-            </a:r>
-            <a:r>
-              <a:rPr lang="cs-CZ" i="1" dirty="0" err="1">
-                <a:solidFill>
-                  <a:srgbClr val="00B0F0"/>
-                </a:solidFill>
-              </a:rPr>
-              <a:t>asynchronous</a:t>
-            </a:r>
-            <a:r>
-              <a:rPr lang="cs-CZ" i="1" dirty="0">
-                <a:solidFill>
-                  <a:srgbClr val="00B0F0"/>
-                </a:solidFill>
-              </a:rPr>
-              <a:t> </a:t>
-            </a:r>
-            <a:r>
-              <a:rPr lang="cs-CZ" i="1" dirty="0" err="1">
-                <a:solidFill>
-                  <a:srgbClr val="00B0F0"/>
-                </a:solidFill>
-              </a:rPr>
-              <a:t>frameworks</a:t>
-            </a:r>
-            <a:r>
-              <a:rPr lang="cs-CZ" i="1" dirty="0">
-                <a:solidFill>
-                  <a:srgbClr val="00B0F0"/>
-                </a:solidFill>
-              </a:rPr>
-              <a:t> </a:t>
-            </a:r>
-            <a:r>
-              <a:rPr lang="cs-CZ" i="1" dirty="0" err="1">
-                <a:solidFill>
-                  <a:srgbClr val="00B0F0"/>
-                </a:solidFill>
-              </a:rPr>
-              <a:t>that</a:t>
-            </a:r>
-            <a:r>
-              <a:rPr lang="cs-CZ" i="1" dirty="0">
-                <a:solidFill>
-                  <a:srgbClr val="00B0F0"/>
-                </a:solidFill>
-              </a:rPr>
-              <a:t> </a:t>
-            </a:r>
-            <a:r>
-              <a:rPr lang="cs-CZ" i="1" dirty="0" err="1">
-                <a:solidFill>
-                  <a:srgbClr val="00B0F0"/>
-                </a:solidFill>
-              </a:rPr>
-              <a:t>provide</a:t>
-            </a:r>
-            <a:r>
-              <a:rPr lang="cs-CZ" i="1" dirty="0">
-                <a:solidFill>
-                  <a:srgbClr val="00B0F0"/>
-                </a:solidFill>
-              </a:rPr>
-              <a:t> </a:t>
-            </a:r>
-          </a:p>
-          <a:p>
-            <a:r>
-              <a:rPr lang="cs-CZ" i="1" dirty="0" err="1">
-                <a:solidFill>
-                  <a:srgbClr val="00B0F0"/>
-                </a:solidFill>
-              </a:rPr>
-              <a:t>high-performace</a:t>
-            </a:r>
-            <a:r>
-              <a:rPr lang="cs-CZ" i="1" dirty="0">
-                <a:solidFill>
-                  <a:srgbClr val="00B0F0"/>
-                </a:solidFill>
-              </a:rPr>
-              <a:t> network and web-</a:t>
-            </a:r>
-            <a:r>
-              <a:rPr lang="cs-CZ" i="1" dirty="0" err="1">
-                <a:solidFill>
-                  <a:srgbClr val="00B0F0"/>
-                </a:solidFill>
-              </a:rPr>
-              <a:t>servers</a:t>
-            </a:r>
-            <a:r>
-              <a:rPr lang="cs-CZ" i="1" dirty="0">
-                <a:solidFill>
-                  <a:srgbClr val="00B0F0"/>
-                </a:solidFill>
-              </a:rPr>
-              <a:t>, database </a:t>
-            </a:r>
-            <a:r>
-              <a:rPr lang="cs-CZ" i="1" dirty="0" err="1">
-                <a:solidFill>
-                  <a:srgbClr val="00B0F0"/>
-                </a:solidFill>
-              </a:rPr>
-              <a:t>connection</a:t>
-            </a:r>
-            <a:r>
-              <a:rPr lang="cs-CZ" i="1" dirty="0">
-                <a:solidFill>
-                  <a:srgbClr val="00B0F0"/>
-                </a:solidFill>
-              </a:rPr>
-              <a:t> </a:t>
-            </a:r>
-            <a:r>
-              <a:rPr lang="cs-CZ" i="1" dirty="0" err="1">
-                <a:solidFill>
-                  <a:srgbClr val="00B0F0"/>
-                </a:solidFill>
-              </a:rPr>
-              <a:t>libraries</a:t>
-            </a:r>
-            <a:r>
-              <a:rPr lang="cs-CZ" i="1" dirty="0">
-                <a:solidFill>
-                  <a:srgbClr val="00B0F0"/>
-                </a:solidFill>
-              </a:rPr>
-              <a:t>, </a:t>
-            </a:r>
-          </a:p>
-          <a:p>
-            <a:r>
-              <a:rPr lang="cs-CZ" i="1" dirty="0" err="1">
-                <a:solidFill>
-                  <a:srgbClr val="00B0F0"/>
-                </a:solidFill>
-              </a:rPr>
-              <a:t>distributed</a:t>
-            </a:r>
-            <a:r>
-              <a:rPr lang="cs-CZ" i="1" dirty="0">
-                <a:solidFill>
-                  <a:srgbClr val="00B0F0"/>
-                </a:solidFill>
-              </a:rPr>
-              <a:t> </a:t>
-            </a:r>
-            <a:r>
-              <a:rPr lang="cs-CZ" i="1" dirty="0" err="1">
-                <a:solidFill>
-                  <a:srgbClr val="00B0F0"/>
-                </a:solidFill>
-              </a:rPr>
-              <a:t>tasks</a:t>
-            </a:r>
-            <a:r>
-              <a:rPr lang="cs-CZ" i="1" dirty="0">
-                <a:solidFill>
-                  <a:srgbClr val="00B0F0"/>
-                </a:solidFill>
-              </a:rPr>
-              <a:t>, </a:t>
-            </a:r>
-            <a:r>
-              <a:rPr lang="cs-CZ" i="1" dirty="0" err="1">
-                <a:solidFill>
-                  <a:srgbClr val="00B0F0"/>
-                </a:solidFill>
-              </a:rPr>
-              <a:t>etc</a:t>
-            </a:r>
-            <a:r>
-              <a:rPr lang="cs-CZ" i="1" dirty="0">
-                <a:solidFill>
-                  <a:srgbClr val="00B0F0"/>
-                </a:solidFill>
-              </a:rPr>
-              <a:t>.“</a:t>
+              <a:t>Bezpečnost dat</a:t>
             </a:r>
           </a:p>
         </p:txBody>
@@ -6788,20 +6537,20 @@
     </p:spTree>
     <p:extLst>
       <p:ext uri="{BB962C8B-B14F-4D97-AF65-F5344CB8AC3E}">
-        <p14:creationId xmlns:p14="http://schemas.microsoft.com/office/powerpoint/2010/main" val="408152861"/>
+        <p14:creationId xmlns:p14="http://schemas.microsoft.com/office/powerpoint/2010/main" val="867088885"/>
       </p:ext>
     </p:extLst>
   </p:cSld>
   <p:clrMapOvr>
     <a:overrideClrMapping bg1="dk1" tx1="lt1" bg2="dk2" tx2="lt2" accent1="accent1" accent2="accent2" accent3="accent3" accent4="accent4" accent5="accent5" accent6="accent6" hlink="hlink" folHlink="folHlink"/>
   </p:clrMapOvr>
-  <mc:AlternateContent xmlns:mc="http://schemas.openxmlformats.org/markup-compatibility/2006">
-    <mc:Choice xmlns:p159="http://schemas.microsoft.com/office/powerpoint/2015/09/main" Requires="p159">
+  <mc:AlternateContent xmlns:mc="http://schemas.openxmlformats.org/markup-compatibility/2006" xmlns:p159="http://schemas.microsoft.com/office/powerpoint/2015/09/main">
+    <mc:Choice Requires="p159">
       <p:transition spd="slow">
         <p159:morph option="byObject"/>
       </p:transition>
     </mc:Choice>
-    <mc:Fallback>
+    <mc:Fallback xmlns="">
       <p:transition spd="slow">
         <p:fade/>
       </p:transition>
@@ -7121,7 +6870,7 @@
           <p:cNvPr id="2" name="Nadpis 1">
             <a:extLst>
               <a:ext uri="{FF2B5EF4-FFF2-40B4-BE49-F238E27FC236}">
-                <a16:creationId xmlns:a16="http://schemas.microsoft.com/office/drawing/2014/main" id="{1C8678BA-21A6-4450-A611-7A8268F04105}"/>
+                <a16:creationId xmlns:a16="http://schemas.microsoft.com/office/drawing/2014/main" id="{0DF4A8BE-4790-42AE-AA93-BFB4175E8EFE}"/>
               </a:ext>
             </a:extLst>
           </p:cNvPr>
@@ -7134,66 +6883,139 @@
         </p:nvSpPr>
         <p:spPr>
           <a:xfrm>
-            <a:off x="2777711" y="2764556"/>
-            <a:ext cx="6636577" cy="1325563"/>
+            <a:off x="833002" y="365125"/>
+            <a:ext cx="10520702" cy="1325563"/>
           </a:xfrm>
         </p:spPr>
         <p:txBody>
-          <a:bodyPr vert="horz" lIns="91440" tIns="45720" rIns="91440" bIns="45720" rtlCol="0" anchor="b">
+          <a:bodyPr>
             <a:normAutofit/>
           </a:bodyPr>
           <a:lstStyle/>
           <a:p>
-            <a:pPr algn="ctr"/>
-            <a:r>
-              <a:rPr lang="cs-CZ" sz="5400" b="1" dirty="0" err="1">
+            <a:r>
+              <a:rPr lang="cs-CZ" b="1" dirty="0">
                 <a:solidFill>
                   <a:srgbClr val="00B0F0"/>
                 </a:solidFill>
               </a:rPr>
-              <a:t>Asyncio</a:t>
-            </a:r>
-            <a:r>
-              <a:rPr lang="cs-CZ" sz="5400" b="1" dirty="0">
+              <a:t>Bezpečnost dat</a:t>
+            </a:r>
+          </a:p>
+        </p:txBody>
+      </p:sp>
+      <p:sp>
+        <p:nvSpPr>
+          <p:cNvPr id="3" name="Zástupný obsah 2">
+            <a:extLst>
+              <a:ext uri="{FF2B5EF4-FFF2-40B4-BE49-F238E27FC236}">
+                <a16:creationId xmlns:a16="http://schemas.microsoft.com/office/drawing/2014/main" id="{93594B4E-98F5-4C3E-8033-89A51223D7D4}"/>
+              </a:ext>
+            </a:extLst>
+          </p:cNvPr>
+          <p:cNvSpPr>
+            <a:spLocks noGrp="1"/>
+          </p:cNvSpPr>
+          <p:nvPr>
+            <p:ph idx="1"/>
+          </p:nvPr>
+        </p:nvSpPr>
+        <p:spPr>
+          <a:xfrm>
+            <a:off x="838201" y="2022601"/>
+            <a:ext cx="10515598" cy="4154361"/>
+          </a:xfrm>
+        </p:spPr>
+        <p:txBody>
+          <a:bodyPr>
+            <a:normAutofit lnSpcReduction="10000"/>
+          </a:bodyPr>
+          <a:lstStyle/>
+          <a:p>
+            <a:r>
+              <a:rPr lang="cs-CZ" dirty="0">
                 <a:solidFill>
                   <a:srgbClr val="00B0F0"/>
                 </a:solidFill>
               </a:rPr>
-              <a:t> </a:t>
-            </a:r>
-            <a:r>
-              <a:rPr lang="cs-CZ" sz="5400" b="1" dirty="0" err="1">
+              <a:t>Vlastní jednoduchý asynchronní „databázový systém“ pro ukládaní malého počtu dat, jenž jsou pouze identifikátory (uživatelů, serverů) + stav </a:t>
+            </a:r>
+          </a:p>
+          <a:p>
+            <a:r>
+              <a:rPr lang="cs-CZ" dirty="0">
                 <a:solidFill>
                   <a:srgbClr val="00B0F0"/>
                 </a:solidFill>
               </a:rPr>
-              <a:t>example</a:t>
-            </a:r>
-            <a:endParaRPr lang="cs-CZ" sz="5400" b="1" dirty="0">
-              <a:solidFill>
-                <a:srgbClr val="00B0F0"/>
-              </a:solidFill>
-            </a:endParaRPr>
+              <a:t>Z dotazu k identifikátoru lze dohledat právě uživatele, server</a:t>
+            </a:r>
+          </a:p>
+          <a:p>
+            <a:r>
+              <a:rPr lang="cs-CZ" dirty="0">
+                <a:solidFill>
+                  <a:srgbClr val="00B0F0"/>
+                </a:solidFill>
+              </a:rPr>
+              <a:t>Identifikátory jsou vázány k botu, které již viděl</a:t>
+            </a:r>
+          </a:p>
+          <a:p>
+            <a:r>
+              <a:rPr lang="cs-CZ" dirty="0">
+                <a:solidFill>
+                  <a:srgbClr val="00B0F0"/>
+                </a:solidFill>
+              </a:rPr>
+              <a:t>Samotný identifikátor je bezcenný (jiný bot, jenž daného uživatele nikdy neviděl nemůže udělat dotaz do </a:t>
+            </a:r>
+            <a:r>
+              <a:rPr lang="cs-CZ" dirty="0" err="1">
+                <a:solidFill>
+                  <a:srgbClr val="00B0F0"/>
+                </a:solidFill>
+              </a:rPr>
+              <a:t>Discordu</a:t>
+            </a:r>
+            <a:r>
+              <a:rPr lang="cs-CZ" dirty="0">
+                <a:solidFill>
+                  <a:srgbClr val="00B0F0"/>
+                </a:solidFill>
+              </a:rPr>
+              <a:t>, o jakého uživatele se jedná)</a:t>
+            </a:r>
+          </a:p>
+          <a:p>
+            <a:r>
+              <a:rPr lang="cs-CZ" dirty="0">
+                <a:solidFill>
+                  <a:srgbClr val="00B0F0"/>
+                </a:solidFill>
+              </a:rPr>
+              <a:t>K většině činností není potřeba data ukládat, bot získá data ke kontextu kde byl příkaz vyvolán</a:t>
+            </a:r>
           </a:p>
         </p:txBody>
       </p:sp>
     </p:spTree>
     <p:extLst>
       <p:ext uri="{BB962C8B-B14F-4D97-AF65-F5344CB8AC3E}">
-        <p14:creationId xmlns:p14="http://schemas.microsoft.com/office/powerpoint/2010/main" val="833400935"/>
+        <p14:creationId xmlns:p14="http://schemas.microsoft.com/office/powerpoint/2010/main" val="1603494435"/>
       </p:ext>
     </p:extLst>
   </p:cSld>
   <p:clrMapOvr>
     <a:overrideClrMapping bg1="dk1" tx1="lt1" bg2="dk2" tx2="lt2" accent1="accent1" accent2="accent2" accent3="accent3" accent4="accent4" accent5="accent5" accent6="accent6" hlink="hlink" folHlink="folHlink"/>
   </p:clrMapOvr>
-  <mc:AlternateContent xmlns:mc="http://schemas.openxmlformats.org/markup-compatibility/2006">
-    <mc:Choice xmlns:p159="http://schemas.microsoft.com/office/powerpoint/2015/09/main" Requires="p159">
+  <mc:AlternateContent xmlns:mc="http://schemas.openxmlformats.org/markup-compatibility/2006" xmlns:p159="http://schemas.microsoft.com/office/powerpoint/2015/09/main">
+    <mc:Choice Requires="p159">
       <p:transition spd="slow">
         <p159:morph option="byObject"/>
       </p:transition>
     </mc:Choice>
-    <mc:Fallback>
+    <mc:Fallback xmlns="">
       <p:transition spd="slow">
         <p:fade/>
       </p:transition>
@@ -7513,7 +7335,7 @@
           <p:cNvPr id="2" name="Nadpis 1">
             <a:extLst>
               <a:ext uri="{FF2B5EF4-FFF2-40B4-BE49-F238E27FC236}">
-                <a16:creationId xmlns:a16="http://schemas.microsoft.com/office/drawing/2014/main" id="{0DF4A8BE-4790-42AE-AA93-BFB4175E8EFE}"/>
+                <a16:creationId xmlns:a16="http://schemas.microsoft.com/office/drawing/2014/main" id="{1C8678BA-21A6-4450-A611-7A8268F04105}"/>
               </a:ext>
             </a:extLst>
           </p:cNvPr>
@@ -7526,104 +7348,32 @@
         </p:nvSpPr>
         <p:spPr>
           <a:xfrm>
-            <a:off x="833002" y="365125"/>
-            <a:ext cx="10520702" cy="1325563"/>
+            <a:off x="2777711" y="2764556"/>
+            <a:ext cx="6636577" cy="1325563"/>
           </a:xfrm>
         </p:spPr>
         <p:txBody>
-          <a:bodyPr>
+          <a:bodyPr vert="horz" lIns="91440" tIns="45720" rIns="91440" bIns="45720" rtlCol="0" anchor="b">
             <a:normAutofit/>
           </a:bodyPr>
           <a:lstStyle/>
           <a:p>
-            <a:r>
-              <a:rPr lang="cs-CZ" b="1" dirty="0" err="1">
+            <a:pPr algn="ctr"/>
+            <a:r>
+              <a:rPr lang="cs-CZ" sz="5400" b="1" dirty="0">
                 <a:solidFill>
                   <a:srgbClr val="00B0F0"/>
                 </a:solidFill>
               </a:rPr>
-              <a:t>Asyncio</a:t>
-            </a:r>
-            <a:r>
-              <a:rPr lang="cs-CZ" b="1" dirty="0">
-                <a:solidFill>
-                  <a:srgbClr val="00B0F0"/>
-                </a:solidFill>
-              </a:rPr>
-              <a:t> – </a:t>
-            </a:r>
-            <a:r>
-              <a:rPr lang="cs-CZ" b="1" dirty="0" err="1">
-                <a:solidFill>
-                  <a:srgbClr val="00B0F0"/>
-                </a:solidFill>
-              </a:rPr>
-              <a:t>Bad</a:t>
-            </a:r>
-            <a:r>
-              <a:rPr lang="cs-CZ" b="1" dirty="0">
-                <a:solidFill>
-                  <a:srgbClr val="00B0F0"/>
-                </a:solidFill>
-              </a:rPr>
-              <a:t> </a:t>
-            </a:r>
-            <a:r>
-              <a:rPr lang="cs-CZ" b="1" dirty="0" err="1">
-                <a:solidFill>
-                  <a:srgbClr val="00B0F0"/>
-                </a:solidFill>
-              </a:rPr>
-              <a:t>example</a:t>
-            </a:r>
-            <a:endParaRPr lang="cs-CZ" b="1" dirty="0">
-              <a:solidFill>
-                <a:srgbClr val="00B0F0"/>
-              </a:solidFill>
-            </a:endParaRPr>
-          </a:p>
-        </p:txBody>
-      </p:sp>
-      <p:pic>
-        <p:nvPicPr>
-          <p:cNvPr id="7" name="Obrázek 6" descr="Obsah obrázku text&#10;&#10;Popis byl vytvořen automaticky">
-            <a:extLst>
-              <a:ext uri="{FF2B5EF4-FFF2-40B4-BE49-F238E27FC236}">
-                <a16:creationId xmlns:a16="http://schemas.microsoft.com/office/drawing/2014/main" id="{E152CD1D-5007-4286-B861-F85A9EDE44EE}"/>
-              </a:ext>
-            </a:extLst>
-          </p:cNvPr>
-          <p:cNvPicPr>
-            <a:picLocks noChangeAspect="1"/>
-          </p:cNvPicPr>
-          <p:nvPr/>
-        </p:nvPicPr>
-        <p:blipFill>
-          <a:blip r:embed="rId2">
-            <a:extLst>
-              <a:ext uri="{28A0092B-C50C-407E-A947-70E740481C1C}">
-                <a14:useLocalDpi xmlns:a14="http://schemas.microsoft.com/office/drawing/2010/main" val="0"/>
-              </a:ext>
-            </a:extLst>
-          </a:blip>
-          <a:stretch>
-            <a:fillRect/>
-          </a:stretch>
-        </p:blipFill>
-        <p:spPr>
-          <a:xfrm>
-            <a:off x="833002" y="1690688"/>
-            <a:ext cx="5423179" cy="3702240"/>
-          </a:xfrm>
-          <a:prstGeom prst="rect">
-            <a:avLst/>
-          </a:prstGeom>
-        </p:spPr>
-      </p:pic>
+              <a:t>Použité technologie</a:t>
+            </a:r>
+          </a:p>
+        </p:txBody>
+      </p:sp>
     </p:spTree>
     <p:extLst>
       <p:ext uri="{BB962C8B-B14F-4D97-AF65-F5344CB8AC3E}">
-        <p14:creationId xmlns:p14="http://schemas.microsoft.com/office/powerpoint/2010/main" val="640098947"/>
+        <p14:creationId xmlns:p14="http://schemas.microsoft.com/office/powerpoint/2010/main" val="3147177750"/>
       </p:ext>
     </p:extLst>
   </p:cSld>
@@ -7980,93 +7730,115 @@
           <a:lstStyle/>
           <a:p>
             <a:r>
-              <a:rPr lang="cs-CZ" b="1" dirty="0" err="1">
-                <a:solidFill>
-                  <a:srgbClr val="00B0F0"/>
-                </a:solidFill>
-              </a:rPr>
-              <a:t>Asyncio</a:t>
-            </a:r>
-            <a:r>
               <a:rPr lang="cs-CZ" b="1" dirty="0">
                 <a:solidFill>
                   <a:srgbClr val="00B0F0"/>
                 </a:solidFill>
               </a:rPr>
-              <a:t> – </a:t>
-            </a:r>
-            <a:r>
-              <a:rPr lang="cs-CZ" b="1" dirty="0" err="1">
+              <a:t>Python</a:t>
+            </a:r>
+          </a:p>
+        </p:txBody>
+      </p:sp>
+      <p:sp>
+        <p:nvSpPr>
+          <p:cNvPr id="3" name="Zástupný obsah 2">
+            <a:extLst>
+              <a:ext uri="{FF2B5EF4-FFF2-40B4-BE49-F238E27FC236}">
+                <a16:creationId xmlns:a16="http://schemas.microsoft.com/office/drawing/2014/main" id="{93594B4E-98F5-4C3E-8033-89A51223D7D4}"/>
+              </a:ext>
+            </a:extLst>
+          </p:cNvPr>
+          <p:cNvSpPr>
+            <a:spLocks noGrp="1"/>
+          </p:cNvSpPr>
+          <p:nvPr>
+            <p:ph idx="1"/>
+          </p:nvPr>
+        </p:nvSpPr>
+        <p:spPr>
+          <a:xfrm>
+            <a:off x="838201" y="2022601"/>
+            <a:ext cx="10515598" cy="4154361"/>
+          </a:xfrm>
+        </p:spPr>
+        <p:txBody>
+          <a:bodyPr>
+            <a:normAutofit/>
+          </a:bodyPr>
+          <a:lstStyle/>
+          <a:p>
+            <a:r>
+              <a:rPr lang="cs-CZ" dirty="0">
                 <a:solidFill>
                   <a:srgbClr val="00B0F0"/>
                 </a:solidFill>
               </a:rPr>
-              <a:t>Good</a:t>
-            </a:r>
-            <a:r>
-              <a:rPr lang="cs-CZ" b="1" dirty="0">
+              <a:t>Dvě nejpoužívanější knihovny pro </a:t>
+            </a:r>
+            <a:r>
+              <a:rPr lang="cs-CZ" dirty="0" err="1">
                 <a:solidFill>
                   <a:srgbClr val="00B0F0"/>
                 </a:solidFill>
               </a:rPr>
-              <a:t> </a:t>
-            </a:r>
-            <a:r>
-              <a:rPr lang="cs-CZ" b="1" dirty="0" err="1">
+              <a:t>Discord</a:t>
+            </a:r>
+            <a:r>
+              <a:rPr lang="cs-CZ" dirty="0">
                 <a:solidFill>
                   <a:srgbClr val="00B0F0"/>
                 </a:solidFill>
               </a:rPr>
-              <a:t>example</a:t>
-            </a:r>
-            <a:endParaRPr lang="cs-CZ" b="1" dirty="0">
-              <a:solidFill>
-                <a:srgbClr val="00B0F0"/>
-              </a:solidFill>
-            </a:endParaRPr>
-          </a:p>
-        </p:txBody>
-      </p:sp>
-      <p:pic>
-        <p:nvPicPr>
-          <p:cNvPr id="6" name="Obrázek 5" descr="Obsah obrázku text&#10;&#10;Popis byl vytvořen automaticky">
-            <a:extLst>
-              <a:ext uri="{FF2B5EF4-FFF2-40B4-BE49-F238E27FC236}">
-                <a16:creationId xmlns:a16="http://schemas.microsoft.com/office/drawing/2014/main" id="{5355AAEC-BA3D-4748-92C2-919438595E2F}"/>
-              </a:ext>
-            </a:extLst>
-          </p:cNvPr>
-          <p:cNvPicPr>
-            <a:picLocks noChangeAspect="1"/>
-          </p:cNvPicPr>
-          <p:nvPr/>
-        </p:nvPicPr>
-        <p:blipFill>
-          <a:blip r:embed="rId2">
-            <a:extLst>
-              <a:ext uri="{28A0092B-C50C-407E-A947-70E740481C1C}">
-                <a14:useLocalDpi xmlns:a14="http://schemas.microsoft.com/office/drawing/2010/main" val="0"/>
-              </a:ext>
-            </a:extLst>
-          </a:blip>
-          <a:stretch>
-            <a:fillRect/>
-          </a:stretch>
-        </p:blipFill>
-        <p:spPr>
-          <a:xfrm>
-            <a:off x="833002" y="1690688"/>
-            <a:ext cx="5270771" cy="4121362"/>
-          </a:xfrm>
-          <a:prstGeom prst="rect">
-            <a:avLst/>
-          </a:prstGeom>
-        </p:spPr>
-      </p:pic>
+              <a:t> API jsou Java, Python</a:t>
+            </a:r>
+          </a:p>
+          <a:p>
+            <a:r>
+              <a:rPr lang="cs-CZ" dirty="0">
+                <a:solidFill>
+                  <a:srgbClr val="00B0F0"/>
+                </a:solidFill>
+              </a:rPr>
+              <a:t>Nejrychleji aktualizovaná je právě discord.py knihovna</a:t>
+            </a:r>
+          </a:p>
+          <a:p>
+            <a:r>
+              <a:rPr lang="cs-CZ" dirty="0">
+                <a:solidFill>
+                  <a:srgbClr val="00B0F0"/>
+                </a:solidFill>
+              </a:rPr>
+              <a:t>Důvod výběru je čitelnost a jednoduchost, rozšiřitelnost</a:t>
+            </a:r>
+          </a:p>
+          <a:p>
+            <a:r>
+              <a:rPr lang="cs-CZ" dirty="0">
+                <a:solidFill>
+                  <a:srgbClr val="00B0F0"/>
+                </a:solidFill>
+              </a:rPr>
+              <a:t>Pro stejné či podobné účely je právě Python jedním z nejpoužívanějších</a:t>
+            </a:r>
+          </a:p>
+          <a:p>
+            <a:r>
+              <a:rPr lang="cs-CZ" dirty="0">
+                <a:solidFill>
+                  <a:srgbClr val="00B0F0"/>
+                </a:solidFill>
+              </a:rPr>
+              <a:t>Interpretovaný jazyk zde není nevýhodou</a:t>
+            </a:r>
+          </a:p>
+        </p:txBody>
+      </p:sp>
     </p:spTree>
     <p:extLst>
       <p:ext uri="{BB962C8B-B14F-4D97-AF65-F5344CB8AC3E}">
-        <p14:creationId xmlns:p14="http://schemas.microsoft.com/office/powerpoint/2010/main" val="4121994340"/>
+        <p14:creationId xmlns:p14="http://schemas.microsoft.com/office/powerpoint/2010/main" val="3578064645"/>
       </p:ext>
     </p:extLst>
   </p:cSld>
@@ -8399,7 +8171,7 @@
           <p:cNvPr id="2" name="Nadpis 1">
             <a:extLst>
               <a:ext uri="{FF2B5EF4-FFF2-40B4-BE49-F238E27FC236}">
-                <a16:creationId xmlns:a16="http://schemas.microsoft.com/office/drawing/2014/main" id="{1C8678BA-21A6-4450-A611-7A8268F04105}"/>
+                <a16:creationId xmlns:a16="http://schemas.microsoft.com/office/drawing/2014/main" id="{0DF4A8BE-4790-42AE-AA93-BFB4175E8EFE}"/>
               </a:ext>
             </a:extLst>
           </p:cNvPr>
@@ -8412,45 +8184,161 @@
         </p:nvSpPr>
         <p:spPr>
           <a:xfrm>
-            <a:off x="2777711" y="2764556"/>
-            <a:ext cx="6636577" cy="1325563"/>
+            <a:off x="833002" y="365125"/>
+            <a:ext cx="10520702" cy="1325563"/>
           </a:xfrm>
         </p:spPr>
         <p:txBody>
-          <a:bodyPr vert="horz" lIns="91440" tIns="45720" rIns="91440" bIns="45720" rtlCol="0" anchor="b">
+          <a:bodyPr>
             <a:normAutofit/>
           </a:bodyPr>
           <a:lstStyle/>
           <a:p>
-            <a:pPr algn="ctr"/>
-            <a:r>
-              <a:rPr lang="cs-CZ" sz="5400" b="1" dirty="0">
+            <a:r>
+              <a:rPr lang="cs-CZ" b="1" dirty="0" err="1">
                 <a:solidFill>
                   <a:srgbClr val="00B0F0"/>
                 </a:solidFill>
               </a:rPr>
-              <a:t>Demonstrace</a:t>
-            </a:r>
+              <a:t>Asyncio</a:t>
+            </a:r>
+            <a:endParaRPr lang="cs-CZ" b="1" dirty="0">
+              <a:solidFill>
+                <a:srgbClr val="00B0F0"/>
+              </a:solidFill>
+            </a:endParaRPr>
+          </a:p>
+        </p:txBody>
+      </p:sp>
+      <p:sp>
+        <p:nvSpPr>
+          <p:cNvPr id="3" name="Zástupný obsah 2">
+            <a:extLst>
+              <a:ext uri="{FF2B5EF4-FFF2-40B4-BE49-F238E27FC236}">
+                <a16:creationId xmlns:a16="http://schemas.microsoft.com/office/drawing/2014/main" id="{93594B4E-98F5-4C3E-8033-89A51223D7D4}"/>
+              </a:ext>
+            </a:extLst>
+          </p:cNvPr>
+          <p:cNvSpPr>
+            <a:spLocks noGrp="1"/>
+          </p:cNvSpPr>
+          <p:nvPr>
+            <p:ph idx="1"/>
+          </p:nvPr>
+        </p:nvSpPr>
+        <p:spPr>
+          <a:xfrm>
+            <a:off x="838201" y="2022602"/>
+            <a:ext cx="10515598" cy="2887846"/>
+          </a:xfrm>
+        </p:spPr>
+        <p:txBody>
+          <a:bodyPr>
+            <a:noAutofit/>
+          </a:bodyPr>
+          <a:lstStyle/>
+          <a:p>
+            <a:r>
+              <a:rPr lang="cs-CZ" dirty="0">
+                <a:solidFill>
+                  <a:srgbClr val="00B0F0"/>
+                </a:solidFill>
+              </a:rPr>
+              <a:t>„Relativně nový“ způsob paralelního programování</a:t>
+            </a:r>
+          </a:p>
+          <a:p>
+            <a:r>
+              <a:rPr lang="cs-CZ" dirty="0">
+                <a:solidFill>
+                  <a:srgbClr val="00B0F0"/>
+                </a:solidFill>
+              </a:rPr>
+              <a:t>Základem jsou klíčová slova: </a:t>
+            </a:r>
+            <a:r>
+              <a:rPr lang="cs-CZ" dirty="0" err="1">
+                <a:solidFill>
+                  <a:srgbClr val="00B0F0"/>
+                </a:solidFill>
+              </a:rPr>
+              <a:t>async</a:t>
+            </a:r>
+            <a:r>
+              <a:rPr lang="cs-CZ" dirty="0">
+                <a:solidFill>
+                  <a:srgbClr val="00B0F0"/>
+                </a:solidFill>
+              </a:rPr>
+              <a:t> &amp; </a:t>
+            </a:r>
+            <a:r>
+              <a:rPr lang="cs-CZ" dirty="0" err="1">
+                <a:solidFill>
+                  <a:srgbClr val="00B0F0"/>
+                </a:solidFill>
+              </a:rPr>
+              <a:t>await</a:t>
+            </a:r>
+            <a:endParaRPr lang="cs-CZ" dirty="0">
+              <a:solidFill>
+                <a:srgbClr val="00B0F0"/>
+              </a:solidFill>
+            </a:endParaRPr>
+          </a:p>
+          <a:p>
+            <a:r>
+              <a:rPr lang="cs-CZ" dirty="0">
+                <a:solidFill>
+                  <a:srgbClr val="00B0F0"/>
+                </a:solidFill>
+              </a:rPr>
+              <a:t>Používá se při i/o operacích jako je práce se soubory, databází, komunikace po síti</a:t>
+            </a:r>
+          </a:p>
+          <a:p>
+            <a:r>
+              <a:rPr lang="cs-CZ" dirty="0">
+                <a:solidFill>
+                  <a:srgbClr val="00B0F0"/>
+                </a:solidFill>
+              </a:rPr>
+              <a:t>Vykonává se pouze jedna činnost zaráz, ostatní jsou uspané, přepíná se mezi nimi když činnost musí čekat na nějaký stav (neefektivní čekání)</a:t>
+            </a:r>
+          </a:p>
+          <a:p>
+            <a:endParaRPr lang="cs-CZ" dirty="0">
+              <a:solidFill>
+                <a:srgbClr val="00B0F0"/>
+              </a:solidFill>
+            </a:endParaRPr>
+          </a:p>
+          <a:p>
+            <a:endParaRPr lang="cs-CZ" dirty="0">
+              <a:solidFill>
+                <a:srgbClr val="00B0F0"/>
+              </a:solidFill>
+            </a:endParaRPr>
           </a:p>
         </p:txBody>
       </p:sp>
     </p:spTree>
     <p:extLst>
       <p:ext uri="{BB962C8B-B14F-4D97-AF65-F5344CB8AC3E}">
-        <p14:creationId xmlns:p14="http://schemas.microsoft.com/office/powerpoint/2010/main" val="3301863042"/>
+        <p14:creationId xmlns:p14="http://schemas.microsoft.com/office/powerpoint/2010/main" val="408152861"/>
       </p:ext>
     </p:extLst>
   </p:cSld>
   <p:clrMapOvr>
     <a:overrideClrMapping bg1="dk1" tx1="lt1" bg2="dk2" tx2="lt2" accent1="accent1" accent2="accent2" accent3="accent3" accent4="accent4" accent5="accent5" accent6="accent6" hlink="hlink" folHlink="folHlink"/>
   </p:clrMapOvr>
-  <mc:AlternateContent xmlns:mc="http://schemas.openxmlformats.org/markup-compatibility/2006">
-    <mc:Choice xmlns:p159="http://schemas.microsoft.com/office/powerpoint/2015/09/main" Requires="p159">
+  <mc:AlternateContent xmlns:mc="http://schemas.openxmlformats.org/markup-compatibility/2006" xmlns:p159="http://schemas.microsoft.com/office/powerpoint/2015/09/main">
+    <mc:Choice Requires="p159">
       <p:transition spd="slow">
         <p159:morph option="byObject"/>
       </p:transition>
     </mc:Choice>
-    <mc:Fallback>
+    <mc:Fallback xmlns="">
       <p:transition spd="slow">
         <p:fade/>
       </p:transition>
@@ -8794,92 +8682,118 @@
           <a:lstStyle/>
           <a:p>
             <a:r>
-              <a:rPr lang="cs-CZ" b="1" dirty="0">
+              <a:rPr lang="cs-CZ" b="1" dirty="0" err="1">
                 <a:solidFill>
                   <a:srgbClr val="00B0F0"/>
                 </a:solidFill>
               </a:rPr>
-              <a:t>Demonstrace – administrativní nástroje</a:t>
-            </a:r>
-          </a:p>
-        </p:txBody>
-      </p:sp>
-      <p:pic>
-        <p:nvPicPr>
-          <p:cNvPr id="13" name="Obrázek 12">
-            <a:extLst>
-              <a:ext uri="{FF2B5EF4-FFF2-40B4-BE49-F238E27FC236}">
-                <a16:creationId xmlns:a16="http://schemas.microsoft.com/office/drawing/2014/main" id="{AC677E69-0E01-4055-A729-4EB4500F0BFB}"/>
-              </a:ext>
-            </a:extLst>
-          </p:cNvPr>
-          <p:cNvPicPr>
-            <a:picLocks noChangeAspect="1"/>
-          </p:cNvPicPr>
-          <p:nvPr/>
-        </p:nvPicPr>
-        <p:blipFill>
-          <a:blip r:embed="rId2">
-            <a:extLst>
-              <a:ext uri="{28A0092B-C50C-407E-A947-70E740481C1C}">
-                <a14:useLocalDpi xmlns:a14="http://schemas.microsoft.com/office/drawing/2010/main" val="0"/>
-              </a:ext>
-            </a:extLst>
-          </a:blip>
-          <a:stretch>
-            <a:fillRect/>
-          </a:stretch>
-        </p:blipFill>
+              <a:t>FFmpeg</a:t>
+            </a:r>
+            <a:endParaRPr lang="cs-CZ" b="1" dirty="0">
+              <a:solidFill>
+                <a:srgbClr val="00B0F0"/>
+              </a:solidFill>
+            </a:endParaRPr>
+          </a:p>
+        </p:txBody>
+      </p:sp>
+      <p:sp>
+        <p:nvSpPr>
+          <p:cNvPr id="3" name="Zástupný obsah 2">
+            <a:extLst>
+              <a:ext uri="{FF2B5EF4-FFF2-40B4-BE49-F238E27FC236}">
+                <a16:creationId xmlns:a16="http://schemas.microsoft.com/office/drawing/2014/main" id="{93594B4E-98F5-4C3E-8033-89A51223D7D4}"/>
+              </a:ext>
+            </a:extLst>
+          </p:cNvPr>
+          <p:cNvSpPr>
+            <a:spLocks noGrp="1"/>
+          </p:cNvSpPr>
+          <p:nvPr>
+            <p:ph idx="1"/>
+          </p:nvPr>
+        </p:nvSpPr>
         <p:spPr>
           <a:xfrm>
-            <a:off x="3179946" y="2557264"/>
-            <a:ext cx="3143412" cy="1187511"/>
+            <a:off x="838201" y="2022602"/>
+            <a:ext cx="10515598" cy="2887846"/>
           </a:xfrm>
-          <a:prstGeom prst="rect">
-            <a:avLst/>
-          </a:prstGeom>
         </p:spPr>
-      </p:pic>
-      <p:pic>
-        <p:nvPicPr>
-          <p:cNvPr id="15" name="Obrázek 14">
-            <a:extLst>
-              <a:ext uri="{FF2B5EF4-FFF2-40B4-BE49-F238E27FC236}">
-                <a16:creationId xmlns:a16="http://schemas.microsoft.com/office/drawing/2014/main" id="{B809F477-B3AF-4323-B71A-89C7F6C7E534}"/>
-              </a:ext>
-            </a:extLst>
-          </p:cNvPr>
-          <p:cNvPicPr>
-            <a:picLocks noChangeAspect="1"/>
-          </p:cNvPicPr>
-          <p:nvPr/>
-        </p:nvPicPr>
-        <p:blipFill>
-          <a:blip r:embed="rId3">
-            <a:extLst>
-              <a:ext uri="{28A0092B-C50C-407E-A947-70E740481C1C}">
-                <a14:useLocalDpi xmlns:a14="http://schemas.microsoft.com/office/drawing/2010/main" val="0"/>
-              </a:ext>
-            </a:extLst>
-          </a:blip>
-          <a:stretch>
-            <a:fillRect/>
-          </a:stretch>
-        </p:blipFill>
-        <p:spPr>
-          <a:xfrm>
-            <a:off x="5235941" y="3847273"/>
-            <a:ext cx="3143412" cy="1320868"/>
-          </a:xfrm>
-          <a:prstGeom prst="rect">
-            <a:avLst/>
-          </a:prstGeom>
-        </p:spPr>
-      </p:pic>
+        <p:txBody>
+          <a:bodyPr>
+            <a:noAutofit/>
+          </a:bodyPr>
+          <a:lstStyle/>
+          <a:p>
+            <a:r>
+              <a:rPr lang="cs-CZ" dirty="0">
+                <a:solidFill>
+                  <a:srgbClr val="00B0F0"/>
+                </a:solidFill>
+              </a:rPr>
+              <a:t>CLI nástroj pro zpracování audia či videa</a:t>
+            </a:r>
+          </a:p>
+          <a:p>
+            <a:r>
+              <a:rPr lang="cs-CZ" dirty="0" err="1">
+                <a:solidFill>
+                  <a:srgbClr val="00B0F0"/>
+                </a:solidFill>
+              </a:rPr>
+              <a:t>demultiplex</a:t>
+            </a:r>
+            <a:r>
+              <a:rPr lang="cs-CZ" dirty="0">
+                <a:solidFill>
+                  <a:srgbClr val="00B0F0"/>
+                </a:solidFill>
+              </a:rPr>
+              <a:t>, multiplex snímků, stop -&gt; operace nad nimi např. filtrace</a:t>
+            </a:r>
+          </a:p>
+          <a:p>
+            <a:r>
+              <a:rPr lang="cs-CZ" dirty="0">
+                <a:solidFill>
+                  <a:srgbClr val="00B0F0"/>
+                </a:solidFill>
+              </a:rPr>
+              <a:t>Využívaný např. programy jako Google Chrome, </a:t>
+            </a:r>
+            <a:r>
+              <a:rPr lang="cs-CZ" dirty="0" err="1">
+                <a:solidFill>
+                  <a:srgbClr val="00B0F0"/>
+                </a:solidFill>
+              </a:rPr>
+              <a:t>blender</a:t>
+            </a:r>
+            <a:r>
+              <a:rPr lang="cs-CZ" dirty="0">
+                <a:solidFill>
+                  <a:srgbClr val="00B0F0"/>
+                </a:solidFill>
+              </a:rPr>
+              <a:t> a platformou YouTube</a:t>
+            </a:r>
+          </a:p>
+          <a:p>
+            <a:r>
+              <a:rPr lang="cs-CZ" dirty="0">
+                <a:solidFill>
+                  <a:srgbClr val="00B0F0"/>
+                </a:solidFill>
+              </a:rPr>
+              <a:t>100+ kodeků, všechny souborové formáty</a:t>
+            </a:r>
+          </a:p>
+        </p:txBody>
+      </p:sp>
     </p:spTree>
     <p:extLst>
       <p:ext uri="{BB962C8B-B14F-4D97-AF65-F5344CB8AC3E}">
-        <p14:creationId xmlns:p14="http://schemas.microsoft.com/office/powerpoint/2010/main" val="3996972916"/>
+        <p14:creationId xmlns:p14="http://schemas.microsoft.com/office/powerpoint/2010/main" val="3053947779"/>
       </p:ext>
     </p:extLst>
   </p:cSld>
@@ -9241,7 +9155,7 @@
                   <a:srgbClr val="00B0F0"/>
                 </a:solidFill>
               </a:rPr>
-              <a:t>Demonstrace - události</a:t>
+              <a:t>Případné rozšíření do budoucna</a:t>
             </a:r>
           </a:p>
         </p:txBody>
@@ -9265,22 +9179,40 @@
         <p:spPr>
           <a:xfrm>
             <a:off x="838201" y="2022602"/>
-            <a:ext cx="10515598" cy="2887846"/>
+            <a:ext cx="10515598" cy="3324098"/>
           </a:xfrm>
         </p:spPr>
         <p:txBody>
           <a:bodyPr>
-            <a:normAutofit/>
+            <a:noAutofit/>
           </a:bodyPr>
           <a:lstStyle/>
           <a:p>
+            <a:r>
+              <a:rPr lang="cs-CZ" dirty="0">
+                <a:solidFill>
+                  <a:srgbClr val="00B0F0"/>
+                </a:solidFill>
+              </a:rPr>
+              <a:t>Neduh příkazů je jejich ruční vypisování</a:t>
+            </a:r>
+          </a:p>
+          <a:p>
+            <a:r>
+              <a:rPr lang="cs-CZ" dirty="0">
+                <a:solidFill>
+                  <a:srgbClr val="00B0F0"/>
+                </a:solidFill>
+              </a:rPr>
+              <a:t>Implementace </a:t>
+            </a:r>
             <a:r>
               <a:rPr lang="cs-CZ" dirty="0" err="1">
                 <a:solidFill>
                   <a:srgbClr val="00B0F0"/>
                 </a:solidFill>
               </a:rPr>
-              <a:t>Work</a:t>
+              <a:t>voice</a:t>
             </a:r>
             <a:r>
               <a:rPr lang="cs-CZ" dirty="0">
@@ -9288,7 +9220,7 @@
                   <a:srgbClr val="00B0F0"/>
                 </a:solidFill>
               </a:rPr>
-              <a:t> in </a:t>
+              <a:t> </a:t>
             </a:r>
             <a:r>
               <a:rPr lang="cs-CZ" dirty="0" err="1">
@@ -9296,47 +9228,159 @@
                   <a:srgbClr val="00B0F0"/>
                 </a:solidFill>
               </a:rPr>
-              <a:t>Progress</a:t>
-            </a:r>
+              <a:t>recognition</a:t>
+            </a:r>
+            <a:r>
+              <a:rPr lang="cs-CZ" dirty="0">
+                <a:solidFill>
+                  <a:srgbClr val="00B0F0"/>
+                </a:solidFill>
+              </a:rPr>
+              <a:t> pro hlasové zadávání u příkazů jenž to má smysl (idea: „</a:t>
+            </a:r>
+            <a:r>
+              <a:rPr lang="cs-CZ" dirty="0" err="1">
+                <a:solidFill>
+                  <a:srgbClr val="00B0F0"/>
+                </a:solidFill>
+              </a:rPr>
+              <a:t>Hey</a:t>
+            </a:r>
+            <a:r>
+              <a:rPr lang="cs-CZ" dirty="0">
+                <a:solidFill>
+                  <a:srgbClr val="00B0F0"/>
+                </a:solidFill>
+              </a:rPr>
+              <a:t> bot, skip </a:t>
+            </a:r>
+            <a:r>
+              <a:rPr lang="cs-CZ" dirty="0" err="1">
+                <a:solidFill>
+                  <a:srgbClr val="00B0F0"/>
+                </a:solidFill>
+              </a:rPr>
+              <a:t>this</a:t>
+            </a:r>
+            <a:r>
+              <a:rPr lang="cs-CZ" dirty="0">
+                <a:solidFill>
+                  <a:srgbClr val="00B0F0"/>
+                </a:solidFill>
+              </a:rPr>
+              <a:t> music“)</a:t>
+            </a:r>
+          </a:p>
+          <a:p>
+            <a:r>
+              <a:rPr lang="cs-CZ" dirty="0" err="1">
+                <a:solidFill>
+                  <a:srgbClr val="00B0F0"/>
+                </a:solidFill>
+              </a:rPr>
+              <a:t>Voice</a:t>
+            </a:r>
+            <a:r>
+              <a:rPr lang="cs-CZ" dirty="0">
+                <a:solidFill>
+                  <a:srgbClr val="00B0F0"/>
+                </a:solidFill>
+              </a:rPr>
+              <a:t> </a:t>
+            </a:r>
+            <a:r>
+              <a:rPr lang="cs-CZ" dirty="0" err="1">
+                <a:solidFill>
+                  <a:srgbClr val="00B0F0"/>
+                </a:solidFill>
+              </a:rPr>
+              <a:t>recognition</a:t>
+            </a:r>
+            <a:r>
+              <a:rPr lang="cs-CZ" dirty="0">
+                <a:solidFill>
+                  <a:srgbClr val="00B0F0"/>
+                </a:solidFill>
+              </a:rPr>
+              <a:t> jako cloudová služba např. od </a:t>
+            </a:r>
+            <a:r>
+              <a:rPr lang="cs-CZ" dirty="0" err="1">
+                <a:solidFill>
+                  <a:srgbClr val="00B0F0"/>
+                </a:solidFill>
+              </a:rPr>
+              <a:t>OpenAI</a:t>
+            </a:r>
+            <a:r>
+              <a:rPr lang="cs-CZ" dirty="0">
+                <a:solidFill>
+                  <a:srgbClr val="00B0F0"/>
+                </a:solidFill>
+              </a:rPr>
+              <a:t>, Google – ceny např. 0,006 USD každých zaokrouhlených (nahoru) 15 vteřin záznamu</a:t>
+            </a:r>
+          </a:p>
+          <a:p>
+            <a:r>
+              <a:rPr lang="cs-CZ" dirty="0" err="1">
+                <a:solidFill>
+                  <a:srgbClr val="00B0F0"/>
+                </a:solidFill>
+              </a:rPr>
+              <a:t>Voice</a:t>
+            </a:r>
+            <a:r>
+              <a:rPr lang="cs-CZ" dirty="0">
+                <a:solidFill>
+                  <a:srgbClr val="00B0F0"/>
+                </a:solidFill>
+              </a:rPr>
+              <a:t> </a:t>
+            </a:r>
+            <a:r>
+              <a:rPr lang="cs-CZ" dirty="0" err="1">
+                <a:solidFill>
+                  <a:srgbClr val="00B0F0"/>
+                </a:solidFill>
+              </a:rPr>
+              <a:t>recognition</a:t>
+            </a:r>
+            <a:r>
+              <a:rPr lang="cs-CZ" dirty="0">
+                <a:solidFill>
+                  <a:srgbClr val="00B0F0"/>
+                </a:solidFill>
+              </a:rPr>
+              <a:t> funkcionalita pouze pro finanční přispěvatele projektu bota (pokrytí cen za provoz)</a:t>
+            </a:r>
+          </a:p>
+          <a:p>
             <a:endParaRPr lang="cs-CZ" dirty="0">
               <a:solidFill>
                 <a:srgbClr val="00B0F0"/>
               </a:solidFill>
             </a:endParaRPr>
           </a:p>
-          <a:p>
-            <a:endParaRPr lang="cs-CZ" sz="2400" dirty="0">
-              <a:solidFill>
-                <a:srgbClr val="00B0F0"/>
-              </a:solidFill>
-            </a:endParaRPr>
-          </a:p>
-          <a:p>
-            <a:endParaRPr lang="cs-CZ" sz="2400" dirty="0">
-              <a:solidFill>
-                <a:srgbClr val="00B0F0"/>
-              </a:solidFill>
-            </a:endParaRPr>
-          </a:p>
         </p:txBody>
       </p:sp>
     </p:spTree>
     <p:extLst>
       <p:ext uri="{BB962C8B-B14F-4D97-AF65-F5344CB8AC3E}">
-        <p14:creationId xmlns:p14="http://schemas.microsoft.com/office/powerpoint/2010/main" val="507280406"/>
+        <p14:creationId xmlns:p14="http://schemas.microsoft.com/office/powerpoint/2010/main" val="752324254"/>
       </p:ext>
     </p:extLst>
   </p:cSld>
   <p:clrMapOvr>
     <a:overrideClrMapping bg1="dk1" tx1="lt1" bg2="dk2" tx2="lt2" accent1="accent1" accent2="accent2" accent3="accent3" accent4="accent4" accent5="accent5" accent6="accent6" hlink="hlink" folHlink="folHlink"/>
   </p:clrMapOvr>
-  <mc:AlternateContent xmlns:mc="http://schemas.openxmlformats.org/markup-compatibility/2006">
-    <mc:Choice xmlns:p159="http://schemas.microsoft.com/office/powerpoint/2015/09/main" Requires="p159">
+  <mc:AlternateContent xmlns:mc="http://schemas.openxmlformats.org/markup-compatibility/2006" xmlns:p159="http://schemas.microsoft.com/office/powerpoint/2015/09/main">
+    <mc:Choice Requires="p159">
       <p:transition spd="slow">
         <p159:morph option="byObject"/>
       </p:transition>
     </mc:Choice>
-    <mc:Fallback>
+    <mc:Fallback xmlns="">
       <p:transition spd="slow">
         <p:fade/>
       </p:transition>
@@ -9717,13 +9761,13 @@
   <p:clrMapOvr>
     <a:overrideClrMapping bg1="dk1" tx1="lt1" bg2="dk2" tx2="lt2" accent1="accent1" accent2="accent2" accent3="accent3" accent4="accent4" accent5="accent5" accent6="accent6" hlink="hlink" folHlink="folHlink"/>
   </p:clrMapOvr>
-  <mc:AlternateContent xmlns:mc="http://schemas.openxmlformats.org/markup-compatibility/2006">
-    <mc:Choice xmlns:p159="http://schemas.microsoft.com/office/powerpoint/2015/09/main" Requires="p159">
+  <mc:AlternateContent xmlns:mc="http://schemas.openxmlformats.org/markup-compatibility/2006" xmlns:p159="http://schemas.microsoft.com/office/powerpoint/2015/09/main">
+    <mc:Choice Requires="p159">
       <p:transition spd="slow">
         <p159:morph option="byObject"/>
       </p:transition>
     </mc:Choice>
-    <mc:Fallback>
+    <mc:Fallback xmlns="">
       <p:transition spd="slow">
         <p:fade/>
       </p:transition>
@@ -10043,7 +10087,7 @@
           <p:cNvPr id="2" name="Nadpis 1">
             <a:extLst>
               <a:ext uri="{FF2B5EF4-FFF2-40B4-BE49-F238E27FC236}">
-                <a16:creationId xmlns:a16="http://schemas.microsoft.com/office/drawing/2014/main" id="{0DF4A8BE-4790-42AE-AA93-BFB4175E8EFE}"/>
+                <a16:creationId xmlns:a16="http://schemas.microsoft.com/office/drawing/2014/main" id="{1C8678BA-21A6-4450-A611-7A8268F04105}"/>
               </a:ext>
             </a:extLst>
           </p:cNvPr>
@@ -10056,118 +10100,45 @@
         </p:nvSpPr>
         <p:spPr>
           <a:xfrm>
-            <a:off x="833002" y="365125"/>
-            <a:ext cx="10520702" cy="1325563"/>
+            <a:off x="2777711" y="2764556"/>
+            <a:ext cx="6636577" cy="1325563"/>
           </a:xfrm>
         </p:spPr>
         <p:txBody>
-          <a:bodyPr>
+          <a:bodyPr vert="horz" lIns="91440" tIns="45720" rIns="91440" bIns="45720" rtlCol="0" anchor="b">
             <a:normAutofit/>
           </a:bodyPr>
           <a:lstStyle/>
           <a:p>
-            <a:r>
-              <a:rPr lang="cs-CZ" b="1" dirty="0">
+            <a:pPr algn="ctr"/>
+            <a:r>
+              <a:rPr lang="cs-CZ" sz="5400" b="1" dirty="0">
                 <a:solidFill>
                   <a:srgbClr val="00B0F0"/>
                 </a:solidFill>
               </a:rPr>
-              <a:t>Demonstrace - hudba</a:t>
-            </a:r>
-          </a:p>
-        </p:txBody>
-      </p:sp>
-      <p:sp>
-        <p:nvSpPr>
-          <p:cNvPr id="3" name="Zástupný obsah 2">
-            <a:extLst>
-              <a:ext uri="{FF2B5EF4-FFF2-40B4-BE49-F238E27FC236}">
-                <a16:creationId xmlns:a16="http://schemas.microsoft.com/office/drawing/2014/main" id="{93594B4E-98F5-4C3E-8033-89A51223D7D4}"/>
-              </a:ext>
-            </a:extLst>
-          </p:cNvPr>
-          <p:cNvSpPr>
-            <a:spLocks noGrp="1"/>
-          </p:cNvSpPr>
-          <p:nvPr>
-            <p:ph idx="1"/>
-          </p:nvPr>
-        </p:nvSpPr>
-        <p:spPr>
-          <a:xfrm>
-            <a:off x="838201" y="2022602"/>
-            <a:ext cx="10515598" cy="2887846"/>
-          </a:xfrm>
-        </p:spPr>
-        <p:txBody>
-          <a:bodyPr>
-            <a:normAutofit/>
-          </a:bodyPr>
-          <a:lstStyle/>
-          <a:p>
-            <a:r>
-              <a:rPr lang="cs-CZ" dirty="0" err="1">
-                <a:solidFill>
-                  <a:srgbClr val="00B0F0"/>
-                </a:solidFill>
-              </a:rPr>
-              <a:t>Work</a:t>
-            </a:r>
-            <a:r>
-              <a:rPr lang="cs-CZ" dirty="0">
-                <a:solidFill>
-                  <a:srgbClr val="00B0F0"/>
-                </a:solidFill>
-              </a:rPr>
-              <a:t> in </a:t>
-            </a:r>
-            <a:r>
-              <a:rPr lang="cs-CZ" dirty="0" err="1">
-                <a:solidFill>
-                  <a:srgbClr val="00B0F0"/>
-                </a:solidFill>
-              </a:rPr>
-              <a:t>Progress</a:t>
-            </a:r>
-            <a:endParaRPr lang="cs-CZ" dirty="0">
-              <a:solidFill>
-                <a:srgbClr val="00B0F0"/>
-              </a:solidFill>
-            </a:endParaRPr>
-          </a:p>
-          <a:p>
-            <a:endParaRPr lang="cs-CZ" sz="2400" dirty="0">
-              <a:solidFill>
-                <a:srgbClr val="00B0F0"/>
-              </a:solidFill>
-            </a:endParaRPr>
-          </a:p>
-          <a:p>
-            <a:endParaRPr lang="cs-CZ" sz="2400" dirty="0">
-              <a:solidFill>
-                <a:srgbClr val="00B0F0"/>
-              </a:solidFill>
-            </a:endParaRPr>
+              <a:t>Děkuji za pozornost!</a:t>
+            </a:r>
           </a:p>
         </p:txBody>
       </p:sp>
     </p:spTree>
     <p:extLst>
       <p:ext uri="{BB962C8B-B14F-4D97-AF65-F5344CB8AC3E}">
-        <p14:creationId xmlns:p14="http://schemas.microsoft.com/office/powerpoint/2010/main" val="2440033972"/>
+        <p14:creationId xmlns:p14="http://schemas.microsoft.com/office/powerpoint/2010/main" val="3160648074"/>
       </p:ext>
     </p:extLst>
   </p:cSld>
   <p:clrMapOvr>
     <a:overrideClrMapping bg1="dk1" tx1="lt1" bg2="dk2" tx2="lt2" accent1="accent1" accent2="accent2" accent3="accent3" accent4="accent4" accent5="accent5" accent6="accent6" hlink="hlink" folHlink="folHlink"/>
   </p:clrMapOvr>
-  <mc:AlternateContent xmlns:mc="http://schemas.openxmlformats.org/markup-compatibility/2006">
-    <mc:Choice xmlns:p159="http://schemas.microsoft.com/office/powerpoint/2015/09/main" Requires="p159">
+  <mc:AlternateContent xmlns:mc="http://schemas.openxmlformats.org/markup-compatibility/2006" xmlns:p159="http://schemas.microsoft.com/office/powerpoint/2015/09/main">
+    <mc:Choice Requires="p159">
       <p:transition spd="slow">
         <p159:morph option="byObject"/>
       </p:transition>
     </mc:Choice>
-    <mc:Fallback>
+    <mc:Fallback xmlns="">
       <p:transition spd="slow">
         <p:fade/>
       </p:transition>
@@ -10176,7 +10147,7 @@
 </p:sld>
 </file>
 
-<file path=ppt/slides/slide21.xml><?xml version="1.0" encoding="utf-8"?>
+<file path=ppt/slides/slide3.xml><?xml version="1.0" encoding="utf-8"?>
 <p:sld xmlns:a="http://schemas.openxmlformats.org/drawingml/2006/main" xmlns:r="http://schemas.openxmlformats.org/officeDocument/2006/relationships" xmlns:p="http://schemas.openxmlformats.org/presentationml/2006/main">
   <p:cSld>
     <p:bg>
@@ -10203,7 +10174,7 @@
       </p:grpSpPr>
       <p:sp>
         <p:nvSpPr>
-          <p:cNvPr id="8" name="Rectangle 7">
+          <p:cNvPr id="14" name="Rectangle 7">
             <a:extLst>
               <a:ext uri="{FF2B5EF4-FFF2-40B4-BE49-F238E27FC236}">
                 <a16:creationId xmlns:a16="http://schemas.microsoft.com/office/drawing/2014/main" id="{EA67B5B4-3A24-436E-B663-1B2EBFF8A0CD}"/>
@@ -10266,7 +10237,7 @@
       </p:sp>
       <p:sp>
         <p:nvSpPr>
-          <p:cNvPr id="10" name="Freeform 13">
+          <p:cNvPr id="15" name="Freeform 13">
             <a:extLst>
               <a:ext uri="{FF2B5EF4-FFF2-40B4-BE49-F238E27FC236}">
                 <a16:creationId xmlns:a16="http://schemas.microsoft.com/office/drawing/2014/main" id="{987FDF89-C993-41F4-A1B8-DBAFF16008A9}"/>
@@ -10374,7 +10345,7 @@
       </p:sp>
       <p:sp>
         <p:nvSpPr>
-          <p:cNvPr id="12" name="Freeform 11">
+          <p:cNvPr id="16" name="Freeform 11">
             <a:extLst>
               <a:ext uri="{FF2B5EF4-FFF2-40B4-BE49-F238E27FC236}">
                 <a16:creationId xmlns:a16="http://schemas.microsoft.com/office/drawing/2014/main" id="{64E585EA-75FD-4025-8270-F66A58A15CDA}"/>
@@ -10487,7 +10458,7 @@
           <p:cNvPr id="2" name="Nadpis 1">
             <a:extLst>
               <a:ext uri="{FF2B5EF4-FFF2-40B4-BE49-F238E27FC236}">
-                <a16:creationId xmlns:a16="http://schemas.microsoft.com/office/drawing/2014/main" id="{0DF4A8BE-4790-42AE-AA93-BFB4175E8EFE}"/>
+                <a16:creationId xmlns:a16="http://schemas.microsoft.com/office/drawing/2014/main" id="{79FECB4A-DF7D-4F3D-8313-3023B9EC494C}"/>
               </a:ext>
             </a:extLst>
           </p:cNvPr>
@@ -10511,12 +10482,20 @@
           <a:lstStyle/>
           <a:p>
             <a:r>
+              <a:rPr lang="cs-CZ" b="1" dirty="0" err="1">
+                <a:solidFill>
+                  <a:srgbClr val="00B0F0"/>
+                </a:solidFill>
+              </a:rPr>
+              <a:t>Discord</a:t>
+            </a:r>
+            <a:r>
               <a:rPr lang="cs-CZ" b="1" dirty="0">
                 <a:solidFill>
                   <a:srgbClr val="00B0F0"/>
                 </a:solidFill>
               </a:rPr>
-              <a:t>Případné rozšíření do budoucna</a:t>
+              <a:t>:</a:t>
             </a:r>
           </a:p>
         </p:txBody>
@@ -10526,7 +10505,7 @@
           <p:cNvPr id="3" name="Zástupný obsah 2">
             <a:extLst>
               <a:ext uri="{FF2B5EF4-FFF2-40B4-BE49-F238E27FC236}">
-                <a16:creationId xmlns:a16="http://schemas.microsoft.com/office/drawing/2014/main" id="{93594B4E-98F5-4C3E-8033-89A51223D7D4}"/>
+                <a16:creationId xmlns:a16="http://schemas.microsoft.com/office/drawing/2014/main" id="{A305B93A-CC31-496F-9165-4384CD755FFC}"/>
               </a:ext>
             </a:extLst>
           </p:cNvPr>
@@ -10539,13 +10518,13 @@
         </p:nvSpPr>
         <p:spPr>
           <a:xfrm>
-            <a:off x="838201" y="2022602"/>
-            <a:ext cx="10515598" cy="3324098"/>
+            <a:off x="838201" y="2022601"/>
+            <a:ext cx="10515598" cy="4154361"/>
           </a:xfrm>
         </p:spPr>
         <p:txBody>
           <a:bodyPr>
-            <a:noAutofit/>
+            <a:normAutofit/>
           </a:bodyPr>
           <a:lstStyle/>
           <a:p>
@@ -10555,17 +10534,25 @@
                   <a:srgbClr val="00B0F0"/>
                 </a:solidFill>
               </a:rPr>
-              <a:t>Neduhem příkazů je, že se musí vypisovat</a:t>
-            </a:r>
-          </a:p>
-          <a:p>
+              <a:t>Komunikační platforma</a:t>
+            </a:r>
+          </a:p>
+          <a:p>
+            <a:r>
+              <a:rPr lang="cs-CZ" dirty="0" err="1">
+                <a:solidFill>
+                  <a:srgbClr val="00B0F0"/>
+                </a:solidFill>
+              </a:rPr>
+              <a:t>Multiplatformí</a:t>
+            </a:r>
             <a:r>
               <a:rPr lang="cs-CZ" dirty="0">
                 <a:solidFill>
                   <a:srgbClr val="00B0F0"/>
                 </a:solidFill>
               </a:rPr>
-              <a:t>Implementace </a:t>
+              <a:t> (Desktop </a:t>
             </a:r>
             <a:r>
               <a:rPr lang="cs-CZ" dirty="0" err="1">
@@ -10573,7 +10560,7 @@
                   <a:srgbClr val="00B0F0"/>
                 </a:solidFill>
               </a:rPr>
-              <a:t>voice</a:t>
+              <a:t>App</a:t>
             </a:r>
             <a:r>
               <a:rPr lang="cs-CZ" dirty="0">
@@ -10581,7 +10568,7 @@
                   <a:srgbClr val="00B0F0"/>
                 </a:solidFill>
               </a:rPr>
-              <a:t> </a:t>
+              <a:t>, Mobile </a:t>
             </a:r>
             <a:r>
               <a:rPr lang="cs-CZ" dirty="0" err="1">
@@ -10589,7 +10576,7 @@
                   <a:srgbClr val="00B0F0"/>
                 </a:solidFill>
               </a:rPr>
-              <a:t>recognition</a:t>
+              <a:t>App</a:t>
             </a:r>
             <a:r>
               <a:rPr lang="cs-CZ" dirty="0">
@@ -10597,10 +10584,42 @@
                   <a:srgbClr val="00B0F0"/>
                 </a:solidFill>
               </a:rPr>
-              <a:t> pro hlasové zadávání příkazů</a:t>
-            </a:r>
-          </a:p>
-          <a:p>
+              <a:t>, Web, …)</a:t>
+            </a:r>
+          </a:p>
+          <a:p>
+            <a:r>
+              <a:rPr lang="cs-CZ" dirty="0">
+                <a:solidFill>
+                  <a:srgbClr val="00B0F0"/>
+                </a:solidFill>
+              </a:rPr>
+              <a:t>Podobné jako </a:t>
+            </a:r>
+            <a:r>
+              <a:rPr lang="cs-CZ" dirty="0" err="1">
+                <a:solidFill>
+                  <a:srgbClr val="00B0F0"/>
+                </a:solidFill>
+              </a:rPr>
+              <a:t>Slack</a:t>
+            </a:r>
+            <a:r>
+              <a:rPr lang="cs-CZ" dirty="0">
+                <a:solidFill>
+                  <a:srgbClr val="00B0F0"/>
+                </a:solidFill>
+              </a:rPr>
+              <a:t>, MS </a:t>
+            </a:r>
+            <a:r>
+              <a:rPr lang="cs-CZ" dirty="0" err="1">
+                <a:solidFill>
+                  <a:srgbClr val="00B0F0"/>
+                </a:solidFill>
+              </a:rPr>
+              <a:t>Teams</a:t>
+            </a:r>
             <a:endParaRPr lang="cs-CZ" dirty="0">
               <a:solidFill>
                 <a:srgbClr val="00B0F0"/>
@@ -10609,20 +10628,12 @@
           </a:p>
           <a:p>
             <a:r>
-              <a:rPr lang="cs-CZ">
-                <a:solidFill>
-                  <a:srgbClr val="00B0F0"/>
-                </a:solidFill>
-              </a:rPr>
-              <a:t>Neduhem </a:t>
-            </a:r>
-            <a:r>
               <a:rPr lang="cs-CZ" dirty="0" err="1">
                 <a:solidFill>
                   <a:srgbClr val="00B0F0"/>
                 </a:solidFill>
               </a:rPr>
-              <a:t>youtube_dl</a:t>
+              <a:t>Discord</a:t>
             </a:r>
             <a:r>
               <a:rPr lang="cs-CZ" dirty="0">
@@ -10630,48 +10641,23 @@
                   <a:srgbClr val="00B0F0"/>
                 </a:solidFill>
               </a:rPr>
-              <a:t> je absence reklam (Googlu se to nelíbí), od</a:t>
-            </a:r>
-            <a:br>
+              <a:t> API (REST API, </a:t>
+            </a:r>
+            <a:r>
+              <a:rPr lang="cs-CZ" dirty="0" err="1">
+                <a:solidFill>
+                  <a:srgbClr val="00B0F0"/>
+                </a:solidFill>
+              </a:rPr>
+              <a:t>WebSocket</a:t>
+            </a:r>
+            <a:r>
               <a:rPr lang="cs-CZ" dirty="0">
                 <a:solidFill>
                   <a:srgbClr val="00B0F0"/>
                 </a:solidFill>
               </a:rPr>
-            </a:br>
-            <a:r>
-              <a:rPr lang="cs-CZ" dirty="0">
-                <a:solidFill>
-                  <a:srgbClr val="00B0F0"/>
-                </a:solidFill>
-              </a:rPr>
-              <a:t>tohoto léta ukončil dva velké (20M serverů) boty</a:t>
-            </a:r>
-          </a:p>
-          <a:p>
-            <a:r>
-              <a:rPr lang="cs-CZ" dirty="0">
-                <a:solidFill>
-                  <a:srgbClr val="00B0F0"/>
-                </a:solidFill>
-              </a:rPr>
-              <a:t>Implementace vlastního „skutečného přehrání videa </a:t>
-            </a:r>
-            <a:r>
-              <a:rPr lang="cs-CZ" dirty="0" err="1">
-                <a:solidFill>
-                  <a:srgbClr val="00B0F0"/>
-                </a:solidFill>
-              </a:rPr>
-              <a:t>botem</a:t>
-            </a:r>
-            <a:r>
-              <a:rPr lang="cs-CZ" dirty="0">
-                <a:solidFill>
-                  <a:srgbClr val="00B0F0"/>
-                </a:solidFill>
-              </a:rPr>
-              <a:t>“ a vynechání reklam</a:t>
+              <a:t>)</a:t>
             </a:r>
           </a:p>
         </p:txBody>
@@ -10679,20 +10665,20 @@
     </p:spTree>
     <p:extLst>
       <p:ext uri="{BB962C8B-B14F-4D97-AF65-F5344CB8AC3E}">
-        <p14:creationId xmlns:p14="http://schemas.microsoft.com/office/powerpoint/2010/main" val="752324254"/>
+        <p14:creationId xmlns:p14="http://schemas.microsoft.com/office/powerpoint/2010/main" val="2548014827"/>
       </p:ext>
     </p:extLst>
   </p:cSld>
   <p:clrMapOvr>
     <a:overrideClrMapping bg1="dk1" tx1="lt1" bg2="dk2" tx2="lt2" accent1="accent1" accent2="accent2" accent3="accent3" accent4="accent4" accent5="accent5" accent6="accent6" hlink="hlink" folHlink="folHlink"/>
   </p:clrMapOvr>
-  <mc:AlternateContent xmlns:mc="http://schemas.openxmlformats.org/markup-compatibility/2006">
-    <mc:Choice xmlns:p159="http://schemas.microsoft.com/office/powerpoint/2015/09/main" Requires="p159">
+  <mc:AlternateContent xmlns:mc="http://schemas.openxmlformats.org/markup-compatibility/2006" xmlns:p159="http://schemas.microsoft.com/office/powerpoint/2015/09/main">
+    <mc:Choice Requires="p159">
       <p:transition spd="slow">
         <p159:morph option="byObject"/>
       </p:transition>
     </mc:Choice>
-    <mc:Fallback>
+    <mc:Fallback xmlns="">
       <p:transition spd="slow">
         <p:fade/>
       </p:transition>
@@ -10701,7 +10687,7 @@
 </p:sld>
 </file>
 
-<file path=ppt/slides/slide22.xml><?xml version="1.0" encoding="utf-8"?>
+<file path=ppt/slides/slide4.xml><?xml version="1.0" encoding="utf-8"?>
 <p:sld xmlns:a="http://schemas.openxmlformats.org/drawingml/2006/main" xmlns:r="http://schemas.openxmlformats.org/officeDocument/2006/relationships" xmlns:p="http://schemas.openxmlformats.org/presentationml/2006/main">
   <p:cSld>
     <p:bg>
@@ -11007,63 +10993,59 @@
           </a:p>
         </p:txBody>
       </p:sp>
-      <p:sp>
-        <p:nvSpPr>
-          <p:cNvPr id="2" name="Nadpis 1">
-            <a:extLst>
-              <a:ext uri="{FF2B5EF4-FFF2-40B4-BE49-F238E27FC236}">
-                <a16:creationId xmlns:a16="http://schemas.microsoft.com/office/drawing/2014/main" id="{1C8678BA-21A6-4450-A611-7A8268F04105}"/>
-              </a:ext>
-            </a:extLst>
-          </p:cNvPr>
-          <p:cNvSpPr>
-            <a:spLocks noGrp="1"/>
-          </p:cNvSpPr>
-          <p:nvPr>
-            <p:ph type="title"/>
-          </p:nvPr>
-        </p:nvSpPr>
+      <p:pic>
+        <p:nvPicPr>
+          <p:cNvPr id="14" name="Obrázek 13" descr="Obsah obrázku text, snímek obrazovky, obrazovka, počítač&#10;&#10;Popis byl vytvořen automaticky">
+            <a:extLst>
+              <a:ext uri="{FF2B5EF4-FFF2-40B4-BE49-F238E27FC236}">
+                <a16:creationId xmlns:a16="http://schemas.microsoft.com/office/drawing/2014/main" id="{8949C5E3-0D7C-4D67-98A0-DA809F89E1D3}"/>
+              </a:ext>
+            </a:extLst>
+          </p:cNvPr>
+          <p:cNvPicPr>
+            <a:picLocks noChangeAspect="1"/>
+          </p:cNvPicPr>
+          <p:nvPr/>
+        </p:nvPicPr>
+        <p:blipFill>
+          <a:blip r:embed="rId3">
+            <a:extLst>
+              <a:ext uri="{28A0092B-C50C-407E-A947-70E740481C1C}">
+                <a14:useLocalDpi xmlns:a14="http://schemas.microsoft.com/office/drawing/2010/main" val="0"/>
+              </a:ext>
+            </a:extLst>
+          </a:blip>
+          <a:stretch>
+            <a:fillRect/>
+          </a:stretch>
+        </p:blipFill>
         <p:spPr>
           <a:xfrm>
-            <a:off x="2777711" y="2764556"/>
-            <a:ext cx="6636577" cy="1325563"/>
+            <a:off x="655253" y="98124"/>
+            <a:ext cx="10881493" cy="6658427"/>
           </a:xfrm>
+          <a:prstGeom prst="rect">
+            <a:avLst/>
+          </a:prstGeom>
         </p:spPr>
-        <p:txBody>
-          <a:bodyPr vert="horz" lIns="91440" tIns="45720" rIns="91440" bIns="45720" rtlCol="0" anchor="b">
-            <a:normAutofit/>
-          </a:bodyPr>
-          <a:lstStyle/>
-          <a:p>
-            <a:pPr algn="ctr"/>
-            <a:r>
-              <a:rPr lang="cs-CZ" sz="5400" b="1" dirty="0">
-                <a:solidFill>
-                  <a:srgbClr val="00B0F0"/>
-                </a:solidFill>
-              </a:rPr>
-              <a:t>Děkuji za pozornost!</a:t>
-            </a:r>
-          </a:p>
-        </p:txBody>
-      </p:sp>
+      </p:pic>
     </p:spTree>
     <p:extLst>
       <p:ext uri="{BB962C8B-B14F-4D97-AF65-F5344CB8AC3E}">
-        <p14:creationId xmlns:p14="http://schemas.microsoft.com/office/powerpoint/2010/main" val="3160648074"/>
+        <p14:creationId xmlns:p14="http://schemas.microsoft.com/office/powerpoint/2010/main" val="11175783"/>
       </p:ext>
     </p:extLst>
   </p:cSld>
   <p:clrMapOvr>
     <a:overrideClrMapping bg1="dk1" tx1="lt1" bg2="dk2" tx2="lt2" accent1="accent1" accent2="accent2" accent3="accent3" accent4="accent4" accent5="accent5" accent6="accent6" hlink="hlink" folHlink="folHlink"/>
   </p:clrMapOvr>
-  <mc:AlternateContent xmlns:mc="http://schemas.openxmlformats.org/markup-compatibility/2006">
-    <mc:Choice xmlns:p159="http://schemas.microsoft.com/office/powerpoint/2015/09/main" Requires="p159">
+  <mc:AlternateContent xmlns:mc="http://schemas.openxmlformats.org/markup-compatibility/2006" xmlns:p159="http://schemas.microsoft.com/office/powerpoint/2015/09/main">
+    <mc:Choice Requires="p159">
       <p:transition spd="slow">
         <p159:morph option="byObject"/>
       </p:transition>
     </mc:Choice>
-    <mc:Fallback>
+    <mc:Fallback xmlns="">
       <p:transition spd="slow">
         <p:fade/>
       </p:transition>
@@ -11072,7 +11054,7 @@
 </p:sld>
 </file>
 
-<file path=ppt/slides/slide3.xml><?xml version="1.0" encoding="utf-8"?>
+<file path=ppt/slides/slide5.xml><?xml version="1.0" encoding="utf-8"?>
 <p:sld xmlns:a="http://schemas.openxmlformats.org/drawingml/2006/main" xmlns:r="http://schemas.openxmlformats.org/officeDocument/2006/relationships" xmlns:p="http://schemas.openxmlformats.org/presentationml/2006/main">
   <p:cSld>
     <p:bg>
@@ -11099,7 +11081,7 @@
       </p:grpSpPr>
       <p:sp>
         <p:nvSpPr>
-          <p:cNvPr id="14" name="Rectangle 7">
+          <p:cNvPr id="8" name="Rectangle 7">
             <a:extLst>
               <a:ext uri="{FF2B5EF4-FFF2-40B4-BE49-F238E27FC236}">
                 <a16:creationId xmlns:a16="http://schemas.microsoft.com/office/drawing/2014/main" id="{EA67B5B4-3A24-436E-B663-1B2EBFF8A0CD}"/>
@@ -11162,7 +11144,7 @@
       </p:sp>
       <p:sp>
         <p:nvSpPr>
-          <p:cNvPr id="15" name="Freeform 13">
+          <p:cNvPr id="10" name="Freeform 13">
             <a:extLst>
               <a:ext uri="{FF2B5EF4-FFF2-40B4-BE49-F238E27FC236}">
                 <a16:creationId xmlns:a16="http://schemas.microsoft.com/office/drawing/2014/main" id="{987FDF89-C993-41F4-A1B8-DBAFF16008A9}"/>
@@ -11270,7 +11252,7 @@
       </p:sp>
       <p:sp>
         <p:nvSpPr>
-          <p:cNvPr id="16" name="Freeform 11">
+          <p:cNvPr id="12" name="Freeform 11">
             <a:extLst>
               <a:ext uri="{FF2B5EF4-FFF2-40B4-BE49-F238E27FC236}">
                 <a16:creationId xmlns:a16="http://schemas.microsoft.com/office/drawing/2014/main" id="{64E585EA-75FD-4025-8270-F66A58A15CDA}"/>
@@ -11383,7 +11365,7 @@
           <p:cNvPr id="2" name="Nadpis 1">
             <a:extLst>
               <a:ext uri="{FF2B5EF4-FFF2-40B4-BE49-F238E27FC236}">
-                <a16:creationId xmlns:a16="http://schemas.microsoft.com/office/drawing/2014/main" id="{79FECB4A-DF7D-4F3D-8313-3023B9EC494C}"/>
+                <a16:creationId xmlns:a16="http://schemas.microsoft.com/office/drawing/2014/main" id="{0DF4A8BE-4790-42AE-AA93-BFB4175E8EFE}"/>
               </a:ext>
             </a:extLst>
           </p:cNvPr>
@@ -11407,20 +11389,12 @@
           <a:lstStyle/>
           <a:p>
             <a:r>
-              <a:rPr lang="cs-CZ" b="1" dirty="0" err="1">
-                <a:solidFill>
-                  <a:srgbClr val="00B0F0"/>
-                </a:solidFill>
-              </a:rPr>
-              <a:t>Discord</a:t>
-            </a:r>
-            <a:r>
               <a:rPr lang="cs-CZ" b="1" dirty="0">
                 <a:solidFill>
                   <a:srgbClr val="00B0F0"/>
                 </a:solidFill>
               </a:rPr>
-              <a:t>:</a:t>
+              <a:t>Funkcionality bota</a:t>
             </a:r>
           </a:p>
         </p:txBody>
@@ -11430,7 +11404,7 @@
           <p:cNvPr id="3" name="Zástupný obsah 2">
             <a:extLst>
               <a:ext uri="{FF2B5EF4-FFF2-40B4-BE49-F238E27FC236}">
-                <a16:creationId xmlns:a16="http://schemas.microsoft.com/office/drawing/2014/main" id="{A305B93A-CC31-496F-9165-4384CD755FFC}"/>
+                <a16:creationId xmlns:a16="http://schemas.microsoft.com/office/drawing/2014/main" id="{93594B4E-98F5-4C3E-8033-89A51223D7D4}"/>
               </a:ext>
             </a:extLst>
           </p:cNvPr>
@@ -11459,17 +11433,15 @@
                   <a:srgbClr val="00B0F0"/>
                 </a:solidFill>
               </a:rPr>
-              <a:t>Komunikační platformou</a:t>
-            </a:r>
-          </a:p>
-          <a:p>
+              <a:t>Nástroje pro administrativu komunity (</a:t>
+            </a:r>
             <a:r>
               <a:rPr lang="cs-CZ" dirty="0" err="1">
                 <a:solidFill>
                   <a:srgbClr val="00B0F0"/>
                 </a:solidFill>
               </a:rPr>
-              <a:t>Multiplatformí</a:t>
+              <a:t>discord</a:t>
             </a:r>
             <a:r>
               <a:rPr lang="cs-CZ" dirty="0">
@@ -11477,112 +11449,27 @@
                   <a:srgbClr val="00B0F0"/>
                 </a:solidFill>
               </a:rPr>
-              <a:t> (Desktop </a:t>
-            </a:r>
-            <a:r>
-              <a:rPr lang="cs-CZ" dirty="0" err="1">
-                <a:solidFill>
-                  <a:srgbClr val="00B0F0"/>
-                </a:solidFill>
-              </a:rPr>
-              <a:t>App</a:t>
-            </a:r>
+              <a:t> serveru)</a:t>
+            </a:r>
+          </a:p>
+          <a:p>
             <a:r>
               <a:rPr lang="cs-CZ" dirty="0">
                 <a:solidFill>
                   <a:srgbClr val="00B0F0"/>
                 </a:solidFill>
               </a:rPr>
-              <a:t>, Mobile </a:t>
-            </a:r>
-            <a:r>
-              <a:rPr lang="cs-CZ" dirty="0" err="1">
-                <a:solidFill>
-                  <a:srgbClr val="00B0F0"/>
-                </a:solidFill>
-              </a:rPr>
-              <a:t>App</a:t>
-            </a:r>
+              <a:t>Kalendářní události a jejich správa</a:t>
+            </a:r>
+          </a:p>
+          <a:p>
             <a:r>
               <a:rPr lang="cs-CZ" dirty="0">
                 <a:solidFill>
                   <a:srgbClr val="00B0F0"/>
                 </a:solidFill>
               </a:rPr>
-              <a:t>, Web, …)</a:t>
-            </a:r>
-          </a:p>
-          <a:p>
-            <a:r>
-              <a:rPr lang="cs-CZ" dirty="0">
-                <a:solidFill>
-                  <a:srgbClr val="00B0F0"/>
-                </a:solidFill>
-              </a:rPr>
-              <a:t>Podobné jako </a:t>
-            </a:r>
-            <a:r>
-              <a:rPr lang="cs-CZ" dirty="0" err="1">
-                <a:solidFill>
-                  <a:srgbClr val="00B0F0"/>
-                </a:solidFill>
-              </a:rPr>
-              <a:t>Slack</a:t>
-            </a:r>
-            <a:r>
-              <a:rPr lang="cs-CZ" dirty="0">
-                <a:solidFill>
-                  <a:srgbClr val="00B0F0"/>
-                </a:solidFill>
-              </a:rPr>
-              <a:t>, MS </a:t>
-            </a:r>
-            <a:r>
-              <a:rPr lang="cs-CZ" dirty="0" err="1">
-                <a:solidFill>
-                  <a:srgbClr val="00B0F0"/>
-                </a:solidFill>
-              </a:rPr>
-              <a:t>Teams</a:t>
-            </a:r>
-            <a:endParaRPr lang="cs-CZ" dirty="0">
-              <a:solidFill>
-                <a:srgbClr val="00B0F0"/>
-              </a:solidFill>
-            </a:endParaRPr>
-          </a:p>
-          <a:p>
-            <a:r>
-              <a:rPr lang="cs-CZ" dirty="0" err="1">
-                <a:solidFill>
-                  <a:srgbClr val="00B0F0"/>
-                </a:solidFill>
-              </a:rPr>
-              <a:t>Discord</a:t>
-            </a:r>
-            <a:r>
-              <a:rPr lang="cs-CZ" dirty="0">
-                <a:solidFill>
-                  <a:srgbClr val="00B0F0"/>
-                </a:solidFill>
-              </a:rPr>
-              <a:t> API (Github.com/</a:t>
-            </a:r>
-            <a:r>
-              <a:rPr lang="cs-CZ" dirty="0" err="1">
-                <a:solidFill>
-                  <a:srgbClr val="00B0F0"/>
-                </a:solidFill>
-              </a:rPr>
-              <a:t>Rapptz</a:t>
-            </a:r>
-            <a:r>
-              <a:rPr lang="cs-CZ" dirty="0">
-                <a:solidFill>
-                  <a:srgbClr val="00B0F0"/>
-                </a:solidFill>
-              </a:rPr>
-              <a:t>)</a:t>
+              <a:t>Streamování audia</a:t>
             </a:r>
           </a:p>
         </p:txBody>
@@ -11590,20 +11477,20 @@
     </p:spTree>
     <p:extLst>
       <p:ext uri="{BB962C8B-B14F-4D97-AF65-F5344CB8AC3E}">
-        <p14:creationId xmlns:p14="http://schemas.microsoft.com/office/powerpoint/2010/main" val="2548014827"/>
+        <p14:creationId xmlns:p14="http://schemas.microsoft.com/office/powerpoint/2010/main" val="1007350934"/>
       </p:ext>
     </p:extLst>
   </p:cSld>
   <p:clrMapOvr>
     <a:overrideClrMapping bg1="dk1" tx1="lt1" bg2="dk2" tx2="lt2" accent1="accent1" accent2="accent2" accent3="accent3" accent4="accent4" accent5="accent5" accent6="accent6" hlink="hlink" folHlink="folHlink"/>
   </p:clrMapOvr>
-  <mc:AlternateContent xmlns:mc="http://schemas.openxmlformats.org/markup-compatibility/2006">
-    <mc:Choice xmlns:p159="http://schemas.microsoft.com/office/powerpoint/2015/09/main" Requires="p159">
+  <mc:AlternateContent xmlns:mc="http://schemas.openxmlformats.org/markup-compatibility/2006" xmlns:p159="http://schemas.microsoft.com/office/powerpoint/2015/09/main">
+    <mc:Choice Requires="p159">
       <p:transition spd="slow">
         <p159:morph option="byObject"/>
       </p:transition>
     </mc:Choice>
-    <mc:Fallback>
+    <mc:Fallback xmlns="">
       <p:transition spd="slow">
         <p:fade/>
       </p:transition>
@@ -11612,7 +11499,7 @@
 </p:sld>
 </file>
 
-<file path=ppt/slides/slide4.xml><?xml version="1.0" encoding="utf-8"?>
+<file path=ppt/slides/slide6.xml><?xml version="1.0" encoding="utf-8"?>
 <p:sld xmlns:a="http://schemas.openxmlformats.org/drawingml/2006/main" xmlns:r="http://schemas.openxmlformats.org/officeDocument/2006/relationships" xmlns:p="http://schemas.openxmlformats.org/presentationml/2006/main">
   <p:cSld>
     <p:bg>
@@ -11918,59 +11805,158 @@
           </a:p>
         </p:txBody>
       </p:sp>
-      <p:pic>
-        <p:nvPicPr>
-          <p:cNvPr id="14" name="Obrázek 13" descr="Obsah obrázku text, snímek obrazovky, obrazovka, počítač&#10;&#10;Popis byl vytvořen automaticky">
-            <a:extLst>
-              <a:ext uri="{FF2B5EF4-FFF2-40B4-BE49-F238E27FC236}">
-                <a16:creationId xmlns:a16="http://schemas.microsoft.com/office/drawing/2014/main" id="{8949C5E3-0D7C-4D67-98A0-DA809F89E1D3}"/>
-              </a:ext>
-            </a:extLst>
-          </p:cNvPr>
-          <p:cNvPicPr>
-            <a:picLocks noChangeAspect="1"/>
-          </p:cNvPicPr>
-          <p:nvPr/>
-        </p:nvPicPr>
-        <p:blipFill>
-          <a:blip r:embed="rId3">
-            <a:extLst>
-              <a:ext uri="{28A0092B-C50C-407E-A947-70E740481C1C}">
-                <a14:useLocalDpi xmlns:a14="http://schemas.microsoft.com/office/drawing/2010/main" val="0"/>
-              </a:ext>
-            </a:extLst>
-          </a:blip>
-          <a:stretch>
-            <a:fillRect/>
-          </a:stretch>
-        </p:blipFill>
+      <p:sp>
+        <p:nvSpPr>
+          <p:cNvPr id="2" name="Nadpis 1">
+            <a:extLst>
+              <a:ext uri="{FF2B5EF4-FFF2-40B4-BE49-F238E27FC236}">
+                <a16:creationId xmlns:a16="http://schemas.microsoft.com/office/drawing/2014/main" id="{0DF4A8BE-4790-42AE-AA93-BFB4175E8EFE}"/>
+              </a:ext>
+            </a:extLst>
+          </p:cNvPr>
+          <p:cNvSpPr>
+            <a:spLocks noGrp="1"/>
+          </p:cNvSpPr>
+          <p:nvPr>
+            <p:ph type="title"/>
+          </p:nvPr>
+        </p:nvSpPr>
         <p:spPr>
           <a:xfrm>
-            <a:off x="655253" y="98124"/>
-            <a:ext cx="10881493" cy="6658427"/>
+            <a:off x="833002" y="365125"/>
+            <a:ext cx="10520702" cy="1325563"/>
           </a:xfrm>
-          <a:prstGeom prst="rect">
-            <a:avLst/>
-          </a:prstGeom>
         </p:spPr>
-      </p:pic>
+        <p:txBody>
+          <a:bodyPr>
+            <a:normAutofit/>
+          </a:bodyPr>
+          <a:lstStyle/>
+          <a:p>
+            <a:r>
+              <a:rPr lang="cs-CZ" b="1" dirty="0">
+                <a:solidFill>
+                  <a:srgbClr val="00B0F0"/>
+                </a:solidFill>
+              </a:rPr>
+              <a:t>Funkcionalita bota - nástroje</a:t>
+            </a:r>
+          </a:p>
+        </p:txBody>
+      </p:sp>
+      <p:sp>
+        <p:nvSpPr>
+          <p:cNvPr id="3" name="Zástupný obsah 2">
+            <a:extLst>
+              <a:ext uri="{FF2B5EF4-FFF2-40B4-BE49-F238E27FC236}">
+                <a16:creationId xmlns:a16="http://schemas.microsoft.com/office/drawing/2014/main" id="{93594B4E-98F5-4C3E-8033-89A51223D7D4}"/>
+              </a:ext>
+            </a:extLst>
+          </p:cNvPr>
+          <p:cNvSpPr>
+            <a:spLocks noGrp="1"/>
+          </p:cNvSpPr>
+          <p:nvPr>
+            <p:ph idx="1"/>
+          </p:nvPr>
+        </p:nvSpPr>
+        <p:spPr>
+          <a:xfrm>
+            <a:off x="838201" y="2022601"/>
+            <a:ext cx="10515598" cy="4154361"/>
+          </a:xfrm>
+        </p:spPr>
+        <p:txBody>
+          <a:bodyPr>
+            <a:normAutofit/>
+          </a:bodyPr>
+          <a:lstStyle/>
+          <a:p>
+            <a:r>
+              <a:rPr lang="cs-CZ" dirty="0">
+                <a:solidFill>
+                  <a:srgbClr val="00B0F0"/>
+                </a:solidFill>
+              </a:rPr>
+              <a:t>Správa pravidel (přidání, zobrazení nováčkům, editace, mazání)</a:t>
+            </a:r>
+          </a:p>
+          <a:p>
+            <a:r>
+              <a:rPr lang="cs-CZ" dirty="0">
+                <a:solidFill>
+                  <a:srgbClr val="00B0F0"/>
+                </a:solidFill>
+              </a:rPr>
+              <a:t>Kontrola textového obsahu chatu (slova, fráze)</a:t>
+            </a:r>
+          </a:p>
+          <a:p>
+            <a:r>
+              <a:rPr lang="cs-CZ" dirty="0">
+                <a:solidFill>
+                  <a:srgbClr val="00B0F0"/>
+                </a:solidFill>
+              </a:rPr>
+              <a:t>Správa pravomocí prostřednictvím role</a:t>
+            </a:r>
+          </a:p>
+          <a:p>
+            <a:r>
+              <a:rPr lang="cs-CZ" dirty="0">
+                <a:solidFill>
+                  <a:srgbClr val="00B0F0"/>
+                </a:solidFill>
+              </a:rPr>
+              <a:t>Kontrola uživatelů vůči rejstříku</a:t>
+            </a:r>
+          </a:p>
+          <a:p>
+            <a:r>
+              <a:rPr lang="cs-CZ" dirty="0">
+                <a:solidFill>
+                  <a:srgbClr val="00B0F0"/>
+                </a:solidFill>
+              </a:rPr>
+              <a:t>Vylepšení funkcionalit (hromadné vyhoštění, zablokování, přesuny uživatelů)</a:t>
+            </a:r>
+          </a:p>
+          <a:p>
+            <a:r>
+              <a:rPr lang="cs-CZ" dirty="0">
+                <a:solidFill>
+                  <a:srgbClr val="00B0F0"/>
+                </a:solidFill>
+              </a:rPr>
+              <a:t>Jiné</a:t>
+            </a:r>
+          </a:p>
+          <a:p>
+            <a:endParaRPr lang="cs-CZ" dirty="0">
+              <a:solidFill>
+                <a:srgbClr val="00B0F0"/>
+              </a:solidFill>
+            </a:endParaRPr>
+          </a:p>
+        </p:txBody>
+      </p:sp>
     </p:spTree>
     <p:extLst>
       <p:ext uri="{BB962C8B-B14F-4D97-AF65-F5344CB8AC3E}">
-        <p14:creationId xmlns:p14="http://schemas.microsoft.com/office/powerpoint/2010/main" val="11175783"/>
+        <p14:creationId xmlns:p14="http://schemas.microsoft.com/office/powerpoint/2010/main" val="2029011523"/>
       </p:ext>
     </p:extLst>
   </p:cSld>
   <p:clrMapOvr>
     <a:overrideClrMapping bg1="dk1" tx1="lt1" bg2="dk2" tx2="lt2" accent1="accent1" accent2="accent2" accent3="accent3" accent4="accent4" accent5="accent5" accent6="accent6" hlink="hlink" folHlink="folHlink"/>
   </p:clrMapOvr>
-  <mc:AlternateContent xmlns:mc="http://schemas.openxmlformats.org/markup-compatibility/2006">
-    <mc:Choice xmlns:p159="http://schemas.microsoft.com/office/powerpoint/2015/09/main" Requires="p159">
+  <mc:AlternateContent xmlns:mc="http://schemas.openxmlformats.org/markup-compatibility/2006" xmlns:p159="http://schemas.microsoft.com/office/powerpoint/2015/09/main">
+    <mc:Choice Requires="p159">
       <p:transition spd="slow">
         <p159:morph option="byObject"/>
       </p:transition>
     </mc:Choice>
-    <mc:Fallback>
+    <mc:Fallback xmlns="">
       <p:transition spd="slow">
         <p:fade/>
       </p:transition>
@@ -11979,7 +11965,7 @@
 </p:sld>
 </file>
 
-<file path=ppt/slides/slide5.xml><?xml version="1.0" encoding="utf-8"?>
+<file path=ppt/slides/slide7.xml><?xml version="1.0" encoding="utf-8"?>
 <p:sld xmlns:a="http://schemas.openxmlformats.org/drawingml/2006/main" xmlns:r="http://schemas.openxmlformats.org/officeDocument/2006/relationships" xmlns:p="http://schemas.openxmlformats.org/presentationml/2006/main">
   <p:cSld>
     <p:bg>
@@ -12319,7 +12305,7 @@
                   <a:srgbClr val="00B0F0"/>
                 </a:solidFill>
               </a:rPr>
-              <a:t>Funkcionalita bota</a:t>
+              <a:t>Funkcionalita bota - události</a:t>
             </a:r>
           </a:p>
         </p:txBody>
@@ -12358,7 +12344,7 @@
                   <a:srgbClr val="00B0F0"/>
                 </a:solidFill>
               </a:rPr>
-              <a:t>Nástroje pro administrativu (serveru)</a:t>
+              <a:t>Správa kalendářních událostí (název, popisek, datum a čas, místo)</a:t>
             </a:r>
           </a:p>
           <a:p>
@@ -12368,38 +12354,93 @@
                   <a:srgbClr val="00B0F0"/>
                 </a:solidFill>
               </a:rPr>
-              <a:t>Kalendářní události a jejich správa</a:t>
-            </a:r>
-          </a:p>
-          <a:p>
+              <a:t>Evidence osob k události dle tří základních kategorií (</a:t>
+            </a:r>
+            <a:r>
+              <a:rPr lang="cs-CZ" dirty="0" err="1">
+                <a:solidFill>
+                  <a:srgbClr val="00B0F0"/>
+                </a:solidFill>
+              </a:rPr>
+              <a:t>accepted</a:t>
+            </a:r>
             <a:r>
               <a:rPr lang="cs-CZ" dirty="0">
                 <a:solidFill>
                   <a:srgbClr val="00B0F0"/>
                 </a:solidFill>
               </a:rPr>
-              <a:t>Streamování hudby</a:t>
-            </a:r>
+              <a:t>, </a:t>
+            </a:r>
+            <a:r>
+              <a:rPr lang="cs-CZ" dirty="0" err="1">
+                <a:solidFill>
+                  <a:srgbClr val="00B0F0"/>
+                </a:solidFill>
+              </a:rPr>
+              <a:t>declined</a:t>
+            </a:r>
+            <a:r>
+              <a:rPr lang="cs-CZ" dirty="0">
+                <a:solidFill>
+                  <a:srgbClr val="00B0F0"/>
+                </a:solidFill>
+              </a:rPr>
+              <a:t>, </a:t>
+            </a:r>
+            <a:r>
+              <a:rPr lang="cs-CZ" dirty="0" err="1">
+                <a:solidFill>
+                  <a:srgbClr val="00B0F0"/>
+                </a:solidFill>
+              </a:rPr>
+              <a:t>tentative</a:t>
+            </a:r>
+            <a:r>
+              <a:rPr lang="cs-CZ" dirty="0">
+                <a:solidFill>
+                  <a:srgbClr val="00B0F0"/>
+                </a:solidFill>
+              </a:rPr>
+              <a:t>)</a:t>
+            </a:r>
+          </a:p>
+          <a:p>
+            <a:r>
+              <a:rPr lang="cs-CZ" dirty="0">
+                <a:solidFill>
+                  <a:srgbClr val="00B0F0"/>
+                </a:solidFill>
+              </a:rPr>
+              <a:t>Systém notifikací k příslušné události</a:t>
+            </a:r>
+          </a:p>
+          <a:p>
+            <a:endParaRPr lang="cs-CZ" dirty="0">
+              <a:solidFill>
+                <a:srgbClr val="00B0F0"/>
+              </a:solidFill>
+            </a:endParaRPr>
           </a:p>
         </p:txBody>
       </p:sp>
     </p:spTree>
     <p:extLst>
       <p:ext uri="{BB962C8B-B14F-4D97-AF65-F5344CB8AC3E}">
-        <p14:creationId xmlns:p14="http://schemas.microsoft.com/office/powerpoint/2010/main" val="1007350934"/>
+        <p14:creationId xmlns:p14="http://schemas.microsoft.com/office/powerpoint/2010/main" val="961517048"/>
       </p:ext>
     </p:extLst>
   </p:cSld>
   <p:clrMapOvr>
     <a:overrideClrMapping bg1="dk1" tx1="lt1" bg2="dk2" tx2="lt2" accent1="accent1" accent2="accent2" accent3="accent3" accent4="accent4" accent5="accent5" accent6="accent6" hlink="hlink" folHlink="folHlink"/>
   </p:clrMapOvr>
-  <mc:AlternateContent xmlns:mc="http://schemas.openxmlformats.org/markup-compatibility/2006">
-    <mc:Choice xmlns:p159="http://schemas.microsoft.com/office/powerpoint/2015/09/main" Requires="p159">
+  <mc:AlternateContent xmlns:mc="http://schemas.openxmlformats.org/markup-compatibility/2006" xmlns:p159="http://schemas.microsoft.com/office/powerpoint/2015/09/main">
+    <mc:Choice Requires="p159">
       <p:transition spd="slow">
         <p159:morph option="byObject"/>
       </p:transition>
     </mc:Choice>
-    <mc:Fallback>
+    <mc:Fallback xmlns="">
       <p:transition spd="slow">
         <p:fade/>
       </p:transition>
@@ -12408,7 +12449,7 @@
 </p:sld>
 </file>
 
-<file path=ppt/slides/slide6.xml><?xml version="1.0" encoding="utf-8"?>
+<file path=ppt/slides/slide8.xml><?xml version="1.0" encoding="utf-8"?>
 <p:sld xmlns:a="http://schemas.openxmlformats.org/drawingml/2006/main" xmlns:r="http://schemas.openxmlformats.org/officeDocument/2006/relationships" xmlns:p="http://schemas.openxmlformats.org/presentationml/2006/main">
   <p:cSld>
     <p:bg>
@@ -12719,7 +12760,7 @@
           <p:cNvPr id="2" name="Nadpis 1">
             <a:extLst>
               <a:ext uri="{FF2B5EF4-FFF2-40B4-BE49-F238E27FC236}">
-                <a16:creationId xmlns:a16="http://schemas.microsoft.com/office/drawing/2014/main" id="{0DF4A8BE-4790-42AE-AA93-BFB4175E8EFE}"/>
+                <a16:creationId xmlns:a16="http://schemas.microsoft.com/office/drawing/2014/main" id="{1C8678BA-21A6-4450-A611-7A8268F04105}"/>
               </a:ext>
             </a:extLst>
           </p:cNvPr>
@@ -12732,146 +12773,45 @@
         </p:nvSpPr>
         <p:spPr>
           <a:xfrm>
-            <a:off x="833002" y="365125"/>
-            <a:ext cx="10520702" cy="1325563"/>
+            <a:off x="2777711" y="2764556"/>
+            <a:ext cx="6636577" cy="1325563"/>
           </a:xfrm>
         </p:spPr>
         <p:txBody>
-          <a:bodyPr>
+          <a:bodyPr vert="horz" lIns="91440" tIns="45720" rIns="91440" bIns="45720" rtlCol="0" anchor="b">
             <a:normAutofit/>
           </a:bodyPr>
           <a:lstStyle/>
           <a:p>
-            <a:r>
-              <a:rPr lang="cs-CZ" b="1" dirty="0">
+            <a:pPr algn="ctr"/>
+            <a:r>
+              <a:rPr lang="cs-CZ" sz="5400" b="1" dirty="0">
                 <a:solidFill>
                   <a:srgbClr val="00B0F0"/>
                 </a:solidFill>
               </a:rPr>
-              <a:t>Funkcionalita bota - nástroje</a:t>
-            </a:r>
-          </a:p>
-        </p:txBody>
-      </p:sp>
-      <p:sp>
-        <p:nvSpPr>
-          <p:cNvPr id="3" name="Zástupný obsah 2">
-            <a:extLst>
-              <a:ext uri="{FF2B5EF4-FFF2-40B4-BE49-F238E27FC236}">
-                <a16:creationId xmlns:a16="http://schemas.microsoft.com/office/drawing/2014/main" id="{93594B4E-98F5-4C3E-8033-89A51223D7D4}"/>
-              </a:ext>
-            </a:extLst>
-          </p:cNvPr>
-          <p:cNvSpPr>
-            <a:spLocks noGrp="1"/>
-          </p:cNvSpPr>
-          <p:nvPr>
-            <p:ph idx="1"/>
-          </p:nvPr>
-        </p:nvSpPr>
-        <p:spPr>
-          <a:xfrm>
-            <a:off x="838201" y="2022601"/>
-            <a:ext cx="10515598" cy="4154361"/>
-          </a:xfrm>
-        </p:spPr>
-        <p:txBody>
-          <a:bodyPr>
-            <a:normAutofit/>
-          </a:bodyPr>
-          <a:lstStyle/>
-          <a:p>
-            <a:r>
-              <a:rPr lang="cs-CZ" dirty="0">
-                <a:solidFill>
-                  <a:srgbClr val="00B0F0"/>
-                </a:solidFill>
-              </a:rPr>
-              <a:t>Hromadné zasílání zpráv</a:t>
-            </a:r>
-          </a:p>
-          <a:p>
-            <a:r>
-              <a:rPr lang="cs-CZ" dirty="0">
-                <a:solidFill>
-                  <a:srgbClr val="00B0F0"/>
-                </a:solidFill>
-              </a:rPr>
-              <a:t>Hromadné </a:t>
-            </a:r>
-            <a:r>
-              <a:rPr lang="cs-CZ" dirty="0" err="1">
-                <a:solidFill>
-                  <a:srgbClr val="00B0F0"/>
-                </a:solidFill>
-              </a:rPr>
-              <a:t>banování</a:t>
-            </a:r>
-            <a:r>
-              <a:rPr lang="cs-CZ" dirty="0">
-                <a:solidFill>
-                  <a:srgbClr val="00B0F0"/>
-                </a:solidFill>
-              </a:rPr>
-              <a:t>/vyhazování uživatelů</a:t>
-            </a:r>
-          </a:p>
-          <a:p>
-            <a:r>
-              <a:rPr lang="cs-CZ" dirty="0">
-                <a:solidFill>
-                  <a:srgbClr val="00B0F0"/>
-                </a:solidFill>
-              </a:rPr>
-              <a:t>Správa pravidel</a:t>
-            </a:r>
-          </a:p>
-          <a:p>
-            <a:r>
-              <a:rPr lang="cs-CZ" dirty="0">
-                <a:solidFill>
-                  <a:srgbClr val="00B0F0"/>
-                </a:solidFill>
-              </a:rPr>
-              <a:t>Moderace chatu</a:t>
-            </a:r>
-          </a:p>
-          <a:p>
-            <a:r>
-              <a:rPr lang="cs-CZ" dirty="0">
-                <a:solidFill>
-                  <a:srgbClr val="00B0F0"/>
-                </a:solidFill>
-              </a:rPr>
-              <a:t>Jiné (př. ping pro získání latence)</a:t>
-            </a:r>
-          </a:p>
-          <a:p>
-            <a:endParaRPr lang="cs-CZ" dirty="0">
-              <a:solidFill>
-                <a:srgbClr val="00B0F0"/>
-              </a:solidFill>
-            </a:endParaRPr>
+              <a:t>Demonstrace</a:t>
+            </a:r>
           </a:p>
         </p:txBody>
       </p:sp>
     </p:spTree>
     <p:extLst>
       <p:ext uri="{BB962C8B-B14F-4D97-AF65-F5344CB8AC3E}">
-        <p14:creationId xmlns:p14="http://schemas.microsoft.com/office/powerpoint/2010/main" val="2029011523"/>
+        <p14:creationId xmlns:p14="http://schemas.microsoft.com/office/powerpoint/2010/main" val="1121967380"/>
       </p:ext>
     </p:extLst>
   </p:cSld>
   <p:clrMapOvr>
     <a:overrideClrMapping bg1="dk1" tx1="lt1" bg2="dk2" tx2="lt2" accent1="accent1" accent2="accent2" accent3="accent3" accent4="accent4" accent5="accent5" accent6="accent6" hlink="hlink" folHlink="folHlink"/>
   </p:clrMapOvr>
-  <mc:AlternateContent xmlns:mc="http://schemas.openxmlformats.org/markup-compatibility/2006">
-    <mc:Choice xmlns:p159="http://schemas.microsoft.com/office/powerpoint/2015/09/main" Requires="p159">
+  <mc:AlternateContent xmlns:mc="http://schemas.openxmlformats.org/markup-compatibility/2006" xmlns:p159="http://schemas.microsoft.com/office/powerpoint/2015/09/main">
+    <mc:Choice Requires="p159">
       <p:transition spd="slow">
         <p159:morph option="byObject"/>
       </p:transition>
     </mc:Choice>
-    <mc:Fallback>
+    <mc:Fallback xmlns="">
       <p:transition spd="slow">
         <p:fade/>
       </p:transition>
@@ -12880,7 +12820,7 @@
 </p:sld>
 </file>
 
-<file path=ppt/slides/slide7.xml><?xml version="1.0" encoding="utf-8"?>
+<file path=ppt/slides/slide9.xml><?xml version="1.0" encoding="utf-8"?>
 <p:sld xmlns:a="http://schemas.openxmlformats.org/drawingml/2006/main" xmlns:r="http://schemas.openxmlformats.org/officeDocument/2006/relationships" xmlns:p="http://schemas.openxmlformats.org/presentationml/2006/main">
   <p:cSld>
     <p:bg>
@@ -13220,949 +13160,38 @@
                   <a:srgbClr val="00B0F0"/>
                 </a:solidFill>
               </a:rPr>
-              <a:t>Funkcionalita bota - události</a:t>
-            </a:r>
-          </a:p>
-        </p:txBody>
-      </p:sp>
-      <p:sp>
-        <p:nvSpPr>
-          <p:cNvPr id="3" name="Zástupný obsah 2">
-            <a:extLst>
-              <a:ext uri="{FF2B5EF4-FFF2-40B4-BE49-F238E27FC236}">
-                <a16:creationId xmlns:a16="http://schemas.microsoft.com/office/drawing/2014/main" id="{93594B4E-98F5-4C3E-8033-89A51223D7D4}"/>
-              </a:ext>
-            </a:extLst>
-          </p:cNvPr>
-          <p:cNvSpPr>
-            <a:spLocks noGrp="1"/>
-          </p:cNvSpPr>
-          <p:nvPr>
-            <p:ph idx="1"/>
-          </p:nvPr>
-        </p:nvSpPr>
-        <p:spPr>
-          <a:xfrm>
-            <a:off x="838201" y="2022601"/>
-            <a:ext cx="10515598" cy="4154361"/>
-          </a:xfrm>
-        </p:spPr>
-        <p:txBody>
-          <a:bodyPr>
-            <a:normAutofit/>
-          </a:bodyPr>
-          <a:lstStyle/>
-          <a:p>
-            <a:r>
-              <a:rPr lang="cs-CZ" dirty="0">
-                <a:solidFill>
-                  <a:srgbClr val="00B0F0"/>
-                </a:solidFill>
-              </a:rPr>
-              <a:t>Naplánování události (titulek, popisek, datum a čas)</a:t>
-            </a:r>
-          </a:p>
-          <a:p>
-            <a:r>
-              <a:rPr lang="cs-CZ" dirty="0">
-                <a:solidFill>
-                  <a:srgbClr val="00B0F0"/>
-                </a:solidFill>
-              </a:rPr>
-              <a:t>Mazání události</a:t>
-            </a:r>
-          </a:p>
-          <a:p>
-            <a:r>
-              <a:rPr lang="cs-CZ" dirty="0">
-                <a:solidFill>
-                  <a:srgbClr val="00B0F0"/>
-                </a:solidFill>
-              </a:rPr>
-              <a:t>Oznámení o blížící se události</a:t>
-            </a:r>
-          </a:p>
-          <a:p>
-            <a:r>
-              <a:rPr lang="cs-CZ" dirty="0">
-                <a:solidFill>
-                  <a:srgbClr val="00B0F0"/>
-                </a:solidFill>
-              </a:rPr>
-              <a:t>Seznam jmen přijatých událost (číslo při velkém serveru)</a:t>
-            </a:r>
-          </a:p>
-          <a:p>
-            <a:r>
-              <a:rPr lang="cs-CZ" dirty="0">
-                <a:solidFill>
-                  <a:srgbClr val="00B0F0"/>
-                </a:solidFill>
-              </a:rPr>
-              <a:t>Modifikace události</a:t>
-            </a:r>
-          </a:p>
-          <a:p>
-            <a:r>
-              <a:rPr lang="cs-CZ" dirty="0">
-                <a:solidFill>
-                  <a:srgbClr val="00B0F0"/>
-                </a:solidFill>
-              </a:rPr>
-              <a:t>Zapisování a odepisování se na událost</a:t>
-            </a:r>
-          </a:p>
-          <a:p>
-            <a:r>
-              <a:rPr lang="cs-CZ" dirty="0">
-                <a:solidFill>
-                  <a:srgbClr val="00B0F0"/>
-                </a:solidFill>
-              </a:rPr>
-              <a:t>Importování události do vlastního kalendáře Apple (Google),</a:t>
-            </a:r>
-            <a:br>
-              <a:rPr lang="cs-CZ" dirty="0">
-                <a:solidFill>
-                  <a:srgbClr val="00B0F0"/>
-                </a:solidFill>
-              </a:rPr>
-            </a:br>
-            <a:r>
-              <a:rPr lang="cs-CZ" dirty="0">
-                <a:solidFill>
-                  <a:srgbClr val="00B0F0"/>
-                </a:solidFill>
-              </a:rPr>
-              <a:t>skrze Apple API (Google API)</a:t>
-            </a:r>
-          </a:p>
-          <a:p>
-            <a:endParaRPr lang="cs-CZ" dirty="0">
-              <a:solidFill>
-                <a:srgbClr val="00B0F0"/>
-              </a:solidFill>
-            </a:endParaRPr>
-          </a:p>
-        </p:txBody>
-      </p:sp>
-    </p:spTree>
-    <p:extLst>
-      <p:ext uri="{BB962C8B-B14F-4D97-AF65-F5344CB8AC3E}">
-        <p14:creationId xmlns:p14="http://schemas.microsoft.com/office/powerpoint/2010/main" val="961517048"/>
-      </p:ext>
-    </p:extLst>
-  </p:cSld>
-  <p:clrMapOvr>
-    <a:overrideClrMapping bg1="dk1" tx1="lt1" bg2="dk2" tx2="lt2" accent1="accent1" accent2="accent2" accent3="accent3" accent4="accent4" accent5="accent5" accent6="accent6" hlink="hlink" folHlink="folHlink"/>
-  </p:clrMapOvr>
-  <mc:AlternateContent xmlns:mc="http://schemas.openxmlformats.org/markup-compatibility/2006">
-    <mc:Choice xmlns:p159="http://schemas.microsoft.com/office/powerpoint/2015/09/main" Requires="p159">
-      <p:transition spd="slow">
-        <p159:morph option="byObject"/>
-      </p:transition>
-    </mc:Choice>
-    <mc:Fallback>
-      <p:transition spd="slow">
-        <p:fade/>
-      </p:transition>
-    </mc:Fallback>
-  </mc:AlternateContent>
-</p:sld>
-</file>
-
-<file path=ppt/slides/slide8.xml><?xml version="1.0" encoding="utf-8"?>
-<p:sld xmlns:a="http://schemas.openxmlformats.org/drawingml/2006/main" xmlns:r="http://schemas.openxmlformats.org/officeDocument/2006/relationships" xmlns:p="http://schemas.openxmlformats.org/presentationml/2006/main">
-  <p:cSld>
-    <p:bg>
-      <p:bgPr>
-        <a:solidFill>
-          <a:srgbClr val="404040"/>
-        </a:solidFill>
-        <a:effectLst/>
-      </p:bgPr>
-    </p:bg>
-    <p:spTree>
-      <p:nvGrpSpPr>
-        <p:cNvPr id="1" name=""/>
-        <p:cNvGrpSpPr/>
-        <p:nvPr/>
-      </p:nvGrpSpPr>
-      <p:grpSpPr>
-        <a:xfrm>
-          <a:off x="0" y="0"/>
-          <a:ext cx="0" cy="0"/>
-          <a:chOff x="0" y="0"/>
-          <a:chExt cx="0" cy="0"/>
-        </a:xfrm>
-      </p:grpSpPr>
-      <p:sp>
-        <p:nvSpPr>
-          <p:cNvPr id="8" name="Rectangle 7">
-            <a:extLst>
-              <a:ext uri="{FF2B5EF4-FFF2-40B4-BE49-F238E27FC236}">
-                <a16:creationId xmlns:a16="http://schemas.microsoft.com/office/drawing/2014/main" id="{EA67B5B4-3A24-436E-B663-1B2EBFF8A0CD}"/>
-              </a:ext>
-              <a:ext uri="{C183D7F6-B498-43B3-948B-1728B52AA6E4}">
-                <adec:decorative xmlns:adec="http://schemas.microsoft.com/office/drawing/2017/decorative" val="1"/>
-              </a:ext>
-            </a:extLst>
-          </p:cNvPr>
-          <p:cNvSpPr>
-            <a:spLocks noGrp="1" noRot="1" noChangeAspect="1" noMove="1" noResize="1" noEditPoints="1" noAdjustHandles="1" noChangeArrowheads="1" noChangeShapeType="1" noTextEdit="1"/>
-          </p:cNvSpPr>
-          <p:nvPr>
-            <p:extLst>
-              <p:ext uri="{386F3935-93C4-4BCD-93E2-E3B085C9AB24}">
-                <p16:designElem xmlns:p16="http://schemas.microsoft.com/office/powerpoint/2015/main" val="1"/>
-              </p:ext>
-            </p:extLst>
-          </p:nvPr>
-        </p:nvSpPr>
-        <p:spPr>
-          <a:xfrm>
-            <a:off x="0" y="-3324"/>
-            <a:ext cx="12192000" cy="6861324"/>
-          </a:xfrm>
-          <a:prstGeom prst="rect">
-            <a:avLst/>
-          </a:prstGeom>
-          <a:solidFill>
-            <a:srgbClr val="404040"/>
-          </a:solidFill>
-          <a:ln>
-            <a:noFill/>
-          </a:ln>
-        </p:spPr>
-        <p:style>
-          <a:lnRef idx="2">
-            <a:schemeClr val="accent1">
-              <a:shade val="50000"/>
-            </a:schemeClr>
-          </a:lnRef>
-          <a:fillRef idx="1">
-            <a:schemeClr val="accent1"/>
-          </a:fillRef>
-          <a:effectRef idx="0">
-            <a:schemeClr val="accent1"/>
-          </a:effectRef>
-          <a:fontRef idx="minor">
-            <a:schemeClr val="lt1"/>
-          </a:fontRef>
-        </p:style>
-        <p:txBody>
-          <a:bodyPr rtlCol="0" anchor="ctr"/>
-          <a:lstStyle/>
-          <a:p>
-            <a:pPr algn="ctr"/>
-            <a:endParaRPr lang="en-US"/>
-          </a:p>
-        </p:txBody>
-      </p:sp>
-      <p:sp>
-        <p:nvSpPr>
-          <p:cNvPr id="10" name="Freeform 13">
-            <a:extLst>
-              <a:ext uri="{FF2B5EF4-FFF2-40B4-BE49-F238E27FC236}">
-                <a16:creationId xmlns:a16="http://schemas.microsoft.com/office/drawing/2014/main" id="{987FDF89-C993-41F4-A1B8-DBAFF16008A9}"/>
-              </a:ext>
-              <a:ext uri="{C183D7F6-B498-43B3-948B-1728B52AA6E4}">
-                <adec:decorative xmlns:adec="http://schemas.microsoft.com/office/drawing/2017/decorative" val="1"/>
-              </a:ext>
-            </a:extLst>
-          </p:cNvPr>
-          <p:cNvSpPr>
-            <a:spLocks noGrp="1" noRot="1" noChangeAspect="1" noMove="1" noResize="1" noEditPoints="1" noAdjustHandles="1" noChangeArrowheads="1" noChangeShapeType="1" noTextEdit="1"/>
-          </p:cNvSpPr>
-          <p:nvPr>
-            <p:extLst>
-              <p:ext uri="{386F3935-93C4-4BCD-93E2-E3B085C9AB24}">
-                <p16:designElem xmlns:p16="http://schemas.microsoft.com/office/powerpoint/2015/main" val="1"/>
-              </p:ext>
-            </p:extLst>
-          </p:nvPr>
-        </p:nvSpPr>
-        <p:spPr>
-          <a:xfrm>
-            <a:off x="0" y="0"/>
-            <a:ext cx="11786754" cy="6858000"/>
-          </a:xfrm>
-          <a:custGeom>
-            <a:avLst/>
-            <a:gdLst>
-              <a:gd name="connsiteX0" fmla="*/ 0 w 11786754"/>
-              <a:gd name="connsiteY0" fmla="*/ 0 h 6858000"/>
-              <a:gd name="connsiteX1" fmla="*/ 8610600 w 11786754"/>
-              <a:gd name="connsiteY1" fmla="*/ 0 h 6858000"/>
-              <a:gd name="connsiteX2" fmla="*/ 11786754 w 11786754"/>
-              <a:gd name="connsiteY2" fmla="*/ 6858000 h 6858000"/>
-              <a:gd name="connsiteX3" fmla="*/ 0 w 11786754"/>
-              <a:gd name="connsiteY3" fmla="*/ 6858000 h 6858000"/>
-            </a:gdLst>
-            <a:ahLst/>
-            <a:cxnLst>
-              <a:cxn ang="0">
-                <a:pos x="connsiteX0" y="connsiteY0"/>
-              </a:cxn>
-              <a:cxn ang="0">
-                <a:pos x="connsiteX1" y="connsiteY1"/>
-              </a:cxn>
-              <a:cxn ang="0">
-                <a:pos x="connsiteX2" y="connsiteY2"/>
-              </a:cxn>
-              <a:cxn ang="0">
-                <a:pos x="connsiteX3" y="connsiteY3"/>
-              </a:cxn>
-            </a:cxnLst>
-            <a:rect l="l" t="t" r="r" b="b"/>
-            <a:pathLst>
-              <a:path w="11786754" h="6858000">
-                <a:moveTo>
-                  <a:pt x="0" y="0"/>
-                </a:moveTo>
-                <a:lnTo>
-                  <a:pt x="8610600" y="0"/>
-                </a:lnTo>
-                <a:lnTo>
-                  <a:pt x="11786754" y="6858000"/>
-                </a:lnTo>
-                <a:lnTo>
-                  <a:pt x="0" y="6858000"/>
-                </a:lnTo>
-                <a:close/>
-              </a:path>
-            </a:pathLst>
-          </a:custGeom>
-          <a:solidFill>
-            <a:srgbClr val="000000">
-              <a:alpha val="29804"/>
-            </a:srgbClr>
-          </a:solidFill>
-          <a:ln>
-            <a:noFill/>
-          </a:ln>
-        </p:spPr>
-        <p:style>
-          <a:lnRef idx="2">
-            <a:schemeClr val="accent1">
-              <a:shade val="50000"/>
-            </a:schemeClr>
-          </a:lnRef>
-          <a:fillRef idx="1">
-            <a:schemeClr val="accent1"/>
-          </a:fillRef>
-          <a:effectRef idx="0">
-            <a:schemeClr val="accent1"/>
-          </a:effectRef>
-          <a:fontRef idx="minor">
-            <a:schemeClr val="lt1"/>
-          </a:fontRef>
-        </p:style>
-        <p:txBody>
-          <a:bodyPr rtlCol="0" anchor="ctr"/>
-          <a:lstStyle/>
-          <a:p>
-            <a:pPr algn="ctr"/>
-            <a:endParaRPr lang="en-US"/>
-          </a:p>
-        </p:txBody>
-      </p:sp>
-      <p:sp>
-        <p:nvSpPr>
-          <p:cNvPr id="12" name="Freeform 11">
-            <a:extLst>
-              <a:ext uri="{FF2B5EF4-FFF2-40B4-BE49-F238E27FC236}">
-                <a16:creationId xmlns:a16="http://schemas.microsoft.com/office/drawing/2014/main" id="{64E585EA-75FD-4025-8270-F66A58A15CDA}"/>
-              </a:ext>
-              <a:ext uri="{C183D7F6-B498-43B3-948B-1728B52AA6E4}">
-                <adec:decorative xmlns:adec="http://schemas.microsoft.com/office/drawing/2017/decorative" val="1"/>
-              </a:ext>
-            </a:extLst>
-          </p:cNvPr>
-          <p:cNvSpPr>
-            <a:spLocks noGrp="1" noRot="1" noChangeAspect="1" noMove="1" noResize="1" noEditPoints="1" noAdjustHandles="1" noChangeArrowheads="1" noChangeShapeType="1" noTextEdit="1"/>
-          </p:cNvSpPr>
-          <p:nvPr>
-            <p:extLst>
-              <p:ext uri="{386F3935-93C4-4BCD-93E2-E3B085C9AB24}">
-                <p16:designElem xmlns:p16="http://schemas.microsoft.com/office/powerpoint/2015/main" val="1"/>
-              </p:ext>
-            </p:extLst>
-          </p:nvPr>
-        </p:nvSpPr>
-        <p:spPr>
-          <a:xfrm>
-            <a:off x="0" y="0"/>
-            <a:ext cx="3581400" cy="6858000"/>
-          </a:xfrm>
-          <a:custGeom>
-            <a:avLst/>
-            <a:gdLst>
-              <a:gd name="connsiteX0" fmla="*/ 0 w 3581400"/>
-              <a:gd name="connsiteY0" fmla="*/ 0 h 6858000"/>
-              <a:gd name="connsiteX1" fmla="*/ 405246 w 3581400"/>
-              <a:gd name="connsiteY1" fmla="*/ 0 h 6858000"/>
-              <a:gd name="connsiteX2" fmla="*/ 3581400 w 3581400"/>
-              <a:gd name="connsiteY2" fmla="*/ 6858000 h 6858000"/>
-              <a:gd name="connsiteX3" fmla="*/ 0 w 3581400"/>
-              <a:gd name="connsiteY3" fmla="*/ 6858000 h 6858000"/>
-            </a:gdLst>
-            <a:ahLst/>
-            <a:cxnLst>
-              <a:cxn ang="0">
-                <a:pos x="connsiteX0" y="connsiteY0"/>
-              </a:cxn>
-              <a:cxn ang="0">
-                <a:pos x="connsiteX1" y="connsiteY1"/>
-              </a:cxn>
-              <a:cxn ang="0">
-                <a:pos x="connsiteX2" y="connsiteY2"/>
-              </a:cxn>
-              <a:cxn ang="0">
-                <a:pos x="connsiteX3" y="connsiteY3"/>
-              </a:cxn>
-            </a:cxnLst>
-            <a:rect l="l" t="t" r="r" b="b"/>
-            <a:pathLst>
-              <a:path w="3581400" h="6858000">
-                <a:moveTo>
-                  <a:pt x="0" y="0"/>
-                </a:moveTo>
-                <a:lnTo>
-                  <a:pt x="405246" y="0"/>
-                </a:lnTo>
-                <a:lnTo>
-                  <a:pt x="3581400" y="6858000"/>
-                </a:lnTo>
-                <a:lnTo>
-                  <a:pt x="0" y="6858000"/>
-                </a:lnTo>
-                <a:close/>
-              </a:path>
-            </a:pathLst>
-          </a:custGeom>
-          <a:solidFill>
-            <a:srgbClr val="000000">
-              <a:alpha val="29804"/>
-            </a:srgbClr>
-          </a:solidFill>
-          <a:ln>
-            <a:noFill/>
-          </a:ln>
-        </p:spPr>
-        <p:style>
-          <a:lnRef idx="2">
-            <a:schemeClr val="accent1">
-              <a:shade val="50000"/>
-            </a:schemeClr>
-          </a:lnRef>
-          <a:fillRef idx="1">
-            <a:schemeClr val="accent1"/>
-          </a:fillRef>
-          <a:effectRef idx="0">
-            <a:schemeClr val="accent1"/>
-          </a:effectRef>
-          <a:fontRef idx="minor">
-            <a:schemeClr val="lt1"/>
-          </a:fontRef>
-        </p:style>
-        <p:txBody>
-          <a:bodyPr wrap="square" rtlCol="0" anchor="ctr">
-            <a:noAutofit/>
-          </a:bodyPr>
-          <a:lstStyle/>
-          <a:p>
-            <a:pPr algn="ctr"/>
-            <a:endParaRPr lang="en-US"/>
-          </a:p>
-        </p:txBody>
-      </p:sp>
-      <p:sp>
-        <p:nvSpPr>
-          <p:cNvPr id="2" name="Nadpis 1">
-            <a:extLst>
-              <a:ext uri="{FF2B5EF4-FFF2-40B4-BE49-F238E27FC236}">
-                <a16:creationId xmlns:a16="http://schemas.microsoft.com/office/drawing/2014/main" id="{1C8678BA-21A6-4450-A611-7A8268F04105}"/>
-              </a:ext>
-            </a:extLst>
-          </p:cNvPr>
-          <p:cNvSpPr>
-            <a:spLocks noGrp="1"/>
-          </p:cNvSpPr>
-          <p:nvPr>
-            <p:ph type="title"/>
-          </p:nvPr>
-        </p:nvSpPr>
-        <p:spPr>
-          <a:xfrm>
-            <a:off x="2777711" y="2764556"/>
-            <a:ext cx="6636577" cy="1325563"/>
-          </a:xfrm>
-        </p:spPr>
-        <p:txBody>
-          <a:bodyPr vert="horz" lIns="91440" tIns="45720" rIns="91440" bIns="45720" rtlCol="0" anchor="b">
-            <a:normAutofit/>
-          </a:bodyPr>
-          <a:lstStyle/>
-          <a:p>
-            <a:pPr algn="ctr"/>
-            <a:r>
-              <a:rPr lang="cs-CZ" sz="5400" b="1" dirty="0">
-                <a:solidFill>
-                  <a:srgbClr val="00B0F0"/>
-                </a:solidFill>
-              </a:rPr>
-              <a:t>Vzhled události</a:t>
-            </a:r>
-          </a:p>
-        </p:txBody>
-      </p:sp>
-    </p:spTree>
-    <p:extLst>
-      <p:ext uri="{BB962C8B-B14F-4D97-AF65-F5344CB8AC3E}">
-        <p14:creationId xmlns:p14="http://schemas.microsoft.com/office/powerpoint/2010/main" val="1121967380"/>
-      </p:ext>
-    </p:extLst>
-  </p:cSld>
-  <p:clrMapOvr>
-    <a:overrideClrMapping bg1="dk1" tx1="lt1" bg2="dk2" tx2="lt2" accent1="accent1" accent2="accent2" accent3="accent3" accent4="accent4" accent5="accent5" accent6="accent6" hlink="hlink" folHlink="folHlink"/>
-  </p:clrMapOvr>
-  <mc:AlternateContent xmlns:mc="http://schemas.openxmlformats.org/markup-compatibility/2006">
-    <mc:Choice xmlns:p159="http://schemas.microsoft.com/office/powerpoint/2015/09/main" Requires="p159">
-      <p:transition spd="slow">
-        <p159:morph option="byObject"/>
-      </p:transition>
-    </mc:Choice>
-    <mc:Fallback>
-      <p:transition spd="slow">
-        <p:fade/>
-      </p:transition>
-    </mc:Fallback>
-  </mc:AlternateContent>
-</p:sld>
-</file>
-
-<file path=ppt/slides/slide9.xml><?xml version="1.0" encoding="utf-8"?>
-<p:sld xmlns:a="http://schemas.openxmlformats.org/drawingml/2006/main" xmlns:r="http://schemas.openxmlformats.org/officeDocument/2006/relationships" xmlns:p="http://schemas.openxmlformats.org/presentationml/2006/main">
-  <p:cSld>
-    <p:bg>
-      <p:bgPr>
-        <a:solidFill>
-          <a:srgbClr val="404040"/>
-        </a:solidFill>
-        <a:effectLst/>
-      </p:bgPr>
-    </p:bg>
-    <p:spTree>
-      <p:nvGrpSpPr>
-        <p:cNvPr id="1" name=""/>
-        <p:cNvGrpSpPr/>
-        <p:nvPr/>
-      </p:nvGrpSpPr>
-      <p:grpSpPr>
-        <a:xfrm>
-          <a:off x="0" y="0"/>
-          <a:ext cx="0" cy="0"/>
-          <a:chOff x="0" y="0"/>
-          <a:chExt cx="0" cy="0"/>
-        </a:xfrm>
-      </p:grpSpPr>
-      <p:sp>
-        <p:nvSpPr>
-          <p:cNvPr id="8" name="Rectangle 7">
-            <a:extLst>
-              <a:ext uri="{FF2B5EF4-FFF2-40B4-BE49-F238E27FC236}">
-                <a16:creationId xmlns:a16="http://schemas.microsoft.com/office/drawing/2014/main" id="{EA67B5B4-3A24-436E-B663-1B2EBFF8A0CD}"/>
-              </a:ext>
-              <a:ext uri="{C183D7F6-B498-43B3-948B-1728B52AA6E4}">
-                <adec:decorative xmlns:adec="http://schemas.microsoft.com/office/drawing/2017/decorative" val="1"/>
-              </a:ext>
-            </a:extLst>
-          </p:cNvPr>
-          <p:cNvSpPr>
-            <a:spLocks noGrp="1" noRot="1" noChangeAspect="1" noMove="1" noResize="1" noEditPoints="1" noAdjustHandles="1" noChangeArrowheads="1" noChangeShapeType="1" noTextEdit="1"/>
-          </p:cNvSpPr>
-          <p:nvPr>
-            <p:extLst>
-              <p:ext uri="{386F3935-93C4-4BCD-93E2-E3B085C9AB24}">
-                <p16:designElem xmlns:p16="http://schemas.microsoft.com/office/powerpoint/2015/main" val="1"/>
-              </p:ext>
-            </p:extLst>
-          </p:nvPr>
-        </p:nvSpPr>
-        <p:spPr>
-          <a:xfrm>
-            <a:off x="0" y="-3324"/>
-            <a:ext cx="12192000" cy="6861324"/>
-          </a:xfrm>
-          <a:prstGeom prst="rect">
-            <a:avLst/>
-          </a:prstGeom>
-          <a:solidFill>
-            <a:srgbClr val="404040"/>
-          </a:solidFill>
-          <a:ln>
-            <a:noFill/>
-          </a:ln>
-        </p:spPr>
-        <p:style>
-          <a:lnRef idx="2">
-            <a:schemeClr val="accent1">
-              <a:shade val="50000"/>
-            </a:schemeClr>
-          </a:lnRef>
-          <a:fillRef idx="1">
-            <a:schemeClr val="accent1"/>
-          </a:fillRef>
-          <a:effectRef idx="0">
-            <a:schemeClr val="accent1"/>
-          </a:effectRef>
-          <a:fontRef idx="minor">
-            <a:schemeClr val="lt1"/>
-          </a:fontRef>
-        </p:style>
-        <p:txBody>
-          <a:bodyPr rtlCol="0" anchor="ctr"/>
-          <a:lstStyle/>
-          <a:p>
-            <a:pPr algn="ctr"/>
-            <a:endParaRPr lang="en-US"/>
-          </a:p>
-        </p:txBody>
-      </p:sp>
-      <p:sp>
-        <p:nvSpPr>
-          <p:cNvPr id="10" name="Freeform 13">
-            <a:extLst>
-              <a:ext uri="{FF2B5EF4-FFF2-40B4-BE49-F238E27FC236}">
-                <a16:creationId xmlns:a16="http://schemas.microsoft.com/office/drawing/2014/main" id="{987FDF89-C993-41F4-A1B8-DBAFF16008A9}"/>
-              </a:ext>
-              <a:ext uri="{C183D7F6-B498-43B3-948B-1728B52AA6E4}">
-                <adec:decorative xmlns:adec="http://schemas.microsoft.com/office/drawing/2017/decorative" val="1"/>
-              </a:ext>
-            </a:extLst>
-          </p:cNvPr>
-          <p:cNvSpPr>
-            <a:spLocks noGrp="1" noRot="1" noChangeAspect="1" noMove="1" noResize="1" noEditPoints="1" noAdjustHandles="1" noChangeArrowheads="1" noChangeShapeType="1" noTextEdit="1"/>
-          </p:cNvSpPr>
-          <p:nvPr>
-            <p:extLst>
-              <p:ext uri="{386F3935-93C4-4BCD-93E2-E3B085C9AB24}">
-                <p16:designElem xmlns:p16="http://schemas.microsoft.com/office/powerpoint/2015/main" val="1"/>
-              </p:ext>
-            </p:extLst>
-          </p:nvPr>
-        </p:nvSpPr>
-        <p:spPr>
-          <a:xfrm>
-            <a:off x="0" y="0"/>
-            <a:ext cx="11786754" cy="6858000"/>
-          </a:xfrm>
-          <a:custGeom>
-            <a:avLst/>
-            <a:gdLst>
-              <a:gd name="connsiteX0" fmla="*/ 0 w 11786754"/>
-              <a:gd name="connsiteY0" fmla="*/ 0 h 6858000"/>
-              <a:gd name="connsiteX1" fmla="*/ 8610600 w 11786754"/>
-              <a:gd name="connsiteY1" fmla="*/ 0 h 6858000"/>
-              <a:gd name="connsiteX2" fmla="*/ 11786754 w 11786754"/>
-              <a:gd name="connsiteY2" fmla="*/ 6858000 h 6858000"/>
-              <a:gd name="connsiteX3" fmla="*/ 0 w 11786754"/>
-              <a:gd name="connsiteY3" fmla="*/ 6858000 h 6858000"/>
-            </a:gdLst>
-            <a:ahLst/>
-            <a:cxnLst>
-              <a:cxn ang="0">
-                <a:pos x="connsiteX0" y="connsiteY0"/>
-              </a:cxn>
-              <a:cxn ang="0">
-                <a:pos x="connsiteX1" y="connsiteY1"/>
-              </a:cxn>
-              <a:cxn ang="0">
-                <a:pos x="connsiteX2" y="connsiteY2"/>
-              </a:cxn>
-              <a:cxn ang="0">
-                <a:pos x="connsiteX3" y="connsiteY3"/>
-              </a:cxn>
-            </a:cxnLst>
-            <a:rect l="l" t="t" r="r" b="b"/>
-            <a:pathLst>
-              <a:path w="11786754" h="6858000">
-                <a:moveTo>
-                  <a:pt x="0" y="0"/>
-                </a:moveTo>
-                <a:lnTo>
-                  <a:pt x="8610600" y="0"/>
-                </a:lnTo>
-                <a:lnTo>
-                  <a:pt x="11786754" y="6858000"/>
-                </a:lnTo>
-                <a:lnTo>
-                  <a:pt x="0" y="6858000"/>
-                </a:lnTo>
-                <a:close/>
-              </a:path>
-            </a:pathLst>
-          </a:custGeom>
-          <a:solidFill>
-            <a:srgbClr val="000000">
-              <a:alpha val="29804"/>
-            </a:srgbClr>
-          </a:solidFill>
-          <a:ln>
-            <a:noFill/>
-          </a:ln>
-        </p:spPr>
-        <p:style>
-          <a:lnRef idx="2">
-            <a:schemeClr val="accent1">
-              <a:shade val="50000"/>
-            </a:schemeClr>
-          </a:lnRef>
-          <a:fillRef idx="1">
-            <a:schemeClr val="accent1"/>
-          </a:fillRef>
-          <a:effectRef idx="0">
-            <a:schemeClr val="accent1"/>
-          </a:effectRef>
-          <a:fontRef idx="minor">
-            <a:schemeClr val="lt1"/>
-          </a:fontRef>
-        </p:style>
-        <p:txBody>
-          <a:bodyPr rtlCol="0" anchor="ctr"/>
-          <a:lstStyle/>
-          <a:p>
-            <a:pPr algn="ctr"/>
-            <a:endParaRPr lang="en-US"/>
-          </a:p>
-        </p:txBody>
-      </p:sp>
-      <p:sp>
-        <p:nvSpPr>
-          <p:cNvPr id="12" name="Freeform 11">
-            <a:extLst>
-              <a:ext uri="{FF2B5EF4-FFF2-40B4-BE49-F238E27FC236}">
-                <a16:creationId xmlns:a16="http://schemas.microsoft.com/office/drawing/2014/main" id="{64E585EA-75FD-4025-8270-F66A58A15CDA}"/>
-              </a:ext>
-              <a:ext uri="{C183D7F6-B498-43B3-948B-1728B52AA6E4}">
-                <adec:decorative xmlns:adec="http://schemas.microsoft.com/office/drawing/2017/decorative" val="1"/>
-              </a:ext>
-            </a:extLst>
-          </p:cNvPr>
-          <p:cNvSpPr>
-            <a:spLocks noGrp="1" noRot="1" noChangeAspect="1" noMove="1" noResize="1" noEditPoints="1" noAdjustHandles="1" noChangeArrowheads="1" noChangeShapeType="1" noTextEdit="1"/>
-          </p:cNvSpPr>
-          <p:nvPr>
-            <p:extLst>
-              <p:ext uri="{386F3935-93C4-4BCD-93E2-E3B085C9AB24}">
-                <p16:designElem xmlns:p16="http://schemas.microsoft.com/office/powerpoint/2015/main" val="1"/>
-              </p:ext>
-            </p:extLst>
-          </p:nvPr>
-        </p:nvSpPr>
-        <p:spPr>
-          <a:xfrm>
-            <a:off x="0" y="0"/>
-            <a:ext cx="3581400" cy="6858000"/>
-          </a:xfrm>
-          <a:custGeom>
-            <a:avLst/>
-            <a:gdLst>
-              <a:gd name="connsiteX0" fmla="*/ 0 w 3581400"/>
-              <a:gd name="connsiteY0" fmla="*/ 0 h 6858000"/>
-              <a:gd name="connsiteX1" fmla="*/ 405246 w 3581400"/>
-              <a:gd name="connsiteY1" fmla="*/ 0 h 6858000"/>
-              <a:gd name="connsiteX2" fmla="*/ 3581400 w 3581400"/>
-              <a:gd name="connsiteY2" fmla="*/ 6858000 h 6858000"/>
-              <a:gd name="connsiteX3" fmla="*/ 0 w 3581400"/>
-              <a:gd name="connsiteY3" fmla="*/ 6858000 h 6858000"/>
-            </a:gdLst>
-            <a:ahLst/>
-            <a:cxnLst>
-              <a:cxn ang="0">
-                <a:pos x="connsiteX0" y="connsiteY0"/>
-              </a:cxn>
-              <a:cxn ang="0">
-                <a:pos x="connsiteX1" y="connsiteY1"/>
-              </a:cxn>
-              <a:cxn ang="0">
-                <a:pos x="connsiteX2" y="connsiteY2"/>
-              </a:cxn>
-              <a:cxn ang="0">
-                <a:pos x="connsiteX3" y="connsiteY3"/>
-              </a:cxn>
-            </a:cxnLst>
-            <a:rect l="l" t="t" r="r" b="b"/>
-            <a:pathLst>
-              <a:path w="3581400" h="6858000">
-                <a:moveTo>
-                  <a:pt x="0" y="0"/>
-                </a:moveTo>
-                <a:lnTo>
-                  <a:pt x="405246" y="0"/>
-                </a:lnTo>
-                <a:lnTo>
-                  <a:pt x="3581400" y="6858000"/>
-                </a:lnTo>
-                <a:lnTo>
-                  <a:pt x="0" y="6858000"/>
-                </a:lnTo>
-                <a:close/>
-              </a:path>
-            </a:pathLst>
-          </a:custGeom>
-          <a:solidFill>
-            <a:srgbClr val="000000">
-              <a:alpha val="29804"/>
-            </a:srgbClr>
-          </a:solidFill>
-          <a:ln>
-            <a:noFill/>
-          </a:ln>
-        </p:spPr>
-        <p:style>
-          <a:lnRef idx="2">
-            <a:schemeClr val="accent1">
-              <a:shade val="50000"/>
-            </a:schemeClr>
-          </a:lnRef>
-          <a:fillRef idx="1">
-            <a:schemeClr val="accent1"/>
-          </a:fillRef>
-          <a:effectRef idx="0">
-            <a:schemeClr val="accent1"/>
-          </a:effectRef>
-          <a:fontRef idx="minor">
-            <a:schemeClr val="lt1"/>
-          </a:fontRef>
-        </p:style>
-        <p:txBody>
-          <a:bodyPr wrap="square" rtlCol="0" anchor="ctr">
-            <a:noAutofit/>
-          </a:bodyPr>
-          <a:lstStyle/>
-          <a:p>
-            <a:pPr algn="ctr"/>
-            <a:endParaRPr lang="en-US"/>
-          </a:p>
-        </p:txBody>
-      </p:sp>
-      <p:sp>
-        <p:nvSpPr>
-          <p:cNvPr id="2" name="Nadpis 1">
-            <a:extLst>
-              <a:ext uri="{FF2B5EF4-FFF2-40B4-BE49-F238E27FC236}">
-                <a16:creationId xmlns:a16="http://schemas.microsoft.com/office/drawing/2014/main" id="{0DF4A8BE-4790-42AE-AA93-BFB4175E8EFE}"/>
-              </a:ext>
-            </a:extLst>
-          </p:cNvPr>
-          <p:cNvSpPr>
-            <a:spLocks noGrp="1"/>
-          </p:cNvSpPr>
-          <p:nvPr>
-            <p:ph type="title"/>
-          </p:nvPr>
-        </p:nvSpPr>
-        <p:spPr>
-          <a:xfrm>
-            <a:off x="833002" y="365125"/>
-            <a:ext cx="10520702" cy="1325563"/>
-          </a:xfrm>
-        </p:spPr>
-        <p:txBody>
-          <a:bodyPr>
-            <a:normAutofit/>
-          </a:bodyPr>
-          <a:lstStyle/>
-          <a:p>
-            <a:r>
-              <a:rPr lang="cs-CZ" b="1" dirty="0">
-                <a:solidFill>
-                  <a:srgbClr val="00B0F0"/>
-                </a:solidFill>
-              </a:rPr>
-              <a:t>Vzhled události - </a:t>
-            </a:r>
-            <a:r>
-              <a:rPr lang="cs-CZ" b="1" dirty="0" err="1">
-                <a:solidFill>
-                  <a:srgbClr val="00B0F0"/>
-                </a:solidFill>
-              </a:rPr>
-              <a:t>embed</a:t>
-            </a:r>
-            <a:r>
-              <a:rPr lang="cs-CZ" b="1" dirty="0">
-                <a:solidFill>
-                  <a:srgbClr val="00B0F0"/>
-                </a:solidFill>
-              </a:rPr>
-              <a:t> </a:t>
-            </a:r>
-            <a:r>
-              <a:rPr lang="cs-CZ" b="1" dirty="0" err="1">
-                <a:solidFill>
-                  <a:srgbClr val="00B0F0"/>
-                </a:solidFill>
-              </a:rPr>
-              <a:t>message</a:t>
-            </a:r>
-            <a:endParaRPr lang="cs-CZ" b="1" dirty="0">
-              <a:solidFill>
-                <a:srgbClr val="00B0F0"/>
-              </a:solidFill>
-            </a:endParaRPr>
+              <a:t>Plánovaná událost:</a:t>
+            </a:r>
           </a:p>
         </p:txBody>
       </p:sp>
       <p:pic>
         <p:nvPicPr>
-          <p:cNvPr id="1026" name="Picture 2" descr="Popis není dostupný.">
-            <a:extLst>
-              <a:ext uri="{FF2B5EF4-FFF2-40B4-BE49-F238E27FC236}">
-                <a16:creationId xmlns:a16="http://schemas.microsoft.com/office/drawing/2014/main" id="{2739B885-6368-4EED-88BA-837899C045F5}"/>
+          <p:cNvPr id="14" name="Zástupný obsah 13">
+            <a:extLst>
+              <a:ext uri="{FF2B5EF4-FFF2-40B4-BE49-F238E27FC236}">
+                <a16:creationId xmlns:a16="http://schemas.microsoft.com/office/drawing/2014/main" id="{4B7EF28B-57E5-F0FF-4A8D-C8C011480155}"/>
               </a:ext>
             </a:extLst>
           </p:cNvPr>
           <p:cNvPicPr>
-            <a:picLocks noGrp="1" noChangeAspect="1" noChangeArrowheads="1"/>
+            <a:picLocks noGrp="1" noChangeAspect="1"/>
           </p:cNvPicPr>
           <p:nvPr>
             <p:ph idx="1"/>
           </p:nvPr>
         </p:nvPicPr>
         <p:blipFill>
-          <a:blip r:embed="rId2">
-            <a:extLst>
-              <a:ext uri="{28A0092B-C50C-407E-A947-70E740481C1C}">
-                <a14:useLocalDpi xmlns:a14="http://schemas.microsoft.com/office/drawing/2010/main" val="0"/>
-              </a:ext>
-            </a:extLst>
-          </a:blip>
-          <a:srcRect/>
+          <a:blip r:embed="rId3"/>
           <a:stretch>
             <a:fillRect/>
           </a:stretch>
         </p:blipFill>
-        <p:spPr bwMode="auto">
+        <p:spPr>
           <a:xfrm>
-            <a:off x="4265658" y="1531917"/>
-            <a:ext cx="3655389" cy="5131604"/>
+            <a:off x="2569084" y="1825625"/>
+            <a:ext cx="7053832" cy="4351338"/>
           </a:xfrm>
-          <a:prstGeom prst="rect">
-            <a:avLst/>
-          </a:prstGeom>
-          <a:noFill/>
-          <a:extLst>
-            <a:ext uri="{909E8E84-426E-40DD-AFC4-6F175D3DCCD1}">
-              <a14:hiddenFill xmlns:a14="http://schemas.microsoft.com/office/drawing/2010/main">
-                <a:solidFill>
-                  <a:srgbClr val="FFFFFF"/>
-                </a:solidFill>
-              </a14:hiddenFill>
-            </a:ext>
-          </a:extLst>
         </p:spPr>
       </p:pic>
     </p:spTree>
@@ -14175,13 +13204,13 @@
   <p:clrMapOvr>
     <a:overrideClrMapping bg1="dk1" tx1="lt1" bg2="dk2" tx2="lt2" accent1="accent1" accent2="accent2" accent3="accent3" accent4="accent4" accent5="accent5" accent6="accent6" hlink="hlink" folHlink="folHlink"/>
   </p:clrMapOvr>
-  <mc:AlternateContent xmlns:mc="http://schemas.openxmlformats.org/markup-compatibility/2006">
-    <mc:Choice xmlns:p159="http://schemas.microsoft.com/office/powerpoint/2015/09/main" Requires="p159">
+  <mc:AlternateContent xmlns:mc="http://schemas.openxmlformats.org/markup-compatibility/2006" xmlns:p159="http://schemas.microsoft.com/office/powerpoint/2015/09/main">
+    <mc:Choice Requires="p159">
       <p:transition spd="slow">
         <p159:morph option="byObject"/>
       </p:transition>
     </mc:Choice>
-    <mc:Fallback>
+    <mc:Fallback xmlns="">
       <p:transition spd="slow">
         <p:fade/>
       </p:transition>
